--- a/Presentazione_Progetto_TGG.pptx
+++ b/Presentazione_Progetto_TGG.pptx
@@ -5,10 +5,10 @@
     <p:sldMasterId id="2147483648" r:id="rId4"/>
   </p:sldMasterIdLst>
   <p:notesMasterIdLst>
-    <p:notesMasterId r:id="rId28"/>
+    <p:notesMasterId r:id="rId22"/>
   </p:notesMasterIdLst>
   <p:handoutMasterIdLst>
-    <p:handoutMasterId r:id="rId29"/>
+    <p:handoutMasterId r:id="rId23"/>
   </p:handoutMasterIdLst>
   <p:sldIdLst>
     <p:sldId id="256" r:id="rId5"/>
@@ -28,12 +28,6 @@
     <p:sldId id="270" r:id="rId19"/>
     <p:sldId id="267" r:id="rId20"/>
     <p:sldId id="275" r:id="rId21"/>
-    <p:sldId id="259" r:id="rId22"/>
-    <p:sldId id="260" r:id="rId23"/>
-    <p:sldId id="273" r:id="rId24"/>
-    <p:sldId id="271" r:id="rId25"/>
-    <p:sldId id="269" r:id="rId26"/>
-    <p:sldId id="264" r:id="rId27"/>
   </p:sldIdLst>
   <p:sldSz cx="12192000" cy="6858000"/>
   <p:notesSz cx="6858000" cy="9144000"/>
@@ -1035,925 +1029,6 @@
 </dgm:colorsDef>
 </file>
 
-<file path=ppt/diagrams/colors2.xml><?xml version="1.0" encoding="utf-8"?>
-<dgm:colorsDef xmlns:dgm="http://schemas.openxmlformats.org/drawingml/2006/diagram" xmlns:a="http://schemas.openxmlformats.org/drawingml/2006/main" uniqueId="urn:microsoft.com/office/officeart/2005/8/colors/colorful1">
-  <dgm:title val=""/>
-  <dgm:desc val=""/>
-  <dgm:catLst>
-    <dgm:cat type="colorful" pri="10100"/>
-  </dgm:catLst>
-  <dgm:styleLbl name="node0">
-    <dgm:fillClrLst meth="repeat">
-      <a:schemeClr val="accent1"/>
-    </dgm:fillClrLst>
-    <dgm:linClrLst meth="repeat">
-      <a:schemeClr val="lt1"/>
-    </dgm:linClrLst>
-    <dgm:effectClrLst/>
-    <dgm:txLinClrLst/>
-    <dgm:txFillClrLst/>
-    <dgm:txEffectClrLst/>
-  </dgm:styleLbl>
-  <dgm:styleLbl name="node1">
-    <dgm:fillClrLst meth="repeat">
-      <a:schemeClr val="accent2"/>
-      <a:schemeClr val="accent3"/>
-      <a:schemeClr val="accent4"/>
-      <a:schemeClr val="accent5"/>
-      <a:schemeClr val="accent6"/>
-    </dgm:fillClrLst>
-    <dgm:linClrLst meth="repeat">
-      <a:schemeClr val="lt1"/>
-    </dgm:linClrLst>
-    <dgm:effectClrLst/>
-    <dgm:txLinClrLst/>
-    <dgm:txFillClrLst/>
-    <dgm:txEffectClrLst/>
-  </dgm:styleLbl>
-  <dgm:styleLbl name="alignNode1">
-    <dgm:fillClrLst meth="repeat">
-      <a:schemeClr val="accent2"/>
-      <a:schemeClr val="accent3"/>
-      <a:schemeClr val="accent4"/>
-      <a:schemeClr val="accent5"/>
-      <a:schemeClr val="accent6"/>
-    </dgm:fillClrLst>
-    <dgm:linClrLst meth="repeat">
-      <a:schemeClr val="accent2"/>
-      <a:schemeClr val="accent3"/>
-      <a:schemeClr val="accent4"/>
-      <a:schemeClr val="accent5"/>
-      <a:schemeClr val="accent6"/>
-    </dgm:linClrLst>
-    <dgm:effectClrLst/>
-    <dgm:txLinClrLst/>
-    <dgm:txFillClrLst/>
-    <dgm:txEffectClrLst/>
-  </dgm:styleLbl>
-  <dgm:styleLbl name="lnNode1">
-    <dgm:fillClrLst meth="repeat">
-      <a:schemeClr val="accent2"/>
-      <a:schemeClr val="accent3"/>
-      <a:schemeClr val="accent4"/>
-      <a:schemeClr val="accent5"/>
-      <a:schemeClr val="accent6"/>
-    </dgm:fillClrLst>
-    <dgm:linClrLst meth="repeat">
-      <a:schemeClr val="lt1"/>
-    </dgm:linClrLst>
-    <dgm:effectClrLst/>
-    <dgm:txLinClrLst/>
-    <dgm:txFillClrLst/>
-    <dgm:txEffectClrLst/>
-  </dgm:styleLbl>
-  <dgm:styleLbl name="vennNode1">
-    <dgm:fillClrLst meth="repeat">
-      <a:schemeClr val="accent2">
-        <a:alpha val="50000"/>
-      </a:schemeClr>
-      <a:schemeClr val="accent3">
-        <a:alpha val="50000"/>
-      </a:schemeClr>
-      <a:schemeClr val="accent4">
-        <a:alpha val="50000"/>
-      </a:schemeClr>
-      <a:schemeClr val="accent5">
-        <a:alpha val="50000"/>
-      </a:schemeClr>
-      <a:schemeClr val="accent6">
-        <a:alpha val="50000"/>
-      </a:schemeClr>
-    </dgm:fillClrLst>
-    <dgm:linClrLst meth="repeat">
-      <a:schemeClr val="lt1"/>
-    </dgm:linClrLst>
-    <dgm:effectClrLst/>
-    <dgm:txLinClrLst/>
-    <dgm:txFillClrLst/>
-    <dgm:txEffectClrLst/>
-  </dgm:styleLbl>
-  <dgm:styleLbl name="node2">
-    <dgm:fillClrLst>
-      <a:schemeClr val="accent2"/>
-    </dgm:fillClrLst>
-    <dgm:linClrLst meth="repeat">
-      <a:schemeClr val="lt1"/>
-    </dgm:linClrLst>
-    <dgm:effectClrLst/>
-    <dgm:txLinClrLst/>
-    <dgm:txFillClrLst/>
-    <dgm:txEffectClrLst/>
-  </dgm:styleLbl>
-  <dgm:styleLbl name="node3">
-    <dgm:fillClrLst>
-      <a:schemeClr val="accent3"/>
-    </dgm:fillClrLst>
-    <dgm:linClrLst meth="repeat">
-      <a:schemeClr val="lt1"/>
-    </dgm:linClrLst>
-    <dgm:effectClrLst/>
-    <dgm:txLinClrLst/>
-    <dgm:txFillClrLst/>
-    <dgm:txEffectClrLst/>
-  </dgm:styleLbl>
-  <dgm:styleLbl name="node4">
-    <dgm:fillClrLst>
-      <a:schemeClr val="accent4"/>
-    </dgm:fillClrLst>
-    <dgm:linClrLst meth="repeat">
-      <a:schemeClr val="lt1"/>
-    </dgm:linClrLst>
-    <dgm:effectClrLst/>
-    <dgm:txLinClrLst/>
-    <dgm:txFillClrLst/>
-    <dgm:txEffectClrLst/>
-  </dgm:styleLbl>
-  <dgm:styleLbl name="fgImgPlace1">
-    <dgm:fillClrLst meth="repeat">
-      <a:schemeClr val="accent2">
-        <a:tint val="50000"/>
-      </a:schemeClr>
-      <a:schemeClr val="accent3">
-        <a:tint val="50000"/>
-      </a:schemeClr>
-      <a:schemeClr val="accent4">
-        <a:tint val="50000"/>
-      </a:schemeClr>
-      <a:schemeClr val="accent5">
-        <a:tint val="50000"/>
-      </a:schemeClr>
-      <a:schemeClr val="accent6">
-        <a:tint val="50000"/>
-      </a:schemeClr>
-    </dgm:fillClrLst>
-    <dgm:linClrLst meth="repeat">
-      <a:schemeClr val="lt1"/>
-    </dgm:linClrLst>
-    <dgm:effectClrLst/>
-    <dgm:txLinClrLst/>
-    <dgm:txFillClrLst meth="repeat">
-      <a:schemeClr val="lt1"/>
-    </dgm:txFillClrLst>
-    <dgm:txEffectClrLst/>
-  </dgm:styleLbl>
-  <dgm:styleLbl name="alignImgPlace1">
-    <dgm:fillClrLst>
-      <a:schemeClr val="accent1">
-        <a:tint val="50000"/>
-      </a:schemeClr>
-      <a:schemeClr val="accent2">
-        <a:tint val="20000"/>
-      </a:schemeClr>
-    </dgm:fillClrLst>
-    <dgm:linClrLst meth="repeat">
-      <a:schemeClr val="lt1"/>
-    </dgm:linClrLst>
-    <dgm:effectClrLst/>
-    <dgm:txLinClrLst/>
-    <dgm:txFillClrLst meth="repeat">
-      <a:schemeClr val="lt1"/>
-    </dgm:txFillClrLst>
-    <dgm:txEffectClrLst/>
-  </dgm:styleLbl>
-  <dgm:styleLbl name="bgImgPlace1">
-    <dgm:fillClrLst>
-      <a:schemeClr val="accent1">
-        <a:tint val="50000"/>
-      </a:schemeClr>
-      <a:schemeClr val="accent2">
-        <a:tint val="20000"/>
-      </a:schemeClr>
-    </dgm:fillClrLst>
-    <dgm:linClrLst meth="repeat">
-      <a:schemeClr val="lt1"/>
-    </dgm:linClrLst>
-    <dgm:effectClrLst/>
-    <dgm:txLinClrLst/>
-    <dgm:txFillClrLst meth="repeat">
-      <a:schemeClr val="lt1"/>
-    </dgm:txFillClrLst>
-    <dgm:txEffectClrLst/>
-  </dgm:styleLbl>
-  <dgm:styleLbl name="sibTrans2D1">
-    <dgm:fillClrLst meth="repeat">
-      <a:schemeClr val="accent2"/>
-      <a:schemeClr val="accent3"/>
-      <a:schemeClr val="accent4"/>
-      <a:schemeClr val="accent5"/>
-      <a:schemeClr val="accent6"/>
-    </dgm:fillClrLst>
-    <dgm:linClrLst meth="cycle">
-      <a:schemeClr val="lt1"/>
-    </dgm:linClrLst>
-    <dgm:effectClrLst/>
-    <dgm:txLinClrLst/>
-    <dgm:txFillClrLst/>
-    <dgm:txEffectClrLst/>
-  </dgm:styleLbl>
-  <dgm:styleLbl name="fgSibTrans2D1">
-    <dgm:fillClrLst meth="repeat">
-      <a:schemeClr val="accent2"/>
-      <a:schemeClr val="accent3"/>
-      <a:schemeClr val="accent4"/>
-      <a:schemeClr val="accent5"/>
-      <a:schemeClr val="accent6"/>
-    </dgm:fillClrLst>
-    <dgm:linClrLst meth="cycle">
-      <a:schemeClr val="lt1"/>
-    </dgm:linClrLst>
-    <dgm:effectClrLst/>
-    <dgm:txLinClrLst/>
-    <dgm:txFillClrLst meth="repeat">
-      <a:schemeClr val="lt1"/>
-    </dgm:txFillClrLst>
-    <dgm:txEffectClrLst/>
-  </dgm:styleLbl>
-  <dgm:styleLbl name="bgSibTrans2D1">
-    <dgm:fillClrLst meth="repeat">
-      <a:schemeClr val="accent2"/>
-      <a:schemeClr val="accent3"/>
-      <a:schemeClr val="accent4"/>
-      <a:schemeClr val="accent5"/>
-      <a:schemeClr val="accent6"/>
-    </dgm:fillClrLst>
-    <dgm:linClrLst meth="cycle">
-      <a:schemeClr val="lt1"/>
-    </dgm:linClrLst>
-    <dgm:effectClrLst/>
-    <dgm:txLinClrLst/>
-    <dgm:txFillClrLst meth="repeat">
-      <a:schemeClr val="lt1"/>
-    </dgm:txFillClrLst>
-    <dgm:txEffectClrLst/>
-  </dgm:styleLbl>
-  <dgm:styleLbl name="sibTrans1D1">
-    <dgm:fillClrLst meth="repeat">
-      <a:schemeClr val="accent2"/>
-      <a:schemeClr val="accent3"/>
-      <a:schemeClr val="accent4"/>
-      <a:schemeClr val="accent5"/>
-      <a:schemeClr val="accent6"/>
-    </dgm:fillClrLst>
-    <dgm:linClrLst meth="repeat">
-      <a:schemeClr val="accent2"/>
-      <a:schemeClr val="accent3"/>
-      <a:schemeClr val="accent4"/>
-      <a:schemeClr val="accent5"/>
-      <a:schemeClr val="accent6"/>
-    </dgm:linClrLst>
-    <dgm:effectClrLst/>
-    <dgm:txLinClrLst/>
-    <dgm:txFillClrLst meth="repeat">
-      <a:schemeClr val="tx1"/>
-    </dgm:txFillClrLst>
-    <dgm:txEffectClrLst/>
-  </dgm:styleLbl>
-  <dgm:styleLbl name="callout">
-    <dgm:fillClrLst meth="repeat">
-      <a:schemeClr val="accent2"/>
-    </dgm:fillClrLst>
-    <dgm:linClrLst meth="repeat">
-      <a:schemeClr val="accent2">
-        <a:tint val="50000"/>
-      </a:schemeClr>
-    </dgm:linClrLst>
-    <dgm:effectClrLst/>
-    <dgm:txLinClrLst/>
-    <dgm:txFillClrLst meth="repeat">
-      <a:schemeClr val="tx1"/>
-    </dgm:txFillClrLst>
-    <dgm:txEffectClrLst/>
-  </dgm:styleLbl>
-  <dgm:styleLbl name="asst0">
-    <dgm:fillClrLst meth="repeat">
-      <a:schemeClr val="accent1"/>
-    </dgm:fillClrLst>
-    <dgm:linClrLst meth="repeat">
-      <a:schemeClr val="lt1"/>
-    </dgm:linClrLst>
-    <dgm:effectClrLst/>
-    <dgm:txLinClrLst/>
-    <dgm:txFillClrLst/>
-    <dgm:txEffectClrLst/>
-  </dgm:styleLbl>
-  <dgm:styleLbl name="asst1">
-    <dgm:fillClrLst meth="repeat">
-      <a:schemeClr val="accent2"/>
-    </dgm:fillClrLst>
-    <dgm:linClrLst meth="repeat">
-      <a:schemeClr val="lt1"/>
-    </dgm:linClrLst>
-    <dgm:effectClrLst/>
-    <dgm:txLinClrLst/>
-    <dgm:txFillClrLst/>
-    <dgm:txEffectClrLst/>
-  </dgm:styleLbl>
-  <dgm:styleLbl name="asst2">
-    <dgm:fillClrLst>
-      <a:schemeClr val="accent3"/>
-    </dgm:fillClrLst>
-    <dgm:linClrLst meth="repeat">
-      <a:schemeClr val="lt1"/>
-    </dgm:linClrLst>
-    <dgm:effectClrLst/>
-    <dgm:txLinClrLst/>
-    <dgm:txFillClrLst/>
-    <dgm:txEffectClrLst/>
-  </dgm:styleLbl>
-  <dgm:styleLbl name="asst3">
-    <dgm:fillClrLst>
-      <a:schemeClr val="accent4"/>
-    </dgm:fillClrLst>
-    <dgm:linClrLst meth="repeat">
-      <a:schemeClr val="lt1"/>
-    </dgm:linClrLst>
-    <dgm:effectClrLst/>
-    <dgm:txLinClrLst/>
-    <dgm:txFillClrLst/>
-    <dgm:txEffectClrLst/>
-  </dgm:styleLbl>
-  <dgm:styleLbl name="asst4">
-    <dgm:fillClrLst>
-      <a:schemeClr val="accent5"/>
-    </dgm:fillClrLst>
-    <dgm:linClrLst meth="repeat">
-      <a:schemeClr val="lt1"/>
-    </dgm:linClrLst>
-    <dgm:effectClrLst/>
-    <dgm:txLinClrLst/>
-    <dgm:txFillClrLst/>
-    <dgm:txEffectClrLst/>
-  </dgm:styleLbl>
-  <dgm:styleLbl name="parChTrans2D1">
-    <dgm:fillClrLst meth="repeat">
-      <a:schemeClr val="accent2"/>
-    </dgm:fillClrLst>
-    <dgm:linClrLst meth="repeat">
-      <a:schemeClr val="lt1"/>
-    </dgm:linClrLst>
-    <dgm:effectClrLst/>
-    <dgm:txLinClrLst/>
-    <dgm:txFillClrLst meth="repeat">
-      <a:schemeClr val="lt1"/>
-    </dgm:txFillClrLst>
-    <dgm:txEffectClrLst/>
-  </dgm:styleLbl>
-  <dgm:styleLbl name="parChTrans2D2">
-    <dgm:fillClrLst meth="repeat">
-      <a:schemeClr val="accent3"/>
-    </dgm:fillClrLst>
-    <dgm:linClrLst meth="repeat">
-      <a:schemeClr val="lt1"/>
-    </dgm:linClrLst>
-    <dgm:effectClrLst/>
-    <dgm:txLinClrLst/>
-    <dgm:txFillClrLst/>
-    <dgm:txEffectClrLst/>
-  </dgm:styleLbl>
-  <dgm:styleLbl name="parChTrans2D3">
-    <dgm:fillClrLst meth="repeat">
-      <a:schemeClr val="accent4"/>
-    </dgm:fillClrLst>
-    <dgm:linClrLst meth="repeat">
-      <a:schemeClr val="lt1"/>
-    </dgm:linClrLst>
-    <dgm:effectClrLst/>
-    <dgm:txLinClrLst/>
-    <dgm:txFillClrLst/>
-    <dgm:txEffectClrLst/>
-  </dgm:styleLbl>
-  <dgm:styleLbl name="parChTrans2D4">
-    <dgm:fillClrLst meth="repeat">
-      <a:schemeClr val="accent5"/>
-    </dgm:fillClrLst>
-    <dgm:linClrLst meth="repeat">
-      <a:schemeClr val="lt1"/>
-    </dgm:linClrLst>
-    <dgm:effectClrLst/>
-    <dgm:txLinClrLst/>
-    <dgm:txFillClrLst meth="repeat">
-      <a:schemeClr val="lt1"/>
-    </dgm:txFillClrLst>
-    <dgm:txEffectClrLst/>
-  </dgm:styleLbl>
-  <dgm:styleLbl name="parChTrans1D1">
-    <dgm:fillClrLst meth="repeat">
-      <a:schemeClr val="accent2"/>
-    </dgm:fillClrLst>
-    <dgm:linClrLst meth="repeat">
-      <a:schemeClr val="accent1"/>
-    </dgm:linClrLst>
-    <dgm:effectClrLst/>
-    <dgm:txLinClrLst/>
-    <dgm:txFillClrLst meth="repeat">
-      <a:schemeClr val="tx1"/>
-    </dgm:txFillClrLst>
-    <dgm:txEffectClrLst/>
-  </dgm:styleLbl>
-  <dgm:styleLbl name="parChTrans1D2">
-    <dgm:fillClrLst meth="repeat">
-      <a:schemeClr val="accent3">
-        <a:tint val="90000"/>
-      </a:schemeClr>
-    </dgm:fillClrLst>
-    <dgm:linClrLst meth="repeat">
-      <a:schemeClr val="accent2"/>
-    </dgm:linClrLst>
-    <dgm:effectClrLst/>
-    <dgm:txLinClrLst/>
-    <dgm:txFillClrLst meth="repeat">
-      <a:schemeClr val="tx1"/>
-    </dgm:txFillClrLst>
-    <dgm:txEffectClrLst/>
-  </dgm:styleLbl>
-  <dgm:styleLbl name="parChTrans1D3">
-    <dgm:fillClrLst meth="repeat">
-      <a:schemeClr val="accent4">
-        <a:tint val="70000"/>
-      </a:schemeClr>
-    </dgm:fillClrLst>
-    <dgm:linClrLst meth="repeat">
-      <a:schemeClr val="accent3"/>
-    </dgm:linClrLst>
-    <dgm:effectClrLst/>
-    <dgm:txLinClrLst/>
-    <dgm:txFillClrLst meth="repeat">
-      <a:schemeClr val="tx1"/>
-    </dgm:txFillClrLst>
-    <dgm:txEffectClrLst/>
-  </dgm:styleLbl>
-  <dgm:styleLbl name="parChTrans1D4">
-    <dgm:fillClrLst meth="repeat">
-      <a:schemeClr val="accent5">
-        <a:tint val="50000"/>
-      </a:schemeClr>
-    </dgm:fillClrLst>
-    <dgm:linClrLst meth="repeat">
-      <a:schemeClr val="accent4"/>
-    </dgm:linClrLst>
-    <dgm:effectClrLst/>
-    <dgm:txLinClrLst/>
-    <dgm:txFillClrLst meth="repeat">
-      <a:schemeClr val="tx1"/>
-    </dgm:txFillClrLst>
-    <dgm:txEffectClrLst/>
-  </dgm:styleLbl>
-  <dgm:styleLbl name="fgAcc1">
-    <dgm:fillClrLst meth="repeat">
-      <a:schemeClr val="lt1">
-        <a:alpha val="90000"/>
-      </a:schemeClr>
-    </dgm:fillClrLst>
-    <dgm:linClrLst meth="repeat">
-      <a:schemeClr val="accent2"/>
-      <a:schemeClr val="accent3"/>
-      <a:schemeClr val="accent4"/>
-      <a:schemeClr val="accent5"/>
-      <a:schemeClr val="accent6"/>
-    </dgm:linClrLst>
-    <dgm:effectClrLst/>
-    <dgm:txLinClrLst/>
-    <dgm:txFillClrLst meth="repeat">
-      <a:schemeClr val="dk1"/>
-    </dgm:txFillClrLst>
-    <dgm:txEffectClrLst/>
-  </dgm:styleLbl>
-  <dgm:styleLbl name="conFgAcc1">
-    <dgm:fillClrLst meth="repeat">
-      <a:schemeClr val="lt1">
-        <a:alpha val="90000"/>
-      </a:schemeClr>
-    </dgm:fillClrLst>
-    <dgm:linClrLst meth="repeat">
-      <a:schemeClr val="accent2"/>
-      <a:schemeClr val="accent3"/>
-      <a:schemeClr val="accent4"/>
-      <a:schemeClr val="accent5"/>
-      <a:schemeClr val="accent6"/>
-    </dgm:linClrLst>
-    <dgm:effectClrLst/>
-    <dgm:txLinClrLst/>
-    <dgm:txFillClrLst meth="repeat">
-      <a:schemeClr val="dk1"/>
-    </dgm:txFillClrLst>
-    <dgm:txEffectClrLst/>
-  </dgm:styleLbl>
-  <dgm:styleLbl name="alignAcc1">
-    <dgm:fillClrLst meth="repeat">
-      <a:schemeClr val="lt1">
-        <a:alpha val="90000"/>
-      </a:schemeClr>
-    </dgm:fillClrLst>
-    <dgm:linClrLst meth="repeat">
-      <a:schemeClr val="accent2"/>
-      <a:schemeClr val="accent3"/>
-      <a:schemeClr val="accent4"/>
-      <a:schemeClr val="accent5"/>
-      <a:schemeClr val="accent6"/>
-    </dgm:linClrLst>
-    <dgm:effectClrLst/>
-    <dgm:txLinClrLst/>
-    <dgm:txFillClrLst meth="repeat">
-      <a:schemeClr val="dk1"/>
-    </dgm:txFillClrLst>
-    <dgm:txEffectClrLst/>
-  </dgm:styleLbl>
-  <dgm:styleLbl name="trAlignAcc1">
-    <dgm:fillClrLst meth="repeat">
-      <a:schemeClr val="lt1">
-        <a:alpha val="40000"/>
-      </a:schemeClr>
-    </dgm:fillClrLst>
-    <dgm:linClrLst meth="repeat">
-      <a:schemeClr val="accent1"/>
-    </dgm:linClrLst>
-    <dgm:effectClrLst/>
-    <dgm:txLinClrLst/>
-    <dgm:txFillClrLst meth="repeat">
-      <a:schemeClr val="dk1"/>
-    </dgm:txFillClrLst>
-    <dgm:txEffectClrLst/>
-  </dgm:styleLbl>
-  <dgm:styleLbl name="bgAcc1">
-    <dgm:fillClrLst meth="repeat">
-      <a:schemeClr val="lt1">
-        <a:alpha val="90000"/>
-      </a:schemeClr>
-    </dgm:fillClrLst>
-    <dgm:linClrLst meth="repeat">
-      <a:schemeClr val="accent2"/>
-      <a:schemeClr val="accent3"/>
-      <a:schemeClr val="accent4"/>
-      <a:schemeClr val="accent5"/>
-      <a:schemeClr val="accent6"/>
-    </dgm:linClrLst>
-    <dgm:effectClrLst/>
-    <dgm:txLinClrLst/>
-    <dgm:txFillClrLst meth="repeat">
-      <a:schemeClr val="dk1"/>
-    </dgm:txFillClrLst>
-    <dgm:txEffectClrLst/>
-  </dgm:styleLbl>
-  <dgm:styleLbl name="solidFgAcc1">
-    <dgm:fillClrLst meth="repeat">
-      <a:schemeClr val="lt1"/>
-    </dgm:fillClrLst>
-    <dgm:linClrLst meth="repeat">
-      <a:schemeClr val="accent2"/>
-      <a:schemeClr val="accent3"/>
-      <a:schemeClr val="accent4"/>
-      <a:schemeClr val="accent5"/>
-      <a:schemeClr val="accent6"/>
-    </dgm:linClrLst>
-    <dgm:effectClrLst/>
-    <dgm:txLinClrLst/>
-    <dgm:txFillClrLst meth="repeat">
-      <a:schemeClr val="dk1"/>
-    </dgm:txFillClrLst>
-    <dgm:txEffectClrLst/>
-  </dgm:styleLbl>
-  <dgm:styleLbl name="solidAlignAcc1">
-    <dgm:fillClrLst meth="repeat">
-      <a:schemeClr val="lt1"/>
-    </dgm:fillClrLst>
-    <dgm:linClrLst meth="repeat">
-      <a:schemeClr val="accent2"/>
-      <a:schemeClr val="accent3"/>
-      <a:schemeClr val="accent4"/>
-      <a:schemeClr val="accent5"/>
-      <a:schemeClr val="accent6"/>
-    </dgm:linClrLst>
-    <dgm:effectClrLst/>
-    <dgm:txLinClrLst/>
-    <dgm:txFillClrLst meth="repeat">
-      <a:schemeClr val="dk1"/>
-    </dgm:txFillClrLst>
-    <dgm:txEffectClrLst/>
-  </dgm:styleLbl>
-  <dgm:styleLbl name="solidBgAcc1">
-    <dgm:fillClrLst meth="repeat">
-      <a:schemeClr val="lt1"/>
-    </dgm:fillClrLst>
-    <dgm:linClrLst meth="repeat">
-      <a:schemeClr val="accent2"/>
-      <a:schemeClr val="accent3"/>
-      <a:schemeClr val="accent4"/>
-      <a:schemeClr val="accent5"/>
-      <a:schemeClr val="accent6"/>
-    </dgm:linClrLst>
-    <dgm:effectClrLst/>
-    <dgm:txLinClrLst/>
-    <dgm:txFillClrLst meth="repeat">
-      <a:schemeClr val="dk1"/>
-    </dgm:txFillClrLst>
-    <dgm:txEffectClrLst/>
-  </dgm:styleLbl>
-  <dgm:styleLbl name="fgAccFollowNode1">
-    <dgm:fillClrLst meth="repeat">
-      <a:schemeClr val="accent2">
-        <a:tint val="40000"/>
-        <a:alpha val="90000"/>
-      </a:schemeClr>
-      <a:schemeClr val="accent3">
-        <a:tint val="40000"/>
-        <a:alpha val="90000"/>
-      </a:schemeClr>
-      <a:schemeClr val="accent4">
-        <a:tint val="40000"/>
-        <a:alpha val="90000"/>
-      </a:schemeClr>
-      <a:schemeClr val="accent5">
-        <a:tint val="40000"/>
-        <a:alpha val="90000"/>
-      </a:schemeClr>
-      <a:schemeClr val="accent6">
-        <a:tint val="40000"/>
-        <a:alpha val="90000"/>
-      </a:schemeClr>
-    </dgm:fillClrLst>
-    <dgm:linClrLst meth="repeat">
-      <a:schemeClr val="accent2">
-        <a:tint val="40000"/>
-        <a:alpha val="90000"/>
-      </a:schemeClr>
-      <a:schemeClr val="accent3">
-        <a:tint val="40000"/>
-        <a:alpha val="90000"/>
-      </a:schemeClr>
-      <a:schemeClr val="accent4">
-        <a:tint val="40000"/>
-        <a:alpha val="90000"/>
-      </a:schemeClr>
-      <a:schemeClr val="accent5">
-        <a:tint val="40000"/>
-        <a:alpha val="90000"/>
-      </a:schemeClr>
-      <a:schemeClr val="accent6">
-        <a:tint val="40000"/>
-        <a:alpha val="90000"/>
-      </a:schemeClr>
-    </dgm:linClrLst>
-    <dgm:effectClrLst/>
-    <dgm:txLinClrLst/>
-    <dgm:txFillClrLst meth="repeat">
-      <a:schemeClr val="dk1"/>
-    </dgm:txFillClrLst>
-    <dgm:txEffectClrLst/>
-  </dgm:styleLbl>
-  <dgm:styleLbl name="alignAccFollowNode1">
-    <dgm:fillClrLst meth="repeat">
-      <a:schemeClr val="accent2">
-        <a:tint val="40000"/>
-        <a:alpha val="90000"/>
-      </a:schemeClr>
-      <a:schemeClr val="accent3">
-        <a:tint val="40000"/>
-        <a:alpha val="90000"/>
-      </a:schemeClr>
-      <a:schemeClr val="accent4">
-        <a:tint val="40000"/>
-        <a:alpha val="90000"/>
-      </a:schemeClr>
-      <a:schemeClr val="accent5">
-        <a:tint val="40000"/>
-        <a:alpha val="90000"/>
-      </a:schemeClr>
-      <a:schemeClr val="accent6">
-        <a:tint val="40000"/>
-        <a:alpha val="90000"/>
-      </a:schemeClr>
-    </dgm:fillClrLst>
-    <dgm:linClrLst meth="repeat">
-      <a:schemeClr val="accent2">
-        <a:tint val="40000"/>
-        <a:alpha val="90000"/>
-      </a:schemeClr>
-      <a:schemeClr val="accent3">
-        <a:tint val="40000"/>
-        <a:alpha val="90000"/>
-      </a:schemeClr>
-      <a:schemeClr val="accent4">
-        <a:tint val="40000"/>
-        <a:alpha val="90000"/>
-      </a:schemeClr>
-      <a:schemeClr val="accent5">
-        <a:tint val="40000"/>
-        <a:alpha val="90000"/>
-      </a:schemeClr>
-      <a:schemeClr val="accent6">
-        <a:tint val="40000"/>
-        <a:alpha val="90000"/>
-      </a:schemeClr>
-    </dgm:linClrLst>
-    <dgm:effectClrLst/>
-    <dgm:txLinClrLst/>
-    <dgm:txFillClrLst meth="repeat">
-      <a:schemeClr val="dk1"/>
-    </dgm:txFillClrLst>
-    <dgm:txEffectClrLst/>
-  </dgm:styleLbl>
-  <dgm:styleLbl name="bgAccFollowNode1">
-    <dgm:fillClrLst meth="repeat">
-      <a:schemeClr val="accent2">
-        <a:tint val="40000"/>
-        <a:alpha val="90000"/>
-      </a:schemeClr>
-      <a:schemeClr val="accent3">
-        <a:tint val="40000"/>
-        <a:alpha val="90000"/>
-      </a:schemeClr>
-      <a:schemeClr val="accent4">
-        <a:tint val="40000"/>
-        <a:alpha val="90000"/>
-      </a:schemeClr>
-      <a:schemeClr val="accent5">
-        <a:tint val="40000"/>
-        <a:alpha val="90000"/>
-      </a:schemeClr>
-      <a:schemeClr val="accent6">
-        <a:tint val="40000"/>
-        <a:alpha val="90000"/>
-      </a:schemeClr>
-    </dgm:fillClrLst>
-    <dgm:linClrLst meth="repeat">
-      <a:schemeClr val="accent2">
-        <a:tint val="40000"/>
-        <a:alpha val="90000"/>
-      </a:schemeClr>
-      <a:schemeClr val="accent3">
-        <a:tint val="40000"/>
-        <a:alpha val="90000"/>
-      </a:schemeClr>
-      <a:schemeClr val="accent4">
-        <a:tint val="40000"/>
-        <a:alpha val="90000"/>
-      </a:schemeClr>
-      <a:schemeClr val="accent5">
-        <a:tint val="40000"/>
-        <a:alpha val="90000"/>
-      </a:schemeClr>
-      <a:schemeClr val="accent6">
-        <a:tint val="40000"/>
-        <a:alpha val="90000"/>
-      </a:schemeClr>
-    </dgm:linClrLst>
-    <dgm:effectClrLst/>
-    <dgm:txLinClrLst/>
-    <dgm:txFillClrLst meth="repeat">
-      <a:schemeClr val="dk1"/>
-    </dgm:txFillClrLst>
-    <dgm:txEffectClrLst/>
-  </dgm:styleLbl>
-  <dgm:styleLbl name="fgAcc0">
-    <dgm:fillClrLst meth="repeat">
-      <a:schemeClr val="lt1">
-        <a:alpha val="90000"/>
-      </a:schemeClr>
-    </dgm:fillClrLst>
-    <dgm:linClrLst>
-      <a:schemeClr val="accent1"/>
-    </dgm:linClrLst>
-    <dgm:effectClrLst/>
-    <dgm:txLinClrLst/>
-    <dgm:txFillClrLst meth="repeat">
-      <a:schemeClr val="dk1"/>
-    </dgm:txFillClrLst>
-    <dgm:txEffectClrLst/>
-  </dgm:styleLbl>
-  <dgm:styleLbl name="fgAcc2">
-    <dgm:fillClrLst meth="repeat">
-      <a:schemeClr val="lt1">
-        <a:alpha val="90000"/>
-      </a:schemeClr>
-    </dgm:fillClrLst>
-    <dgm:linClrLst>
-      <a:schemeClr val="accent2"/>
-    </dgm:linClrLst>
-    <dgm:effectClrLst/>
-    <dgm:txLinClrLst/>
-    <dgm:txFillClrLst meth="repeat">
-      <a:schemeClr val="dk1"/>
-    </dgm:txFillClrLst>
-    <dgm:txEffectClrLst/>
-  </dgm:styleLbl>
-  <dgm:styleLbl name="fgAcc3">
-    <dgm:fillClrLst meth="repeat">
-      <a:schemeClr val="lt1">
-        <a:alpha val="90000"/>
-      </a:schemeClr>
-    </dgm:fillClrLst>
-    <dgm:linClrLst>
-      <a:schemeClr val="accent3"/>
-    </dgm:linClrLst>
-    <dgm:effectClrLst/>
-    <dgm:txLinClrLst/>
-    <dgm:txFillClrLst meth="repeat">
-      <a:schemeClr val="dk1"/>
-    </dgm:txFillClrLst>
-    <dgm:txEffectClrLst/>
-  </dgm:styleLbl>
-  <dgm:styleLbl name="fgAcc4">
-    <dgm:fillClrLst meth="repeat">
-      <a:schemeClr val="lt1">
-        <a:alpha val="90000"/>
-      </a:schemeClr>
-    </dgm:fillClrLst>
-    <dgm:linClrLst>
-      <a:schemeClr val="accent4"/>
-    </dgm:linClrLst>
-    <dgm:effectClrLst/>
-    <dgm:txLinClrLst/>
-    <dgm:txFillClrLst meth="repeat">
-      <a:schemeClr val="dk1"/>
-    </dgm:txFillClrLst>
-    <dgm:txEffectClrLst/>
-  </dgm:styleLbl>
-  <dgm:styleLbl name="bgShp">
-    <dgm:fillClrLst meth="repeat">
-      <a:schemeClr val="accent2">
-        <a:tint val="40000"/>
-      </a:schemeClr>
-    </dgm:fillClrLst>
-    <dgm:linClrLst meth="repeat">
-      <a:schemeClr val="dk1"/>
-    </dgm:linClrLst>
-    <dgm:effectClrLst/>
-    <dgm:txLinClrLst/>
-    <dgm:txFillClrLst meth="repeat">
-      <a:schemeClr val="dk1"/>
-    </dgm:txFillClrLst>
-    <dgm:txEffectClrLst/>
-  </dgm:styleLbl>
-  <dgm:styleLbl name="dkBgShp">
-    <dgm:fillClrLst meth="repeat">
-      <a:schemeClr val="accent2">
-        <a:shade val="90000"/>
-      </a:schemeClr>
-    </dgm:fillClrLst>
-    <dgm:linClrLst meth="repeat">
-      <a:schemeClr val="dk1"/>
-    </dgm:linClrLst>
-    <dgm:effectClrLst/>
-    <dgm:txLinClrLst/>
-    <dgm:txFillClrLst meth="repeat">
-      <a:schemeClr val="lt1"/>
-    </dgm:txFillClrLst>
-    <dgm:txEffectClrLst/>
-  </dgm:styleLbl>
-  <dgm:styleLbl name="trBgShp">
-    <dgm:fillClrLst meth="repeat">
-      <a:schemeClr val="accent1">
-        <a:tint val="50000"/>
-        <a:alpha val="40000"/>
-      </a:schemeClr>
-    </dgm:fillClrLst>
-    <dgm:linClrLst meth="repeat">
-      <a:schemeClr val="accent2"/>
-    </dgm:linClrLst>
-    <dgm:effectClrLst/>
-    <dgm:txLinClrLst/>
-    <dgm:txFillClrLst meth="repeat">
-      <a:schemeClr val="lt1"/>
-    </dgm:txFillClrLst>
-    <dgm:txEffectClrLst/>
-  </dgm:styleLbl>
-  <dgm:styleLbl name="fgShp">
-    <dgm:fillClrLst meth="repeat">
-      <a:schemeClr val="accent2">
-        <a:tint val="40000"/>
-      </a:schemeClr>
-    </dgm:fillClrLst>
-    <dgm:linClrLst meth="repeat">
-      <a:schemeClr val="lt1"/>
-    </dgm:linClrLst>
-    <dgm:effectClrLst/>
-    <dgm:txLinClrLst/>
-    <dgm:txFillClrLst meth="repeat">
-      <a:schemeClr val="dk1"/>
-    </dgm:txFillClrLst>
-    <dgm:txEffectClrLst/>
-  </dgm:styleLbl>
-  <dgm:styleLbl name="revTx">
-    <dgm:fillClrLst meth="repeat">
-      <a:schemeClr val="lt1">
-        <a:alpha val="0"/>
-      </a:schemeClr>
-    </dgm:fillClrLst>
-    <dgm:linClrLst meth="repeat">
-      <a:schemeClr val="dk1">
-        <a:alpha val="0"/>
-      </a:schemeClr>
-    </dgm:linClrLst>
-    <dgm:effectClrLst/>
-    <dgm:txLinClrLst/>
-    <dgm:txFillClrLst meth="repeat">
-      <a:schemeClr val="tx1"/>
-    </dgm:txFillClrLst>
-    <dgm:txEffectClrLst/>
-  </dgm:styleLbl>
-</dgm:colorsDef>
-</file>
-
 <file path=ppt/diagrams/data1.xml><?xml version="1.0" encoding="utf-8"?>
 <dgm:dataModel xmlns:dgm="http://schemas.openxmlformats.org/drawingml/2006/diagram" xmlns:a="http://schemas.openxmlformats.org/drawingml/2006/main">
   <dgm:ptLst>
@@ -2639,938 +1714,6 @@
     <dgm:cxn modelId="{1F3D9CE2-342F-4335-BD41-5AA59D2BD7BD}" type="presParOf" srcId="{A62622B1-7EF4-49B6-9AC7-B54F0E2A0C74}" destId="{7C1E6B4A-59F7-4018-A403-E1CCAEE78BA1}" srcOrd="3" destOrd="0" presId="urn:microsoft.com/office/officeart/2017/3/layout/DropPinTimeline"/>
     <dgm:cxn modelId="{FFF1ACE9-B2B3-4E83-877B-F9633E8EE135}" type="presParOf" srcId="{A62622B1-7EF4-49B6-9AC7-B54F0E2A0C74}" destId="{A03C5372-D306-43AC-B406-6F8183849431}" srcOrd="4" destOrd="0" presId="urn:microsoft.com/office/officeart/2017/3/layout/DropPinTimeline"/>
     <dgm:cxn modelId="{D8A09163-94A5-46BD-9FA2-C3372A01AA32}" type="presParOf" srcId="{A62622B1-7EF4-49B6-9AC7-B54F0E2A0C74}" destId="{90926F0B-05E0-48AF-9C69-5C494731F877}" srcOrd="5" destOrd="0" presId="urn:microsoft.com/office/officeart/2017/3/layout/DropPinTimeline"/>
-  </dgm:cxnLst>
-  <dgm:bg/>
-  <dgm:whole/>
-  <dgm:extLst>
-    <a:ext uri="http://schemas.microsoft.com/office/drawing/2008/diagram">
-      <dsp:dataModelExt xmlns:dsp="http://schemas.microsoft.com/office/drawing/2008/diagram" relId="rId7" minVer="http://schemas.openxmlformats.org/drawingml/2006/diagram"/>
-    </a:ext>
-  </dgm:extLst>
-</dgm:dataModel>
-</file>
-
-<file path=ppt/diagrams/data2.xml><?xml version="1.0" encoding="utf-8"?>
-<dgm:dataModel xmlns:dgm="http://schemas.openxmlformats.org/drawingml/2006/diagram" xmlns:a="http://schemas.openxmlformats.org/drawingml/2006/main">
-  <dgm:ptLst>
-    <dgm:pt modelId="{0DD8915E-DC14-41D6-9BB5-F49E1C265163}" type="doc">
-      <dgm:prSet loTypeId="urn:microsoft.com/office/officeart/2005/8/layout/hList7" loCatId="list" qsTypeId="urn:microsoft.com/office/officeart/2005/8/quickstyle/simple1" qsCatId="simple" csTypeId="urn:microsoft.com/office/officeart/2005/8/colors/colorful1" csCatId="colorful" phldr="1"/>
-      <dgm:spPr/>
-      <dgm:t>
-        <a:bodyPr rtlCol="0"/>
-        <a:lstStyle/>
-        <a:p>
-          <a:pPr rtl="0"/>
-          <a:endParaRPr lang="en-US"/>
-        </a:p>
-      </dgm:t>
-    </dgm:pt>
-    <dgm:pt modelId="{8FE81FEC-2664-411F-AEB3-065F29F52751}">
-      <dgm:prSet custT="1"/>
-      <dgm:spPr>
-        <a:solidFill>
-          <a:schemeClr val="accent1"/>
-        </a:solidFill>
-        <a:ln>
-          <a:noFill/>
-        </a:ln>
-      </dgm:spPr>
-      <dgm:t>
-        <a:bodyPr lIns="182880" tIns="182880" rIns="182880" bIns="182880" rtlCol="0"/>
-        <a:lstStyle/>
-        <a:p>
-          <a:pPr marL="0" algn="ctr" rtl="0">
-            <a:buNone/>
-          </a:pPr>
-          <a:r>
-            <a:rPr lang="en-GB" sz="1400" noProof="0" dirty="0">
-              <a:latin typeface="Tenorite" pitchFamily="2" charset="0"/>
-            </a:rPr>
-            <a:t>Deploy strategic networks with compelling e-business needs</a:t>
-          </a:r>
-        </a:p>
-      </dgm:t>
-    </dgm:pt>
-    <dgm:pt modelId="{BCBC007E-0269-421B-9C41-DE26D5C3A822}" type="parTrans" cxnId="{711E093C-AD42-45A4-8D40-A2D39702062E}">
-      <dgm:prSet/>
-      <dgm:spPr/>
-      <dgm:t>
-        <a:bodyPr rtlCol="0"/>
-        <a:lstStyle/>
-        <a:p>
-          <a:pPr rtl="0"/>
-          <a:endParaRPr lang="en-GB" noProof="0" dirty="0">
-            <a:latin typeface="Tenorite" pitchFamily="2" charset="0"/>
-          </a:endParaRPr>
-        </a:p>
-      </dgm:t>
-    </dgm:pt>
-    <dgm:pt modelId="{80230EB7-7230-4881-A631-309C07417378}" type="sibTrans" cxnId="{711E093C-AD42-45A4-8D40-A2D39702062E}">
-      <dgm:prSet/>
-      <dgm:spPr/>
-      <dgm:t>
-        <a:bodyPr rtlCol="0"/>
-        <a:lstStyle/>
-        <a:p>
-          <a:pPr rtl="0"/>
-          <a:endParaRPr lang="en-GB" noProof="0" dirty="0">
-            <a:latin typeface="Tenorite" pitchFamily="2" charset="0"/>
-          </a:endParaRPr>
-        </a:p>
-      </dgm:t>
-    </dgm:pt>
-    <dgm:pt modelId="{73D947E0-108F-4D20-A71E-3CF329F97212}">
-      <dgm:prSet phldr="0"/>
-      <dgm:spPr>
-        <a:solidFill>
-          <a:schemeClr val="accent1"/>
-        </a:solidFill>
-        <a:ln>
-          <a:noFill/>
-        </a:ln>
-      </dgm:spPr>
-      <dgm:t>
-        <a:bodyPr rtlCol="0"/>
-        <a:lstStyle/>
-        <a:p>
-          <a:pPr marL="0" algn="ctr" rtl="0">
-            <a:buNone/>
-          </a:pPr>
-          <a:r>
-            <a:rPr lang="en-GB" sz="2000" noProof="0" dirty="0">
-              <a:latin typeface="Tenorite" pitchFamily="2" charset="0"/>
-            </a:rPr>
-            <a:t>Planning</a:t>
-          </a:r>
-        </a:p>
-      </dgm:t>
-    </dgm:pt>
-    <dgm:pt modelId="{9D249532-A24D-4D8F-848A-9F42F2E486C9}" type="parTrans" cxnId="{A0077D09-C12C-46D0-8DF7-194B6911362A}">
-      <dgm:prSet/>
-      <dgm:spPr/>
-      <dgm:t>
-        <a:bodyPr rtlCol="0"/>
-        <a:lstStyle/>
-        <a:p>
-          <a:pPr rtl="0"/>
-          <a:endParaRPr lang="en-GB" noProof="0" dirty="0">
-            <a:latin typeface="Tenorite" pitchFamily="2" charset="0"/>
-          </a:endParaRPr>
-        </a:p>
-      </dgm:t>
-    </dgm:pt>
-    <dgm:pt modelId="{AE813459-65AB-4FA9-B717-330DDA6DFA4E}" type="sibTrans" cxnId="{A0077D09-C12C-46D0-8DF7-194B6911362A}">
-      <dgm:prSet/>
-      <dgm:spPr/>
-      <dgm:t>
-        <a:bodyPr rtlCol="0"/>
-        <a:lstStyle/>
-        <a:p>
-          <a:pPr rtl="0"/>
-          <a:endParaRPr lang="en-GB" noProof="0" dirty="0">
-            <a:latin typeface="Tenorite" pitchFamily="2" charset="0"/>
-          </a:endParaRPr>
-        </a:p>
-      </dgm:t>
-    </dgm:pt>
-    <dgm:pt modelId="{30A490C8-22B4-4D68-875C-0F0DE2FF864D}">
-      <dgm:prSet custT="1"/>
-      <dgm:spPr>
-        <a:solidFill>
-          <a:schemeClr val="accent1"/>
-        </a:solidFill>
-        <a:ln>
-          <a:noFill/>
-        </a:ln>
-      </dgm:spPr>
-      <dgm:t>
-        <a:bodyPr rtlCol="0"/>
-        <a:lstStyle/>
-        <a:p>
-          <a:pPr marL="0" algn="ctr" rtl="0">
-            <a:buNone/>
-          </a:pPr>
-          <a:r>
-            <a:rPr lang="en-GB" sz="1400" noProof="0" dirty="0">
-              <a:latin typeface="Tenorite" pitchFamily="2" charset="0"/>
-            </a:rPr>
-            <a:t>Synergise scalable </a:t>
-          </a:r>
-          <a:br>
-            <a:rPr lang="en-GB" sz="1400" noProof="0" dirty="0">
-              <a:latin typeface="Tenorite" pitchFamily="2" charset="0"/>
-            </a:rPr>
-          </a:br>
-          <a:r>
-            <a:rPr lang="en-GB" sz="1400" noProof="0" dirty="0">
-              <a:latin typeface="Tenorite" pitchFamily="2" charset="0"/>
-            </a:rPr>
-            <a:t>e-commerce</a:t>
-          </a:r>
-        </a:p>
-      </dgm:t>
-    </dgm:pt>
-    <dgm:pt modelId="{035C64B0-4F0C-4FD1-BD23-B1D4C9887CBE}" type="parTrans" cxnId="{381FE1CC-8184-4745-8EB3-6DE11655998D}">
-      <dgm:prSet/>
-      <dgm:spPr/>
-      <dgm:t>
-        <a:bodyPr rtlCol="0"/>
-        <a:lstStyle/>
-        <a:p>
-          <a:pPr rtl="0"/>
-          <a:endParaRPr lang="en-GB" noProof="0" dirty="0">
-            <a:latin typeface="Tenorite" pitchFamily="2" charset="0"/>
-          </a:endParaRPr>
-        </a:p>
-      </dgm:t>
-    </dgm:pt>
-    <dgm:pt modelId="{45495DA8-8707-41E3-A12B-FA5766269C44}" type="sibTrans" cxnId="{381FE1CC-8184-4745-8EB3-6DE11655998D}">
-      <dgm:prSet/>
-      <dgm:spPr/>
-      <dgm:t>
-        <a:bodyPr rtlCol="0"/>
-        <a:lstStyle/>
-        <a:p>
-          <a:pPr rtl="0"/>
-          <a:endParaRPr lang="en-GB" noProof="0" dirty="0">
-            <a:latin typeface="Tenorite" pitchFamily="2" charset="0"/>
-          </a:endParaRPr>
-        </a:p>
-      </dgm:t>
-    </dgm:pt>
-    <dgm:pt modelId="{B1AFA1AF-0FF8-45B3-A6D0-0E255A2F637D}">
-      <dgm:prSet phldr="0"/>
-      <dgm:spPr>
-        <a:solidFill>
-          <a:schemeClr val="accent1"/>
-        </a:solidFill>
-        <a:ln>
-          <a:noFill/>
-        </a:ln>
-      </dgm:spPr>
-      <dgm:t>
-        <a:bodyPr rtlCol="0"/>
-        <a:lstStyle/>
-        <a:p>
-          <a:pPr marL="0" algn="ctr" rtl="0">
-            <a:buNone/>
-          </a:pPr>
-          <a:r>
-            <a:rPr lang="en-GB" sz="2000" noProof="0" dirty="0">
-              <a:latin typeface="Tenorite" pitchFamily="2" charset="0"/>
-            </a:rPr>
-            <a:t>Marketing</a:t>
-          </a:r>
-        </a:p>
-      </dgm:t>
-    </dgm:pt>
-    <dgm:pt modelId="{10C68AF5-481C-45AA-A216-8BBBB04515B9}" type="parTrans" cxnId="{F28D7702-2FC3-49BD-BB13-C989E5EE622A}">
-      <dgm:prSet/>
-      <dgm:spPr/>
-      <dgm:t>
-        <a:bodyPr rtlCol="0"/>
-        <a:lstStyle/>
-        <a:p>
-          <a:pPr rtl="0"/>
-          <a:endParaRPr lang="en-GB" noProof="0" dirty="0">
-            <a:latin typeface="Tenorite" pitchFamily="2" charset="0"/>
-          </a:endParaRPr>
-        </a:p>
-      </dgm:t>
-    </dgm:pt>
-    <dgm:pt modelId="{88649F7A-400B-4056-965D-C9AC0B3AD942}" type="sibTrans" cxnId="{F28D7702-2FC3-49BD-BB13-C989E5EE622A}">
-      <dgm:prSet/>
-      <dgm:spPr/>
-      <dgm:t>
-        <a:bodyPr rtlCol="0"/>
-        <a:lstStyle/>
-        <a:p>
-          <a:pPr rtl="0"/>
-          <a:endParaRPr lang="en-GB" noProof="0" dirty="0">
-            <a:latin typeface="Tenorite" pitchFamily="2" charset="0"/>
-          </a:endParaRPr>
-        </a:p>
-      </dgm:t>
-    </dgm:pt>
-    <dgm:pt modelId="{50418D2B-9486-42DE-AFDD-1D31420040FF}">
-      <dgm:prSet custT="1"/>
-      <dgm:spPr>
-        <a:solidFill>
-          <a:schemeClr val="accent1"/>
-        </a:solidFill>
-        <a:ln>
-          <a:noFill/>
-        </a:ln>
-      </dgm:spPr>
-      <dgm:t>
-        <a:bodyPr rtlCol="0"/>
-        <a:lstStyle/>
-        <a:p>
-          <a:pPr marL="0" algn="ctr" rtl="0">
-            <a:buNone/>
-          </a:pPr>
-          <a:r>
-            <a:rPr lang="en-GB" sz="1400" noProof="0" dirty="0">
-              <a:latin typeface="Tenorite" pitchFamily="2" charset="0"/>
-            </a:rPr>
-            <a:t>Disseminate standardised metrics</a:t>
-          </a:r>
-        </a:p>
-      </dgm:t>
-    </dgm:pt>
-    <dgm:pt modelId="{D5A17F6B-93F5-442B-938A-0F38C281BE88}" type="parTrans" cxnId="{5A5BA622-5DEB-48B9-88D9-C1DE36C711E5}">
-      <dgm:prSet/>
-      <dgm:spPr/>
-      <dgm:t>
-        <a:bodyPr rtlCol="0"/>
-        <a:lstStyle/>
-        <a:p>
-          <a:pPr rtl="0"/>
-          <a:endParaRPr lang="en-GB" noProof="0" dirty="0">
-            <a:latin typeface="Tenorite" pitchFamily="2" charset="0"/>
-          </a:endParaRPr>
-        </a:p>
-      </dgm:t>
-    </dgm:pt>
-    <dgm:pt modelId="{1D87A0A5-8024-4710-846B-D5BFAC785107}" type="sibTrans" cxnId="{5A5BA622-5DEB-48B9-88D9-C1DE36C711E5}">
-      <dgm:prSet/>
-      <dgm:spPr/>
-      <dgm:t>
-        <a:bodyPr rtlCol="0"/>
-        <a:lstStyle/>
-        <a:p>
-          <a:pPr rtl="0"/>
-          <a:endParaRPr lang="en-GB" noProof="0" dirty="0">
-            <a:latin typeface="Tenorite" pitchFamily="2" charset="0"/>
-          </a:endParaRPr>
-        </a:p>
-      </dgm:t>
-    </dgm:pt>
-    <dgm:pt modelId="{E9682B4F-0217-4B50-923E-C104AA24290F}">
-      <dgm:prSet phldr="0"/>
-      <dgm:spPr>
-        <a:solidFill>
-          <a:schemeClr val="accent1"/>
-        </a:solidFill>
-        <a:ln>
-          <a:noFill/>
-        </a:ln>
-      </dgm:spPr>
-      <dgm:t>
-        <a:bodyPr rtlCol="0"/>
-        <a:lstStyle/>
-        <a:p>
-          <a:pPr marL="0" algn="ctr" rtl="0">
-            <a:buNone/>
-          </a:pPr>
-          <a:r>
-            <a:rPr lang="en-GB" sz="2000" noProof="0" dirty="0">
-              <a:latin typeface="Tenorite" pitchFamily="2" charset="0"/>
-            </a:rPr>
-            <a:t>Design</a:t>
-          </a:r>
-        </a:p>
-      </dgm:t>
-    </dgm:pt>
-    <dgm:pt modelId="{E0F6C4AF-9BBB-4698-91D7-F9AE3EACBD5D}" type="parTrans" cxnId="{6C23D0C9-74B2-4C8B-AB2F-A03B3B0EBE56}">
-      <dgm:prSet/>
-      <dgm:spPr/>
-      <dgm:t>
-        <a:bodyPr rtlCol="0"/>
-        <a:lstStyle/>
-        <a:p>
-          <a:pPr rtl="0"/>
-          <a:endParaRPr lang="en-GB" noProof="0" dirty="0">
-            <a:latin typeface="Tenorite" pitchFamily="2" charset="0"/>
-          </a:endParaRPr>
-        </a:p>
-      </dgm:t>
-    </dgm:pt>
-    <dgm:pt modelId="{B8632E42-D7EB-4C31-877E-6F1B2801851A}" type="sibTrans" cxnId="{6C23D0C9-74B2-4C8B-AB2F-A03B3B0EBE56}">
-      <dgm:prSet/>
-      <dgm:spPr/>
-      <dgm:t>
-        <a:bodyPr rtlCol="0"/>
-        <a:lstStyle/>
-        <a:p>
-          <a:pPr rtl="0"/>
-          <a:endParaRPr lang="en-GB" noProof="0" dirty="0">
-            <a:latin typeface="Tenorite" pitchFamily="2" charset="0"/>
-          </a:endParaRPr>
-        </a:p>
-      </dgm:t>
-    </dgm:pt>
-    <dgm:pt modelId="{0EC0C300-11E4-45CF-8418-973585107209}">
-      <dgm:prSet phldr="0" custT="1"/>
-      <dgm:spPr>
-        <a:solidFill>
-          <a:schemeClr val="accent1"/>
-        </a:solidFill>
-        <a:ln>
-          <a:noFill/>
-        </a:ln>
-      </dgm:spPr>
-      <dgm:t>
-        <a:bodyPr rtlCol="0"/>
-        <a:lstStyle/>
-        <a:p>
-          <a:pPr marL="0" algn="ctr" rtl="0">
-            <a:buNone/>
-          </a:pPr>
-          <a:r>
-            <a:rPr lang="en-GB" sz="1400" noProof="0" dirty="0">
-              <a:latin typeface="Tenorite" pitchFamily="2" charset="0"/>
-            </a:rPr>
-            <a:t>Co-ordinate</a:t>
-          </a:r>
-        </a:p>
-      </dgm:t>
-    </dgm:pt>
-    <dgm:pt modelId="{1E4DD98E-100E-46B7-B24A-408BBF69E9FA}" type="parTrans" cxnId="{51563A4F-C0EB-47D6-B5BC-47A4E599AD4B}">
-      <dgm:prSet/>
-      <dgm:spPr/>
-      <dgm:t>
-        <a:bodyPr rtlCol="0"/>
-        <a:lstStyle/>
-        <a:p>
-          <a:pPr rtl="0"/>
-          <a:endParaRPr lang="en-GB" noProof="0" dirty="0">
-            <a:latin typeface="Tenorite" pitchFamily="2" charset="0"/>
-          </a:endParaRPr>
-        </a:p>
-      </dgm:t>
-    </dgm:pt>
-    <dgm:pt modelId="{90FAB5D1-62B3-4FF6-A07D-EE607F529C32}" type="sibTrans" cxnId="{51563A4F-C0EB-47D6-B5BC-47A4E599AD4B}">
-      <dgm:prSet/>
-      <dgm:spPr/>
-      <dgm:t>
-        <a:bodyPr rtlCol="0"/>
-        <a:lstStyle/>
-        <a:p>
-          <a:pPr rtl="0"/>
-          <a:endParaRPr lang="en-GB" noProof="0" dirty="0">
-            <a:latin typeface="Tenorite" pitchFamily="2" charset="0"/>
-          </a:endParaRPr>
-        </a:p>
-      </dgm:t>
-    </dgm:pt>
-    <dgm:pt modelId="{FEB4A941-E9FA-4A86-A673-85FF34B35F20}">
-      <dgm:prSet phldr="0" custT="1"/>
-      <dgm:spPr>
-        <a:solidFill>
-          <a:schemeClr val="accent1"/>
-        </a:solidFill>
-        <a:ln>
-          <a:noFill/>
-        </a:ln>
-      </dgm:spPr>
-      <dgm:t>
-        <a:bodyPr rtlCol="0"/>
-        <a:lstStyle/>
-        <a:p>
-          <a:pPr marL="0" algn="ctr" rtl="0">
-            <a:buNone/>
-          </a:pPr>
-          <a:r>
-            <a:rPr lang="en-GB" sz="1400" noProof="0" dirty="0">
-              <a:latin typeface="Tenorite" pitchFamily="2" charset="0"/>
-            </a:rPr>
-            <a:t>Foster holistically superior methodologies</a:t>
-          </a:r>
-        </a:p>
-      </dgm:t>
-    </dgm:pt>
-    <dgm:pt modelId="{39522508-BC4E-4DD5-A744-AFEFFE36DB74}" type="parTrans" cxnId="{F942F56C-9025-4AA1-9B36-C5AE0A93B0F5}">
-      <dgm:prSet/>
-      <dgm:spPr/>
-      <dgm:t>
-        <a:bodyPr rtlCol="0"/>
-        <a:lstStyle/>
-        <a:p>
-          <a:pPr rtl="0"/>
-          <a:endParaRPr lang="en-GB" noProof="0" dirty="0">
-            <a:latin typeface="Tenorite" pitchFamily="2" charset="0"/>
-          </a:endParaRPr>
-        </a:p>
-      </dgm:t>
-    </dgm:pt>
-    <dgm:pt modelId="{97624CC8-6315-4683-B26C-C30D552DA5A6}" type="sibTrans" cxnId="{F942F56C-9025-4AA1-9B36-C5AE0A93B0F5}">
-      <dgm:prSet/>
-      <dgm:spPr/>
-      <dgm:t>
-        <a:bodyPr rtlCol="0"/>
-        <a:lstStyle/>
-        <a:p>
-          <a:pPr rtl="0"/>
-          <a:endParaRPr lang="en-GB" noProof="0" dirty="0">
-            <a:latin typeface="Tenorite" pitchFamily="2" charset="0"/>
-          </a:endParaRPr>
-        </a:p>
-      </dgm:t>
-    </dgm:pt>
-    <dgm:pt modelId="{A2322D3A-7AC2-4C5C-9D7E-EAB2313D47D4}">
-      <dgm:prSet phldr="0"/>
-      <dgm:spPr>
-        <a:solidFill>
-          <a:schemeClr val="accent1"/>
-        </a:solidFill>
-        <a:ln>
-          <a:noFill/>
-        </a:ln>
-      </dgm:spPr>
-      <dgm:t>
-        <a:bodyPr rtlCol="0"/>
-        <a:lstStyle/>
-        <a:p>
-          <a:pPr marL="0" algn="ctr" rtl="0"/>
-          <a:r>
-            <a:rPr lang="en-GB" sz="2000" noProof="0" dirty="0">
-              <a:latin typeface="Tenorite" pitchFamily="2" charset="0"/>
-            </a:rPr>
-            <a:t>Launch</a:t>
-          </a:r>
-        </a:p>
-      </dgm:t>
-    </dgm:pt>
-    <dgm:pt modelId="{4A8C15D4-B36F-4764-B4FF-F2AF790D3E17}" type="parTrans" cxnId="{179FAFCF-F878-464E-A8A6-1185EFA0E380}">
-      <dgm:prSet/>
-      <dgm:spPr/>
-      <dgm:t>
-        <a:bodyPr rtlCol="0"/>
-        <a:lstStyle/>
-        <a:p>
-          <a:pPr rtl="0"/>
-          <a:endParaRPr lang="en-GB" noProof="0" dirty="0">
-            <a:latin typeface="Tenorite" pitchFamily="2" charset="0"/>
-          </a:endParaRPr>
-        </a:p>
-      </dgm:t>
-    </dgm:pt>
-    <dgm:pt modelId="{84DE1C3A-3FC7-4DB3-88ED-33F65A71557A}" type="sibTrans" cxnId="{179FAFCF-F878-464E-A8A6-1185EFA0E380}">
-      <dgm:prSet/>
-      <dgm:spPr/>
-      <dgm:t>
-        <a:bodyPr rtlCol="0"/>
-        <a:lstStyle/>
-        <a:p>
-          <a:pPr rtl="0"/>
-          <a:endParaRPr lang="en-GB" noProof="0" dirty="0">
-            <a:latin typeface="Tenorite" pitchFamily="2" charset="0"/>
-          </a:endParaRPr>
-        </a:p>
-      </dgm:t>
-    </dgm:pt>
-    <dgm:pt modelId="{4F85505A-81B6-4FDA-A144-900B71DAD946}">
-      <dgm:prSet phldr="0"/>
-      <dgm:spPr>
-        <a:solidFill>
-          <a:schemeClr val="accent1"/>
-        </a:solidFill>
-        <a:ln>
-          <a:noFill/>
-        </a:ln>
-      </dgm:spPr>
-      <dgm:t>
-        <a:bodyPr rtlCol="0"/>
-        <a:lstStyle/>
-        <a:p>
-          <a:pPr marL="0" algn="ctr" rtl="0">
-            <a:buNone/>
-          </a:pPr>
-          <a:r>
-            <a:rPr lang="en-GB" sz="2000" noProof="0" dirty="0">
-              <a:latin typeface="Tenorite" pitchFamily="2" charset="0"/>
-            </a:rPr>
-            <a:t>Strategy</a:t>
-          </a:r>
-        </a:p>
-      </dgm:t>
-    </dgm:pt>
-    <dgm:pt modelId="{D9A96E25-7BBE-4DDD-8DDE-B4970D4340A8}" type="parTrans" cxnId="{2D633B56-E147-4EFC-B9EE-6C0413F329B0}">
-      <dgm:prSet/>
-      <dgm:spPr/>
-      <dgm:t>
-        <a:bodyPr rtlCol="0"/>
-        <a:lstStyle/>
-        <a:p>
-          <a:pPr rtl="0"/>
-          <a:endParaRPr lang="en-GB" noProof="0" dirty="0">
-            <a:latin typeface="Tenorite" pitchFamily="2" charset="0"/>
-          </a:endParaRPr>
-        </a:p>
-      </dgm:t>
-    </dgm:pt>
-    <dgm:pt modelId="{68F74A88-49DC-44B1-BC0D-220A7B97601C}" type="sibTrans" cxnId="{2D633B56-E147-4EFC-B9EE-6C0413F329B0}">
-      <dgm:prSet/>
-      <dgm:spPr/>
-      <dgm:t>
-        <a:bodyPr rtlCol="0"/>
-        <a:lstStyle/>
-        <a:p>
-          <a:pPr rtl="0"/>
-          <a:endParaRPr lang="en-GB" noProof="0" dirty="0">
-            <a:latin typeface="Tenorite" pitchFamily="2" charset="0"/>
-          </a:endParaRPr>
-        </a:p>
-      </dgm:t>
-    </dgm:pt>
-    <dgm:pt modelId="{566CA0B6-95FF-3A46-BF54-8E3C5843F883}">
-      <dgm:prSet phldr="0" custT="1"/>
-      <dgm:spPr>
-        <a:solidFill>
-          <a:schemeClr val="accent1"/>
-        </a:solidFill>
-        <a:ln>
-          <a:noFill/>
-        </a:ln>
-      </dgm:spPr>
-      <dgm:t>
-        <a:bodyPr rtlCol="0"/>
-        <a:lstStyle/>
-        <a:p>
-          <a:pPr marL="0" algn="ctr" rtl="0">
-            <a:buNone/>
-          </a:pPr>
-          <a:r>
-            <a:rPr lang="en-GB" sz="1400" noProof="0" dirty="0">
-              <a:latin typeface="Tenorite" pitchFamily="2" charset="0"/>
-            </a:rPr>
-            <a:t>e-business applications</a:t>
-          </a:r>
-        </a:p>
-      </dgm:t>
-    </dgm:pt>
-    <dgm:pt modelId="{C117508E-3024-E449-BAAE-1987AA32AD71}" type="parTrans" cxnId="{C499AF16-4A28-D448-9A77-B8BAAF4098DA}">
-      <dgm:prSet/>
-      <dgm:spPr/>
-      <dgm:t>
-        <a:bodyPr rtlCol="0"/>
-        <a:lstStyle/>
-        <a:p>
-          <a:pPr rtl="0"/>
-          <a:endParaRPr lang="en-GB" noProof="0" dirty="0"/>
-        </a:p>
-      </dgm:t>
-    </dgm:pt>
-    <dgm:pt modelId="{0B3040D4-47C6-DA43-932A-AD2F185F5C5E}" type="sibTrans" cxnId="{C499AF16-4A28-D448-9A77-B8BAAF4098DA}">
-      <dgm:prSet/>
-      <dgm:spPr/>
-      <dgm:t>
-        <a:bodyPr rtlCol="0"/>
-        <a:lstStyle/>
-        <a:p>
-          <a:pPr rtl="0"/>
-          <a:endParaRPr lang="en-GB" noProof="0" dirty="0"/>
-        </a:p>
-      </dgm:t>
-    </dgm:pt>
-    <dgm:pt modelId="{A34AE8AA-FDF7-FA40-BADC-6B62C2B1DE88}" type="pres">
-      <dgm:prSet presAssocID="{0DD8915E-DC14-41D6-9BB5-F49E1C265163}" presName="Name0" presStyleCnt="0">
-        <dgm:presLayoutVars>
-          <dgm:dir/>
-          <dgm:resizeHandles val="exact"/>
-        </dgm:presLayoutVars>
-      </dgm:prSet>
-      <dgm:spPr/>
-    </dgm:pt>
-    <dgm:pt modelId="{2107607C-A87A-3347-81F6-106C527DBD58}" type="pres">
-      <dgm:prSet presAssocID="{0DD8915E-DC14-41D6-9BB5-F49E1C265163}" presName="fgShape" presStyleLbl="fgShp" presStyleIdx="0" presStyleCnt="1" custLinFactNeighborX="140" custLinFactNeighborY="-19001"/>
-      <dgm:spPr>
-        <a:solidFill>
-          <a:schemeClr val="accent2">
-            <a:tint val="40000"/>
-            <a:hueOff val="0"/>
-            <a:satOff val="0"/>
-            <a:lumOff val="0"/>
-            <a:alpha val="0"/>
-          </a:schemeClr>
-        </a:solidFill>
-        <a:ln>
-          <a:noFill/>
-        </a:ln>
-      </dgm:spPr>
-    </dgm:pt>
-    <dgm:pt modelId="{0955960D-7F7D-E54C-8843-B1DBEEBFB364}" type="pres">
-      <dgm:prSet presAssocID="{0DD8915E-DC14-41D6-9BB5-F49E1C265163}" presName="linComp" presStyleCnt="0"/>
-      <dgm:spPr/>
-    </dgm:pt>
-    <dgm:pt modelId="{81155D12-3CC8-3D49-B0F3-3C84AC48510A}" type="pres">
-      <dgm:prSet presAssocID="{73D947E0-108F-4D20-A71E-3CF329F97212}" presName="compNode" presStyleCnt="0"/>
-      <dgm:spPr/>
-    </dgm:pt>
-    <dgm:pt modelId="{8F8B275D-8553-0846-A316-484B7B291C97}" type="pres">
-      <dgm:prSet presAssocID="{73D947E0-108F-4D20-A71E-3CF329F97212}" presName="bkgdShape" presStyleLbl="node1" presStyleIdx="0" presStyleCnt="5" custLinFactNeighborX="-757"/>
-      <dgm:spPr>
-        <a:prstGeom prst="rect">
-          <a:avLst/>
-        </a:prstGeom>
-      </dgm:spPr>
-    </dgm:pt>
-    <dgm:pt modelId="{7DA281F5-0265-2048-A63A-727E19796F79}" type="pres">
-      <dgm:prSet presAssocID="{73D947E0-108F-4D20-A71E-3CF329F97212}" presName="nodeTx" presStyleLbl="node1" presStyleIdx="0" presStyleCnt="5">
-        <dgm:presLayoutVars>
-          <dgm:bulletEnabled val="1"/>
-        </dgm:presLayoutVars>
-      </dgm:prSet>
-      <dgm:spPr/>
-    </dgm:pt>
-    <dgm:pt modelId="{79A13FEB-C61A-0346-824D-E0457CC5B4C9}" type="pres">
-      <dgm:prSet presAssocID="{73D947E0-108F-4D20-A71E-3CF329F97212}" presName="invisiNode" presStyleLbl="node1" presStyleIdx="0" presStyleCnt="5"/>
-      <dgm:spPr/>
-    </dgm:pt>
-    <dgm:pt modelId="{A126BA88-D0F9-AF4A-A7BA-0638E32B45F8}" type="pres">
-      <dgm:prSet presAssocID="{73D947E0-108F-4D20-A71E-3CF329F97212}" presName="imagNode" presStyleLbl="fgImgPlace1" presStyleIdx="0" presStyleCnt="5" custScaleX="63106" custScaleY="63106"/>
-      <dgm:spPr>
-        <a:solidFill>
-          <a:schemeClr val="accent1">
-            <a:lumMod val="60000"/>
-            <a:lumOff val="40000"/>
-          </a:schemeClr>
-        </a:solidFill>
-        <a:ln>
-          <a:noFill/>
-        </a:ln>
-      </dgm:spPr>
-    </dgm:pt>
-    <dgm:pt modelId="{DF3C77F5-32F3-5845-BEE2-529229516397}" type="pres">
-      <dgm:prSet presAssocID="{AE813459-65AB-4FA9-B717-330DDA6DFA4E}" presName="sibTrans" presStyleLbl="sibTrans2D1" presStyleIdx="0" presStyleCnt="0"/>
-      <dgm:spPr/>
-    </dgm:pt>
-    <dgm:pt modelId="{16FC6348-B601-E348-A50F-7576C3DDD207}" type="pres">
-      <dgm:prSet presAssocID="{B1AFA1AF-0FF8-45B3-A6D0-0E255A2F637D}" presName="compNode" presStyleCnt="0"/>
-      <dgm:spPr/>
-    </dgm:pt>
-    <dgm:pt modelId="{4DFF6703-D32F-9E47-96B8-A304C47CCB78}" type="pres">
-      <dgm:prSet presAssocID="{B1AFA1AF-0FF8-45B3-A6D0-0E255A2F637D}" presName="bkgdShape" presStyleLbl="node1" presStyleIdx="1" presStyleCnt="5" custLinFactNeighborX="-129"/>
-      <dgm:spPr>
-        <a:prstGeom prst="rect">
-          <a:avLst/>
-        </a:prstGeom>
-      </dgm:spPr>
-    </dgm:pt>
-    <dgm:pt modelId="{BA2077AD-A827-784F-87A6-E8E29A836D84}" type="pres">
-      <dgm:prSet presAssocID="{B1AFA1AF-0FF8-45B3-A6D0-0E255A2F637D}" presName="nodeTx" presStyleLbl="node1" presStyleIdx="1" presStyleCnt="5">
-        <dgm:presLayoutVars>
-          <dgm:bulletEnabled val="1"/>
-        </dgm:presLayoutVars>
-      </dgm:prSet>
-      <dgm:spPr/>
-    </dgm:pt>
-    <dgm:pt modelId="{47276A48-75DE-FE4F-B4C6-8B77CF2957C3}" type="pres">
-      <dgm:prSet presAssocID="{B1AFA1AF-0FF8-45B3-A6D0-0E255A2F637D}" presName="invisiNode" presStyleLbl="node1" presStyleIdx="1" presStyleCnt="5"/>
-      <dgm:spPr/>
-    </dgm:pt>
-    <dgm:pt modelId="{EFEB790C-BD5C-F54D-9993-F81422A8AD8E}" type="pres">
-      <dgm:prSet presAssocID="{B1AFA1AF-0FF8-45B3-A6D0-0E255A2F637D}" presName="imagNode" presStyleLbl="fgImgPlace1" presStyleIdx="1" presStyleCnt="5" custScaleX="63106" custScaleY="63106"/>
-      <dgm:spPr>
-        <a:solidFill>
-          <a:schemeClr val="accent1">
-            <a:lumMod val="60000"/>
-            <a:lumOff val="40000"/>
-          </a:schemeClr>
-        </a:solidFill>
-        <a:ln>
-          <a:noFill/>
-        </a:ln>
-      </dgm:spPr>
-    </dgm:pt>
-    <dgm:pt modelId="{56C7F139-002F-DF46-BB7F-23A563E7CE98}" type="pres">
-      <dgm:prSet presAssocID="{88649F7A-400B-4056-965D-C9AC0B3AD942}" presName="sibTrans" presStyleLbl="sibTrans2D1" presStyleIdx="0" presStyleCnt="0"/>
-      <dgm:spPr/>
-    </dgm:pt>
-    <dgm:pt modelId="{91E3D51E-7AB8-6349-A1D0-02F993052AB3}" type="pres">
-      <dgm:prSet presAssocID="{E9682B4F-0217-4B50-923E-C104AA24290F}" presName="compNode" presStyleCnt="0"/>
-      <dgm:spPr/>
-    </dgm:pt>
-    <dgm:pt modelId="{434ABADC-97F5-A547-823D-7594A86D79D3}" type="pres">
-      <dgm:prSet presAssocID="{E9682B4F-0217-4B50-923E-C104AA24290F}" presName="bkgdShape" presStyleLbl="node1" presStyleIdx="2" presStyleCnt="5" custLinFactNeighborX="182"/>
-      <dgm:spPr>
-        <a:prstGeom prst="rect">
-          <a:avLst/>
-        </a:prstGeom>
-      </dgm:spPr>
-    </dgm:pt>
-    <dgm:pt modelId="{BC636E4B-34B9-8543-A308-00E0D1B0D2F9}" type="pres">
-      <dgm:prSet presAssocID="{E9682B4F-0217-4B50-923E-C104AA24290F}" presName="nodeTx" presStyleLbl="node1" presStyleIdx="2" presStyleCnt="5">
-        <dgm:presLayoutVars>
-          <dgm:bulletEnabled val="1"/>
-        </dgm:presLayoutVars>
-      </dgm:prSet>
-      <dgm:spPr/>
-    </dgm:pt>
-    <dgm:pt modelId="{073A77BB-E8BD-4B4C-BFA2-7B530A2B3199}" type="pres">
-      <dgm:prSet presAssocID="{E9682B4F-0217-4B50-923E-C104AA24290F}" presName="invisiNode" presStyleLbl="node1" presStyleIdx="2" presStyleCnt="5"/>
-      <dgm:spPr/>
-    </dgm:pt>
-    <dgm:pt modelId="{CC076D56-4BB0-7246-9039-788AB439DAF0}" type="pres">
-      <dgm:prSet presAssocID="{E9682B4F-0217-4B50-923E-C104AA24290F}" presName="imagNode" presStyleLbl="fgImgPlace1" presStyleIdx="2" presStyleCnt="5" custScaleX="63106" custScaleY="63106"/>
-      <dgm:spPr>
-        <a:solidFill>
-          <a:schemeClr val="accent1">
-            <a:lumMod val="60000"/>
-            <a:lumOff val="40000"/>
-          </a:schemeClr>
-        </a:solidFill>
-        <a:ln>
-          <a:noFill/>
-        </a:ln>
-      </dgm:spPr>
-    </dgm:pt>
-    <dgm:pt modelId="{9BFD88E3-0F90-7143-8807-6B030CF54283}" type="pres">
-      <dgm:prSet presAssocID="{B8632E42-D7EB-4C31-877E-6F1B2801851A}" presName="sibTrans" presStyleLbl="sibTrans2D1" presStyleIdx="0" presStyleCnt="0"/>
-      <dgm:spPr/>
-    </dgm:pt>
-    <dgm:pt modelId="{900296CF-6A25-E746-A345-792DBE36F92C}" type="pres">
-      <dgm:prSet presAssocID="{4F85505A-81B6-4FDA-A144-900B71DAD946}" presName="compNode" presStyleCnt="0"/>
-      <dgm:spPr/>
-    </dgm:pt>
-    <dgm:pt modelId="{028C9BA8-C3B3-F947-915F-EE2FD2FCA9A5}" type="pres">
-      <dgm:prSet presAssocID="{4F85505A-81B6-4FDA-A144-900B71DAD946}" presName="bkgdShape" presStyleLbl="node1" presStyleIdx="3" presStyleCnt="5" custLinFactNeighborX="0"/>
-      <dgm:spPr>
-        <a:prstGeom prst="rect">
-          <a:avLst/>
-        </a:prstGeom>
-      </dgm:spPr>
-    </dgm:pt>
-    <dgm:pt modelId="{9312E8E2-BBD1-104A-9F74-B0103AF69816}" type="pres">
-      <dgm:prSet presAssocID="{4F85505A-81B6-4FDA-A144-900B71DAD946}" presName="nodeTx" presStyleLbl="node1" presStyleIdx="3" presStyleCnt="5">
-        <dgm:presLayoutVars>
-          <dgm:bulletEnabled val="1"/>
-        </dgm:presLayoutVars>
-      </dgm:prSet>
-      <dgm:spPr/>
-    </dgm:pt>
-    <dgm:pt modelId="{A0D6F489-540A-D44E-B596-6A182486B777}" type="pres">
-      <dgm:prSet presAssocID="{4F85505A-81B6-4FDA-A144-900B71DAD946}" presName="invisiNode" presStyleLbl="node1" presStyleIdx="3" presStyleCnt="5"/>
-      <dgm:spPr/>
-    </dgm:pt>
-    <dgm:pt modelId="{FDF2BC93-305C-D94B-A6C2-ED9CE7F40C2F}" type="pres">
-      <dgm:prSet presAssocID="{4F85505A-81B6-4FDA-A144-900B71DAD946}" presName="imagNode" presStyleLbl="fgImgPlace1" presStyleIdx="3" presStyleCnt="5" custScaleX="63106" custScaleY="63106"/>
-      <dgm:spPr>
-        <a:solidFill>
-          <a:schemeClr val="accent1">
-            <a:lumMod val="60000"/>
-            <a:lumOff val="40000"/>
-          </a:schemeClr>
-        </a:solidFill>
-        <a:ln>
-          <a:noFill/>
-        </a:ln>
-      </dgm:spPr>
-    </dgm:pt>
-    <dgm:pt modelId="{849C45A5-41B7-C14C-8FCB-1F684E015BD4}" type="pres">
-      <dgm:prSet presAssocID="{68F74A88-49DC-44B1-BC0D-220A7B97601C}" presName="sibTrans" presStyleLbl="sibTrans2D1" presStyleIdx="0" presStyleCnt="0"/>
-      <dgm:spPr/>
-    </dgm:pt>
-    <dgm:pt modelId="{CFB52331-3A90-8741-B893-154B21972CAC}" type="pres">
-      <dgm:prSet presAssocID="{A2322D3A-7AC2-4C5C-9D7E-EAB2313D47D4}" presName="compNode" presStyleCnt="0"/>
-      <dgm:spPr/>
-    </dgm:pt>
-    <dgm:pt modelId="{73C20AF0-FA1E-3C4A-AD07-551A27BE2B92}" type="pres">
-      <dgm:prSet presAssocID="{A2322D3A-7AC2-4C5C-9D7E-EAB2313D47D4}" presName="bkgdShape" presStyleLbl="node1" presStyleIdx="4" presStyleCnt="5" custLinFactNeighborX="757"/>
-      <dgm:spPr>
-        <a:prstGeom prst="rect">
-          <a:avLst/>
-        </a:prstGeom>
-      </dgm:spPr>
-    </dgm:pt>
-    <dgm:pt modelId="{AF3E8B43-0466-2941-94BF-5E057B356E82}" type="pres">
-      <dgm:prSet presAssocID="{A2322D3A-7AC2-4C5C-9D7E-EAB2313D47D4}" presName="nodeTx" presStyleLbl="node1" presStyleIdx="4" presStyleCnt="5">
-        <dgm:presLayoutVars>
-          <dgm:bulletEnabled val="1"/>
-        </dgm:presLayoutVars>
-      </dgm:prSet>
-      <dgm:spPr/>
-    </dgm:pt>
-    <dgm:pt modelId="{D1AAA287-E1AF-9946-AA96-77AD6193B1DD}" type="pres">
-      <dgm:prSet presAssocID="{A2322D3A-7AC2-4C5C-9D7E-EAB2313D47D4}" presName="invisiNode" presStyleLbl="node1" presStyleIdx="4" presStyleCnt="5"/>
-      <dgm:spPr/>
-    </dgm:pt>
-    <dgm:pt modelId="{916140F0-4F43-9F45-8310-FCCA12DDE514}" type="pres">
-      <dgm:prSet presAssocID="{A2322D3A-7AC2-4C5C-9D7E-EAB2313D47D4}" presName="imagNode" presStyleLbl="fgImgPlace1" presStyleIdx="4" presStyleCnt="5" custScaleX="63106" custScaleY="63106"/>
-      <dgm:spPr>
-        <a:solidFill>
-          <a:schemeClr val="accent1">
-            <a:lumMod val="60000"/>
-            <a:lumOff val="40000"/>
-          </a:schemeClr>
-        </a:solidFill>
-        <a:ln>
-          <a:noFill/>
-        </a:ln>
-      </dgm:spPr>
-    </dgm:pt>
-  </dgm:ptLst>
-  <dgm:cxnLst>
-    <dgm:cxn modelId="{F28D7702-2FC3-49BD-BB13-C989E5EE622A}" srcId="{0DD8915E-DC14-41D6-9BB5-F49E1C265163}" destId="{B1AFA1AF-0FF8-45B3-A6D0-0E255A2F637D}" srcOrd="1" destOrd="0" parTransId="{10C68AF5-481C-45AA-A216-8BBBB04515B9}" sibTransId="{88649F7A-400B-4056-965D-C9AC0B3AD942}"/>
-    <dgm:cxn modelId="{A0077D09-C12C-46D0-8DF7-194B6911362A}" srcId="{0DD8915E-DC14-41D6-9BB5-F49E1C265163}" destId="{73D947E0-108F-4D20-A71E-3CF329F97212}" srcOrd="0" destOrd="0" parTransId="{9D249532-A24D-4D8F-848A-9F42F2E486C9}" sibTransId="{AE813459-65AB-4FA9-B717-330DDA6DFA4E}"/>
-    <dgm:cxn modelId="{8994D20D-699B-6A45-8026-8CCE203E1BB5}" type="presOf" srcId="{73D947E0-108F-4D20-A71E-3CF329F97212}" destId="{7DA281F5-0265-2048-A63A-727E19796F79}" srcOrd="1" destOrd="0" presId="urn:microsoft.com/office/officeart/2005/8/layout/hList7"/>
-    <dgm:cxn modelId="{C499AF16-4A28-D448-9A77-B8BAAF4098DA}" srcId="{E9682B4F-0217-4B50-923E-C104AA24290F}" destId="{566CA0B6-95FF-3A46-BF54-8E3C5843F883}" srcOrd="1" destOrd="0" parTransId="{C117508E-3024-E449-BAAE-1987AA32AD71}" sibTransId="{0B3040D4-47C6-DA43-932A-AD2F185F5C5E}"/>
-    <dgm:cxn modelId="{F280AB1F-2993-9D47-BFDD-242B41F1F2AC}" type="presOf" srcId="{0EC0C300-11E4-45CF-8418-973585107209}" destId="{434ABADC-97F5-A547-823D-7594A86D79D3}" srcOrd="0" destOrd="1" presId="urn:microsoft.com/office/officeart/2005/8/layout/hList7"/>
-    <dgm:cxn modelId="{E5D9CC1F-E58D-2F49-A249-EA553AC96459}" type="presOf" srcId="{50418D2B-9486-42DE-AFDD-1D31420040FF}" destId="{4DFF6703-D32F-9E47-96B8-A304C47CCB78}" srcOrd="0" destOrd="1" presId="urn:microsoft.com/office/officeart/2005/8/layout/hList7"/>
-    <dgm:cxn modelId="{5A5BA622-5DEB-48B9-88D9-C1DE36C711E5}" srcId="{B1AFA1AF-0FF8-45B3-A6D0-0E255A2F637D}" destId="{50418D2B-9486-42DE-AFDD-1D31420040FF}" srcOrd="0" destOrd="0" parTransId="{D5A17F6B-93F5-442B-938A-0F38C281BE88}" sibTransId="{1D87A0A5-8024-4710-846B-D5BFAC785107}"/>
-    <dgm:cxn modelId="{029E4233-DBFE-C64A-B874-B5F720CDE974}" type="presOf" srcId="{FEB4A941-E9FA-4A86-A673-85FF34B35F20}" destId="{9312E8E2-BBD1-104A-9F74-B0103AF69816}" srcOrd="1" destOrd="1" presId="urn:microsoft.com/office/officeart/2005/8/layout/hList7"/>
-    <dgm:cxn modelId="{711E093C-AD42-45A4-8D40-A2D39702062E}" srcId="{A2322D3A-7AC2-4C5C-9D7E-EAB2313D47D4}" destId="{8FE81FEC-2664-411F-AEB3-065F29F52751}" srcOrd="0" destOrd="0" parTransId="{BCBC007E-0269-421B-9C41-DE26D5C3A822}" sibTransId="{80230EB7-7230-4881-A631-309C07417378}"/>
-    <dgm:cxn modelId="{F4196061-8F22-F64C-80CC-9FC99308DC40}" type="presOf" srcId="{A2322D3A-7AC2-4C5C-9D7E-EAB2313D47D4}" destId="{AF3E8B43-0466-2941-94BF-5E057B356E82}" srcOrd="1" destOrd="0" presId="urn:microsoft.com/office/officeart/2005/8/layout/hList7"/>
-    <dgm:cxn modelId="{71549A62-CAF4-BE45-851A-4CCE70CE64C3}" type="presOf" srcId="{4F85505A-81B6-4FDA-A144-900B71DAD946}" destId="{028C9BA8-C3B3-F947-915F-EE2FD2FCA9A5}" srcOrd="0" destOrd="0" presId="urn:microsoft.com/office/officeart/2005/8/layout/hList7"/>
-    <dgm:cxn modelId="{5368DE64-FD22-024A-86AC-2607350C890A}" type="presOf" srcId="{AE813459-65AB-4FA9-B717-330DDA6DFA4E}" destId="{DF3C77F5-32F3-5845-BEE2-529229516397}" srcOrd="0" destOrd="0" presId="urn:microsoft.com/office/officeart/2005/8/layout/hList7"/>
-    <dgm:cxn modelId="{0CDD0345-B9D9-564F-9C2A-594661BD7D44}" type="presOf" srcId="{73D947E0-108F-4D20-A71E-3CF329F97212}" destId="{8F8B275D-8553-0846-A316-484B7B291C97}" srcOrd="0" destOrd="0" presId="urn:microsoft.com/office/officeart/2005/8/layout/hList7"/>
-    <dgm:cxn modelId="{80DC2967-0B8E-9442-A9E2-4F58C113FDCA}" type="presOf" srcId="{B1AFA1AF-0FF8-45B3-A6D0-0E255A2F637D}" destId="{4DFF6703-D32F-9E47-96B8-A304C47CCB78}" srcOrd="0" destOrd="0" presId="urn:microsoft.com/office/officeart/2005/8/layout/hList7"/>
-    <dgm:cxn modelId="{FFD46F48-1601-3B48-AC95-844EF8053475}" type="presOf" srcId="{8FE81FEC-2664-411F-AEB3-065F29F52751}" destId="{73C20AF0-FA1E-3C4A-AD07-551A27BE2B92}" srcOrd="0" destOrd="1" presId="urn:microsoft.com/office/officeart/2005/8/layout/hList7"/>
-    <dgm:cxn modelId="{946C164A-769F-8147-A19A-97A93F0144C2}" type="presOf" srcId="{566CA0B6-95FF-3A46-BF54-8E3C5843F883}" destId="{434ABADC-97F5-A547-823D-7594A86D79D3}" srcOrd="0" destOrd="2" presId="urn:microsoft.com/office/officeart/2005/8/layout/hList7"/>
-    <dgm:cxn modelId="{FF82E56C-0E90-E648-A4FD-33776C71CA80}" type="presOf" srcId="{8FE81FEC-2664-411F-AEB3-065F29F52751}" destId="{AF3E8B43-0466-2941-94BF-5E057B356E82}" srcOrd="1" destOrd="1" presId="urn:microsoft.com/office/officeart/2005/8/layout/hList7"/>
-    <dgm:cxn modelId="{F942F56C-9025-4AA1-9B36-C5AE0A93B0F5}" srcId="{4F85505A-81B6-4FDA-A144-900B71DAD946}" destId="{FEB4A941-E9FA-4A86-A673-85FF34B35F20}" srcOrd="0" destOrd="0" parTransId="{39522508-BC4E-4DD5-A744-AFEFFE36DB74}" sibTransId="{97624CC8-6315-4683-B26C-C30D552DA5A6}"/>
-    <dgm:cxn modelId="{51563A4F-C0EB-47D6-B5BC-47A4E599AD4B}" srcId="{E9682B4F-0217-4B50-923E-C104AA24290F}" destId="{0EC0C300-11E4-45CF-8418-973585107209}" srcOrd="0" destOrd="0" parTransId="{1E4DD98E-100E-46B7-B24A-408BBF69E9FA}" sibTransId="{90FAB5D1-62B3-4FF6-A07D-EE607F529C32}"/>
-    <dgm:cxn modelId="{D7846C52-051C-7E4A-8666-A7FC857AC117}" type="presOf" srcId="{4F85505A-81B6-4FDA-A144-900B71DAD946}" destId="{9312E8E2-BBD1-104A-9F74-B0103AF69816}" srcOrd="1" destOrd="0" presId="urn:microsoft.com/office/officeart/2005/8/layout/hList7"/>
-    <dgm:cxn modelId="{2D633B56-E147-4EFC-B9EE-6C0413F329B0}" srcId="{0DD8915E-DC14-41D6-9BB5-F49E1C265163}" destId="{4F85505A-81B6-4FDA-A144-900B71DAD946}" srcOrd="3" destOrd="0" parTransId="{D9A96E25-7BBE-4DDD-8DDE-B4970D4340A8}" sibTransId="{68F74A88-49DC-44B1-BC0D-220A7B97601C}"/>
-    <dgm:cxn modelId="{28690183-A8F8-5D4A-A0A0-F1EAC1F67584}" type="presOf" srcId="{E9682B4F-0217-4B50-923E-C104AA24290F}" destId="{BC636E4B-34B9-8543-A308-00E0D1B0D2F9}" srcOrd="1" destOrd="0" presId="urn:microsoft.com/office/officeart/2005/8/layout/hList7"/>
-    <dgm:cxn modelId="{982C4584-ADB4-6A42-88C0-8DDE5CF3D3B6}" type="presOf" srcId="{FEB4A941-E9FA-4A86-A673-85FF34B35F20}" destId="{028C9BA8-C3B3-F947-915F-EE2FD2FCA9A5}" srcOrd="0" destOrd="1" presId="urn:microsoft.com/office/officeart/2005/8/layout/hList7"/>
-    <dgm:cxn modelId="{C6485397-44AD-F347-A313-AE5F356648F1}" type="presOf" srcId="{50418D2B-9486-42DE-AFDD-1D31420040FF}" destId="{BA2077AD-A827-784F-87A6-E8E29A836D84}" srcOrd="1" destOrd="1" presId="urn:microsoft.com/office/officeart/2005/8/layout/hList7"/>
-    <dgm:cxn modelId="{781B6FA0-0F00-0D41-8C2E-EA6A255C6967}" type="presOf" srcId="{0DD8915E-DC14-41D6-9BB5-F49E1C265163}" destId="{A34AE8AA-FDF7-FA40-BADC-6B62C2B1DE88}" srcOrd="0" destOrd="0" presId="urn:microsoft.com/office/officeart/2005/8/layout/hList7"/>
-    <dgm:cxn modelId="{4AE39AA3-98A5-FD4F-B305-423319AE4156}" type="presOf" srcId="{0EC0C300-11E4-45CF-8418-973585107209}" destId="{BC636E4B-34B9-8543-A308-00E0D1B0D2F9}" srcOrd="1" destOrd="1" presId="urn:microsoft.com/office/officeart/2005/8/layout/hList7"/>
-    <dgm:cxn modelId="{956B0EA6-B0CC-A04C-AAC4-2F46E14A46D0}" type="presOf" srcId="{E9682B4F-0217-4B50-923E-C104AA24290F}" destId="{434ABADC-97F5-A547-823D-7594A86D79D3}" srcOrd="0" destOrd="0" presId="urn:microsoft.com/office/officeart/2005/8/layout/hList7"/>
-    <dgm:cxn modelId="{C85286A9-EA95-7947-BBAE-BB43E3CA7A09}" type="presOf" srcId="{30A490C8-22B4-4D68-875C-0F0DE2FF864D}" destId="{8F8B275D-8553-0846-A316-484B7B291C97}" srcOrd="0" destOrd="1" presId="urn:microsoft.com/office/officeart/2005/8/layout/hList7"/>
-    <dgm:cxn modelId="{161425B1-9CC1-5A46-A6FE-66DDFF22F4E9}" type="presOf" srcId="{B1AFA1AF-0FF8-45B3-A6D0-0E255A2F637D}" destId="{BA2077AD-A827-784F-87A6-E8E29A836D84}" srcOrd="1" destOrd="0" presId="urn:microsoft.com/office/officeart/2005/8/layout/hList7"/>
-    <dgm:cxn modelId="{E65110B9-3148-A843-8CC8-BF37AE44F247}" type="presOf" srcId="{A2322D3A-7AC2-4C5C-9D7E-EAB2313D47D4}" destId="{73C20AF0-FA1E-3C4A-AD07-551A27BE2B92}" srcOrd="0" destOrd="0" presId="urn:microsoft.com/office/officeart/2005/8/layout/hList7"/>
-    <dgm:cxn modelId="{6C23D0C9-74B2-4C8B-AB2F-A03B3B0EBE56}" srcId="{0DD8915E-DC14-41D6-9BB5-F49E1C265163}" destId="{E9682B4F-0217-4B50-923E-C104AA24290F}" srcOrd="2" destOrd="0" parTransId="{E0F6C4AF-9BBB-4698-91D7-F9AE3EACBD5D}" sibTransId="{B8632E42-D7EB-4C31-877E-6F1B2801851A}"/>
-    <dgm:cxn modelId="{381FE1CC-8184-4745-8EB3-6DE11655998D}" srcId="{73D947E0-108F-4D20-A71E-3CF329F97212}" destId="{30A490C8-22B4-4D68-875C-0F0DE2FF864D}" srcOrd="0" destOrd="0" parTransId="{035C64B0-4F0C-4FD1-BD23-B1D4C9887CBE}" sibTransId="{45495DA8-8707-41E3-A12B-FA5766269C44}"/>
-    <dgm:cxn modelId="{179FAFCF-F878-464E-A8A6-1185EFA0E380}" srcId="{0DD8915E-DC14-41D6-9BB5-F49E1C265163}" destId="{A2322D3A-7AC2-4C5C-9D7E-EAB2313D47D4}" srcOrd="4" destOrd="0" parTransId="{4A8C15D4-B36F-4764-B4FF-F2AF790D3E17}" sibTransId="{84DE1C3A-3FC7-4DB3-88ED-33F65A71557A}"/>
-    <dgm:cxn modelId="{FA1B16D5-5FB5-2047-9831-030AE6F3EAE9}" type="presOf" srcId="{30A490C8-22B4-4D68-875C-0F0DE2FF864D}" destId="{7DA281F5-0265-2048-A63A-727E19796F79}" srcOrd="1" destOrd="1" presId="urn:microsoft.com/office/officeart/2005/8/layout/hList7"/>
-    <dgm:cxn modelId="{F1B56DD8-8FEA-344A-B6E7-D10401E3F2E3}" type="presOf" srcId="{B8632E42-D7EB-4C31-877E-6F1B2801851A}" destId="{9BFD88E3-0F90-7143-8807-6B030CF54283}" srcOrd="0" destOrd="0" presId="urn:microsoft.com/office/officeart/2005/8/layout/hList7"/>
-    <dgm:cxn modelId="{921076E0-4A47-034F-AF33-2E67CCE6BD8C}" type="presOf" srcId="{566CA0B6-95FF-3A46-BF54-8E3C5843F883}" destId="{BC636E4B-34B9-8543-A308-00E0D1B0D2F9}" srcOrd="1" destOrd="2" presId="urn:microsoft.com/office/officeart/2005/8/layout/hList7"/>
-    <dgm:cxn modelId="{7B012CF3-9916-9C42-A389-6EC30575190C}" type="presOf" srcId="{88649F7A-400B-4056-965D-C9AC0B3AD942}" destId="{56C7F139-002F-DF46-BB7F-23A563E7CE98}" srcOrd="0" destOrd="0" presId="urn:microsoft.com/office/officeart/2005/8/layout/hList7"/>
-    <dgm:cxn modelId="{AB9B77F3-E113-9F42-AD26-5199BE35195A}" type="presOf" srcId="{68F74A88-49DC-44B1-BC0D-220A7B97601C}" destId="{849C45A5-41B7-C14C-8FCB-1F684E015BD4}" srcOrd="0" destOrd="0" presId="urn:microsoft.com/office/officeart/2005/8/layout/hList7"/>
-    <dgm:cxn modelId="{E225472C-E3EE-2149-B941-7817CA44471E}" type="presParOf" srcId="{A34AE8AA-FDF7-FA40-BADC-6B62C2B1DE88}" destId="{2107607C-A87A-3347-81F6-106C527DBD58}" srcOrd="0" destOrd="0" presId="urn:microsoft.com/office/officeart/2005/8/layout/hList7"/>
-    <dgm:cxn modelId="{F943B65C-83A1-794F-8716-82D6E9B90BCD}" type="presParOf" srcId="{A34AE8AA-FDF7-FA40-BADC-6B62C2B1DE88}" destId="{0955960D-7F7D-E54C-8843-B1DBEEBFB364}" srcOrd="1" destOrd="0" presId="urn:microsoft.com/office/officeart/2005/8/layout/hList7"/>
-    <dgm:cxn modelId="{001D4585-DEB8-A543-8A40-05E8ABC28C57}" type="presParOf" srcId="{0955960D-7F7D-E54C-8843-B1DBEEBFB364}" destId="{81155D12-3CC8-3D49-B0F3-3C84AC48510A}" srcOrd="0" destOrd="0" presId="urn:microsoft.com/office/officeart/2005/8/layout/hList7"/>
-    <dgm:cxn modelId="{1580EBFB-09CE-F344-8C03-5CB3CBE5AC98}" type="presParOf" srcId="{81155D12-3CC8-3D49-B0F3-3C84AC48510A}" destId="{8F8B275D-8553-0846-A316-484B7B291C97}" srcOrd="0" destOrd="0" presId="urn:microsoft.com/office/officeart/2005/8/layout/hList7"/>
-    <dgm:cxn modelId="{842F04B3-A619-A54C-B547-B6C38B4FB951}" type="presParOf" srcId="{81155D12-3CC8-3D49-B0F3-3C84AC48510A}" destId="{7DA281F5-0265-2048-A63A-727E19796F79}" srcOrd="1" destOrd="0" presId="urn:microsoft.com/office/officeart/2005/8/layout/hList7"/>
-    <dgm:cxn modelId="{08E39789-DE12-C44D-B363-AFAA969CE1E8}" type="presParOf" srcId="{81155D12-3CC8-3D49-B0F3-3C84AC48510A}" destId="{79A13FEB-C61A-0346-824D-E0457CC5B4C9}" srcOrd="2" destOrd="0" presId="urn:microsoft.com/office/officeart/2005/8/layout/hList7"/>
-    <dgm:cxn modelId="{B88ECEE4-BA18-F649-9EFE-5FE2A1375A58}" type="presParOf" srcId="{81155D12-3CC8-3D49-B0F3-3C84AC48510A}" destId="{A126BA88-D0F9-AF4A-A7BA-0638E32B45F8}" srcOrd="3" destOrd="0" presId="urn:microsoft.com/office/officeart/2005/8/layout/hList7"/>
-    <dgm:cxn modelId="{9B673E09-6E30-B544-9BA9-85CCFB26FC2F}" type="presParOf" srcId="{0955960D-7F7D-E54C-8843-B1DBEEBFB364}" destId="{DF3C77F5-32F3-5845-BEE2-529229516397}" srcOrd="1" destOrd="0" presId="urn:microsoft.com/office/officeart/2005/8/layout/hList7"/>
-    <dgm:cxn modelId="{196FFE95-C277-344C-94D6-9114A085054E}" type="presParOf" srcId="{0955960D-7F7D-E54C-8843-B1DBEEBFB364}" destId="{16FC6348-B601-E348-A50F-7576C3DDD207}" srcOrd="2" destOrd="0" presId="urn:microsoft.com/office/officeart/2005/8/layout/hList7"/>
-    <dgm:cxn modelId="{2BE2AAA5-6ADF-8C4D-955F-3EB733D7C5EB}" type="presParOf" srcId="{16FC6348-B601-E348-A50F-7576C3DDD207}" destId="{4DFF6703-D32F-9E47-96B8-A304C47CCB78}" srcOrd="0" destOrd="0" presId="urn:microsoft.com/office/officeart/2005/8/layout/hList7"/>
-    <dgm:cxn modelId="{17073BDD-1BB2-3E40-B5F3-DB2DD27B70C8}" type="presParOf" srcId="{16FC6348-B601-E348-A50F-7576C3DDD207}" destId="{BA2077AD-A827-784F-87A6-E8E29A836D84}" srcOrd="1" destOrd="0" presId="urn:microsoft.com/office/officeart/2005/8/layout/hList7"/>
-    <dgm:cxn modelId="{6756D7D8-C48B-024A-9259-CD45C2E2D6F3}" type="presParOf" srcId="{16FC6348-B601-E348-A50F-7576C3DDD207}" destId="{47276A48-75DE-FE4F-B4C6-8B77CF2957C3}" srcOrd="2" destOrd="0" presId="urn:microsoft.com/office/officeart/2005/8/layout/hList7"/>
-    <dgm:cxn modelId="{68916BF1-7696-DF4C-AE9A-90DA1528D867}" type="presParOf" srcId="{16FC6348-B601-E348-A50F-7576C3DDD207}" destId="{EFEB790C-BD5C-F54D-9993-F81422A8AD8E}" srcOrd="3" destOrd="0" presId="urn:microsoft.com/office/officeart/2005/8/layout/hList7"/>
-    <dgm:cxn modelId="{68673533-5457-724A-BD79-21053E0C5583}" type="presParOf" srcId="{0955960D-7F7D-E54C-8843-B1DBEEBFB364}" destId="{56C7F139-002F-DF46-BB7F-23A563E7CE98}" srcOrd="3" destOrd="0" presId="urn:microsoft.com/office/officeart/2005/8/layout/hList7"/>
-    <dgm:cxn modelId="{EDA12534-DD6F-3D46-A33C-D2D3C096E217}" type="presParOf" srcId="{0955960D-7F7D-E54C-8843-B1DBEEBFB364}" destId="{91E3D51E-7AB8-6349-A1D0-02F993052AB3}" srcOrd="4" destOrd="0" presId="urn:microsoft.com/office/officeart/2005/8/layout/hList7"/>
-    <dgm:cxn modelId="{98E12192-EF84-5E4E-8F7C-7D4B0E3B0CFB}" type="presParOf" srcId="{91E3D51E-7AB8-6349-A1D0-02F993052AB3}" destId="{434ABADC-97F5-A547-823D-7594A86D79D3}" srcOrd="0" destOrd="0" presId="urn:microsoft.com/office/officeart/2005/8/layout/hList7"/>
-    <dgm:cxn modelId="{35A4D817-35C8-574E-BAE7-28EAD8E80E9E}" type="presParOf" srcId="{91E3D51E-7AB8-6349-A1D0-02F993052AB3}" destId="{BC636E4B-34B9-8543-A308-00E0D1B0D2F9}" srcOrd="1" destOrd="0" presId="urn:microsoft.com/office/officeart/2005/8/layout/hList7"/>
-    <dgm:cxn modelId="{3F7650F7-8ADF-1647-ABCA-EDB62D6E6F07}" type="presParOf" srcId="{91E3D51E-7AB8-6349-A1D0-02F993052AB3}" destId="{073A77BB-E8BD-4B4C-BFA2-7B530A2B3199}" srcOrd="2" destOrd="0" presId="urn:microsoft.com/office/officeart/2005/8/layout/hList7"/>
-    <dgm:cxn modelId="{A4C178E9-5B35-8046-AEA4-07EA064D48EC}" type="presParOf" srcId="{91E3D51E-7AB8-6349-A1D0-02F993052AB3}" destId="{CC076D56-4BB0-7246-9039-788AB439DAF0}" srcOrd="3" destOrd="0" presId="urn:microsoft.com/office/officeart/2005/8/layout/hList7"/>
-    <dgm:cxn modelId="{23300555-E195-7745-8EAA-13C1C3D64096}" type="presParOf" srcId="{0955960D-7F7D-E54C-8843-B1DBEEBFB364}" destId="{9BFD88E3-0F90-7143-8807-6B030CF54283}" srcOrd="5" destOrd="0" presId="urn:microsoft.com/office/officeart/2005/8/layout/hList7"/>
-    <dgm:cxn modelId="{67E0177E-2C5D-D84A-B206-DF756AC265E2}" type="presParOf" srcId="{0955960D-7F7D-E54C-8843-B1DBEEBFB364}" destId="{900296CF-6A25-E746-A345-792DBE36F92C}" srcOrd="6" destOrd="0" presId="urn:microsoft.com/office/officeart/2005/8/layout/hList7"/>
-    <dgm:cxn modelId="{17F234B6-5CB2-694A-AE40-2EC7B6989025}" type="presParOf" srcId="{900296CF-6A25-E746-A345-792DBE36F92C}" destId="{028C9BA8-C3B3-F947-915F-EE2FD2FCA9A5}" srcOrd="0" destOrd="0" presId="urn:microsoft.com/office/officeart/2005/8/layout/hList7"/>
-    <dgm:cxn modelId="{A078F003-3C00-6845-9EBD-2DC195EA7E87}" type="presParOf" srcId="{900296CF-6A25-E746-A345-792DBE36F92C}" destId="{9312E8E2-BBD1-104A-9F74-B0103AF69816}" srcOrd="1" destOrd="0" presId="urn:microsoft.com/office/officeart/2005/8/layout/hList7"/>
-    <dgm:cxn modelId="{3E327DED-A1BA-5F40-88C6-420128E7987E}" type="presParOf" srcId="{900296CF-6A25-E746-A345-792DBE36F92C}" destId="{A0D6F489-540A-D44E-B596-6A182486B777}" srcOrd="2" destOrd="0" presId="urn:microsoft.com/office/officeart/2005/8/layout/hList7"/>
-    <dgm:cxn modelId="{E331C05D-ABEF-784B-867C-9DAD3D7B0BF6}" type="presParOf" srcId="{900296CF-6A25-E746-A345-792DBE36F92C}" destId="{FDF2BC93-305C-D94B-A6C2-ED9CE7F40C2F}" srcOrd="3" destOrd="0" presId="urn:microsoft.com/office/officeart/2005/8/layout/hList7"/>
-    <dgm:cxn modelId="{484D29F2-E93B-0044-AD3C-1B7FAE119D86}" type="presParOf" srcId="{0955960D-7F7D-E54C-8843-B1DBEEBFB364}" destId="{849C45A5-41B7-C14C-8FCB-1F684E015BD4}" srcOrd="7" destOrd="0" presId="urn:microsoft.com/office/officeart/2005/8/layout/hList7"/>
-    <dgm:cxn modelId="{4D63AED0-BB7F-5648-A588-8D3CD77EDA47}" type="presParOf" srcId="{0955960D-7F7D-E54C-8843-B1DBEEBFB364}" destId="{CFB52331-3A90-8741-B893-154B21972CAC}" srcOrd="8" destOrd="0" presId="urn:microsoft.com/office/officeart/2005/8/layout/hList7"/>
-    <dgm:cxn modelId="{3916CD4F-7FBF-D443-9D5A-2C269D38B5A1}" type="presParOf" srcId="{CFB52331-3A90-8741-B893-154B21972CAC}" destId="{73C20AF0-FA1E-3C4A-AD07-551A27BE2B92}" srcOrd="0" destOrd="0" presId="urn:microsoft.com/office/officeart/2005/8/layout/hList7"/>
-    <dgm:cxn modelId="{793DE385-E18B-AB41-A417-ABB42E569007}" type="presParOf" srcId="{CFB52331-3A90-8741-B893-154B21972CAC}" destId="{AF3E8B43-0466-2941-94BF-5E057B356E82}" srcOrd="1" destOrd="0" presId="urn:microsoft.com/office/officeart/2005/8/layout/hList7"/>
-    <dgm:cxn modelId="{C7FDE2A3-85A4-B144-B32C-7C9903F03EC5}" type="presParOf" srcId="{CFB52331-3A90-8741-B893-154B21972CAC}" destId="{D1AAA287-E1AF-9946-AA96-77AD6193B1DD}" srcOrd="2" destOrd="0" presId="urn:microsoft.com/office/officeart/2005/8/layout/hList7"/>
-    <dgm:cxn modelId="{2241BB10-0DBA-6B41-9DA1-14E15CF8B34C}" type="presParOf" srcId="{CFB52331-3A90-8741-B893-154B21972CAC}" destId="{916140F0-4F43-9F45-8310-FCCA12DDE514}" srcOrd="3" destOrd="0" presId="urn:microsoft.com/office/officeart/2005/8/layout/hList7"/>
   </dgm:cxnLst>
   <dgm:bg/>
   <dgm:whole/>
@@ -4524,726 +2667,6 @@
 </dsp:drawing>
 </file>
 
-<file path=ppt/diagrams/drawing2.xml><?xml version="1.0" encoding="utf-8"?>
-<dsp:drawing xmlns:dgm="http://schemas.openxmlformats.org/drawingml/2006/diagram" xmlns:dsp="http://schemas.microsoft.com/office/drawing/2008/diagram" xmlns:a="http://schemas.openxmlformats.org/drawingml/2006/main">
-  <dsp:spTree>
-    <dsp:nvGrpSpPr>
-      <dsp:cNvPr id="0" name=""/>
-      <dsp:cNvGrpSpPr/>
-    </dsp:nvGrpSpPr>
-    <dsp:grpSpPr/>
-    <dsp:sp modelId="{8F8B275D-8553-0846-A316-484B7B291C97}">
-      <dsp:nvSpPr>
-        <dsp:cNvPr id="0" name=""/>
-        <dsp:cNvSpPr/>
-      </dsp:nvSpPr>
-      <dsp:spPr>
-        <a:xfrm>
-          <a:off x="0" y="0"/>
-          <a:ext cx="1892456" cy="3940870"/>
-        </a:xfrm>
-        <a:prstGeom prst="rect">
-          <a:avLst/>
-        </a:prstGeom>
-        <a:solidFill>
-          <a:schemeClr val="accent1"/>
-        </a:solidFill>
-        <a:ln w="12700" cap="flat" cmpd="sng" algn="ctr">
-          <a:noFill/>
-          <a:prstDash val="solid"/>
-          <a:miter lim="800000"/>
-        </a:ln>
-        <a:effectLst/>
-      </dsp:spPr>
-      <dsp:style>
-        <a:lnRef idx="2">
-          <a:scrgbClr r="0" g="0" b="0"/>
-        </a:lnRef>
-        <a:fillRef idx="1">
-          <a:scrgbClr r="0" g="0" b="0"/>
-        </a:fillRef>
-        <a:effectRef idx="0">
-          <a:scrgbClr r="0" g="0" b="0"/>
-        </a:effectRef>
-        <a:fontRef idx="minor">
-          <a:schemeClr val="lt1"/>
-        </a:fontRef>
-      </dsp:style>
-      <dsp:txBody>
-        <a:bodyPr spcFirstLastPara="0" vert="horz" wrap="square" lIns="99568" tIns="99568" rIns="99568" bIns="99568" numCol="1" spcCol="1270" rtlCol="0" anchor="t" anchorCtr="1">
-          <a:noAutofit/>
-        </a:bodyPr>
-        <a:lstStyle/>
-        <a:p>
-          <a:pPr marL="0" lvl="0" indent="0" algn="ctr" defTabSz="889000" rtl="0">
-            <a:lnSpc>
-              <a:spcPct val="90000"/>
-            </a:lnSpc>
-            <a:spcBef>
-              <a:spcPct val="0"/>
-            </a:spcBef>
-            <a:spcAft>
-              <a:spcPct val="35000"/>
-            </a:spcAft>
-            <a:buNone/>
-          </a:pPr>
-          <a:r>
-            <a:rPr lang="en-GB" sz="2000" kern="1200" noProof="0" dirty="0">
-              <a:latin typeface="Tenorite" pitchFamily="2" charset="0"/>
-            </a:rPr>
-            <a:t>Planning</a:t>
-          </a:r>
-        </a:p>
-        <a:p>
-          <a:pPr marL="0" lvl="1" indent="-114300" algn="ctr" defTabSz="622300" rtl="0">
-            <a:lnSpc>
-              <a:spcPct val="90000"/>
-            </a:lnSpc>
-            <a:spcBef>
-              <a:spcPct val="0"/>
-            </a:spcBef>
-            <a:spcAft>
-              <a:spcPct val="15000"/>
-            </a:spcAft>
-            <a:buNone/>
-          </a:pPr>
-          <a:r>
-            <a:rPr lang="en-GB" sz="1400" kern="1200" noProof="0" dirty="0">
-              <a:latin typeface="Tenorite" pitchFamily="2" charset="0"/>
-            </a:rPr>
-            <a:t>Synergise scalable </a:t>
-          </a:r>
-          <a:br>
-            <a:rPr lang="en-GB" sz="1400" kern="1200" noProof="0" dirty="0">
-              <a:latin typeface="Tenorite" pitchFamily="2" charset="0"/>
-            </a:rPr>
-          </a:br>
-          <a:r>
-            <a:rPr lang="en-GB" sz="1400" kern="1200" noProof="0" dirty="0">
-              <a:latin typeface="Tenorite" pitchFamily="2" charset="0"/>
-            </a:rPr>
-            <a:t>e-commerce</a:t>
-          </a:r>
-        </a:p>
-      </dsp:txBody>
-      <dsp:txXfrm>
-        <a:off x="0" y="1576348"/>
-        <a:ext cx="1892456" cy="1576348"/>
-      </dsp:txXfrm>
-    </dsp:sp>
-    <dsp:sp modelId="{A126BA88-D0F9-AF4A-A7BA-0638E32B45F8}">
-      <dsp:nvSpPr>
-        <dsp:cNvPr id="0" name=""/>
-        <dsp:cNvSpPr/>
-      </dsp:nvSpPr>
-      <dsp:spPr>
-        <a:xfrm>
-          <a:off x="532154" y="478533"/>
-          <a:ext cx="828146" cy="828146"/>
-        </a:xfrm>
-        <a:prstGeom prst="ellipse">
-          <a:avLst/>
-        </a:prstGeom>
-        <a:solidFill>
-          <a:schemeClr val="accent1">
-            <a:lumMod val="60000"/>
-            <a:lumOff val="40000"/>
-          </a:schemeClr>
-        </a:solidFill>
-        <a:ln w="12700" cap="flat" cmpd="sng" algn="ctr">
-          <a:noFill/>
-          <a:prstDash val="solid"/>
-          <a:miter lim="800000"/>
-        </a:ln>
-        <a:effectLst/>
-      </dsp:spPr>
-      <dsp:style>
-        <a:lnRef idx="2">
-          <a:scrgbClr r="0" g="0" b="0"/>
-        </a:lnRef>
-        <a:fillRef idx="1">
-          <a:scrgbClr r="0" g="0" b="0"/>
-        </a:fillRef>
-        <a:effectRef idx="0">
-          <a:scrgbClr r="0" g="0" b="0"/>
-        </a:effectRef>
-        <a:fontRef idx="minor"/>
-      </dsp:style>
-    </dsp:sp>
-    <dsp:sp modelId="{4DFF6703-D32F-9E47-96B8-A304C47CCB78}">
-      <dsp:nvSpPr>
-        <dsp:cNvPr id="0" name=""/>
-        <dsp:cNvSpPr/>
-      </dsp:nvSpPr>
-      <dsp:spPr>
-        <a:xfrm>
-          <a:off x="1946788" y="0"/>
-          <a:ext cx="1892456" cy="3940870"/>
-        </a:xfrm>
-        <a:prstGeom prst="rect">
-          <a:avLst/>
-        </a:prstGeom>
-        <a:solidFill>
-          <a:schemeClr val="accent1"/>
-        </a:solidFill>
-        <a:ln w="12700" cap="flat" cmpd="sng" algn="ctr">
-          <a:noFill/>
-          <a:prstDash val="solid"/>
-          <a:miter lim="800000"/>
-        </a:ln>
-        <a:effectLst/>
-      </dsp:spPr>
-      <dsp:style>
-        <a:lnRef idx="2">
-          <a:scrgbClr r="0" g="0" b="0"/>
-        </a:lnRef>
-        <a:fillRef idx="1">
-          <a:scrgbClr r="0" g="0" b="0"/>
-        </a:fillRef>
-        <a:effectRef idx="0">
-          <a:scrgbClr r="0" g="0" b="0"/>
-        </a:effectRef>
-        <a:fontRef idx="minor">
-          <a:schemeClr val="lt1"/>
-        </a:fontRef>
-      </dsp:style>
-      <dsp:txBody>
-        <a:bodyPr spcFirstLastPara="0" vert="horz" wrap="square" lIns="99568" tIns="99568" rIns="99568" bIns="99568" numCol="1" spcCol="1270" rtlCol="0" anchor="t" anchorCtr="1">
-          <a:noAutofit/>
-        </a:bodyPr>
-        <a:lstStyle/>
-        <a:p>
-          <a:pPr marL="0" lvl="0" indent="0" algn="ctr" defTabSz="889000" rtl="0">
-            <a:lnSpc>
-              <a:spcPct val="90000"/>
-            </a:lnSpc>
-            <a:spcBef>
-              <a:spcPct val="0"/>
-            </a:spcBef>
-            <a:spcAft>
-              <a:spcPct val="35000"/>
-            </a:spcAft>
-            <a:buNone/>
-          </a:pPr>
-          <a:r>
-            <a:rPr lang="en-GB" sz="2000" kern="1200" noProof="0" dirty="0">
-              <a:latin typeface="Tenorite" pitchFamily="2" charset="0"/>
-            </a:rPr>
-            <a:t>Marketing</a:t>
-          </a:r>
-        </a:p>
-        <a:p>
-          <a:pPr marL="0" lvl="1" indent="-114300" algn="ctr" defTabSz="622300" rtl="0">
-            <a:lnSpc>
-              <a:spcPct val="90000"/>
-            </a:lnSpc>
-            <a:spcBef>
-              <a:spcPct val="0"/>
-            </a:spcBef>
-            <a:spcAft>
-              <a:spcPct val="15000"/>
-            </a:spcAft>
-            <a:buNone/>
-          </a:pPr>
-          <a:r>
-            <a:rPr lang="en-GB" sz="1400" kern="1200" noProof="0" dirty="0">
-              <a:latin typeface="Tenorite" pitchFamily="2" charset="0"/>
-            </a:rPr>
-            <a:t>Disseminate standardised metrics</a:t>
-          </a:r>
-        </a:p>
-      </dsp:txBody>
-      <dsp:txXfrm>
-        <a:off x="1946788" y="1576348"/>
-        <a:ext cx="1892456" cy="1576348"/>
-      </dsp:txXfrm>
-    </dsp:sp>
-    <dsp:sp modelId="{EFEB790C-BD5C-F54D-9993-F81422A8AD8E}">
-      <dsp:nvSpPr>
-        <dsp:cNvPr id="0" name=""/>
-        <dsp:cNvSpPr/>
-      </dsp:nvSpPr>
-      <dsp:spPr>
-        <a:xfrm>
-          <a:off x="2481384" y="478533"/>
-          <a:ext cx="828146" cy="828146"/>
-        </a:xfrm>
-        <a:prstGeom prst="ellipse">
-          <a:avLst/>
-        </a:prstGeom>
-        <a:solidFill>
-          <a:schemeClr val="accent1">
-            <a:lumMod val="60000"/>
-            <a:lumOff val="40000"/>
-          </a:schemeClr>
-        </a:solidFill>
-        <a:ln w="12700" cap="flat" cmpd="sng" algn="ctr">
-          <a:noFill/>
-          <a:prstDash val="solid"/>
-          <a:miter lim="800000"/>
-        </a:ln>
-        <a:effectLst/>
-      </dsp:spPr>
-      <dsp:style>
-        <a:lnRef idx="2">
-          <a:scrgbClr r="0" g="0" b="0"/>
-        </a:lnRef>
-        <a:fillRef idx="1">
-          <a:scrgbClr r="0" g="0" b="0"/>
-        </a:fillRef>
-        <a:effectRef idx="0">
-          <a:scrgbClr r="0" g="0" b="0"/>
-        </a:effectRef>
-        <a:fontRef idx="minor"/>
-      </dsp:style>
-    </dsp:sp>
-    <dsp:sp modelId="{434ABADC-97F5-A547-823D-7594A86D79D3}">
-      <dsp:nvSpPr>
-        <dsp:cNvPr id="0" name=""/>
-        <dsp:cNvSpPr/>
-      </dsp:nvSpPr>
-      <dsp:spPr>
-        <a:xfrm>
-          <a:off x="3901903" y="0"/>
-          <a:ext cx="1892456" cy="3940870"/>
-        </a:xfrm>
-        <a:prstGeom prst="rect">
-          <a:avLst/>
-        </a:prstGeom>
-        <a:solidFill>
-          <a:schemeClr val="accent1"/>
-        </a:solidFill>
-        <a:ln w="12700" cap="flat" cmpd="sng" algn="ctr">
-          <a:noFill/>
-          <a:prstDash val="solid"/>
-          <a:miter lim="800000"/>
-        </a:ln>
-        <a:effectLst/>
-      </dsp:spPr>
-      <dsp:style>
-        <a:lnRef idx="2">
-          <a:scrgbClr r="0" g="0" b="0"/>
-        </a:lnRef>
-        <a:fillRef idx="1">
-          <a:scrgbClr r="0" g="0" b="0"/>
-        </a:fillRef>
-        <a:effectRef idx="0">
-          <a:scrgbClr r="0" g="0" b="0"/>
-        </a:effectRef>
-        <a:fontRef idx="minor">
-          <a:schemeClr val="lt1"/>
-        </a:fontRef>
-      </dsp:style>
-      <dsp:txBody>
-        <a:bodyPr spcFirstLastPara="0" vert="horz" wrap="square" lIns="99568" tIns="99568" rIns="99568" bIns="99568" numCol="1" spcCol="1270" rtlCol="0" anchor="t" anchorCtr="1">
-          <a:noAutofit/>
-        </a:bodyPr>
-        <a:lstStyle/>
-        <a:p>
-          <a:pPr marL="0" lvl="0" indent="0" algn="ctr" defTabSz="889000" rtl="0">
-            <a:lnSpc>
-              <a:spcPct val="90000"/>
-            </a:lnSpc>
-            <a:spcBef>
-              <a:spcPct val="0"/>
-            </a:spcBef>
-            <a:spcAft>
-              <a:spcPct val="35000"/>
-            </a:spcAft>
-            <a:buNone/>
-          </a:pPr>
-          <a:r>
-            <a:rPr lang="en-GB" sz="2000" kern="1200" noProof="0" dirty="0">
-              <a:latin typeface="Tenorite" pitchFamily="2" charset="0"/>
-            </a:rPr>
-            <a:t>Design</a:t>
-          </a:r>
-        </a:p>
-        <a:p>
-          <a:pPr marL="0" lvl="1" indent="-114300" algn="ctr" defTabSz="622300" rtl="0">
-            <a:lnSpc>
-              <a:spcPct val="90000"/>
-            </a:lnSpc>
-            <a:spcBef>
-              <a:spcPct val="0"/>
-            </a:spcBef>
-            <a:spcAft>
-              <a:spcPct val="15000"/>
-            </a:spcAft>
-            <a:buNone/>
-          </a:pPr>
-          <a:r>
-            <a:rPr lang="en-GB" sz="1400" kern="1200" noProof="0" dirty="0">
-              <a:latin typeface="Tenorite" pitchFamily="2" charset="0"/>
-            </a:rPr>
-            <a:t>Co-ordinate</a:t>
-          </a:r>
-        </a:p>
-        <a:p>
-          <a:pPr marL="0" lvl="1" indent="-114300" algn="ctr" defTabSz="622300" rtl="0">
-            <a:lnSpc>
-              <a:spcPct val="90000"/>
-            </a:lnSpc>
-            <a:spcBef>
-              <a:spcPct val="0"/>
-            </a:spcBef>
-            <a:spcAft>
-              <a:spcPct val="15000"/>
-            </a:spcAft>
-            <a:buNone/>
-          </a:pPr>
-          <a:r>
-            <a:rPr lang="en-GB" sz="1400" kern="1200" noProof="0" dirty="0">
-              <a:latin typeface="Tenorite" pitchFamily="2" charset="0"/>
-            </a:rPr>
-            <a:t>e-business applications</a:t>
-          </a:r>
-        </a:p>
-      </dsp:txBody>
-      <dsp:txXfrm>
-        <a:off x="3901903" y="1576348"/>
-        <a:ext cx="1892456" cy="1576348"/>
-      </dsp:txXfrm>
-    </dsp:sp>
-    <dsp:sp modelId="{CC076D56-4BB0-7246-9039-788AB439DAF0}">
-      <dsp:nvSpPr>
-        <dsp:cNvPr id="0" name=""/>
-        <dsp:cNvSpPr/>
-      </dsp:nvSpPr>
-      <dsp:spPr>
-        <a:xfrm>
-          <a:off x="4430614" y="478533"/>
-          <a:ext cx="828146" cy="828146"/>
-        </a:xfrm>
-        <a:prstGeom prst="ellipse">
-          <a:avLst/>
-        </a:prstGeom>
-        <a:solidFill>
-          <a:schemeClr val="accent1">
-            <a:lumMod val="60000"/>
-            <a:lumOff val="40000"/>
-          </a:schemeClr>
-        </a:solidFill>
-        <a:ln w="12700" cap="flat" cmpd="sng" algn="ctr">
-          <a:noFill/>
-          <a:prstDash val="solid"/>
-          <a:miter lim="800000"/>
-        </a:ln>
-        <a:effectLst/>
-      </dsp:spPr>
-      <dsp:style>
-        <a:lnRef idx="2">
-          <a:scrgbClr r="0" g="0" b="0"/>
-        </a:lnRef>
-        <a:fillRef idx="1">
-          <a:scrgbClr r="0" g="0" b="0"/>
-        </a:fillRef>
-        <a:effectRef idx="0">
-          <a:scrgbClr r="0" g="0" b="0"/>
-        </a:effectRef>
-        <a:fontRef idx="minor"/>
-      </dsp:style>
-    </dsp:sp>
-    <dsp:sp modelId="{028C9BA8-C3B3-F947-915F-EE2FD2FCA9A5}">
-      <dsp:nvSpPr>
-        <dsp:cNvPr id="0" name=""/>
-        <dsp:cNvSpPr/>
-      </dsp:nvSpPr>
-      <dsp:spPr>
-        <a:xfrm>
-          <a:off x="5847689" y="0"/>
-          <a:ext cx="1892456" cy="3940870"/>
-        </a:xfrm>
-        <a:prstGeom prst="rect">
-          <a:avLst/>
-        </a:prstGeom>
-        <a:solidFill>
-          <a:schemeClr val="accent1"/>
-        </a:solidFill>
-        <a:ln w="12700" cap="flat" cmpd="sng" algn="ctr">
-          <a:noFill/>
-          <a:prstDash val="solid"/>
-          <a:miter lim="800000"/>
-        </a:ln>
-        <a:effectLst/>
-      </dsp:spPr>
-      <dsp:style>
-        <a:lnRef idx="2">
-          <a:scrgbClr r="0" g="0" b="0"/>
-        </a:lnRef>
-        <a:fillRef idx="1">
-          <a:scrgbClr r="0" g="0" b="0"/>
-        </a:fillRef>
-        <a:effectRef idx="0">
-          <a:scrgbClr r="0" g="0" b="0"/>
-        </a:effectRef>
-        <a:fontRef idx="minor">
-          <a:schemeClr val="lt1"/>
-        </a:fontRef>
-      </dsp:style>
-      <dsp:txBody>
-        <a:bodyPr spcFirstLastPara="0" vert="horz" wrap="square" lIns="99568" tIns="99568" rIns="99568" bIns="99568" numCol="1" spcCol="1270" rtlCol="0" anchor="t" anchorCtr="1">
-          <a:noAutofit/>
-        </a:bodyPr>
-        <a:lstStyle/>
-        <a:p>
-          <a:pPr marL="0" lvl="0" indent="0" algn="ctr" defTabSz="889000" rtl="0">
-            <a:lnSpc>
-              <a:spcPct val="90000"/>
-            </a:lnSpc>
-            <a:spcBef>
-              <a:spcPct val="0"/>
-            </a:spcBef>
-            <a:spcAft>
-              <a:spcPct val="35000"/>
-            </a:spcAft>
-            <a:buNone/>
-          </a:pPr>
-          <a:r>
-            <a:rPr lang="en-GB" sz="2000" kern="1200" noProof="0" dirty="0">
-              <a:latin typeface="Tenorite" pitchFamily="2" charset="0"/>
-            </a:rPr>
-            <a:t>Strategy</a:t>
-          </a:r>
-        </a:p>
-        <a:p>
-          <a:pPr marL="0" lvl="1" indent="-114300" algn="ctr" defTabSz="622300" rtl="0">
-            <a:lnSpc>
-              <a:spcPct val="90000"/>
-            </a:lnSpc>
-            <a:spcBef>
-              <a:spcPct val="0"/>
-            </a:spcBef>
-            <a:spcAft>
-              <a:spcPct val="15000"/>
-            </a:spcAft>
-            <a:buNone/>
-          </a:pPr>
-          <a:r>
-            <a:rPr lang="en-GB" sz="1400" kern="1200" noProof="0" dirty="0">
-              <a:latin typeface="Tenorite" pitchFamily="2" charset="0"/>
-            </a:rPr>
-            <a:t>Foster holistically superior methodologies</a:t>
-          </a:r>
-        </a:p>
-      </dsp:txBody>
-      <dsp:txXfrm>
-        <a:off x="5847689" y="1576348"/>
-        <a:ext cx="1892456" cy="1576348"/>
-      </dsp:txXfrm>
-    </dsp:sp>
-    <dsp:sp modelId="{FDF2BC93-305C-D94B-A6C2-ED9CE7F40C2F}">
-      <dsp:nvSpPr>
-        <dsp:cNvPr id="0" name=""/>
-        <dsp:cNvSpPr/>
-      </dsp:nvSpPr>
-      <dsp:spPr>
-        <a:xfrm>
-          <a:off x="6379844" y="478533"/>
-          <a:ext cx="828146" cy="828146"/>
-        </a:xfrm>
-        <a:prstGeom prst="ellipse">
-          <a:avLst/>
-        </a:prstGeom>
-        <a:solidFill>
-          <a:schemeClr val="accent1">
-            <a:lumMod val="60000"/>
-            <a:lumOff val="40000"/>
-          </a:schemeClr>
-        </a:solidFill>
-        <a:ln w="12700" cap="flat" cmpd="sng" algn="ctr">
-          <a:noFill/>
-          <a:prstDash val="solid"/>
-          <a:miter lim="800000"/>
-        </a:ln>
-        <a:effectLst/>
-      </dsp:spPr>
-      <dsp:style>
-        <a:lnRef idx="2">
-          <a:scrgbClr r="0" g="0" b="0"/>
-        </a:lnRef>
-        <a:fillRef idx="1">
-          <a:scrgbClr r="0" g="0" b="0"/>
-        </a:fillRef>
-        <a:effectRef idx="0">
-          <a:scrgbClr r="0" g="0" b="0"/>
-        </a:effectRef>
-        <a:fontRef idx="minor"/>
-      </dsp:style>
-    </dsp:sp>
-    <dsp:sp modelId="{73C20AF0-FA1E-3C4A-AD07-551A27BE2B92}">
-      <dsp:nvSpPr>
-        <dsp:cNvPr id="0" name=""/>
-        <dsp:cNvSpPr/>
-      </dsp:nvSpPr>
-      <dsp:spPr>
-        <a:xfrm>
-          <a:off x="7796918" y="0"/>
-          <a:ext cx="1892456" cy="3940870"/>
-        </a:xfrm>
-        <a:prstGeom prst="rect">
-          <a:avLst/>
-        </a:prstGeom>
-        <a:solidFill>
-          <a:schemeClr val="accent1"/>
-        </a:solidFill>
-        <a:ln w="12700" cap="flat" cmpd="sng" algn="ctr">
-          <a:noFill/>
-          <a:prstDash val="solid"/>
-          <a:miter lim="800000"/>
-        </a:ln>
-        <a:effectLst/>
-      </dsp:spPr>
-      <dsp:style>
-        <a:lnRef idx="2">
-          <a:scrgbClr r="0" g="0" b="0"/>
-        </a:lnRef>
-        <a:fillRef idx="1">
-          <a:scrgbClr r="0" g="0" b="0"/>
-        </a:fillRef>
-        <a:effectRef idx="0">
-          <a:scrgbClr r="0" g="0" b="0"/>
-        </a:effectRef>
-        <a:fontRef idx="minor">
-          <a:schemeClr val="lt1"/>
-        </a:fontRef>
-      </dsp:style>
-      <dsp:txBody>
-        <a:bodyPr spcFirstLastPara="0" vert="horz" wrap="square" lIns="99568" tIns="99568" rIns="99568" bIns="99568" numCol="1" spcCol="1270" rtlCol="0" anchor="t" anchorCtr="1">
-          <a:noAutofit/>
-        </a:bodyPr>
-        <a:lstStyle/>
-        <a:p>
-          <a:pPr marL="0" lvl="0" indent="0" algn="ctr" defTabSz="889000" rtl="0">
-            <a:lnSpc>
-              <a:spcPct val="90000"/>
-            </a:lnSpc>
-            <a:spcBef>
-              <a:spcPct val="0"/>
-            </a:spcBef>
-            <a:spcAft>
-              <a:spcPct val="35000"/>
-            </a:spcAft>
-            <a:buNone/>
-          </a:pPr>
-          <a:r>
-            <a:rPr lang="en-GB" sz="2000" kern="1200" noProof="0" dirty="0">
-              <a:latin typeface="Tenorite" pitchFamily="2" charset="0"/>
-            </a:rPr>
-            <a:t>Launch</a:t>
-          </a:r>
-        </a:p>
-        <a:p>
-          <a:pPr marL="0" lvl="1" indent="-114300" algn="ctr" defTabSz="622300" rtl="0">
-            <a:lnSpc>
-              <a:spcPct val="90000"/>
-            </a:lnSpc>
-            <a:spcBef>
-              <a:spcPct val="0"/>
-            </a:spcBef>
-            <a:spcAft>
-              <a:spcPct val="15000"/>
-            </a:spcAft>
-            <a:buNone/>
-          </a:pPr>
-          <a:r>
-            <a:rPr lang="en-GB" sz="1400" kern="1200" noProof="0" dirty="0">
-              <a:latin typeface="Tenorite" pitchFamily="2" charset="0"/>
-            </a:rPr>
-            <a:t>Deploy strategic networks with compelling e-business needs</a:t>
-          </a:r>
-        </a:p>
-      </dsp:txBody>
-      <dsp:txXfrm>
-        <a:off x="7796918" y="1576348"/>
-        <a:ext cx="1892456" cy="1576348"/>
-      </dsp:txXfrm>
-    </dsp:sp>
-    <dsp:sp modelId="{916140F0-4F43-9F45-8310-FCCA12DDE514}">
-      <dsp:nvSpPr>
-        <dsp:cNvPr id="0" name=""/>
-        <dsp:cNvSpPr/>
-      </dsp:nvSpPr>
-      <dsp:spPr>
-        <a:xfrm>
-          <a:off x="8329073" y="478533"/>
-          <a:ext cx="828146" cy="828146"/>
-        </a:xfrm>
-        <a:prstGeom prst="ellipse">
-          <a:avLst/>
-        </a:prstGeom>
-        <a:solidFill>
-          <a:schemeClr val="accent1">
-            <a:lumMod val="60000"/>
-            <a:lumOff val="40000"/>
-          </a:schemeClr>
-        </a:solidFill>
-        <a:ln w="12700" cap="flat" cmpd="sng" algn="ctr">
-          <a:noFill/>
-          <a:prstDash val="solid"/>
-          <a:miter lim="800000"/>
-        </a:ln>
-        <a:effectLst/>
-      </dsp:spPr>
-      <dsp:style>
-        <a:lnRef idx="2">
-          <a:scrgbClr r="0" g="0" b="0"/>
-        </a:lnRef>
-        <a:fillRef idx="1">
-          <a:scrgbClr r="0" g="0" b="0"/>
-        </a:fillRef>
-        <a:effectRef idx="0">
-          <a:scrgbClr r="0" g="0" b="0"/>
-        </a:effectRef>
-        <a:fontRef idx="minor"/>
-      </dsp:style>
-    </dsp:sp>
-    <dsp:sp modelId="{2107607C-A87A-3347-81F6-106C527DBD58}">
-      <dsp:nvSpPr>
-        <dsp:cNvPr id="0" name=""/>
-        <dsp:cNvSpPr/>
-      </dsp:nvSpPr>
-      <dsp:spPr>
-        <a:xfrm>
-          <a:off x="400054" y="3040375"/>
-          <a:ext cx="8914225" cy="591130"/>
-        </a:xfrm>
-        <a:prstGeom prst="leftRightArrow">
-          <a:avLst/>
-        </a:prstGeom>
-        <a:solidFill>
-          <a:schemeClr val="accent2">
-            <a:tint val="40000"/>
-            <a:hueOff val="0"/>
-            <a:satOff val="0"/>
-            <a:lumOff val="0"/>
-            <a:alpha val="0"/>
-          </a:schemeClr>
-        </a:solidFill>
-        <a:ln w="12700" cap="flat" cmpd="sng" algn="ctr">
-          <a:noFill/>
-          <a:prstDash val="solid"/>
-          <a:miter lim="800000"/>
-        </a:ln>
-        <a:effectLst/>
-      </dsp:spPr>
-      <dsp:style>
-        <a:lnRef idx="2">
-          <a:scrgbClr r="0" g="0" b="0"/>
-        </a:lnRef>
-        <a:fillRef idx="1">
-          <a:scrgbClr r="0" g="0" b="0"/>
-        </a:fillRef>
-        <a:effectRef idx="0">
-          <a:scrgbClr r="0" g="0" b="0"/>
-        </a:effectRef>
-        <a:fontRef idx="minor"/>
-      </dsp:style>
-    </dsp:sp>
-  </dsp:spTree>
-</dsp:drawing>
-</file>
-
 <file path=ppt/diagrams/layout1.xml><?xml version="1.0" encoding="utf-8"?>
 <dgm:layoutDef xmlns:dgm="http://schemas.openxmlformats.org/drawingml/2006/diagram" xmlns:a="http://schemas.openxmlformats.org/drawingml/2006/main" uniqueId="urn:microsoft.com/office/officeart/2017/3/layout/DropPinTimeline">
   <dgm:title val="Drop Pin Timeline"/>
@@ -6051,1236 +3474,7 @@
 </dgm:layoutDef>
 </file>
 
-<file path=ppt/diagrams/layout2.xml><?xml version="1.0" encoding="utf-8"?>
-<dgm:layoutDef xmlns:dgm="http://schemas.openxmlformats.org/drawingml/2006/diagram" xmlns:a="http://schemas.openxmlformats.org/drawingml/2006/main" uniqueId="urn:microsoft.com/office/officeart/2005/8/layout/hList7">
-  <dgm:title val=""/>
-  <dgm:desc val=""/>
-  <dgm:catLst>
-    <dgm:cat type="list" pri="12000"/>
-    <dgm:cat type="process" pri="20000"/>
-    <dgm:cat type="relationship" pri="14000"/>
-    <dgm:cat type="convert" pri="8000"/>
-    <dgm:cat type="picture" pri="25000"/>
-    <dgm:cat type="pictureconvert" pri="25000"/>
-  </dgm:catLst>
-  <dgm:sampData useDef="1">
-    <dgm:dataModel>
-      <dgm:ptLst/>
-      <dgm:bg/>
-      <dgm:whole/>
-    </dgm:dataModel>
-  </dgm:sampData>
-  <dgm:styleData>
-    <dgm:dataModel>
-      <dgm:ptLst>
-        <dgm:pt modelId="0" type="doc"/>
-        <dgm:pt modelId="1"/>
-        <dgm:pt modelId="2"/>
-      </dgm:ptLst>
-      <dgm:cxnLst>
-        <dgm:cxn modelId="3" srcId="0" destId="1" srcOrd="0" destOrd="0"/>
-        <dgm:cxn modelId="4" srcId="0" destId="2" srcOrd="1" destOrd="0"/>
-      </dgm:cxnLst>
-      <dgm:bg/>
-      <dgm:whole/>
-    </dgm:dataModel>
-  </dgm:styleData>
-  <dgm:clrData>
-    <dgm:dataModel>
-      <dgm:ptLst>
-        <dgm:pt modelId="0" type="doc"/>
-        <dgm:pt modelId="1"/>
-        <dgm:pt modelId="2"/>
-        <dgm:pt modelId="3"/>
-        <dgm:pt modelId="4"/>
-      </dgm:ptLst>
-      <dgm:cxnLst>
-        <dgm:cxn modelId="5" srcId="0" destId="1" srcOrd="0" destOrd="0"/>
-        <dgm:cxn modelId="6" srcId="0" destId="2" srcOrd="1" destOrd="0"/>
-        <dgm:cxn modelId="7" srcId="0" destId="3" srcOrd="2" destOrd="0"/>
-        <dgm:cxn modelId="8" srcId="0" destId="4" srcOrd="3" destOrd="0"/>
-      </dgm:cxnLst>
-      <dgm:bg/>
-      <dgm:whole/>
-    </dgm:dataModel>
-  </dgm:clrData>
-  <dgm:layoutNode name="Name0">
-    <dgm:varLst>
-      <dgm:dir/>
-      <dgm:resizeHandles val="exact"/>
-    </dgm:varLst>
-    <dgm:alg type="composite"/>
-    <dgm:shape xmlns:r="http://schemas.openxmlformats.org/officeDocument/2006/relationships" r:blip="">
-      <dgm:adjLst/>
-    </dgm:shape>
-    <dgm:presOf/>
-    <dgm:constrLst>
-      <dgm:constr type="w" for="ch" forName="fgShape" refType="w" fact="0.92"/>
-      <dgm:constr type="h" for="ch" forName="fgShape" refType="h" fact="0.15"/>
-      <dgm:constr type="b" for="ch" forName="fgShape" refType="h" fact="0.95"/>
-      <dgm:constr type="ctrX" for="ch" forName="fgShape" refType="w" fact="0.5"/>
-      <dgm:constr type="w" for="ch" forName="linComp" refType="w"/>
-      <dgm:constr type="h" for="ch" forName="linComp" refType="h"/>
-      <dgm:constr type="ctrX" for="ch" forName="linComp" refType="w" fact="0.5"/>
-    </dgm:constrLst>
-    <dgm:ruleLst/>
-    <dgm:layoutNode name="fgShape" styleLbl="fgShp">
-      <dgm:alg type="sp"/>
-      <dgm:shape xmlns:r="http://schemas.openxmlformats.org/officeDocument/2006/relationships" type="leftRightArrow" r:blip="" zOrderOff="99999">
-        <dgm:adjLst/>
-      </dgm:shape>
-      <dgm:presOf/>
-      <dgm:constrLst/>
-      <dgm:ruleLst/>
-    </dgm:layoutNode>
-    <dgm:layoutNode name="linComp">
-      <dgm:choose name="Name1">
-        <dgm:if name="Name2" func="var" arg="dir" op="equ" val="norm">
-          <dgm:alg type="lin"/>
-        </dgm:if>
-        <dgm:else name="Name3">
-          <dgm:alg type="lin">
-            <dgm:param type="linDir" val="fromR"/>
-          </dgm:alg>
-        </dgm:else>
-      </dgm:choose>
-      <dgm:shape xmlns:r="http://schemas.openxmlformats.org/officeDocument/2006/relationships" r:blip="">
-        <dgm:adjLst/>
-      </dgm:shape>
-      <dgm:presOf/>
-      <dgm:constrLst>
-        <dgm:constr type="w" for="ch" forName="compNode" refType="w"/>
-        <dgm:constr type="h" for="ch" forName="compNode" refType="h"/>
-        <dgm:constr type="w" for="ch" ptType="sibTrans" refType="w" refFor="ch" refForName="compNode" fact="0.03"/>
-        <dgm:constr type="primFontSz" for="des" ptType="node" op="equ" val="65"/>
-      </dgm:constrLst>
-      <dgm:ruleLst/>
-      <dgm:forEach name="nodesForEach" axis="ch" ptType="node">
-        <dgm:layoutNode name="compNode">
-          <dgm:alg type="composite"/>
-          <dgm:shape xmlns:r="http://schemas.openxmlformats.org/officeDocument/2006/relationships" r:blip="">
-            <dgm:adjLst/>
-          </dgm:shape>
-          <dgm:presOf/>
-          <dgm:constrLst>
-            <dgm:constr type="w" for="ch" forName="bkgdShape" refType="w"/>
-            <dgm:constr type="h" for="ch" forName="bkgdShape" refType="h"/>
-            <dgm:constr type="w" for="ch" forName="nodeTx" refType="w"/>
-            <dgm:constr type="h" for="ch" forName="nodeTx" refType="h" fact="0.4"/>
-            <dgm:constr type="b" for="ch" forName="nodeTx" refType="h" fact="0.8"/>
-            <dgm:constr type="w" for="ch" forName="invisiNode" refType="w" fact="0.01"/>
-            <dgm:constr type="h" for="ch" forName="invisiNode" refType="h" fact="0.06"/>
-            <dgm:constr type="t" for="ch" forName="invisiNode"/>
-            <dgm:constr type="ctrX" for="ch" forName="invisiNode" refType="w" fact="0.5"/>
-            <dgm:constr type="h" for="ch" forName="imagNode" refType="h" fact="0.333"/>
-            <dgm:constr type="w" for="ch" forName="imagNode" refType="h" refFor="ch" refForName="imagNode"/>
-            <dgm:constr type="ctrX" for="ch" forName="imagNode" refType="w" fact="0.5"/>
-            <dgm:constr type="t" for="ch" forName="imagNode" refType="h" fact="0.06"/>
-            <dgm:constr type="w" for="ch" forName="imagNode" refType="w" op="lte" fact="0.94"/>
-          </dgm:constrLst>
-          <dgm:ruleLst/>
-          <dgm:layoutNode name="bkgdShape">
-            <dgm:alg type="sp"/>
-            <dgm:shape xmlns:r="http://schemas.openxmlformats.org/officeDocument/2006/relationships" type="roundRect" r:blip="">
-              <dgm:adjLst>
-                <dgm:adj idx="1" val="0.1"/>
-              </dgm:adjLst>
-            </dgm:shape>
-            <dgm:presOf axis="desOrSelf" ptType="node"/>
-            <dgm:constrLst/>
-            <dgm:ruleLst/>
-          </dgm:layoutNode>
-          <dgm:layoutNode name="nodeTx">
-            <dgm:varLst>
-              <dgm:bulletEnabled val="1"/>
-            </dgm:varLst>
-            <dgm:alg type="tx">
-              <dgm:param type="txAnchorVert" val="mid"/>
-              <dgm:param type="txAnchorHorzCh" val="ctr"/>
-              <dgm:param type="stBulletLvl" val="2"/>
-            </dgm:alg>
-            <dgm:shape xmlns:r="http://schemas.openxmlformats.org/officeDocument/2006/relationships" type="rect" r:blip="" hideGeom="1">
-              <dgm:adjLst/>
-            </dgm:shape>
-            <dgm:presOf axis="desOrSelf" ptType="node"/>
-            <dgm:constrLst/>
-            <dgm:ruleLst>
-              <dgm:rule type="primFontSz" val="5" fact="NaN" max="NaN"/>
-            </dgm:ruleLst>
-          </dgm:layoutNode>
-          <dgm:layoutNode name="invisiNode">
-            <dgm:alg type="sp"/>
-            <dgm:shape xmlns:r="http://schemas.openxmlformats.org/officeDocument/2006/relationships" type="roundRect" r:blip="" hideGeom="1">
-              <dgm:adjLst>
-                <dgm:adj idx="1" val="0.1"/>
-              </dgm:adjLst>
-            </dgm:shape>
-            <dgm:presOf/>
-            <dgm:constrLst/>
-            <dgm:ruleLst/>
-          </dgm:layoutNode>
-          <dgm:layoutNode name="imagNode" styleLbl="fgImgPlace1">
-            <dgm:alg type="sp"/>
-            <dgm:shape xmlns:r="http://schemas.openxmlformats.org/officeDocument/2006/relationships" type="ellipse" r:blip="" blipPhldr="1">
-              <dgm:adjLst/>
-            </dgm:shape>
-            <dgm:presOf/>
-            <dgm:constrLst/>
-            <dgm:ruleLst/>
-          </dgm:layoutNode>
-        </dgm:layoutNode>
-        <dgm:forEach name="sibTransForEach" axis="followSib" ptType="sibTrans" cnt="1">
-          <dgm:layoutNode name="sibTrans">
-            <dgm:alg type="sp"/>
-            <dgm:shape xmlns:r="http://schemas.openxmlformats.org/officeDocument/2006/relationships" type="rect" r:blip="" hideGeom="1">
-              <dgm:adjLst/>
-            </dgm:shape>
-            <dgm:presOf axis="self"/>
-            <dgm:constrLst/>
-            <dgm:ruleLst/>
-          </dgm:layoutNode>
-        </dgm:forEach>
-      </dgm:forEach>
-    </dgm:layoutNode>
-  </dgm:layoutNode>
-</dgm:layoutDef>
-</file>
-
 <file path=ppt/diagrams/quickStyle1.xml><?xml version="1.0" encoding="utf-8"?>
-<dgm:styleDef xmlns:dgm="http://schemas.openxmlformats.org/drawingml/2006/diagram" xmlns:a="http://schemas.openxmlformats.org/drawingml/2006/main" uniqueId="urn:microsoft.com/office/officeart/2005/8/quickstyle/simple1">
-  <dgm:title val=""/>
-  <dgm:desc val=""/>
-  <dgm:catLst>
-    <dgm:cat type="simple" pri="10100"/>
-  </dgm:catLst>
-  <dgm:scene3d>
-    <a:camera prst="orthographicFront"/>
-    <a:lightRig rig="threePt" dir="t"/>
-  </dgm:scene3d>
-  <dgm:styleLbl name="node0">
-    <dgm:scene3d>
-      <a:camera prst="orthographicFront"/>
-      <a:lightRig rig="threePt" dir="t"/>
-    </dgm:scene3d>
-    <dgm:sp3d/>
-    <dgm:txPr/>
-    <dgm:style>
-      <a:lnRef idx="2">
-        <a:scrgbClr r="0" g="0" b="0"/>
-      </a:lnRef>
-      <a:fillRef idx="1">
-        <a:scrgbClr r="0" g="0" b="0"/>
-      </a:fillRef>
-      <a:effectRef idx="0">
-        <a:scrgbClr r="0" g="0" b="0"/>
-      </a:effectRef>
-      <a:fontRef idx="minor">
-        <a:schemeClr val="lt1"/>
-      </a:fontRef>
-    </dgm:style>
-  </dgm:styleLbl>
-  <dgm:styleLbl name="lnNode1">
-    <dgm:scene3d>
-      <a:camera prst="orthographicFront"/>
-      <a:lightRig rig="threePt" dir="t"/>
-    </dgm:scene3d>
-    <dgm:sp3d/>
-    <dgm:txPr/>
-    <dgm:style>
-      <a:lnRef idx="2">
-        <a:scrgbClr r="0" g="0" b="0"/>
-      </a:lnRef>
-      <a:fillRef idx="1">
-        <a:scrgbClr r="0" g="0" b="0"/>
-      </a:fillRef>
-      <a:effectRef idx="0">
-        <a:scrgbClr r="0" g="0" b="0"/>
-      </a:effectRef>
-      <a:fontRef idx="minor">
-        <a:schemeClr val="lt1"/>
-      </a:fontRef>
-    </dgm:style>
-  </dgm:styleLbl>
-  <dgm:styleLbl name="vennNode1">
-    <dgm:scene3d>
-      <a:camera prst="orthographicFront"/>
-      <a:lightRig rig="threePt" dir="t"/>
-    </dgm:scene3d>
-    <dgm:sp3d/>
-    <dgm:txPr/>
-    <dgm:style>
-      <a:lnRef idx="2">
-        <a:scrgbClr r="0" g="0" b="0"/>
-      </a:lnRef>
-      <a:fillRef idx="1">
-        <a:scrgbClr r="0" g="0" b="0"/>
-      </a:fillRef>
-      <a:effectRef idx="0">
-        <a:scrgbClr r="0" g="0" b="0"/>
-      </a:effectRef>
-      <a:fontRef idx="minor">
-        <a:schemeClr val="tx1"/>
-      </a:fontRef>
-    </dgm:style>
-  </dgm:styleLbl>
-  <dgm:styleLbl name="alignNode1">
-    <dgm:scene3d>
-      <a:camera prst="orthographicFront"/>
-      <a:lightRig rig="threePt" dir="t"/>
-    </dgm:scene3d>
-    <dgm:sp3d/>
-    <dgm:txPr/>
-    <dgm:style>
-      <a:lnRef idx="2">
-        <a:scrgbClr r="0" g="0" b="0"/>
-      </a:lnRef>
-      <a:fillRef idx="1">
-        <a:scrgbClr r="0" g="0" b="0"/>
-      </a:fillRef>
-      <a:effectRef idx="0">
-        <a:scrgbClr r="0" g="0" b="0"/>
-      </a:effectRef>
-      <a:fontRef idx="minor">
-        <a:schemeClr val="lt1"/>
-      </a:fontRef>
-    </dgm:style>
-  </dgm:styleLbl>
-  <dgm:styleLbl name="node1">
-    <dgm:scene3d>
-      <a:camera prst="orthographicFront"/>
-      <a:lightRig rig="threePt" dir="t"/>
-    </dgm:scene3d>
-    <dgm:sp3d/>
-    <dgm:txPr/>
-    <dgm:style>
-      <a:lnRef idx="2">
-        <a:scrgbClr r="0" g="0" b="0"/>
-      </a:lnRef>
-      <a:fillRef idx="1">
-        <a:scrgbClr r="0" g="0" b="0"/>
-      </a:fillRef>
-      <a:effectRef idx="0">
-        <a:scrgbClr r="0" g="0" b="0"/>
-      </a:effectRef>
-      <a:fontRef idx="minor">
-        <a:schemeClr val="lt1"/>
-      </a:fontRef>
-    </dgm:style>
-  </dgm:styleLbl>
-  <dgm:styleLbl name="node2">
-    <dgm:scene3d>
-      <a:camera prst="orthographicFront"/>
-      <a:lightRig rig="threePt" dir="t"/>
-    </dgm:scene3d>
-    <dgm:sp3d/>
-    <dgm:txPr/>
-    <dgm:style>
-      <a:lnRef idx="2">
-        <a:scrgbClr r="0" g="0" b="0"/>
-      </a:lnRef>
-      <a:fillRef idx="1">
-        <a:scrgbClr r="0" g="0" b="0"/>
-      </a:fillRef>
-      <a:effectRef idx="0">
-        <a:scrgbClr r="0" g="0" b="0"/>
-      </a:effectRef>
-      <a:fontRef idx="minor">
-        <a:schemeClr val="lt1"/>
-      </a:fontRef>
-    </dgm:style>
-  </dgm:styleLbl>
-  <dgm:styleLbl name="node3">
-    <dgm:scene3d>
-      <a:camera prst="orthographicFront"/>
-      <a:lightRig rig="threePt" dir="t"/>
-    </dgm:scene3d>
-    <dgm:sp3d/>
-    <dgm:txPr/>
-    <dgm:style>
-      <a:lnRef idx="2">
-        <a:scrgbClr r="0" g="0" b="0"/>
-      </a:lnRef>
-      <a:fillRef idx="1">
-        <a:scrgbClr r="0" g="0" b="0"/>
-      </a:fillRef>
-      <a:effectRef idx="0">
-        <a:scrgbClr r="0" g="0" b="0"/>
-      </a:effectRef>
-      <a:fontRef idx="minor">
-        <a:schemeClr val="lt1"/>
-      </a:fontRef>
-    </dgm:style>
-  </dgm:styleLbl>
-  <dgm:styleLbl name="node4">
-    <dgm:scene3d>
-      <a:camera prst="orthographicFront"/>
-      <a:lightRig rig="threePt" dir="t"/>
-    </dgm:scene3d>
-    <dgm:sp3d/>
-    <dgm:txPr/>
-    <dgm:style>
-      <a:lnRef idx="2">
-        <a:scrgbClr r="0" g="0" b="0"/>
-      </a:lnRef>
-      <a:fillRef idx="1">
-        <a:scrgbClr r="0" g="0" b="0"/>
-      </a:fillRef>
-      <a:effectRef idx="0">
-        <a:scrgbClr r="0" g="0" b="0"/>
-      </a:effectRef>
-      <a:fontRef idx="minor">
-        <a:schemeClr val="lt1"/>
-      </a:fontRef>
-    </dgm:style>
-  </dgm:styleLbl>
-  <dgm:styleLbl name="fgImgPlace1">
-    <dgm:scene3d>
-      <a:camera prst="orthographicFront"/>
-      <a:lightRig rig="threePt" dir="t"/>
-    </dgm:scene3d>
-    <dgm:sp3d/>
-    <dgm:txPr/>
-    <dgm:style>
-      <a:lnRef idx="2">
-        <a:scrgbClr r="0" g="0" b="0"/>
-      </a:lnRef>
-      <a:fillRef idx="1">
-        <a:scrgbClr r="0" g="0" b="0"/>
-      </a:fillRef>
-      <a:effectRef idx="0">
-        <a:scrgbClr r="0" g="0" b="0"/>
-      </a:effectRef>
-      <a:fontRef idx="minor"/>
-    </dgm:style>
-  </dgm:styleLbl>
-  <dgm:styleLbl name="alignImgPlace1">
-    <dgm:scene3d>
-      <a:camera prst="orthographicFront"/>
-      <a:lightRig rig="threePt" dir="t"/>
-    </dgm:scene3d>
-    <dgm:sp3d/>
-    <dgm:txPr/>
-    <dgm:style>
-      <a:lnRef idx="2">
-        <a:scrgbClr r="0" g="0" b="0"/>
-      </a:lnRef>
-      <a:fillRef idx="1">
-        <a:scrgbClr r="0" g="0" b="0"/>
-      </a:fillRef>
-      <a:effectRef idx="0">
-        <a:scrgbClr r="0" g="0" b="0"/>
-      </a:effectRef>
-      <a:fontRef idx="minor"/>
-    </dgm:style>
-  </dgm:styleLbl>
-  <dgm:styleLbl name="bgImgPlace1">
-    <dgm:scene3d>
-      <a:camera prst="orthographicFront"/>
-      <a:lightRig rig="threePt" dir="t"/>
-    </dgm:scene3d>
-    <dgm:sp3d/>
-    <dgm:txPr/>
-    <dgm:style>
-      <a:lnRef idx="2">
-        <a:scrgbClr r="0" g="0" b="0"/>
-      </a:lnRef>
-      <a:fillRef idx="1">
-        <a:scrgbClr r="0" g="0" b="0"/>
-      </a:fillRef>
-      <a:effectRef idx="0">
-        <a:scrgbClr r="0" g="0" b="0"/>
-      </a:effectRef>
-      <a:fontRef idx="minor"/>
-    </dgm:style>
-  </dgm:styleLbl>
-  <dgm:styleLbl name="sibTrans2D1">
-    <dgm:scene3d>
-      <a:camera prst="orthographicFront"/>
-      <a:lightRig rig="threePt" dir="t"/>
-    </dgm:scene3d>
-    <dgm:sp3d/>
-    <dgm:txPr/>
-    <dgm:style>
-      <a:lnRef idx="0">
-        <a:scrgbClr r="0" g="0" b="0"/>
-      </a:lnRef>
-      <a:fillRef idx="1">
-        <a:scrgbClr r="0" g="0" b="0"/>
-      </a:fillRef>
-      <a:effectRef idx="0">
-        <a:scrgbClr r="0" g="0" b="0"/>
-      </a:effectRef>
-      <a:fontRef idx="minor">
-        <a:schemeClr val="lt1"/>
-      </a:fontRef>
-    </dgm:style>
-  </dgm:styleLbl>
-  <dgm:styleLbl name="fgSibTrans2D1">
-    <dgm:scene3d>
-      <a:camera prst="orthographicFront"/>
-      <a:lightRig rig="threePt" dir="t"/>
-    </dgm:scene3d>
-    <dgm:sp3d/>
-    <dgm:txPr/>
-    <dgm:style>
-      <a:lnRef idx="0">
-        <a:scrgbClr r="0" g="0" b="0"/>
-      </a:lnRef>
-      <a:fillRef idx="1">
-        <a:scrgbClr r="0" g="0" b="0"/>
-      </a:fillRef>
-      <a:effectRef idx="0">
-        <a:scrgbClr r="0" g="0" b="0"/>
-      </a:effectRef>
-      <a:fontRef idx="minor">
-        <a:schemeClr val="lt1"/>
-      </a:fontRef>
-    </dgm:style>
-  </dgm:styleLbl>
-  <dgm:styleLbl name="bgSibTrans2D1">
-    <dgm:scene3d>
-      <a:camera prst="orthographicFront"/>
-      <a:lightRig rig="threePt" dir="t"/>
-    </dgm:scene3d>
-    <dgm:sp3d/>
-    <dgm:txPr/>
-    <dgm:style>
-      <a:lnRef idx="0">
-        <a:scrgbClr r="0" g="0" b="0"/>
-      </a:lnRef>
-      <a:fillRef idx="1">
-        <a:scrgbClr r="0" g="0" b="0"/>
-      </a:fillRef>
-      <a:effectRef idx="0">
-        <a:scrgbClr r="0" g="0" b="0"/>
-      </a:effectRef>
-      <a:fontRef idx="minor">
-        <a:schemeClr val="lt1"/>
-      </a:fontRef>
-    </dgm:style>
-  </dgm:styleLbl>
-  <dgm:styleLbl name="sibTrans1D1">
-    <dgm:scene3d>
-      <a:camera prst="orthographicFront"/>
-      <a:lightRig rig="threePt" dir="t"/>
-    </dgm:scene3d>
-    <dgm:sp3d/>
-    <dgm:txPr/>
-    <dgm:style>
-      <a:lnRef idx="1">
-        <a:scrgbClr r="0" g="0" b="0"/>
-      </a:lnRef>
-      <a:fillRef idx="0">
-        <a:scrgbClr r="0" g="0" b="0"/>
-      </a:fillRef>
-      <a:effectRef idx="0">
-        <a:scrgbClr r="0" g="0" b="0"/>
-      </a:effectRef>
-      <a:fontRef idx="minor"/>
-    </dgm:style>
-  </dgm:styleLbl>
-  <dgm:styleLbl name="callout">
-    <dgm:scene3d>
-      <a:camera prst="orthographicFront"/>
-      <a:lightRig rig="threePt" dir="t"/>
-    </dgm:scene3d>
-    <dgm:sp3d/>
-    <dgm:txPr/>
-    <dgm:style>
-      <a:lnRef idx="2">
-        <a:scrgbClr r="0" g="0" b="0"/>
-      </a:lnRef>
-      <a:fillRef idx="1">
-        <a:scrgbClr r="0" g="0" b="0"/>
-      </a:fillRef>
-      <a:effectRef idx="0">
-        <a:scrgbClr r="0" g="0" b="0"/>
-      </a:effectRef>
-      <a:fontRef idx="minor"/>
-    </dgm:style>
-  </dgm:styleLbl>
-  <dgm:styleLbl name="asst0">
-    <dgm:scene3d>
-      <a:camera prst="orthographicFront"/>
-      <a:lightRig rig="threePt" dir="t"/>
-    </dgm:scene3d>
-    <dgm:sp3d/>
-    <dgm:txPr/>
-    <dgm:style>
-      <a:lnRef idx="2">
-        <a:scrgbClr r="0" g="0" b="0"/>
-      </a:lnRef>
-      <a:fillRef idx="1">
-        <a:scrgbClr r="0" g="0" b="0"/>
-      </a:fillRef>
-      <a:effectRef idx="0">
-        <a:scrgbClr r="0" g="0" b="0"/>
-      </a:effectRef>
-      <a:fontRef idx="minor">
-        <a:schemeClr val="lt1"/>
-      </a:fontRef>
-    </dgm:style>
-  </dgm:styleLbl>
-  <dgm:styleLbl name="asst1">
-    <dgm:scene3d>
-      <a:camera prst="orthographicFront"/>
-      <a:lightRig rig="threePt" dir="t"/>
-    </dgm:scene3d>
-    <dgm:sp3d/>
-    <dgm:txPr/>
-    <dgm:style>
-      <a:lnRef idx="2">
-        <a:scrgbClr r="0" g="0" b="0"/>
-      </a:lnRef>
-      <a:fillRef idx="1">
-        <a:scrgbClr r="0" g="0" b="0"/>
-      </a:fillRef>
-      <a:effectRef idx="0">
-        <a:scrgbClr r="0" g="0" b="0"/>
-      </a:effectRef>
-      <a:fontRef idx="minor">
-        <a:schemeClr val="lt1"/>
-      </a:fontRef>
-    </dgm:style>
-  </dgm:styleLbl>
-  <dgm:styleLbl name="asst2">
-    <dgm:scene3d>
-      <a:camera prst="orthographicFront"/>
-      <a:lightRig rig="threePt" dir="t"/>
-    </dgm:scene3d>
-    <dgm:sp3d/>
-    <dgm:txPr/>
-    <dgm:style>
-      <a:lnRef idx="2">
-        <a:scrgbClr r="0" g="0" b="0"/>
-      </a:lnRef>
-      <a:fillRef idx="1">
-        <a:scrgbClr r="0" g="0" b="0"/>
-      </a:fillRef>
-      <a:effectRef idx="0">
-        <a:scrgbClr r="0" g="0" b="0"/>
-      </a:effectRef>
-      <a:fontRef idx="minor">
-        <a:schemeClr val="lt1"/>
-      </a:fontRef>
-    </dgm:style>
-  </dgm:styleLbl>
-  <dgm:styleLbl name="asst3">
-    <dgm:scene3d>
-      <a:camera prst="orthographicFront"/>
-      <a:lightRig rig="threePt" dir="t"/>
-    </dgm:scene3d>
-    <dgm:sp3d/>
-    <dgm:txPr/>
-    <dgm:style>
-      <a:lnRef idx="2">
-        <a:scrgbClr r="0" g="0" b="0"/>
-      </a:lnRef>
-      <a:fillRef idx="1">
-        <a:scrgbClr r="0" g="0" b="0"/>
-      </a:fillRef>
-      <a:effectRef idx="0">
-        <a:scrgbClr r="0" g="0" b="0"/>
-      </a:effectRef>
-      <a:fontRef idx="minor">
-        <a:schemeClr val="lt1"/>
-      </a:fontRef>
-    </dgm:style>
-  </dgm:styleLbl>
-  <dgm:styleLbl name="asst4">
-    <dgm:scene3d>
-      <a:camera prst="orthographicFront"/>
-      <a:lightRig rig="threePt" dir="t"/>
-    </dgm:scene3d>
-    <dgm:sp3d/>
-    <dgm:txPr/>
-    <dgm:style>
-      <a:lnRef idx="2">
-        <a:scrgbClr r="0" g="0" b="0"/>
-      </a:lnRef>
-      <a:fillRef idx="1">
-        <a:scrgbClr r="0" g="0" b="0"/>
-      </a:fillRef>
-      <a:effectRef idx="0">
-        <a:scrgbClr r="0" g="0" b="0"/>
-      </a:effectRef>
-      <a:fontRef idx="minor">
-        <a:schemeClr val="lt1"/>
-      </a:fontRef>
-    </dgm:style>
-  </dgm:styleLbl>
-  <dgm:styleLbl name="parChTrans2D1">
-    <dgm:scene3d>
-      <a:camera prst="orthographicFront"/>
-      <a:lightRig rig="threePt" dir="t"/>
-    </dgm:scene3d>
-    <dgm:sp3d/>
-    <dgm:txPr/>
-    <dgm:style>
-      <a:lnRef idx="2">
-        <a:scrgbClr r="0" g="0" b="0"/>
-      </a:lnRef>
-      <a:fillRef idx="1">
-        <a:scrgbClr r="0" g="0" b="0"/>
-      </a:fillRef>
-      <a:effectRef idx="0">
-        <a:scrgbClr r="0" g="0" b="0"/>
-      </a:effectRef>
-      <a:fontRef idx="minor">
-        <a:schemeClr val="lt1"/>
-      </a:fontRef>
-    </dgm:style>
-  </dgm:styleLbl>
-  <dgm:styleLbl name="parChTrans2D2">
-    <dgm:scene3d>
-      <a:camera prst="orthographicFront"/>
-      <a:lightRig rig="threePt" dir="t"/>
-    </dgm:scene3d>
-    <dgm:sp3d/>
-    <dgm:txPr/>
-    <dgm:style>
-      <a:lnRef idx="2">
-        <a:scrgbClr r="0" g="0" b="0"/>
-      </a:lnRef>
-      <a:fillRef idx="1">
-        <a:scrgbClr r="0" g="0" b="0"/>
-      </a:fillRef>
-      <a:effectRef idx="0">
-        <a:scrgbClr r="0" g="0" b="0"/>
-      </a:effectRef>
-      <a:fontRef idx="minor">
-        <a:schemeClr val="lt1"/>
-      </a:fontRef>
-    </dgm:style>
-  </dgm:styleLbl>
-  <dgm:styleLbl name="parChTrans2D3">
-    <dgm:scene3d>
-      <a:camera prst="orthographicFront"/>
-      <a:lightRig rig="threePt" dir="t"/>
-    </dgm:scene3d>
-    <dgm:sp3d/>
-    <dgm:txPr/>
-    <dgm:style>
-      <a:lnRef idx="2">
-        <a:scrgbClr r="0" g="0" b="0"/>
-      </a:lnRef>
-      <a:fillRef idx="1">
-        <a:scrgbClr r="0" g="0" b="0"/>
-      </a:fillRef>
-      <a:effectRef idx="0">
-        <a:scrgbClr r="0" g="0" b="0"/>
-      </a:effectRef>
-      <a:fontRef idx="minor">
-        <a:schemeClr val="lt1"/>
-      </a:fontRef>
-    </dgm:style>
-  </dgm:styleLbl>
-  <dgm:styleLbl name="parChTrans2D4">
-    <dgm:scene3d>
-      <a:camera prst="orthographicFront"/>
-      <a:lightRig rig="threePt" dir="t"/>
-    </dgm:scene3d>
-    <dgm:sp3d/>
-    <dgm:txPr/>
-    <dgm:style>
-      <a:lnRef idx="2">
-        <a:scrgbClr r="0" g="0" b="0"/>
-      </a:lnRef>
-      <a:fillRef idx="1">
-        <a:scrgbClr r="0" g="0" b="0"/>
-      </a:fillRef>
-      <a:effectRef idx="0">
-        <a:scrgbClr r="0" g="0" b="0"/>
-      </a:effectRef>
-      <a:fontRef idx="minor">
-        <a:schemeClr val="lt1"/>
-      </a:fontRef>
-    </dgm:style>
-  </dgm:styleLbl>
-  <dgm:styleLbl name="parChTrans1D1">
-    <dgm:scene3d>
-      <a:camera prst="orthographicFront"/>
-      <a:lightRig rig="threePt" dir="t"/>
-    </dgm:scene3d>
-    <dgm:sp3d/>
-    <dgm:txPr/>
-    <dgm:style>
-      <a:lnRef idx="2">
-        <a:scrgbClr r="0" g="0" b="0"/>
-      </a:lnRef>
-      <a:fillRef idx="0">
-        <a:scrgbClr r="0" g="0" b="0"/>
-      </a:fillRef>
-      <a:effectRef idx="0">
-        <a:scrgbClr r="0" g="0" b="0"/>
-      </a:effectRef>
-      <a:fontRef idx="minor"/>
-    </dgm:style>
-  </dgm:styleLbl>
-  <dgm:styleLbl name="parChTrans1D2">
-    <dgm:scene3d>
-      <a:camera prst="orthographicFront"/>
-      <a:lightRig rig="threePt" dir="t"/>
-    </dgm:scene3d>
-    <dgm:sp3d/>
-    <dgm:txPr/>
-    <dgm:style>
-      <a:lnRef idx="2">
-        <a:scrgbClr r="0" g="0" b="0"/>
-      </a:lnRef>
-      <a:fillRef idx="0">
-        <a:scrgbClr r="0" g="0" b="0"/>
-      </a:fillRef>
-      <a:effectRef idx="0">
-        <a:scrgbClr r="0" g="0" b="0"/>
-      </a:effectRef>
-      <a:fontRef idx="minor"/>
-    </dgm:style>
-  </dgm:styleLbl>
-  <dgm:styleLbl name="parChTrans1D3">
-    <dgm:scene3d>
-      <a:camera prst="orthographicFront"/>
-      <a:lightRig rig="threePt" dir="t"/>
-    </dgm:scene3d>
-    <dgm:sp3d/>
-    <dgm:txPr/>
-    <dgm:style>
-      <a:lnRef idx="2">
-        <a:scrgbClr r="0" g="0" b="0"/>
-      </a:lnRef>
-      <a:fillRef idx="0">
-        <a:scrgbClr r="0" g="0" b="0"/>
-      </a:fillRef>
-      <a:effectRef idx="0">
-        <a:scrgbClr r="0" g="0" b="0"/>
-      </a:effectRef>
-      <a:fontRef idx="minor"/>
-    </dgm:style>
-  </dgm:styleLbl>
-  <dgm:styleLbl name="parChTrans1D4">
-    <dgm:scene3d>
-      <a:camera prst="orthographicFront"/>
-      <a:lightRig rig="threePt" dir="t"/>
-    </dgm:scene3d>
-    <dgm:sp3d/>
-    <dgm:txPr/>
-    <dgm:style>
-      <a:lnRef idx="2">
-        <a:scrgbClr r="0" g="0" b="0"/>
-      </a:lnRef>
-      <a:fillRef idx="0">
-        <a:scrgbClr r="0" g="0" b="0"/>
-      </a:fillRef>
-      <a:effectRef idx="0">
-        <a:scrgbClr r="0" g="0" b="0"/>
-      </a:effectRef>
-      <a:fontRef idx="minor"/>
-    </dgm:style>
-  </dgm:styleLbl>
-  <dgm:styleLbl name="fgAcc1">
-    <dgm:scene3d>
-      <a:camera prst="orthographicFront"/>
-      <a:lightRig rig="threePt" dir="t"/>
-    </dgm:scene3d>
-    <dgm:sp3d/>
-    <dgm:txPr/>
-    <dgm:style>
-      <a:lnRef idx="2">
-        <a:scrgbClr r="0" g="0" b="0"/>
-      </a:lnRef>
-      <a:fillRef idx="1">
-        <a:scrgbClr r="0" g="0" b="0"/>
-      </a:fillRef>
-      <a:effectRef idx="0">
-        <a:scrgbClr r="0" g="0" b="0"/>
-      </a:effectRef>
-      <a:fontRef idx="minor"/>
-    </dgm:style>
-  </dgm:styleLbl>
-  <dgm:styleLbl name="conFgAcc1">
-    <dgm:scene3d>
-      <a:camera prst="orthographicFront"/>
-      <a:lightRig rig="threePt" dir="t"/>
-    </dgm:scene3d>
-    <dgm:sp3d/>
-    <dgm:txPr/>
-    <dgm:style>
-      <a:lnRef idx="2">
-        <a:scrgbClr r="0" g="0" b="0"/>
-      </a:lnRef>
-      <a:fillRef idx="1">
-        <a:scrgbClr r="0" g="0" b="0"/>
-      </a:fillRef>
-      <a:effectRef idx="0">
-        <a:scrgbClr r="0" g="0" b="0"/>
-      </a:effectRef>
-      <a:fontRef idx="minor"/>
-    </dgm:style>
-  </dgm:styleLbl>
-  <dgm:styleLbl name="alignAcc1">
-    <dgm:scene3d>
-      <a:camera prst="orthographicFront"/>
-      <a:lightRig rig="threePt" dir="t"/>
-    </dgm:scene3d>
-    <dgm:sp3d/>
-    <dgm:txPr/>
-    <dgm:style>
-      <a:lnRef idx="2">
-        <a:scrgbClr r="0" g="0" b="0"/>
-      </a:lnRef>
-      <a:fillRef idx="1">
-        <a:scrgbClr r="0" g="0" b="0"/>
-      </a:fillRef>
-      <a:effectRef idx="0">
-        <a:scrgbClr r="0" g="0" b="0"/>
-      </a:effectRef>
-      <a:fontRef idx="minor"/>
-    </dgm:style>
-  </dgm:styleLbl>
-  <dgm:styleLbl name="trAlignAcc1">
-    <dgm:scene3d>
-      <a:camera prst="orthographicFront"/>
-      <a:lightRig rig="threePt" dir="t"/>
-    </dgm:scene3d>
-    <dgm:sp3d/>
-    <dgm:txPr/>
-    <dgm:style>
-      <a:lnRef idx="1">
-        <a:scrgbClr r="0" g="0" b="0"/>
-      </a:lnRef>
-      <a:fillRef idx="1">
-        <a:scrgbClr r="0" g="0" b="0"/>
-      </a:fillRef>
-      <a:effectRef idx="0">
-        <a:scrgbClr r="0" g="0" b="0"/>
-      </a:effectRef>
-      <a:fontRef idx="minor"/>
-    </dgm:style>
-  </dgm:styleLbl>
-  <dgm:styleLbl name="bgAcc1">
-    <dgm:scene3d>
-      <a:camera prst="orthographicFront"/>
-      <a:lightRig rig="threePt" dir="t"/>
-    </dgm:scene3d>
-    <dgm:sp3d/>
-    <dgm:txPr/>
-    <dgm:style>
-      <a:lnRef idx="2">
-        <a:scrgbClr r="0" g="0" b="0"/>
-      </a:lnRef>
-      <a:fillRef idx="1">
-        <a:scrgbClr r="0" g="0" b="0"/>
-      </a:fillRef>
-      <a:effectRef idx="0">
-        <a:scrgbClr r="0" g="0" b="0"/>
-      </a:effectRef>
-      <a:fontRef idx="minor"/>
-    </dgm:style>
-  </dgm:styleLbl>
-  <dgm:styleLbl name="solidFgAcc1">
-    <dgm:scene3d>
-      <a:camera prst="orthographicFront"/>
-      <a:lightRig rig="threePt" dir="t"/>
-    </dgm:scene3d>
-    <dgm:sp3d/>
-    <dgm:txPr/>
-    <dgm:style>
-      <a:lnRef idx="2">
-        <a:scrgbClr r="0" g="0" b="0"/>
-      </a:lnRef>
-      <a:fillRef idx="1">
-        <a:scrgbClr r="0" g="0" b="0"/>
-      </a:fillRef>
-      <a:effectRef idx="0">
-        <a:scrgbClr r="0" g="0" b="0"/>
-      </a:effectRef>
-      <a:fontRef idx="minor"/>
-    </dgm:style>
-  </dgm:styleLbl>
-  <dgm:styleLbl name="solidAlignAcc1">
-    <dgm:scene3d>
-      <a:camera prst="orthographicFront"/>
-      <a:lightRig rig="threePt" dir="t"/>
-    </dgm:scene3d>
-    <dgm:sp3d/>
-    <dgm:txPr/>
-    <dgm:style>
-      <a:lnRef idx="2">
-        <a:scrgbClr r="0" g="0" b="0"/>
-      </a:lnRef>
-      <a:fillRef idx="1">
-        <a:scrgbClr r="0" g="0" b="0"/>
-      </a:fillRef>
-      <a:effectRef idx="0">
-        <a:scrgbClr r="0" g="0" b="0"/>
-      </a:effectRef>
-      <a:fontRef idx="minor"/>
-    </dgm:style>
-  </dgm:styleLbl>
-  <dgm:styleLbl name="solidBgAcc1">
-    <dgm:scene3d>
-      <a:camera prst="orthographicFront"/>
-      <a:lightRig rig="threePt" dir="t"/>
-    </dgm:scene3d>
-    <dgm:sp3d/>
-    <dgm:txPr/>
-    <dgm:style>
-      <a:lnRef idx="2">
-        <a:scrgbClr r="0" g="0" b="0"/>
-      </a:lnRef>
-      <a:fillRef idx="1">
-        <a:scrgbClr r="0" g="0" b="0"/>
-      </a:fillRef>
-      <a:effectRef idx="0">
-        <a:scrgbClr r="0" g="0" b="0"/>
-      </a:effectRef>
-      <a:fontRef idx="minor"/>
-    </dgm:style>
-  </dgm:styleLbl>
-  <dgm:styleLbl name="fgAccFollowNode1">
-    <dgm:scene3d>
-      <a:camera prst="orthographicFront"/>
-      <a:lightRig rig="threePt" dir="t"/>
-    </dgm:scene3d>
-    <dgm:sp3d/>
-    <dgm:txPr/>
-    <dgm:style>
-      <a:lnRef idx="2">
-        <a:scrgbClr r="0" g="0" b="0"/>
-      </a:lnRef>
-      <a:fillRef idx="1">
-        <a:scrgbClr r="0" g="0" b="0"/>
-      </a:fillRef>
-      <a:effectRef idx="0">
-        <a:scrgbClr r="0" g="0" b="0"/>
-      </a:effectRef>
-      <a:fontRef idx="minor"/>
-    </dgm:style>
-  </dgm:styleLbl>
-  <dgm:styleLbl name="alignAccFollowNode1">
-    <dgm:scene3d>
-      <a:camera prst="orthographicFront"/>
-      <a:lightRig rig="threePt" dir="t"/>
-    </dgm:scene3d>
-    <dgm:sp3d/>
-    <dgm:txPr/>
-    <dgm:style>
-      <a:lnRef idx="2">
-        <a:scrgbClr r="0" g="0" b="0"/>
-      </a:lnRef>
-      <a:fillRef idx="1">
-        <a:scrgbClr r="0" g="0" b="0"/>
-      </a:fillRef>
-      <a:effectRef idx="0">
-        <a:scrgbClr r="0" g="0" b="0"/>
-      </a:effectRef>
-      <a:fontRef idx="minor"/>
-    </dgm:style>
-  </dgm:styleLbl>
-  <dgm:styleLbl name="bgAccFollowNode1">
-    <dgm:scene3d>
-      <a:camera prst="orthographicFront"/>
-      <a:lightRig rig="threePt" dir="t"/>
-    </dgm:scene3d>
-    <dgm:sp3d/>
-    <dgm:txPr/>
-    <dgm:style>
-      <a:lnRef idx="2">
-        <a:scrgbClr r="0" g="0" b="0"/>
-      </a:lnRef>
-      <a:fillRef idx="1">
-        <a:scrgbClr r="0" g="0" b="0"/>
-      </a:fillRef>
-      <a:effectRef idx="0">
-        <a:scrgbClr r="0" g="0" b="0"/>
-      </a:effectRef>
-      <a:fontRef idx="minor"/>
-    </dgm:style>
-  </dgm:styleLbl>
-  <dgm:styleLbl name="fgAcc0">
-    <dgm:scene3d>
-      <a:camera prst="orthographicFront"/>
-      <a:lightRig rig="threePt" dir="t"/>
-    </dgm:scene3d>
-    <dgm:sp3d/>
-    <dgm:txPr/>
-    <dgm:style>
-      <a:lnRef idx="2">
-        <a:scrgbClr r="0" g="0" b="0"/>
-      </a:lnRef>
-      <a:fillRef idx="1">
-        <a:scrgbClr r="0" g="0" b="0"/>
-      </a:fillRef>
-      <a:effectRef idx="0">
-        <a:scrgbClr r="0" g="0" b="0"/>
-      </a:effectRef>
-      <a:fontRef idx="minor"/>
-    </dgm:style>
-  </dgm:styleLbl>
-  <dgm:styleLbl name="fgAcc2">
-    <dgm:scene3d>
-      <a:camera prst="orthographicFront"/>
-      <a:lightRig rig="threePt" dir="t"/>
-    </dgm:scene3d>
-    <dgm:sp3d/>
-    <dgm:txPr/>
-    <dgm:style>
-      <a:lnRef idx="2">
-        <a:scrgbClr r="0" g="0" b="0"/>
-      </a:lnRef>
-      <a:fillRef idx="1">
-        <a:scrgbClr r="0" g="0" b="0"/>
-      </a:fillRef>
-      <a:effectRef idx="0">
-        <a:scrgbClr r="0" g="0" b="0"/>
-      </a:effectRef>
-      <a:fontRef idx="minor"/>
-    </dgm:style>
-  </dgm:styleLbl>
-  <dgm:styleLbl name="fgAcc3">
-    <dgm:scene3d>
-      <a:camera prst="orthographicFront"/>
-      <a:lightRig rig="threePt" dir="t"/>
-    </dgm:scene3d>
-    <dgm:sp3d/>
-    <dgm:txPr/>
-    <dgm:style>
-      <a:lnRef idx="2">
-        <a:scrgbClr r="0" g="0" b="0"/>
-      </a:lnRef>
-      <a:fillRef idx="1">
-        <a:scrgbClr r="0" g="0" b="0"/>
-      </a:fillRef>
-      <a:effectRef idx="0">
-        <a:scrgbClr r="0" g="0" b="0"/>
-      </a:effectRef>
-      <a:fontRef idx="minor"/>
-    </dgm:style>
-  </dgm:styleLbl>
-  <dgm:styleLbl name="fgAcc4">
-    <dgm:scene3d>
-      <a:camera prst="orthographicFront"/>
-      <a:lightRig rig="threePt" dir="t"/>
-    </dgm:scene3d>
-    <dgm:sp3d/>
-    <dgm:txPr/>
-    <dgm:style>
-      <a:lnRef idx="2">
-        <a:scrgbClr r="0" g="0" b="0"/>
-      </a:lnRef>
-      <a:fillRef idx="1">
-        <a:scrgbClr r="0" g="0" b="0"/>
-      </a:fillRef>
-      <a:effectRef idx="0">
-        <a:scrgbClr r="0" g="0" b="0"/>
-      </a:effectRef>
-      <a:fontRef idx="minor"/>
-    </dgm:style>
-  </dgm:styleLbl>
-  <dgm:styleLbl name="bgShp">
-    <dgm:scene3d>
-      <a:camera prst="orthographicFront"/>
-      <a:lightRig rig="threePt" dir="t"/>
-    </dgm:scene3d>
-    <dgm:sp3d/>
-    <dgm:txPr/>
-    <dgm:style>
-      <a:lnRef idx="0">
-        <a:scrgbClr r="0" g="0" b="0"/>
-      </a:lnRef>
-      <a:fillRef idx="1">
-        <a:scrgbClr r="0" g="0" b="0"/>
-      </a:fillRef>
-      <a:effectRef idx="0">
-        <a:scrgbClr r="0" g="0" b="0"/>
-      </a:effectRef>
-      <a:fontRef idx="minor"/>
-    </dgm:style>
-  </dgm:styleLbl>
-  <dgm:styleLbl name="dkBgShp">
-    <dgm:scene3d>
-      <a:camera prst="orthographicFront"/>
-      <a:lightRig rig="threePt" dir="t"/>
-    </dgm:scene3d>
-    <dgm:sp3d/>
-    <dgm:txPr/>
-    <dgm:style>
-      <a:lnRef idx="0">
-        <a:scrgbClr r="0" g="0" b="0"/>
-      </a:lnRef>
-      <a:fillRef idx="1">
-        <a:scrgbClr r="0" g="0" b="0"/>
-      </a:fillRef>
-      <a:effectRef idx="0">
-        <a:scrgbClr r="0" g="0" b="0"/>
-      </a:effectRef>
-      <a:fontRef idx="minor"/>
-    </dgm:style>
-  </dgm:styleLbl>
-  <dgm:styleLbl name="trBgShp">
-    <dgm:scene3d>
-      <a:camera prst="orthographicFront"/>
-      <a:lightRig rig="threePt" dir="t"/>
-    </dgm:scene3d>
-    <dgm:sp3d/>
-    <dgm:txPr/>
-    <dgm:style>
-      <a:lnRef idx="0">
-        <a:scrgbClr r="0" g="0" b="0"/>
-      </a:lnRef>
-      <a:fillRef idx="1">
-        <a:scrgbClr r="0" g="0" b="0"/>
-      </a:fillRef>
-      <a:effectRef idx="0">
-        <a:scrgbClr r="0" g="0" b="0"/>
-      </a:effectRef>
-      <a:fontRef idx="minor"/>
-    </dgm:style>
-  </dgm:styleLbl>
-  <dgm:styleLbl name="fgShp">
-    <dgm:scene3d>
-      <a:camera prst="orthographicFront"/>
-      <a:lightRig rig="threePt" dir="t"/>
-    </dgm:scene3d>
-    <dgm:sp3d/>
-    <dgm:txPr/>
-    <dgm:style>
-      <a:lnRef idx="2">
-        <a:scrgbClr r="0" g="0" b="0"/>
-      </a:lnRef>
-      <a:fillRef idx="1">
-        <a:scrgbClr r="0" g="0" b="0"/>
-      </a:fillRef>
-      <a:effectRef idx="0">
-        <a:scrgbClr r="0" g="0" b="0"/>
-      </a:effectRef>
-      <a:fontRef idx="minor"/>
-    </dgm:style>
-  </dgm:styleLbl>
-  <dgm:styleLbl name="revTx">
-    <dgm:scene3d>
-      <a:camera prst="orthographicFront"/>
-      <a:lightRig rig="threePt" dir="t"/>
-    </dgm:scene3d>
-    <dgm:sp3d/>
-    <dgm:txPr/>
-    <dgm:style>
-      <a:lnRef idx="0">
-        <a:scrgbClr r="0" g="0" b="0"/>
-      </a:lnRef>
-      <a:fillRef idx="0">
-        <a:scrgbClr r="0" g="0" b="0"/>
-      </a:fillRef>
-      <a:effectRef idx="0">
-        <a:scrgbClr r="0" g="0" b="0"/>
-      </a:effectRef>
-      <a:fontRef idx="minor"/>
-    </dgm:style>
-  </dgm:styleLbl>
-</dgm:styleDef>
-</file>
-
-<file path=ppt/diagrams/quickStyle2.xml><?xml version="1.0" encoding="utf-8"?>
 <dgm:styleDef xmlns:dgm="http://schemas.openxmlformats.org/drawingml/2006/diagram" xmlns:a="http://schemas.openxmlformats.org/drawingml/2006/main" uniqueId="urn:microsoft.com/office/officeart/2005/8/quickstyle/simple1">
   <dgm:title val=""/>
   <dgm:desc val=""/>
@@ -8410,7 +4604,7 @@
             <a:pPr rtl="0"/>
             <a:fld id="{AB1389FC-84BB-41A0-BC92-057C08DC342F}" type="datetime1">
               <a:rPr lang="en-GB" smtClean="0"/>
-              <a:t>12/04/2024</a:t>
+              <a:t>19/04/2024</a:t>
             </a:fld>
             <a:endParaRPr lang="en-GB" dirty="0"/>
           </a:p>
@@ -8592,7 +4786,7 @@
             <a:fld id="{4909B039-1C6C-4DB3-861A-76F1FF2AC578}" type="datetime1">
               <a:rPr lang="en-GB" noProof="0" smtClean="0"/>
               <a:pPr/>
-              <a:t>12/04/2024</a:t>
+              <a:t>19/04/2024</a:t>
             </a:fld>
             <a:endParaRPr lang="en-GB" noProof="0"/>
           </a:p>
@@ -9629,176 +5823,6 @@
 </p:notes>
 </file>
 
-<file path=ppt/notesSlides/notesSlide18.xml><?xml version="1.0" encoding="utf-8"?>
-<p:notes xmlns:a="http://schemas.openxmlformats.org/drawingml/2006/main" xmlns:r="http://schemas.openxmlformats.org/officeDocument/2006/relationships" xmlns:p="http://schemas.openxmlformats.org/presentationml/2006/main">
-  <p:cSld>
-    <p:spTree>
-      <p:nvGrpSpPr>
-        <p:cNvPr id="1" name=""/>
-        <p:cNvGrpSpPr/>
-        <p:nvPr/>
-      </p:nvGrpSpPr>
-      <p:grpSpPr>
-        <a:xfrm>
-          <a:off x="0" y="0"/>
-          <a:ext cx="0" cy="0"/>
-          <a:chOff x="0" y="0"/>
-          <a:chExt cx="0" cy="0"/>
-        </a:xfrm>
-      </p:grpSpPr>
-      <p:sp>
-        <p:nvSpPr>
-          <p:cNvPr id="2" name="Slide Image Placeholder 1"/>
-          <p:cNvSpPr>
-            <a:spLocks noGrp="1" noRot="1" noChangeAspect="1"/>
-          </p:cNvSpPr>
-          <p:nvPr>
-            <p:ph type="sldImg"/>
-          </p:nvPr>
-        </p:nvSpPr>
-        <p:spPr/>
-      </p:sp>
-      <p:sp>
-        <p:nvSpPr>
-          <p:cNvPr id="3" name="Notes Placeholder 2"/>
-          <p:cNvSpPr>
-            <a:spLocks noGrp="1"/>
-          </p:cNvSpPr>
-          <p:nvPr>
-            <p:ph type="body" idx="1"/>
-          </p:nvPr>
-        </p:nvSpPr>
-        <p:spPr/>
-        <p:txBody>
-          <a:bodyPr/>
-          <a:lstStyle/>
-          <a:p>
-            <a:endParaRPr lang="en-GB" noProof="0" dirty="0"/>
-          </a:p>
-        </p:txBody>
-      </p:sp>
-      <p:sp>
-        <p:nvSpPr>
-          <p:cNvPr id="4" name="Slide Number Placeholder 3"/>
-          <p:cNvSpPr>
-            <a:spLocks noGrp="1"/>
-          </p:cNvSpPr>
-          <p:nvPr>
-            <p:ph type="sldNum" sz="quarter" idx="5"/>
-          </p:nvPr>
-        </p:nvSpPr>
-        <p:spPr/>
-        <p:txBody>
-          <a:bodyPr/>
-          <a:lstStyle/>
-          <a:p>
-            <a:pPr rtl="0"/>
-            <a:fld id="{F97DC217-DF71-1A49-B3EA-559F1F43B0FF}" type="slidenum">
-              <a:rPr lang="en-GB" smtClean="0"/>
-              <a:t>18</a:t>
-            </a:fld>
-            <a:endParaRPr lang="en-GB"/>
-          </a:p>
-        </p:txBody>
-      </p:sp>
-    </p:spTree>
-    <p:extLst>
-      <p:ext uri="{BB962C8B-B14F-4D97-AF65-F5344CB8AC3E}">
-        <p14:creationId xmlns:p14="http://schemas.microsoft.com/office/powerpoint/2010/main" val="1255847113"/>
-      </p:ext>
-    </p:extLst>
-  </p:cSld>
-  <p:clrMapOvr>
-    <a:masterClrMapping/>
-  </p:clrMapOvr>
-</p:notes>
-</file>
-
-<file path=ppt/notesSlides/notesSlide19.xml><?xml version="1.0" encoding="utf-8"?>
-<p:notes xmlns:a="http://schemas.openxmlformats.org/drawingml/2006/main" xmlns:r="http://schemas.openxmlformats.org/officeDocument/2006/relationships" xmlns:p="http://schemas.openxmlformats.org/presentationml/2006/main">
-  <p:cSld>
-    <p:spTree>
-      <p:nvGrpSpPr>
-        <p:cNvPr id="1" name=""/>
-        <p:cNvGrpSpPr/>
-        <p:nvPr/>
-      </p:nvGrpSpPr>
-      <p:grpSpPr>
-        <a:xfrm>
-          <a:off x="0" y="0"/>
-          <a:ext cx="0" cy="0"/>
-          <a:chOff x="0" y="0"/>
-          <a:chExt cx="0" cy="0"/>
-        </a:xfrm>
-      </p:grpSpPr>
-      <p:sp>
-        <p:nvSpPr>
-          <p:cNvPr id="2" name="Slide Image Placeholder 1"/>
-          <p:cNvSpPr>
-            <a:spLocks noGrp="1" noRot="1" noChangeAspect="1"/>
-          </p:cNvSpPr>
-          <p:nvPr>
-            <p:ph type="sldImg"/>
-          </p:nvPr>
-        </p:nvSpPr>
-        <p:spPr/>
-      </p:sp>
-      <p:sp>
-        <p:nvSpPr>
-          <p:cNvPr id="3" name="Notes Placeholder 2"/>
-          <p:cNvSpPr>
-            <a:spLocks noGrp="1"/>
-          </p:cNvSpPr>
-          <p:nvPr>
-            <p:ph type="body" idx="1"/>
-          </p:nvPr>
-        </p:nvSpPr>
-        <p:spPr/>
-        <p:txBody>
-          <a:bodyPr/>
-          <a:lstStyle/>
-          <a:p>
-            <a:endParaRPr lang="en-GB" noProof="0" dirty="0"/>
-          </a:p>
-        </p:txBody>
-      </p:sp>
-      <p:sp>
-        <p:nvSpPr>
-          <p:cNvPr id="4" name="Slide Number Placeholder 3"/>
-          <p:cNvSpPr>
-            <a:spLocks noGrp="1"/>
-          </p:cNvSpPr>
-          <p:nvPr>
-            <p:ph type="sldNum" sz="quarter" idx="5"/>
-          </p:nvPr>
-        </p:nvSpPr>
-        <p:spPr/>
-        <p:txBody>
-          <a:bodyPr/>
-          <a:lstStyle/>
-          <a:p>
-            <a:pPr rtl="0"/>
-            <a:fld id="{F97DC217-DF71-1A49-B3EA-559F1F43B0FF}" type="slidenum">
-              <a:rPr lang="en-GB" smtClean="0"/>
-              <a:t>19</a:t>
-            </a:fld>
-            <a:endParaRPr lang="en-GB"/>
-          </a:p>
-        </p:txBody>
-      </p:sp>
-    </p:spTree>
-    <p:extLst>
-      <p:ext uri="{BB962C8B-B14F-4D97-AF65-F5344CB8AC3E}">
-        <p14:creationId xmlns:p14="http://schemas.microsoft.com/office/powerpoint/2010/main" val="2706690204"/>
-      </p:ext>
-    </p:extLst>
-  </p:cSld>
-  <p:clrMapOvr>
-    <a:masterClrMapping/>
-  </p:clrMapOvr>
-</p:notes>
-</file>
-
 <file path=ppt/notesSlides/notesSlide2.xml><?xml version="1.0" encoding="utf-8"?>
 <p:notes xmlns:a="http://schemas.openxmlformats.org/drawingml/2006/main" xmlns:r="http://schemas.openxmlformats.org/officeDocument/2006/relationships" xmlns:p="http://schemas.openxmlformats.org/presentationml/2006/main">
   <p:cSld>
@@ -9875,346 +5899,6 @@
     <p:extLst>
       <p:ext uri="{BB962C8B-B14F-4D97-AF65-F5344CB8AC3E}">
         <p14:creationId xmlns:p14="http://schemas.microsoft.com/office/powerpoint/2010/main" val="527809645"/>
-      </p:ext>
-    </p:extLst>
-  </p:cSld>
-  <p:clrMapOvr>
-    <a:masterClrMapping/>
-  </p:clrMapOvr>
-</p:notes>
-</file>
-
-<file path=ppt/notesSlides/notesSlide20.xml><?xml version="1.0" encoding="utf-8"?>
-<p:notes xmlns:a="http://schemas.openxmlformats.org/drawingml/2006/main" xmlns:r="http://schemas.openxmlformats.org/officeDocument/2006/relationships" xmlns:p="http://schemas.openxmlformats.org/presentationml/2006/main">
-  <p:cSld>
-    <p:spTree>
-      <p:nvGrpSpPr>
-        <p:cNvPr id="1" name=""/>
-        <p:cNvGrpSpPr/>
-        <p:nvPr/>
-      </p:nvGrpSpPr>
-      <p:grpSpPr>
-        <a:xfrm>
-          <a:off x="0" y="0"/>
-          <a:ext cx="0" cy="0"/>
-          <a:chOff x="0" y="0"/>
-          <a:chExt cx="0" cy="0"/>
-        </a:xfrm>
-      </p:grpSpPr>
-      <p:sp>
-        <p:nvSpPr>
-          <p:cNvPr id="2" name="Slide Image Placeholder 1"/>
-          <p:cNvSpPr>
-            <a:spLocks noGrp="1" noRot="1" noChangeAspect="1"/>
-          </p:cNvSpPr>
-          <p:nvPr>
-            <p:ph type="sldImg"/>
-          </p:nvPr>
-        </p:nvSpPr>
-        <p:spPr/>
-      </p:sp>
-      <p:sp>
-        <p:nvSpPr>
-          <p:cNvPr id="3" name="Notes Placeholder 2"/>
-          <p:cNvSpPr>
-            <a:spLocks noGrp="1"/>
-          </p:cNvSpPr>
-          <p:nvPr>
-            <p:ph type="body" idx="1"/>
-          </p:nvPr>
-        </p:nvSpPr>
-        <p:spPr/>
-        <p:txBody>
-          <a:bodyPr/>
-          <a:lstStyle/>
-          <a:p>
-            <a:endParaRPr lang="en-GB" noProof="0" dirty="0"/>
-          </a:p>
-        </p:txBody>
-      </p:sp>
-      <p:sp>
-        <p:nvSpPr>
-          <p:cNvPr id="4" name="Slide Number Placeholder 3"/>
-          <p:cNvSpPr>
-            <a:spLocks noGrp="1"/>
-          </p:cNvSpPr>
-          <p:nvPr>
-            <p:ph type="sldNum" sz="quarter" idx="5"/>
-          </p:nvPr>
-        </p:nvSpPr>
-        <p:spPr/>
-        <p:txBody>
-          <a:bodyPr/>
-          <a:lstStyle/>
-          <a:p>
-            <a:pPr rtl="0"/>
-            <a:fld id="{F97DC217-DF71-1A49-B3EA-559F1F43B0FF}" type="slidenum">
-              <a:rPr lang="en-GB" smtClean="0"/>
-              <a:t>20</a:t>
-            </a:fld>
-            <a:endParaRPr lang="en-GB"/>
-          </a:p>
-        </p:txBody>
-      </p:sp>
-    </p:spTree>
-    <p:extLst>
-      <p:ext uri="{BB962C8B-B14F-4D97-AF65-F5344CB8AC3E}">
-        <p14:creationId xmlns:p14="http://schemas.microsoft.com/office/powerpoint/2010/main" val="45824638"/>
-      </p:ext>
-    </p:extLst>
-  </p:cSld>
-  <p:clrMapOvr>
-    <a:masterClrMapping/>
-  </p:clrMapOvr>
-</p:notes>
-</file>
-
-<file path=ppt/notesSlides/notesSlide21.xml><?xml version="1.0" encoding="utf-8"?>
-<p:notes xmlns:a="http://schemas.openxmlformats.org/drawingml/2006/main" xmlns:r="http://schemas.openxmlformats.org/officeDocument/2006/relationships" xmlns:p="http://schemas.openxmlformats.org/presentationml/2006/main">
-  <p:cSld>
-    <p:spTree>
-      <p:nvGrpSpPr>
-        <p:cNvPr id="1" name=""/>
-        <p:cNvGrpSpPr/>
-        <p:nvPr/>
-      </p:nvGrpSpPr>
-      <p:grpSpPr>
-        <a:xfrm>
-          <a:off x="0" y="0"/>
-          <a:ext cx="0" cy="0"/>
-          <a:chOff x="0" y="0"/>
-          <a:chExt cx="0" cy="0"/>
-        </a:xfrm>
-      </p:grpSpPr>
-      <p:sp>
-        <p:nvSpPr>
-          <p:cNvPr id="2" name="Slide Image Placeholder 1"/>
-          <p:cNvSpPr>
-            <a:spLocks noGrp="1" noRot="1" noChangeAspect="1"/>
-          </p:cNvSpPr>
-          <p:nvPr>
-            <p:ph type="sldImg"/>
-          </p:nvPr>
-        </p:nvSpPr>
-        <p:spPr/>
-      </p:sp>
-      <p:sp>
-        <p:nvSpPr>
-          <p:cNvPr id="3" name="Notes Placeholder 2"/>
-          <p:cNvSpPr>
-            <a:spLocks noGrp="1"/>
-          </p:cNvSpPr>
-          <p:nvPr>
-            <p:ph type="body" idx="1"/>
-          </p:nvPr>
-        </p:nvSpPr>
-        <p:spPr/>
-        <p:txBody>
-          <a:bodyPr/>
-          <a:lstStyle/>
-          <a:p>
-            <a:endParaRPr lang="en-GB" noProof="0" dirty="0"/>
-          </a:p>
-        </p:txBody>
-      </p:sp>
-      <p:sp>
-        <p:nvSpPr>
-          <p:cNvPr id="4" name="Slide Number Placeholder 3"/>
-          <p:cNvSpPr>
-            <a:spLocks noGrp="1"/>
-          </p:cNvSpPr>
-          <p:nvPr>
-            <p:ph type="sldNum" sz="quarter" idx="5"/>
-          </p:nvPr>
-        </p:nvSpPr>
-        <p:spPr/>
-        <p:txBody>
-          <a:bodyPr/>
-          <a:lstStyle/>
-          <a:p>
-            <a:pPr rtl="0"/>
-            <a:fld id="{F97DC217-DF71-1A49-B3EA-559F1F43B0FF}" type="slidenum">
-              <a:rPr lang="en-GB" smtClean="0"/>
-              <a:t>21</a:t>
-            </a:fld>
-            <a:endParaRPr lang="en-GB"/>
-          </a:p>
-        </p:txBody>
-      </p:sp>
-    </p:spTree>
-    <p:extLst>
-      <p:ext uri="{BB962C8B-B14F-4D97-AF65-F5344CB8AC3E}">
-        <p14:creationId xmlns:p14="http://schemas.microsoft.com/office/powerpoint/2010/main" val="2811033610"/>
-      </p:ext>
-    </p:extLst>
-  </p:cSld>
-  <p:clrMapOvr>
-    <a:masterClrMapping/>
-  </p:clrMapOvr>
-</p:notes>
-</file>
-
-<file path=ppt/notesSlides/notesSlide22.xml><?xml version="1.0" encoding="utf-8"?>
-<p:notes xmlns:a="http://schemas.openxmlformats.org/drawingml/2006/main" xmlns:r="http://schemas.openxmlformats.org/officeDocument/2006/relationships" xmlns:p="http://schemas.openxmlformats.org/presentationml/2006/main">
-  <p:cSld>
-    <p:spTree>
-      <p:nvGrpSpPr>
-        <p:cNvPr id="1" name=""/>
-        <p:cNvGrpSpPr/>
-        <p:nvPr/>
-      </p:nvGrpSpPr>
-      <p:grpSpPr>
-        <a:xfrm>
-          <a:off x="0" y="0"/>
-          <a:ext cx="0" cy="0"/>
-          <a:chOff x="0" y="0"/>
-          <a:chExt cx="0" cy="0"/>
-        </a:xfrm>
-      </p:grpSpPr>
-      <p:sp>
-        <p:nvSpPr>
-          <p:cNvPr id="2" name="Slide Image Placeholder 1"/>
-          <p:cNvSpPr>
-            <a:spLocks noGrp="1" noRot="1" noChangeAspect="1"/>
-          </p:cNvSpPr>
-          <p:nvPr>
-            <p:ph type="sldImg"/>
-          </p:nvPr>
-        </p:nvSpPr>
-        <p:spPr/>
-      </p:sp>
-      <p:sp>
-        <p:nvSpPr>
-          <p:cNvPr id="3" name="Notes Placeholder 2"/>
-          <p:cNvSpPr>
-            <a:spLocks noGrp="1"/>
-          </p:cNvSpPr>
-          <p:nvPr>
-            <p:ph type="body" idx="1"/>
-          </p:nvPr>
-        </p:nvSpPr>
-        <p:spPr/>
-        <p:txBody>
-          <a:bodyPr/>
-          <a:lstStyle/>
-          <a:p>
-            <a:endParaRPr lang="en-GB" noProof="0" dirty="0"/>
-          </a:p>
-        </p:txBody>
-      </p:sp>
-      <p:sp>
-        <p:nvSpPr>
-          <p:cNvPr id="4" name="Slide Number Placeholder 3"/>
-          <p:cNvSpPr>
-            <a:spLocks noGrp="1"/>
-          </p:cNvSpPr>
-          <p:nvPr>
-            <p:ph type="sldNum" sz="quarter" idx="5"/>
-          </p:nvPr>
-        </p:nvSpPr>
-        <p:spPr/>
-        <p:txBody>
-          <a:bodyPr/>
-          <a:lstStyle/>
-          <a:p>
-            <a:pPr rtl="0"/>
-            <a:fld id="{F97DC217-DF71-1A49-B3EA-559F1F43B0FF}" type="slidenum">
-              <a:rPr lang="en-GB" smtClean="0"/>
-              <a:t>22</a:t>
-            </a:fld>
-            <a:endParaRPr lang="en-GB"/>
-          </a:p>
-        </p:txBody>
-      </p:sp>
-    </p:spTree>
-    <p:extLst>
-      <p:ext uri="{BB962C8B-B14F-4D97-AF65-F5344CB8AC3E}">
-        <p14:creationId xmlns:p14="http://schemas.microsoft.com/office/powerpoint/2010/main" val="2747007999"/>
-      </p:ext>
-    </p:extLst>
-  </p:cSld>
-  <p:clrMapOvr>
-    <a:masterClrMapping/>
-  </p:clrMapOvr>
-</p:notes>
-</file>
-
-<file path=ppt/notesSlides/notesSlide23.xml><?xml version="1.0" encoding="utf-8"?>
-<p:notes xmlns:a="http://schemas.openxmlformats.org/drawingml/2006/main" xmlns:r="http://schemas.openxmlformats.org/officeDocument/2006/relationships" xmlns:p="http://schemas.openxmlformats.org/presentationml/2006/main">
-  <p:cSld>
-    <p:spTree>
-      <p:nvGrpSpPr>
-        <p:cNvPr id="1" name=""/>
-        <p:cNvGrpSpPr/>
-        <p:nvPr/>
-      </p:nvGrpSpPr>
-      <p:grpSpPr>
-        <a:xfrm>
-          <a:off x="0" y="0"/>
-          <a:ext cx="0" cy="0"/>
-          <a:chOff x="0" y="0"/>
-          <a:chExt cx="0" cy="0"/>
-        </a:xfrm>
-      </p:grpSpPr>
-      <p:sp>
-        <p:nvSpPr>
-          <p:cNvPr id="2" name="Slide Image Placeholder 1"/>
-          <p:cNvSpPr>
-            <a:spLocks noGrp="1" noRot="1" noChangeAspect="1"/>
-          </p:cNvSpPr>
-          <p:nvPr>
-            <p:ph type="sldImg"/>
-          </p:nvPr>
-        </p:nvSpPr>
-        <p:spPr/>
-      </p:sp>
-      <p:sp>
-        <p:nvSpPr>
-          <p:cNvPr id="3" name="Notes Placeholder 2"/>
-          <p:cNvSpPr>
-            <a:spLocks noGrp="1"/>
-          </p:cNvSpPr>
-          <p:nvPr>
-            <p:ph type="body" idx="1"/>
-          </p:nvPr>
-        </p:nvSpPr>
-        <p:spPr/>
-        <p:txBody>
-          <a:bodyPr/>
-          <a:lstStyle/>
-          <a:p>
-            <a:endParaRPr lang="en-GB" noProof="0" dirty="0"/>
-          </a:p>
-        </p:txBody>
-      </p:sp>
-      <p:sp>
-        <p:nvSpPr>
-          <p:cNvPr id="4" name="Slide Number Placeholder 3"/>
-          <p:cNvSpPr>
-            <a:spLocks noGrp="1"/>
-          </p:cNvSpPr>
-          <p:nvPr>
-            <p:ph type="sldNum" sz="quarter" idx="5"/>
-          </p:nvPr>
-        </p:nvSpPr>
-        <p:spPr/>
-        <p:txBody>
-          <a:bodyPr/>
-          <a:lstStyle/>
-          <a:p>
-            <a:pPr rtl="0"/>
-            <a:fld id="{F97DC217-DF71-1A49-B3EA-559F1F43B0FF}" type="slidenum">
-              <a:rPr lang="en-GB" smtClean="0"/>
-              <a:t>23</a:t>
-            </a:fld>
-            <a:endParaRPr lang="en-GB"/>
-          </a:p>
-        </p:txBody>
-      </p:sp>
-    </p:spTree>
-    <p:extLst>
-      <p:ext uri="{BB962C8B-B14F-4D97-AF65-F5344CB8AC3E}">
-        <p14:creationId xmlns:p14="http://schemas.microsoft.com/office/powerpoint/2010/main" val="4029904800"/>
       </p:ext>
     </p:extLst>
   </p:cSld>
@@ -12208,7 +7892,7 @@
             <a:pPr rtl="0"/>
             <a:fld id="{16A828CD-3E50-40B7-96D0-7B54AC9F93F5}" type="datetime1">
               <a:rPr lang="en-US" noProof="0" smtClean="0"/>
-              <a:t>4/12/2024</a:t>
+              <a:t>4/19/2024</a:t>
             </a:fld>
             <a:endParaRPr lang="en-GB" noProof="0"/>
           </a:p>
@@ -13094,7 +8778,7 @@
             <a:pPr rtl="0"/>
             <a:fld id="{56488193-7E62-45D5-AB0B-B981142D6E84}" type="datetime1">
               <a:rPr lang="en-US" noProof="0" smtClean="0"/>
-              <a:t>4/12/2024</a:t>
+              <a:t>4/19/2024</a:t>
             </a:fld>
             <a:endParaRPr lang="en-GB" noProof="0"/>
           </a:p>
@@ -14269,7 +9953,7 @@
             <a:pPr rtl="0"/>
             <a:fld id="{C106D469-C582-44C0-910D-078ADB2B5FF1}" type="datetime1">
               <a:rPr lang="en-US" noProof="0" smtClean="0"/>
-              <a:t>4/12/2024</a:t>
+              <a:t>4/19/2024</a:t>
             </a:fld>
             <a:endParaRPr lang="en-GB" noProof="0"/>
           </a:p>
@@ -16345,7 +12029,7 @@
             <a:pPr rtl="0"/>
             <a:fld id="{DDEA086C-D20A-48D6-B15A-E87F629939F3}" type="datetime1">
               <a:rPr lang="en-US" noProof="0" smtClean="0"/>
-              <a:t>4/12/2024</a:t>
+              <a:t>4/19/2024</a:t>
             </a:fld>
             <a:endParaRPr lang="en-GB" noProof="0"/>
           </a:p>
@@ -17065,7 +12749,7 @@
             <a:pPr rtl="0"/>
             <a:fld id="{DE78DE43-0B95-4D67-8DFE-88909014F874}" type="datetime1">
               <a:rPr lang="en-US" noProof="0" smtClean="0"/>
-              <a:t>4/12/2024</a:t>
+              <a:t>4/19/2024</a:t>
             </a:fld>
             <a:endParaRPr lang="en-GB" noProof="0"/>
           </a:p>
@@ -18294,7 +13978,7 @@
             <a:pPr rtl="0"/>
             <a:fld id="{2D32E396-BFB5-4A9D-8851-4DABA6D8B13F}" type="datetime1">
               <a:rPr lang="en-US" noProof="0" smtClean="0"/>
-              <a:t>4/12/2024</a:t>
+              <a:t>4/19/2024</a:t>
             </a:fld>
             <a:endParaRPr lang="en-GB" noProof="0"/>
           </a:p>
@@ -18887,7 +14571,7 @@
             <a:pPr rtl="0"/>
             <a:fld id="{E054FE2F-3CA1-4FA0-B304-5EC9A0839C70}" type="datetime1">
               <a:rPr lang="en-US" noProof="0" smtClean="0"/>
-              <a:t>4/12/2024</a:t>
+              <a:t>4/19/2024</a:t>
             </a:fld>
             <a:endParaRPr lang="en-GB" noProof="0"/>
           </a:p>
@@ -19362,7 +15046,7 @@
             <a:pPr rtl="0"/>
             <a:fld id="{4A7CC8F7-ADC6-414D-9D94-BE715B8A7F16}" type="datetime1">
               <a:rPr lang="en-US" noProof="0" smtClean="0"/>
-              <a:t>4/12/2024</a:t>
+              <a:t>4/19/2024</a:t>
             </a:fld>
             <a:endParaRPr lang="en-GB" noProof="0"/>
           </a:p>
@@ -20214,7 +15898,7 @@
             <a:pPr rtl="0"/>
             <a:fld id="{4E8B771E-A1FC-460D-BCE6-094C49CC8916}" type="datetime1">
               <a:rPr lang="en-US" noProof="0" smtClean="0"/>
-              <a:t>4/12/2024</a:t>
+              <a:t>4/19/2024</a:t>
             </a:fld>
             <a:endParaRPr lang="en-GB" noProof="0"/>
           </a:p>
@@ -22441,7 +18125,7 @@
             <a:pPr rtl="0"/>
             <a:fld id="{264795B9-8913-4E00-972B-0018D8D7C09F}" type="datetime1">
               <a:rPr lang="en-US" noProof="0" smtClean="0"/>
-              <a:t>4/12/2024</a:t>
+              <a:t>4/19/2024</a:t>
             </a:fld>
             <a:endParaRPr lang="en-GB" noProof="0"/>
           </a:p>
@@ -22713,7 +18397,7 @@
             <a:pPr rtl="0"/>
             <a:fld id="{D0DA00EB-ED6E-4D93-8BF7-DA1A6606C418}" type="datetime1">
               <a:rPr lang="en-US" noProof="0" smtClean="0"/>
-              <a:t>4/12/2024</a:t>
+              <a:t>4/19/2024</a:t>
             </a:fld>
             <a:endParaRPr lang="en-GB" noProof="0"/>
           </a:p>
@@ -23406,7 +19090,7 @@
             <a:pPr rtl="0"/>
             <a:fld id="{C4A895BC-2672-4A03-9AB8-87EB05DAF81C}" type="datetime1">
               <a:rPr lang="en-US" smtClean="0"/>
-              <a:t>4/12/2024</a:t>
+              <a:t>4/19/2024</a:t>
             </a:fld>
             <a:endParaRPr lang="en-GB"/>
           </a:p>
@@ -23680,7 +19364,7 @@
             <a:pPr rtl="0"/>
             <a:fld id="{C4A895BC-2672-4A03-9AB8-87EB05DAF81C}" type="datetime1">
               <a:rPr lang="en-US" smtClean="0"/>
-              <a:t>4/12/2024</a:t>
+              <a:t>4/19/2024</a:t>
             </a:fld>
             <a:endParaRPr lang="en-GB"/>
           </a:p>
@@ -23876,31 +19560,45 @@
               <a:buChar char="•"/>
             </a:pPr>
             <a:r>
-              <a:rPr lang="en-GB" dirty="0"/>
+              <a:rPr lang="en-GB" sz="1600" dirty="0">
+                <a:latin typeface="Consolas" panose="020B0609020204030204" pitchFamily="49" charset="0"/>
+              </a:rPr>
               <a:t>int </a:t>
             </a:r>
             <a:r>
-              <a:rPr lang="en-GB" dirty="0" err="1"/>
+              <a:rPr lang="en-GB" sz="1600" dirty="0" err="1">
+                <a:latin typeface="Consolas" panose="020B0609020204030204" pitchFamily="49" charset="0"/>
+              </a:rPr>
               <a:t>ckValue</a:t>
             </a:r>
             <a:r>
-              <a:rPr lang="en-GB" dirty="0"/>
+              <a:rPr lang="en-GB" sz="1600" dirty="0">
+                <a:latin typeface="Consolas" panose="020B0609020204030204" pitchFamily="49" charset="0"/>
+              </a:rPr>
               <a:t> = data % (</a:t>
             </a:r>
             <a:r>
-              <a:rPr lang="en-GB" dirty="0" err="1"/>
+              <a:rPr lang="en-GB" sz="1600" dirty="0" err="1">
+                <a:latin typeface="Consolas" panose="020B0609020204030204" pitchFamily="49" charset="0"/>
+              </a:rPr>
               <a:t>static_cast</a:t>
             </a:r>
             <a:r>
-              <a:rPr lang="en-GB" dirty="0"/>
+              <a:rPr lang="en-GB" sz="1600" dirty="0">
+                <a:latin typeface="Consolas" panose="020B0609020204030204" pitchFamily="49" charset="0"/>
+              </a:rPr>
               <a:t>&lt;int&gt;((1/(probability)) * </a:t>
             </a:r>
             <a:r>
-              <a:rPr lang="en-GB" dirty="0" err="1"/>
+              <a:rPr lang="en-GB" sz="1600" dirty="0" err="1">
+                <a:latin typeface="Consolas" panose="020B0609020204030204" pitchFamily="49" charset="0"/>
+              </a:rPr>
               <a:t>numWorkers</a:t>
             </a:r>
             <a:r>
-              <a:rPr lang="en-GB" dirty="0"/>
+              <a:rPr lang="en-GB" sz="1600" dirty="0">
+                <a:latin typeface="Consolas" panose="020B0609020204030204" pitchFamily="49" charset="0"/>
+              </a:rPr>
               <a:t>));</a:t>
             </a:r>
           </a:p>
@@ -23999,7 +19697,7 @@
             <a:pPr rtl="0"/>
             <a:fld id="{C4A895BC-2672-4A03-9AB8-87EB05DAF81C}" type="datetime1">
               <a:rPr lang="en-US" smtClean="0"/>
-              <a:t>4/12/2024</a:t>
+              <a:t>4/19/2024</a:t>
             </a:fld>
             <a:endParaRPr lang="en-GB" dirty="0"/>
           </a:p>
@@ -24251,7 +19949,7 @@
             <a:pPr rtl="0"/>
             <a:fld id="{C4A895BC-2672-4A03-9AB8-87EB05DAF81C}" type="datetime1">
               <a:rPr lang="en-US" smtClean="0"/>
-              <a:t>4/12/2024</a:t>
+              <a:t>4/19/2024</a:t>
             </a:fld>
             <a:endParaRPr lang="en-GB"/>
           </a:p>
@@ -24327,8 +20025,8 @@
           </a:p>
         </p:txBody>
       </p:sp>
-      <mc:AlternateContent xmlns:mc="http://schemas.openxmlformats.org/markup-compatibility/2006">
-        <mc:Choice xmlns:a14="http://schemas.microsoft.com/office/drawing/2010/main" Requires="a14">
+      <mc:AlternateContent xmlns:mc="http://schemas.openxmlformats.org/markup-compatibility/2006" xmlns:a14="http://schemas.microsoft.com/office/drawing/2010/main">
+        <mc:Choice Requires="a14">
           <p:sp>
             <p:nvSpPr>
               <p:cNvPr id="21" name="Content Placeholder 20">
@@ -24361,7 +20059,7 @@
                 </a:pPr>
                 <a:r>
                   <a:rPr lang="en-GB" dirty="0"/>
-                  <a:t>Leader waits for all “</a:t>
+                  <a:t>Leader waits for a “</a:t>
                 </a:r>
                 <a:r>
                   <a:rPr lang="en-GB" i="1" dirty="0" err="1"/>
@@ -24379,7 +20077,7 @@
                 </a:pPr>
                 <a:r>
                   <a:rPr lang="en-GB" dirty="0"/>
-                  <a:t>Leader sends ACK</a:t>
+                  <a:t>Leader sends an ACK</a:t>
                 </a:r>
               </a:p>
               <a:p>
@@ -24508,7 +20206,11 @@
                 </a:pPr>
                 <a:r>
                   <a:rPr lang="en-GB" dirty="0"/>
-                  <a:t>Leader waits for all “</a:t>
+                  <a:t>Leader waits </a:t>
+                </a:r>
+                <a:r>
+                  <a:rPr lang="en-GB"/>
+                  <a:t>for a “</a:t>
                 </a:r>
                 <a:r>
                   <a:rPr lang="en-GB" i="1" dirty="0" err="1"/>
@@ -24516,7 +20218,7 @@
                 </a:r>
                 <a:r>
                   <a:rPr lang="en-GB" dirty="0"/>
-                  <a:t>” to all workers</a:t>
+                  <a:t>” from all workers</a:t>
                 </a:r>
               </a:p>
               <a:p>
@@ -24546,7 +20248,7 @@
             </p:txBody>
           </p:sp>
         </mc:Choice>
-        <mc:Fallback>
+        <mc:Fallback xmlns="">
           <p:sp>
             <p:nvSpPr>
               <p:cNvPr id="21" name="Content Placeholder 20">
@@ -24673,7 +20375,7 @@
             <a:pPr rtl="0"/>
             <a:fld id="{D113A968-7746-4A9A-8F94-4D73A74D330B}" type="datetime1">
               <a:rPr lang="en-US" smtClean="0"/>
-              <a:t>4/12/2024</a:t>
+              <a:t>4/19/2024</a:t>
             </a:fld>
             <a:endParaRPr lang="en-GB" dirty="0"/>
           </a:p>
@@ -24756,11 +20458,23 @@
             <p:ph idx="1"/>
           </p:nvPr>
         </p:nvSpPr>
-        <p:spPr/>
-        <p:txBody>
-          <a:bodyPr/>
+        <p:spPr>
+          <a:xfrm>
+            <a:off x="1206409" y="2087561"/>
+            <a:ext cx="9779182" cy="3366815"/>
+          </a:xfrm>
+        </p:spPr>
+        <p:txBody>
+          <a:bodyPr anchor="ctr"/>
           <a:lstStyle/>
           <a:p>
+            <a:pPr algn="ctr"/>
+            <a:r>
+              <a:rPr lang="en-GB" dirty="0">
+                <a:hlinkClick r:id="rId3"/>
+              </a:rPr>
+              <a:t>Jupyter notebook</a:t>
+            </a:r>
             <a:endParaRPr lang="en-GB" dirty="0"/>
           </a:p>
         </p:txBody>
@@ -24876,7 +20590,7 @@
             <a:pPr rtl="0"/>
             <a:fld id="{3BAA7767-E6CB-4E40-B12C-A6EA98D9FCA8}" type="datetime1">
               <a:rPr lang="en-US" smtClean="0"/>
-              <a:t>4/12/2024</a:t>
+              <a:t>4/19/2024</a:t>
             </a:fld>
             <a:endParaRPr lang="en-GB" dirty="0"/>
           </a:p>
@@ -25035,7 +20749,10 @@
           <a:lstStyle/>
           <a:p>
             <a:pPr rtl="0"/>
-            <a:endParaRPr lang="en-GB" dirty="0"/>
+            <a:r>
+              <a:rPr lang="en-GB" dirty="0"/>
+              <a:t>In the end, we achieved an excellent level of correctness reaching all the assumptions and all the expectations we had during the preliminary phase.</a:t>
+            </a:r>
           </a:p>
         </p:txBody>
       </p:sp>
@@ -25068,7 +20785,7 @@
             <a:pPr rtl="0"/>
             <a:fld id="{B427B743-DD03-4464-BA42-4A7140295372}" type="datetime1">
               <a:rPr lang="en-US" smtClean="0"/>
-              <a:t>4/12/2024</a:t>
+              <a:t>4/19/2024</a:t>
             </a:fld>
             <a:endParaRPr lang="en-GB"/>
           </a:p>
@@ -25276,1954 +20993,6 @@
 </p:sld>
 </file>
 
-<file path=ppt/slides/slide18.xml><?xml version="1.0" encoding="utf-8"?>
-<p:sld xmlns:a="http://schemas.openxmlformats.org/drawingml/2006/main" xmlns:r="http://schemas.openxmlformats.org/officeDocument/2006/relationships" xmlns:p="http://schemas.openxmlformats.org/presentationml/2006/main">
-  <p:cSld>
-    <p:spTree>
-      <p:nvGrpSpPr>
-        <p:cNvPr id="1" name=""/>
-        <p:cNvGrpSpPr/>
-        <p:nvPr/>
-      </p:nvGrpSpPr>
-      <p:grpSpPr>
-        <a:xfrm>
-          <a:off x="0" y="0"/>
-          <a:ext cx="0" cy="0"/>
-          <a:chOff x="0" y="0"/>
-          <a:chExt cx="0" cy="0"/>
-        </a:xfrm>
-      </p:grpSpPr>
-      <p:sp>
-        <p:nvSpPr>
-          <p:cNvPr id="2" name="Title 1">
-            <a:extLst>
-              <a:ext uri="{FF2B5EF4-FFF2-40B4-BE49-F238E27FC236}">
-                <a16:creationId xmlns:a16="http://schemas.microsoft.com/office/drawing/2014/main" id="{8460295B-54B9-4937-90E3-BAB9CE69E30B}"/>
-              </a:ext>
-            </a:extLst>
-          </p:cNvPr>
-          <p:cNvSpPr>
-            <a:spLocks noGrp="1"/>
-          </p:cNvSpPr>
-          <p:nvPr>
-            <p:ph type="ctrTitle"/>
-          </p:nvPr>
-        </p:nvSpPr>
-        <p:spPr>
-          <a:xfrm>
-            <a:off x="1167494" y="1059400"/>
-            <a:ext cx="6245912" cy="2387600"/>
-          </a:xfrm>
-        </p:spPr>
-        <p:txBody>
-          <a:bodyPr rtlCol="0"/>
-          <a:lstStyle/>
-          <a:p>
-            <a:pPr rtl="0"/>
-            <a:r>
-              <a:rPr lang="en-GB"/>
-              <a:t>Primary goals</a:t>
-            </a:r>
-          </a:p>
-        </p:txBody>
-      </p:sp>
-      <p:sp>
-        <p:nvSpPr>
-          <p:cNvPr id="4" name="Text Placeholder 3">
-            <a:extLst>
-              <a:ext uri="{FF2B5EF4-FFF2-40B4-BE49-F238E27FC236}">
-                <a16:creationId xmlns:a16="http://schemas.microsoft.com/office/drawing/2014/main" id="{D51A6D85-3837-435F-A342-5A3F98172B12}"/>
-              </a:ext>
-            </a:extLst>
-          </p:cNvPr>
-          <p:cNvSpPr>
-            <a:spLocks noGrp="1"/>
-          </p:cNvSpPr>
-          <p:nvPr>
-            <p:ph type="subTitle" idx="1"/>
-          </p:nvPr>
-        </p:nvSpPr>
-        <p:spPr>
-          <a:xfrm>
-            <a:off x="1167494" y="3539075"/>
-            <a:ext cx="6245912" cy="1406101"/>
-          </a:xfrm>
-        </p:spPr>
-        <p:txBody>
-          <a:bodyPr vert="horz" lIns="91440" tIns="45720" rIns="91440" bIns="45720" rtlCol="0" anchor="t">
-            <a:normAutofit/>
-          </a:bodyPr>
-          <a:lstStyle/>
-          <a:p>
-            <a:pPr rtl="0"/>
-            <a:r>
-              <a:rPr lang="en-GB"/>
-              <a:t>Annual revenue growth</a:t>
-            </a:r>
-          </a:p>
-        </p:txBody>
-      </p:sp>
-    </p:spTree>
-    <p:extLst>
-      <p:ext uri="{BB962C8B-B14F-4D97-AF65-F5344CB8AC3E}">
-        <p14:creationId xmlns:p14="http://schemas.microsoft.com/office/powerpoint/2010/main" val="3446797337"/>
-      </p:ext>
-    </p:extLst>
-  </p:cSld>
-  <p:clrMapOvr>
-    <a:masterClrMapping/>
-  </p:clrMapOvr>
-</p:sld>
-</file>
-
-<file path=ppt/slides/slide19.xml><?xml version="1.0" encoding="utf-8"?>
-<p:sld xmlns:a="http://schemas.openxmlformats.org/drawingml/2006/main" xmlns:r="http://schemas.openxmlformats.org/officeDocument/2006/relationships" xmlns:p="http://schemas.openxmlformats.org/presentationml/2006/main">
-  <p:cSld>
-    <p:spTree>
-      <p:nvGrpSpPr>
-        <p:cNvPr id="1" name=""/>
-        <p:cNvGrpSpPr/>
-        <p:nvPr/>
-      </p:nvGrpSpPr>
-      <p:grpSpPr>
-        <a:xfrm>
-          <a:off x="0" y="0"/>
-          <a:ext cx="0" cy="0"/>
-          <a:chOff x="0" y="0"/>
-          <a:chExt cx="0" cy="0"/>
-        </a:xfrm>
-      </p:grpSpPr>
-      <p:sp>
-        <p:nvSpPr>
-          <p:cNvPr id="2" name="Title 1">
-            <a:extLst>
-              <a:ext uri="{FF2B5EF4-FFF2-40B4-BE49-F238E27FC236}">
-                <a16:creationId xmlns:a16="http://schemas.microsoft.com/office/drawing/2014/main" id="{F96F75DE-8A44-4EC5-83C6-95BDDF10DFD9}"/>
-              </a:ext>
-            </a:extLst>
-          </p:cNvPr>
-          <p:cNvSpPr>
-            <a:spLocks noGrp="1"/>
-          </p:cNvSpPr>
-          <p:nvPr>
-            <p:ph type="title"/>
-          </p:nvPr>
-        </p:nvSpPr>
-        <p:spPr/>
-        <p:txBody>
-          <a:bodyPr rtlCol="0"/>
-          <a:lstStyle/>
-          <a:p>
-            <a:pPr rtl="0"/>
-            <a:r>
-              <a:rPr lang="en-GB"/>
-              <a:t>Areas of growth</a:t>
-            </a:r>
-          </a:p>
-        </p:txBody>
-      </p:sp>
-      <p:graphicFrame>
-        <p:nvGraphicFramePr>
-          <p:cNvPr id="4" name="Table 4">
-            <a:extLst>
-              <a:ext uri="{FF2B5EF4-FFF2-40B4-BE49-F238E27FC236}">
-                <a16:creationId xmlns:a16="http://schemas.microsoft.com/office/drawing/2014/main" id="{403CD5FD-27C3-4342-BE41-F411CB8D6931}"/>
-              </a:ext>
-            </a:extLst>
-          </p:cNvPr>
-          <p:cNvGraphicFramePr>
-            <a:graphicFrameLocks noGrp="1"/>
-          </p:cNvGraphicFramePr>
-          <p:nvPr>
-            <p:ph idx="1"/>
-            <p:extLst>
-              <p:ext uri="{D42A27DB-BD31-4B8C-83A1-F6EECF244321}">
-                <p14:modId xmlns:p14="http://schemas.microsoft.com/office/powerpoint/2010/main" val="3245053304"/>
-              </p:ext>
-            </p:extLst>
-          </p:nvPr>
-        </p:nvGraphicFramePr>
-        <p:xfrm>
-          <a:off x="1205707" y="2501900"/>
-          <a:ext cx="9780585" cy="1854200"/>
-        </p:xfrm>
-        <a:graphic>
-          <a:graphicData uri="http://schemas.openxmlformats.org/drawingml/2006/table">
-            <a:tbl>
-              <a:tblPr firstRow="1" bandRow="1">
-                <a:tableStyleId>{5C22544A-7EE6-4342-B048-85BDC9FD1C3A}</a:tableStyleId>
-              </a:tblPr>
-              <a:tblGrid>
-                <a:gridCol w="1956117">
-                  <a:extLst>
-                    <a:ext uri="{9D8B030D-6E8A-4147-A177-3AD203B41FA5}">
-                      <a16:colId xmlns:a16="http://schemas.microsoft.com/office/drawing/2014/main" val="1689330750"/>
-                    </a:ext>
-                  </a:extLst>
-                </a:gridCol>
-                <a:gridCol w="1956117">
-                  <a:extLst>
-                    <a:ext uri="{9D8B030D-6E8A-4147-A177-3AD203B41FA5}">
-                      <a16:colId xmlns:a16="http://schemas.microsoft.com/office/drawing/2014/main" val="2660631934"/>
-                    </a:ext>
-                  </a:extLst>
-                </a:gridCol>
-                <a:gridCol w="1956117">
-                  <a:extLst>
-                    <a:ext uri="{9D8B030D-6E8A-4147-A177-3AD203B41FA5}">
-                      <a16:colId xmlns:a16="http://schemas.microsoft.com/office/drawing/2014/main" val="3909717689"/>
-                    </a:ext>
-                  </a:extLst>
-                </a:gridCol>
-                <a:gridCol w="1956117">
-                  <a:extLst>
-                    <a:ext uri="{9D8B030D-6E8A-4147-A177-3AD203B41FA5}">
-                      <a16:colId xmlns:a16="http://schemas.microsoft.com/office/drawing/2014/main" val="1603189107"/>
-                    </a:ext>
-                  </a:extLst>
-                </a:gridCol>
-                <a:gridCol w="1956117">
-                  <a:extLst>
-                    <a:ext uri="{9D8B030D-6E8A-4147-A177-3AD203B41FA5}">
-                      <a16:colId xmlns:a16="http://schemas.microsoft.com/office/drawing/2014/main" val="2755691855"/>
-                    </a:ext>
-                  </a:extLst>
-                </a:gridCol>
-              </a:tblGrid>
-              <a:tr h="370840">
-                <a:tc>
-                  <a:txBody>
-                    <a:bodyPr/>
-                    <a:lstStyle/>
-                    <a:p>
-                      <a:pPr algn="ctr" rtl="0"/>
-                      <a:endParaRPr lang="en-GB" b="1" noProof="0">
-                        <a:latin typeface="Tenorite" pitchFamily="2" charset="0"/>
-                      </a:endParaRPr>
-                    </a:p>
-                  </a:txBody>
-                  <a:tcPr anchor="ctr">
-                    <a:lnL w="12700" cmpd="sng">
-                      <a:noFill/>
-                    </a:lnL>
-                    <a:lnR w="12700" cmpd="sng">
-                      <a:noFill/>
-                    </a:lnR>
-                    <a:lnT w="12700" cmpd="sng">
-                      <a:noFill/>
-                    </a:lnT>
-                    <a:lnB w="12700" cap="flat" cmpd="sng" algn="ctr">
-                      <a:solidFill>
-                        <a:schemeClr val="accent2"/>
-                      </a:solidFill>
-                      <a:prstDash val="solid"/>
-                      <a:round/>
-                      <a:headEnd type="none" w="med" len="med"/>
-                      <a:tailEnd type="none" w="med" len="med"/>
-                    </a:lnB>
-                    <a:lnTlToBr w="12700" cmpd="sng">
-                      <a:noFill/>
-                      <a:prstDash val="solid"/>
-                    </a:lnTlToBr>
-                    <a:lnBlToTr w="12700" cmpd="sng">
-                      <a:noFill/>
-                      <a:prstDash val="solid"/>
-                    </a:lnBlToTr>
-                  </a:tcPr>
-                </a:tc>
-                <a:tc>
-                  <a:txBody>
-                    <a:bodyPr/>
-                    <a:lstStyle/>
-                    <a:p>
-                      <a:pPr algn="ctr" rtl="0"/>
-                      <a:r>
-                        <a:rPr lang="en-GB" b="1" noProof="0">
-                          <a:latin typeface="Tenorite" pitchFamily="2" charset="0"/>
-                        </a:rPr>
-                        <a:t>B2B</a:t>
-                      </a:r>
-                    </a:p>
-                  </a:txBody>
-                  <a:tcPr anchor="ctr">
-                    <a:lnL w="12700" cmpd="sng">
-                      <a:noFill/>
-                    </a:lnL>
-                    <a:lnR w="12700" cmpd="sng">
-                      <a:noFill/>
-                    </a:lnR>
-                    <a:lnT w="12700" cmpd="sng">
-                      <a:noFill/>
-                    </a:lnT>
-                    <a:lnB w="12700" cap="flat" cmpd="sng" algn="ctr">
-                      <a:solidFill>
-                        <a:schemeClr val="accent2"/>
-                      </a:solidFill>
-                      <a:prstDash val="solid"/>
-                      <a:round/>
-                      <a:headEnd type="none" w="med" len="med"/>
-                      <a:tailEnd type="none" w="med" len="med"/>
-                    </a:lnB>
-                    <a:lnTlToBr w="12700" cmpd="sng">
-                      <a:noFill/>
-                      <a:prstDash val="solid"/>
-                    </a:lnTlToBr>
-                    <a:lnBlToTr w="12700" cmpd="sng">
-                      <a:noFill/>
-                      <a:prstDash val="solid"/>
-                    </a:lnBlToTr>
-                  </a:tcPr>
-                </a:tc>
-                <a:tc>
-                  <a:txBody>
-                    <a:bodyPr/>
-                    <a:lstStyle/>
-                    <a:p>
-                      <a:pPr algn="ctr" rtl="0"/>
-                      <a:r>
-                        <a:rPr lang="en-GB" b="1" noProof="0">
-                          <a:latin typeface="Tenorite" pitchFamily="2" charset="0"/>
-                        </a:rPr>
-                        <a:t>Supply chain</a:t>
-                      </a:r>
-                    </a:p>
-                  </a:txBody>
-                  <a:tcPr anchor="ctr">
-                    <a:lnL w="12700" cmpd="sng">
-                      <a:noFill/>
-                    </a:lnL>
-                    <a:lnR w="12700" cmpd="sng">
-                      <a:noFill/>
-                    </a:lnR>
-                    <a:lnT w="12700" cmpd="sng">
-                      <a:noFill/>
-                    </a:lnT>
-                    <a:lnB w="12700" cap="flat" cmpd="sng" algn="ctr">
-                      <a:solidFill>
-                        <a:schemeClr val="accent2"/>
-                      </a:solidFill>
-                      <a:prstDash val="solid"/>
-                      <a:round/>
-                      <a:headEnd type="none" w="med" len="med"/>
-                      <a:tailEnd type="none" w="med" len="med"/>
-                    </a:lnB>
-                    <a:lnTlToBr w="12700" cmpd="sng">
-                      <a:noFill/>
-                      <a:prstDash val="solid"/>
-                    </a:lnTlToBr>
-                    <a:lnBlToTr w="12700" cmpd="sng">
-                      <a:noFill/>
-                      <a:prstDash val="solid"/>
-                    </a:lnBlToTr>
-                  </a:tcPr>
-                </a:tc>
-                <a:tc>
-                  <a:txBody>
-                    <a:bodyPr/>
-                    <a:lstStyle/>
-                    <a:p>
-                      <a:pPr algn="ctr" rtl="0"/>
-                      <a:r>
-                        <a:rPr lang="en-GB" b="1" noProof="0">
-                          <a:latin typeface="Tenorite" pitchFamily="2" charset="0"/>
-                        </a:rPr>
-                        <a:t>ROI</a:t>
-                      </a:r>
-                    </a:p>
-                  </a:txBody>
-                  <a:tcPr anchor="ctr">
-                    <a:lnL w="12700" cmpd="sng">
-                      <a:noFill/>
-                    </a:lnL>
-                    <a:lnR w="12700" cmpd="sng">
-                      <a:noFill/>
-                    </a:lnR>
-                    <a:lnT w="12700" cmpd="sng">
-                      <a:noFill/>
-                    </a:lnT>
-                    <a:lnB w="12700" cap="flat" cmpd="sng" algn="ctr">
-                      <a:solidFill>
-                        <a:schemeClr val="accent2"/>
-                      </a:solidFill>
-                      <a:prstDash val="solid"/>
-                      <a:round/>
-                      <a:headEnd type="none" w="med" len="med"/>
-                      <a:tailEnd type="none" w="med" len="med"/>
-                    </a:lnB>
-                    <a:lnTlToBr w="12700" cmpd="sng">
-                      <a:noFill/>
-                      <a:prstDash val="solid"/>
-                    </a:lnTlToBr>
-                    <a:lnBlToTr w="12700" cmpd="sng">
-                      <a:noFill/>
-                      <a:prstDash val="solid"/>
-                    </a:lnBlToTr>
-                  </a:tcPr>
-                </a:tc>
-                <a:tc>
-                  <a:txBody>
-                    <a:bodyPr/>
-                    <a:lstStyle/>
-                    <a:p>
-                      <a:pPr algn="ctr" rtl="0"/>
-                      <a:r>
-                        <a:rPr lang="en-GB" b="1" noProof="0">
-                          <a:latin typeface="Tenorite" pitchFamily="2" charset="0"/>
-                        </a:rPr>
-                        <a:t>E-commerce</a:t>
-                      </a:r>
-                    </a:p>
-                  </a:txBody>
-                  <a:tcPr anchor="ctr">
-                    <a:lnL w="12700" cmpd="sng">
-                      <a:noFill/>
-                    </a:lnL>
-                    <a:lnR w="12700" cmpd="sng">
-                      <a:noFill/>
-                    </a:lnR>
-                    <a:lnT w="12700" cmpd="sng">
-                      <a:noFill/>
-                    </a:lnT>
-                    <a:lnB w="12700" cap="flat" cmpd="sng" algn="ctr">
-                      <a:solidFill>
-                        <a:schemeClr val="accent2"/>
-                      </a:solidFill>
-                      <a:prstDash val="solid"/>
-                      <a:round/>
-                      <a:headEnd type="none" w="med" len="med"/>
-                      <a:tailEnd type="none" w="med" len="med"/>
-                    </a:lnB>
-                    <a:lnTlToBr w="12700" cmpd="sng">
-                      <a:noFill/>
-                      <a:prstDash val="solid"/>
-                    </a:lnTlToBr>
-                    <a:lnBlToTr w="12700" cmpd="sng">
-                      <a:noFill/>
-                      <a:prstDash val="solid"/>
-                    </a:lnBlToTr>
-                  </a:tcPr>
-                </a:tc>
-                <a:extLst>
-                  <a:ext uri="{0D108BD9-81ED-4DB2-BD59-A6C34878D82A}">
-                    <a16:rowId xmlns:a16="http://schemas.microsoft.com/office/drawing/2014/main" val="479928716"/>
-                  </a:ext>
-                </a:extLst>
-              </a:tr>
-              <a:tr h="370840">
-                <a:tc>
-                  <a:txBody>
-                    <a:bodyPr/>
-                    <a:lstStyle/>
-                    <a:p>
-                      <a:pPr algn="ctr" rtl="0"/>
-                      <a:r>
-                        <a:rPr lang="en-GB" sz="1400" noProof="0">
-                          <a:solidFill>
-                            <a:schemeClr val="tx2">
-                              <a:lumMod val="75000"/>
-                            </a:schemeClr>
-                          </a:solidFill>
-                          <a:latin typeface="Tenorite" pitchFamily="2" charset="0"/>
-                        </a:rPr>
-                        <a:t>Q1</a:t>
-                      </a:r>
-                    </a:p>
-                  </a:txBody>
-                  <a:tcPr anchor="ctr">
-                    <a:lnL w="12700" cap="flat" cmpd="sng" algn="ctr">
-                      <a:solidFill>
-                        <a:schemeClr val="accent2"/>
-                      </a:solidFill>
-                      <a:prstDash val="solid"/>
-                      <a:round/>
-                      <a:headEnd type="none" w="med" len="med"/>
-                      <a:tailEnd type="none" w="med" len="med"/>
-                    </a:lnL>
-                    <a:lnR w="12700" cap="flat" cmpd="sng" algn="ctr">
-                      <a:solidFill>
-                        <a:schemeClr val="accent2"/>
-                      </a:solidFill>
-                      <a:prstDash val="solid"/>
-                      <a:round/>
-                      <a:headEnd type="none" w="med" len="med"/>
-                      <a:tailEnd type="none" w="med" len="med"/>
-                    </a:lnR>
-                    <a:lnT w="12700" cap="flat" cmpd="sng" algn="ctr">
-                      <a:solidFill>
-                        <a:schemeClr val="accent2"/>
-                      </a:solidFill>
-                      <a:prstDash val="solid"/>
-                      <a:round/>
-                      <a:headEnd type="none" w="med" len="med"/>
-                      <a:tailEnd type="none" w="med" len="med"/>
-                    </a:lnT>
-                    <a:lnB w="12700" cap="flat" cmpd="sng" algn="ctr">
-                      <a:solidFill>
-                        <a:schemeClr val="accent2"/>
-                      </a:solidFill>
-                      <a:prstDash val="solid"/>
-                      <a:round/>
-                      <a:headEnd type="none" w="med" len="med"/>
-                      <a:tailEnd type="none" w="med" len="med"/>
-                    </a:lnB>
-                    <a:lnTlToBr w="12700" cmpd="sng">
-                      <a:noFill/>
-                      <a:prstDash val="solid"/>
-                    </a:lnTlToBr>
-                    <a:lnBlToTr w="12700" cmpd="sng">
-                      <a:noFill/>
-                      <a:prstDash val="solid"/>
-                    </a:lnBlToTr>
-                    <a:solidFill>
-                      <a:schemeClr val="bg1"/>
-                    </a:solidFill>
-                  </a:tcPr>
-                </a:tc>
-                <a:tc>
-                  <a:txBody>
-                    <a:bodyPr/>
-                    <a:lstStyle/>
-                    <a:p>
-                      <a:pPr algn="ctr" rtl="0"/>
-                      <a:r>
-                        <a:rPr lang="en-GB" sz="1400" noProof="0">
-                          <a:solidFill>
-                            <a:schemeClr val="tx2">
-                              <a:lumMod val="75000"/>
-                            </a:schemeClr>
-                          </a:solidFill>
-                          <a:latin typeface="Tenorite" pitchFamily="2" charset="0"/>
-                        </a:rPr>
-                        <a:t>4.5</a:t>
-                      </a:r>
-                    </a:p>
-                  </a:txBody>
-                  <a:tcPr anchor="ctr">
-                    <a:lnL w="12700" cap="flat" cmpd="sng" algn="ctr">
-                      <a:solidFill>
-                        <a:schemeClr val="accent2"/>
-                      </a:solidFill>
-                      <a:prstDash val="solid"/>
-                      <a:round/>
-                      <a:headEnd type="none" w="med" len="med"/>
-                      <a:tailEnd type="none" w="med" len="med"/>
-                    </a:lnL>
-                    <a:lnR w="12700" cap="flat" cmpd="sng" algn="ctr">
-                      <a:solidFill>
-                        <a:schemeClr val="accent2"/>
-                      </a:solidFill>
-                      <a:prstDash val="solid"/>
-                      <a:round/>
-                      <a:headEnd type="none" w="med" len="med"/>
-                      <a:tailEnd type="none" w="med" len="med"/>
-                    </a:lnR>
-                    <a:lnT w="12700" cap="flat" cmpd="sng" algn="ctr">
-                      <a:solidFill>
-                        <a:schemeClr val="accent2"/>
-                      </a:solidFill>
-                      <a:prstDash val="solid"/>
-                      <a:round/>
-                      <a:headEnd type="none" w="med" len="med"/>
-                      <a:tailEnd type="none" w="med" len="med"/>
-                    </a:lnT>
-                    <a:lnB w="12700" cap="flat" cmpd="sng" algn="ctr">
-                      <a:solidFill>
-                        <a:schemeClr val="accent2"/>
-                      </a:solidFill>
-                      <a:prstDash val="solid"/>
-                      <a:round/>
-                      <a:headEnd type="none" w="med" len="med"/>
-                      <a:tailEnd type="none" w="med" len="med"/>
-                    </a:lnB>
-                    <a:lnTlToBr w="12700" cmpd="sng">
-                      <a:noFill/>
-                      <a:prstDash val="solid"/>
-                    </a:lnTlToBr>
-                    <a:lnBlToTr w="12700" cmpd="sng">
-                      <a:noFill/>
-                      <a:prstDash val="solid"/>
-                    </a:lnBlToTr>
-                    <a:solidFill>
-                      <a:schemeClr val="bg1"/>
-                    </a:solidFill>
-                  </a:tcPr>
-                </a:tc>
-                <a:tc>
-                  <a:txBody>
-                    <a:bodyPr/>
-                    <a:lstStyle/>
-                    <a:p>
-                      <a:pPr algn="ctr" rtl="0"/>
-                      <a:r>
-                        <a:rPr lang="en-GB" sz="1400" noProof="0">
-                          <a:solidFill>
-                            <a:schemeClr val="tx2">
-                              <a:lumMod val="75000"/>
-                            </a:schemeClr>
-                          </a:solidFill>
-                          <a:latin typeface="Tenorite" pitchFamily="2" charset="0"/>
-                        </a:rPr>
-                        <a:t>2.3</a:t>
-                      </a:r>
-                    </a:p>
-                  </a:txBody>
-                  <a:tcPr anchor="ctr">
-                    <a:lnL w="12700" cap="flat" cmpd="sng" algn="ctr">
-                      <a:solidFill>
-                        <a:schemeClr val="accent2"/>
-                      </a:solidFill>
-                      <a:prstDash val="solid"/>
-                      <a:round/>
-                      <a:headEnd type="none" w="med" len="med"/>
-                      <a:tailEnd type="none" w="med" len="med"/>
-                    </a:lnL>
-                    <a:lnR w="12700" cap="flat" cmpd="sng" algn="ctr">
-                      <a:solidFill>
-                        <a:schemeClr val="accent2"/>
-                      </a:solidFill>
-                      <a:prstDash val="solid"/>
-                      <a:round/>
-                      <a:headEnd type="none" w="med" len="med"/>
-                      <a:tailEnd type="none" w="med" len="med"/>
-                    </a:lnR>
-                    <a:lnT w="12700" cap="flat" cmpd="sng" algn="ctr">
-                      <a:solidFill>
-                        <a:schemeClr val="accent2"/>
-                      </a:solidFill>
-                      <a:prstDash val="solid"/>
-                      <a:round/>
-                      <a:headEnd type="none" w="med" len="med"/>
-                      <a:tailEnd type="none" w="med" len="med"/>
-                    </a:lnT>
-                    <a:lnB w="12700" cap="flat" cmpd="sng" algn="ctr">
-                      <a:solidFill>
-                        <a:schemeClr val="accent2"/>
-                      </a:solidFill>
-                      <a:prstDash val="solid"/>
-                      <a:round/>
-                      <a:headEnd type="none" w="med" len="med"/>
-                      <a:tailEnd type="none" w="med" len="med"/>
-                    </a:lnB>
-                    <a:lnTlToBr w="12700" cmpd="sng">
-                      <a:noFill/>
-                      <a:prstDash val="solid"/>
-                    </a:lnTlToBr>
-                    <a:lnBlToTr w="12700" cmpd="sng">
-                      <a:noFill/>
-                      <a:prstDash val="solid"/>
-                    </a:lnBlToTr>
-                    <a:solidFill>
-                      <a:schemeClr val="bg1"/>
-                    </a:solidFill>
-                  </a:tcPr>
-                </a:tc>
-                <a:tc>
-                  <a:txBody>
-                    <a:bodyPr/>
-                    <a:lstStyle/>
-                    <a:p>
-                      <a:pPr algn="ctr" rtl="0"/>
-                      <a:r>
-                        <a:rPr lang="en-GB" sz="1400" noProof="0">
-                          <a:solidFill>
-                            <a:schemeClr val="tx2">
-                              <a:lumMod val="75000"/>
-                            </a:schemeClr>
-                          </a:solidFill>
-                          <a:latin typeface="Tenorite" pitchFamily="2" charset="0"/>
-                        </a:rPr>
-                        <a:t>1.7</a:t>
-                      </a:r>
-                    </a:p>
-                  </a:txBody>
-                  <a:tcPr anchor="ctr">
-                    <a:lnL w="12700" cap="flat" cmpd="sng" algn="ctr">
-                      <a:solidFill>
-                        <a:schemeClr val="accent2"/>
-                      </a:solidFill>
-                      <a:prstDash val="solid"/>
-                      <a:round/>
-                      <a:headEnd type="none" w="med" len="med"/>
-                      <a:tailEnd type="none" w="med" len="med"/>
-                    </a:lnL>
-                    <a:lnR w="12700" cap="flat" cmpd="sng" algn="ctr">
-                      <a:solidFill>
-                        <a:schemeClr val="accent2"/>
-                      </a:solidFill>
-                      <a:prstDash val="solid"/>
-                      <a:round/>
-                      <a:headEnd type="none" w="med" len="med"/>
-                      <a:tailEnd type="none" w="med" len="med"/>
-                    </a:lnR>
-                    <a:lnT w="12700" cap="flat" cmpd="sng" algn="ctr">
-                      <a:solidFill>
-                        <a:schemeClr val="accent2"/>
-                      </a:solidFill>
-                      <a:prstDash val="solid"/>
-                      <a:round/>
-                      <a:headEnd type="none" w="med" len="med"/>
-                      <a:tailEnd type="none" w="med" len="med"/>
-                    </a:lnT>
-                    <a:lnB w="12700" cap="flat" cmpd="sng" algn="ctr">
-                      <a:solidFill>
-                        <a:schemeClr val="accent2"/>
-                      </a:solidFill>
-                      <a:prstDash val="solid"/>
-                      <a:round/>
-                      <a:headEnd type="none" w="med" len="med"/>
-                      <a:tailEnd type="none" w="med" len="med"/>
-                    </a:lnB>
-                    <a:lnTlToBr w="12700" cmpd="sng">
-                      <a:noFill/>
-                      <a:prstDash val="solid"/>
-                    </a:lnTlToBr>
-                    <a:lnBlToTr w="12700" cmpd="sng">
-                      <a:noFill/>
-                      <a:prstDash val="solid"/>
-                    </a:lnBlToTr>
-                    <a:solidFill>
-                      <a:schemeClr val="bg1"/>
-                    </a:solidFill>
-                  </a:tcPr>
-                </a:tc>
-                <a:tc>
-                  <a:txBody>
-                    <a:bodyPr/>
-                    <a:lstStyle/>
-                    <a:p>
-                      <a:pPr algn="ctr" rtl="0"/>
-                      <a:r>
-                        <a:rPr lang="en-GB" sz="1400" noProof="0">
-                          <a:solidFill>
-                            <a:schemeClr val="tx2">
-                              <a:lumMod val="75000"/>
-                            </a:schemeClr>
-                          </a:solidFill>
-                          <a:latin typeface="Tenorite" pitchFamily="2" charset="0"/>
-                        </a:rPr>
-                        <a:t>5.0</a:t>
-                      </a:r>
-                    </a:p>
-                  </a:txBody>
-                  <a:tcPr anchor="ctr">
-                    <a:lnL w="12700" cap="flat" cmpd="sng" algn="ctr">
-                      <a:solidFill>
-                        <a:schemeClr val="accent2"/>
-                      </a:solidFill>
-                      <a:prstDash val="solid"/>
-                      <a:round/>
-                      <a:headEnd type="none" w="med" len="med"/>
-                      <a:tailEnd type="none" w="med" len="med"/>
-                    </a:lnL>
-                    <a:lnR w="12700" cap="flat" cmpd="sng" algn="ctr">
-                      <a:solidFill>
-                        <a:schemeClr val="accent2"/>
-                      </a:solidFill>
-                      <a:prstDash val="solid"/>
-                      <a:round/>
-                      <a:headEnd type="none" w="med" len="med"/>
-                      <a:tailEnd type="none" w="med" len="med"/>
-                    </a:lnR>
-                    <a:lnT w="12700" cap="flat" cmpd="sng" algn="ctr">
-                      <a:solidFill>
-                        <a:schemeClr val="accent2"/>
-                      </a:solidFill>
-                      <a:prstDash val="solid"/>
-                      <a:round/>
-                      <a:headEnd type="none" w="med" len="med"/>
-                      <a:tailEnd type="none" w="med" len="med"/>
-                    </a:lnT>
-                    <a:lnB w="12700" cap="flat" cmpd="sng" algn="ctr">
-                      <a:solidFill>
-                        <a:schemeClr val="accent2"/>
-                      </a:solidFill>
-                      <a:prstDash val="solid"/>
-                      <a:round/>
-                      <a:headEnd type="none" w="med" len="med"/>
-                      <a:tailEnd type="none" w="med" len="med"/>
-                    </a:lnB>
-                    <a:lnTlToBr w="12700" cmpd="sng">
-                      <a:noFill/>
-                      <a:prstDash val="solid"/>
-                    </a:lnTlToBr>
-                    <a:lnBlToTr w="12700" cmpd="sng">
-                      <a:noFill/>
-                      <a:prstDash val="solid"/>
-                    </a:lnBlToTr>
-                    <a:solidFill>
-                      <a:schemeClr val="bg1"/>
-                    </a:solidFill>
-                  </a:tcPr>
-                </a:tc>
-                <a:extLst>
-                  <a:ext uri="{0D108BD9-81ED-4DB2-BD59-A6C34878D82A}">
-                    <a16:rowId xmlns:a16="http://schemas.microsoft.com/office/drawing/2014/main" val="1760208656"/>
-                  </a:ext>
-                </a:extLst>
-              </a:tr>
-              <a:tr h="370840">
-                <a:tc>
-                  <a:txBody>
-                    <a:bodyPr/>
-                    <a:lstStyle/>
-                    <a:p>
-                      <a:pPr algn="ctr" rtl="0"/>
-                      <a:r>
-                        <a:rPr lang="en-GB" sz="1400" noProof="0">
-                          <a:solidFill>
-                            <a:schemeClr val="tx2">
-                              <a:lumMod val="75000"/>
-                            </a:schemeClr>
-                          </a:solidFill>
-                          <a:latin typeface="Tenorite" pitchFamily="2" charset="0"/>
-                        </a:rPr>
-                        <a:t>Q2</a:t>
-                      </a:r>
-                    </a:p>
-                  </a:txBody>
-                  <a:tcPr anchor="ctr">
-                    <a:lnL w="12700" cap="flat" cmpd="sng" algn="ctr">
-                      <a:solidFill>
-                        <a:schemeClr val="accent2"/>
-                      </a:solidFill>
-                      <a:prstDash val="solid"/>
-                      <a:round/>
-                      <a:headEnd type="none" w="med" len="med"/>
-                      <a:tailEnd type="none" w="med" len="med"/>
-                    </a:lnL>
-                    <a:lnR w="12700" cap="flat" cmpd="sng" algn="ctr">
-                      <a:solidFill>
-                        <a:schemeClr val="accent2"/>
-                      </a:solidFill>
-                      <a:prstDash val="solid"/>
-                      <a:round/>
-                      <a:headEnd type="none" w="med" len="med"/>
-                      <a:tailEnd type="none" w="med" len="med"/>
-                    </a:lnR>
-                    <a:lnT w="12700" cap="flat" cmpd="sng" algn="ctr">
-                      <a:solidFill>
-                        <a:schemeClr val="accent2"/>
-                      </a:solidFill>
-                      <a:prstDash val="solid"/>
-                      <a:round/>
-                      <a:headEnd type="none" w="med" len="med"/>
-                      <a:tailEnd type="none" w="med" len="med"/>
-                    </a:lnT>
-                    <a:lnB w="12700" cap="flat" cmpd="sng" algn="ctr">
-                      <a:solidFill>
-                        <a:schemeClr val="accent2"/>
-                      </a:solidFill>
-                      <a:prstDash val="solid"/>
-                      <a:round/>
-                      <a:headEnd type="none" w="med" len="med"/>
-                      <a:tailEnd type="none" w="med" len="med"/>
-                    </a:lnB>
-                    <a:lnTlToBr w="12700" cmpd="sng">
-                      <a:noFill/>
-                      <a:prstDash val="solid"/>
-                    </a:lnTlToBr>
-                    <a:lnBlToTr w="12700" cmpd="sng">
-                      <a:noFill/>
-                      <a:prstDash val="solid"/>
-                    </a:lnBlToTr>
-                    <a:solidFill>
-                      <a:schemeClr val="bg1"/>
-                    </a:solidFill>
-                  </a:tcPr>
-                </a:tc>
-                <a:tc>
-                  <a:txBody>
-                    <a:bodyPr/>
-                    <a:lstStyle/>
-                    <a:p>
-                      <a:pPr algn="ctr" rtl="0"/>
-                      <a:r>
-                        <a:rPr lang="en-GB" sz="1400" noProof="0">
-                          <a:solidFill>
-                            <a:schemeClr val="tx2">
-                              <a:lumMod val="75000"/>
-                            </a:schemeClr>
-                          </a:solidFill>
-                          <a:latin typeface="Tenorite" pitchFamily="2" charset="0"/>
-                        </a:rPr>
-                        <a:t>3.2</a:t>
-                      </a:r>
-                    </a:p>
-                  </a:txBody>
-                  <a:tcPr anchor="ctr">
-                    <a:lnL w="12700" cap="flat" cmpd="sng" algn="ctr">
-                      <a:solidFill>
-                        <a:schemeClr val="accent2"/>
-                      </a:solidFill>
-                      <a:prstDash val="solid"/>
-                      <a:round/>
-                      <a:headEnd type="none" w="med" len="med"/>
-                      <a:tailEnd type="none" w="med" len="med"/>
-                    </a:lnL>
-                    <a:lnR w="12700" cap="flat" cmpd="sng" algn="ctr">
-                      <a:solidFill>
-                        <a:schemeClr val="accent2"/>
-                      </a:solidFill>
-                      <a:prstDash val="solid"/>
-                      <a:round/>
-                      <a:headEnd type="none" w="med" len="med"/>
-                      <a:tailEnd type="none" w="med" len="med"/>
-                    </a:lnR>
-                    <a:lnT w="12700" cap="flat" cmpd="sng" algn="ctr">
-                      <a:solidFill>
-                        <a:schemeClr val="accent2"/>
-                      </a:solidFill>
-                      <a:prstDash val="solid"/>
-                      <a:round/>
-                      <a:headEnd type="none" w="med" len="med"/>
-                      <a:tailEnd type="none" w="med" len="med"/>
-                    </a:lnT>
-                    <a:lnB w="12700" cap="flat" cmpd="sng" algn="ctr">
-                      <a:solidFill>
-                        <a:schemeClr val="accent2"/>
-                      </a:solidFill>
-                      <a:prstDash val="solid"/>
-                      <a:round/>
-                      <a:headEnd type="none" w="med" len="med"/>
-                      <a:tailEnd type="none" w="med" len="med"/>
-                    </a:lnB>
-                    <a:lnTlToBr w="12700" cmpd="sng">
-                      <a:noFill/>
-                      <a:prstDash val="solid"/>
-                    </a:lnTlToBr>
-                    <a:lnBlToTr w="12700" cmpd="sng">
-                      <a:noFill/>
-                      <a:prstDash val="solid"/>
-                    </a:lnBlToTr>
-                    <a:solidFill>
-                      <a:schemeClr val="bg1"/>
-                    </a:solidFill>
-                  </a:tcPr>
-                </a:tc>
-                <a:tc>
-                  <a:txBody>
-                    <a:bodyPr/>
-                    <a:lstStyle/>
-                    <a:p>
-                      <a:pPr algn="ctr" rtl="0"/>
-                      <a:r>
-                        <a:rPr lang="en-GB" sz="1400" noProof="0">
-                          <a:solidFill>
-                            <a:schemeClr val="tx2">
-                              <a:lumMod val="75000"/>
-                            </a:schemeClr>
-                          </a:solidFill>
-                          <a:latin typeface="Tenorite" pitchFamily="2" charset="0"/>
-                        </a:rPr>
-                        <a:t>5.1</a:t>
-                      </a:r>
-                    </a:p>
-                  </a:txBody>
-                  <a:tcPr anchor="ctr">
-                    <a:lnL w="12700" cap="flat" cmpd="sng" algn="ctr">
-                      <a:solidFill>
-                        <a:schemeClr val="accent2"/>
-                      </a:solidFill>
-                      <a:prstDash val="solid"/>
-                      <a:round/>
-                      <a:headEnd type="none" w="med" len="med"/>
-                      <a:tailEnd type="none" w="med" len="med"/>
-                    </a:lnL>
-                    <a:lnR w="12700" cap="flat" cmpd="sng" algn="ctr">
-                      <a:solidFill>
-                        <a:schemeClr val="accent2"/>
-                      </a:solidFill>
-                      <a:prstDash val="solid"/>
-                      <a:round/>
-                      <a:headEnd type="none" w="med" len="med"/>
-                      <a:tailEnd type="none" w="med" len="med"/>
-                    </a:lnR>
-                    <a:lnT w="12700" cap="flat" cmpd="sng" algn="ctr">
-                      <a:solidFill>
-                        <a:schemeClr val="accent2"/>
-                      </a:solidFill>
-                      <a:prstDash val="solid"/>
-                      <a:round/>
-                      <a:headEnd type="none" w="med" len="med"/>
-                      <a:tailEnd type="none" w="med" len="med"/>
-                    </a:lnT>
-                    <a:lnB w="12700" cap="flat" cmpd="sng" algn="ctr">
-                      <a:solidFill>
-                        <a:schemeClr val="accent2"/>
-                      </a:solidFill>
-                      <a:prstDash val="solid"/>
-                      <a:round/>
-                      <a:headEnd type="none" w="med" len="med"/>
-                      <a:tailEnd type="none" w="med" len="med"/>
-                    </a:lnB>
-                    <a:lnTlToBr w="12700" cmpd="sng">
-                      <a:noFill/>
-                      <a:prstDash val="solid"/>
-                    </a:lnTlToBr>
-                    <a:lnBlToTr w="12700" cmpd="sng">
-                      <a:noFill/>
-                      <a:prstDash val="solid"/>
-                    </a:lnBlToTr>
-                    <a:solidFill>
-                      <a:schemeClr val="bg1"/>
-                    </a:solidFill>
-                  </a:tcPr>
-                </a:tc>
-                <a:tc>
-                  <a:txBody>
-                    <a:bodyPr/>
-                    <a:lstStyle/>
-                    <a:p>
-                      <a:pPr algn="ctr" rtl="0"/>
-                      <a:r>
-                        <a:rPr lang="en-GB" sz="1400" noProof="0">
-                          <a:solidFill>
-                            <a:schemeClr val="tx2">
-                              <a:lumMod val="75000"/>
-                            </a:schemeClr>
-                          </a:solidFill>
-                          <a:latin typeface="Tenorite" pitchFamily="2" charset="0"/>
-                        </a:rPr>
-                        <a:t>4.4</a:t>
-                      </a:r>
-                    </a:p>
-                  </a:txBody>
-                  <a:tcPr anchor="ctr">
-                    <a:lnL w="12700" cap="flat" cmpd="sng" algn="ctr">
-                      <a:solidFill>
-                        <a:schemeClr val="accent2"/>
-                      </a:solidFill>
-                      <a:prstDash val="solid"/>
-                      <a:round/>
-                      <a:headEnd type="none" w="med" len="med"/>
-                      <a:tailEnd type="none" w="med" len="med"/>
-                    </a:lnL>
-                    <a:lnR w="12700" cap="flat" cmpd="sng" algn="ctr">
-                      <a:solidFill>
-                        <a:schemeClr val="accent2"/>
-                      </a:solidFill>
-                      <a:prstDash val="solid"/>
-                      <a:round/>
-                      <a:headEnd type="none" w="med" len="med"/>
-                      <a:tailEnd type="none" w="med" len="med"/>
-                    </a:lnR>
-                    <a:lnT w="12700" cap="flat" cmpd="sng" algn="ctr">
-                      <a:solidFill>
-                        <a:schemeClr val="accent2"/>
-                      </a:solidFill>
-                      <a:prstDash val="solid"/>
-                      <a:round/>
-                      <a:headEnd type="none" w="med" len="med"/>
-                      <a:tailEnd type="none" w="med" len="med"/>
-                    </a:lnT>
-                    <a:lnB w="12700" cap="flat" cmpd="sng" algn="ctr">
-                      <a:solidFill>
-                        <a:schemeClr val="accent2"/>
-                      </a:solidFill>
-                      <a:prstDash val="solid"/>
-                      <a:round/>
-                      <a:headEnd type="none" w="med" len="med"/>
-                      <a:tailEnd type="none" w="med" len="med"/>
-                    </a:lnB>
-                    <a:lnTlToBr w="12700" cmpd="sng">
-                      <a:noFill/>
-                      <a:prstDash val="solid"/>
-                    </a:lnTlToBr>
-                    <a:lnBlToTr w="12700" cmpd="sng">
-                      <a:noFill/>
-                      <a:prstDash val="solid"/>
-                    </a:lnBlToTr>
-                    <a:solidFill>
-                      <a:schemeClr val="bg1"/>
-                    </a:solidFill>
-                  </a:tcPr>
-                </a:tc>
-                <a:tc>
-                  <a:txBody>
-                    <a:bodyPr/>
-                    <a:lstStyle/>
-                    <a:p>
-                      <a:pPr algn="ctr" rtl="0"/>
-                      <a:r>
-                        <a:rPr lang="en-GB" sz="1400" noProof="0">
-                          <a:solidFill>
-                            <a:schemeClr val="tx2">
-                              <a:lumMod val="75000"/>
-                            </a:schemeClr>
-                          </a:solidFill>
-                          <a:latin typeface="Tenorite" pitchFamily="2" charset="0"/>
-                        </a:rPr>
-                        <a:t>3.0</a:t>
-                      </a:r>
-                    </a:p>
-                  </a:txBody>
-                  <a:tcPr anchor="ctr">
-                    <a:lnL w="12700" cap="flat" cmpd="sng" algn="ctr">
-                      <a:solidFill>
-                        <a:schemeClr val="accent2"/>
-                      </a:solidFill>
-                      <a:prstDash val="solid"/>
-                      <a:round/>
-                      <a:headEnd type="none" w="med" len="med"/>
-                      <a:tailEnd type="none" w="med" len="med"/>
-                    </a:lnL>
-                    <a:lnR w="12700" cap="flat" cmpd="sng" algn="ctr">
-                      <a:solidFill>
-                        <a:schemeClr val="accent2"/>
-                      </a:solidFill>
-                      <a:prstDash val="solid"/>
-                      <a:round/>
-                      <a:headEnd type="none" w="med" len="med"/>
-                      <a:tailEnd type="none" w="med" len="med"/>
-                    </a:lnR>
-                    <a:lnT w="12700" cap="flat" cmpd="sng" algn="ctr">
-                      <a:solidFill>
-                        <a:schemeClr val="accent2"/>
-                      </a:solidFill>
-                      <a:prstDash val="solid"/>
-                      <a:round/>
-                      <a:headEnd type="none" w="med" len="med"/>
-                      <a:tailEnd type="none" w="med" len="med"/>
-                    </a:lnT>
-                    <a:lnB w="12700" cap="flat" cmpd="sng" algn="ctr">
-                      <a:solidFill>
-                        <a:schemeClr val="accent2"/>
-                      </a:solidFill>
-                      <a:prstDash val="solid"/>
-                      <a:round/>
-                      <a:headEnd type="none" w="med" len="med"/>
-                      <a:tailEnd type="none" w="med" len="med"/>
-                    </a:lnB>
-                    <a:lnTlToBr w="12700" cmpd="sng">
-                      <a:noFill/>
-                      <a:prstDash val="solid"/>
-                    </a:lnTlToBr>
-                    <a:lnBlToTr w="12700" cmpd="sng">
-                      <a:noFill/>
-                      <a:prstDash val="solid"/>
-                    </a:lnBlToTr>
-                    <a:solidFill>
-                      <a:schemeClr val="bg1"/>
-                    </a:solidFill>
-                  </a:tcPr>
-                </a:tc>
-                <a:extLst>
-                  <a:ext uri="{0D108BD9-81ED-4DB2-BD59-A6C34878D82A}">
-                    <a16:rowId xmlns:a16="http://schemas.microsoft.com/office/drawing/2014/main" val="3634243071"/>
-                  </a:ext>
-                </a:extLst>
-              </a:tr>
-              <a:tr h="370840">
-                <a:tc>
-                  <a:txBody>
-                    <a:bodyPr/>
-                    <a:lstStyle/>
-                    <a:p>
-                      <a:pPr algn="ctr" rtl="0"/>
-                      <a:r>
-                        <a:rPr lang="en-GB" sz="1400" noProof="0">
-                          <a:solidFill>
-                            <a:schemeClr val="tx2">
-                              <a:lumMod val="75000"/>
-                            </a:schemeClr>
-                          </a:solidFill>
-                          <a:latin typeface="Tenorite" pitchFamily="2" charset="0"/>
-                        </a:rPr>
-                        <a:t>Q3</a:t>
-                      </a:r>
-                    </a:p>
-                  </a:txBody>
-                  <a:tcPr anchor="ctr">
-                    <a:lnL w="12700" cap="flat" cmpd="sng" algn="ctr">
-                      <a:solidFill>
-                        <a:schemeClr val="accent2"/>
-                      </a:solidFill>
-                      <a:prstDash val="solid"/>
-                      <a:round/>
-                      <a:headEnd type="none" w="med" len="med"/>
-                      <a:tailEnd type="none" w="med" len="med"/>
-                    </a:lnL>
-                    <a:lnR w="12700" cap="flat" cmpd="sng" algn="ctr">
-                      <a:solidFill>
-                        <a:schemeClr val="accent2"/>
-                      </a:solidFill>
-                      <a:prstDash val="solid"/>
-                      <a:round/>
-                      <a:headEnd type="none" w="med" len="med"/>
-                      <a:tailEnd type="none" w="med" len="med"/>
-                    </a:lnR>
-                    <a:lnT w="12700" cap="flat" cmpd="sng" algn="ctr">
-                      <a:solidFill>
-                        <a:schemeClr val="accent2"/>
-                      </a:solidFill>
-                      <a:prstDash val="solid"/>
-                      <a:round/>
-                      <a:headEnd type="none" w="med" len="med"/>
-                      <a:tailEnd type="none" w="med" len="med"/>
-                    </a:lnT>
-                    <a:lnB w="12700" cap="flat" cmpd="sng" algn="ctr">
-                      <a:solidFill>
-                        <a:schemeClr val="accent2"/>
-                      </a:solidFill>
-                      <a:prstDash val="solid"/>
-                      <a:round/>
-                      <a:headEnd type="none" w="med" len="med"/>
-                      <a:tailEnd type="none" w="med" len="med"/>
-                    </a:lnB>
-                    <a:lnTlToBr w="12700" cmpd="sng">
-                      <a:noFill/>
-                      <a:prstDash val="solid"/>
-                    </a:lnTlToBr>
-                    <a:lnBlToTr w="12700" cmpd="sng">
-                      <a:noFill/>
-                      <a:prstDash val="solid"/>
-                    </a:lnBlToTr>
-                    <a:solidFill>
-                      <a:schemeClr val="bg1"/>
-                    </a:solidFill>
-                  </a:tcPr>
-                </a:tc>
-                <a:tc>
-                  <a:txBody>
-                    <a:bodyPr/>
-                    <a:lstStyle/>
-                    <a:p>
-                      <a:pPr algn="ctr" rtl="0"/>
-                      <a:r>
-                        <a:rPr lang="en-GB" sz="1400" noProof="0">
-                          <a:solidFill>
-                            <a:schemeClr val="tx2">
-                              <a:lumMod val="75000"/>
-                            </a:schemeClr>
-                          </a:solidFill>
-                          <a:latin typeface="Tenorite" pitchFamily="2" charset="0"/>
-                        </a:rPr>
-                        <a:t>2.1</a:t>
-                      </a:r>
-                    </a:p>
-                  </a:txBody>
-                  <a:tcPr anchor="ctr">
-                    <a:lnL w="12700" cap="flat" cmpd="sng" algn="ctr">
-                      <a:solidFill>
-                        <a:schemeClr val="accent2"/>
-                      </a:solidFill>
-                      <a:prstDash val="solid"/>
-                      <a:round/>
-                      <a:headEnd type="none" w="med" len="med"/>
-                      <a:tailEnd type="none" w="med" len="med"/>
-                    </a:lnL>
-                    <a:lnR w="12700" cap="flat" cmpd="sng" algn="ctr">
-                      <a:solidFill>
-                        <a:schemeClr val="accent2"/>
-                      </a:solidFill>
-                      <a:prstDash val="solid"/>
-                      <a:round/>
-                      <a:headEnd type="none" w="med" len="med"/>
-                      <a:tailEnd type="none" w="med" len="med"/>
-                    </a:lnR>
-                    <a:lnT w="12700" cap="flat" cmpd="sng" algn="ctr">
-                      <a:solidFill>
-                        <a:schemeClr val="accent2"/>
-                      </a:solidFill>
-                      <a:prstDash val="solid"/>
-                      <a:round/>
-                      <a:headEnd type="none" w="med" len="med"/>
-                      <a:tailEnd type="none" w="med" len="med"/>
-                    </a:lnT>
-                    <a:lnB w="12700" cap="flat" cmpd="sng" algn="ctr">
-                      <a:solidFill>
-                        <a:schemeClr val="accent2"/>
-                      </a:solidFill>
-                      <a:prstDash val="solid"/>
-                      <a:round/>
-                      <a:headEnd type="none" w="med" len="med"/>
-                      <a:tailEnd type="none" w="med" len="med"/>
-                    </a:lnB>
-                    <a:lnTlToBr w="12700" cmpd="sng">
-                      <a:noFill/>
-                      <a:prstDash val="solid"/>
-                    </a:lnTlToBr>
-                    <a:lnBlToTr w="12700" cmpd="sng">
-                      <a:noFill/>
-                      <a:prstDash val="solid"/>
-                    </a:lnBlToTr>
-                    <a:solidFill>
-                      <a:schemeClr val="bg1"/>
-                    </a:solidFill>
-                  </a:tcPr>
-                </a:tc>
-                <a:tc>
-                  <a:txBody>
-                    <a:bodyPr/>
-                    <a:lstStyle/>
-                    <a:p>
-                      <a:pPr algn="ctr" rtl="0"/>
-                      <a:r>
-                        <a:rPr lang="en-GB" sz="1400" noProof="0">
-                          <a:solidFill>
-                            <a:schemeClr val="tx2">
-                              <a:lumMod val="75000"/>
-                            </a:schemeClr>
-                          </a:solidFill>
-                          <a:latin typeface="Tenorite" pitchFamily="2" charset="0"/>
-                        </a:rPr>
-                        <a:t>1.7</a:t>
-                      </a:r>
-                    </a:p>
-                  </a:txBody>
-                  <a:tcPr anchor="ctr">
-                    <a:lnL w="12700" cap="flat" cmpd="sng" algn="ctr">
-                      <a:solidFill>
-                        <a:schemeClr val="accent2"/>
-                      </a:solidFill>
-                      <a:prstDash val="solid"/>
-                      <a:round/>
-                      <a:headEnd type="none" w="med" len="med"/>
-                      <a:tailEnd type="none" w="med" len="med"/>
-                    </a:lnL>
-                    <a:lnR w="12700" cap="flat" cmpd="sng" algn="ctr">
-                      <a:solidFill>
-                        <a:schemeClr val="accent2"/>
-                      </a:solidFill>
-                      <a:prstDash val="solid"/>
-                      <a:round/>
-                      <a:headEnd type="none" w="med" len="med"/>
-                      <a:tailEnd type="none" w="med" len="med"/>
-                    </a:lnR>
-                    <a:lnT w="12700" cap="flat" cmpd="sng" algn="ctr">
-                      <a:solidFill>
-                        <a:schemeClr val="accent2"/>
-                      </a:solidFill>
-                      <a:prstDash val="solid"/>
-                      <a:round/>
-                      <a:headEnd type="none" w="med" len="med"/>
-                      <a:tailEnd type="none" w="med" len="med"/>
-                    </a:lnT>
-                    <a:lnB w="12700" cap="flat" cmpd="sng" algn="ctr">
-                      <a:solidFill>
-                        <a:schemeClr val="accent2"/>
-                      </a:solidFill>
-                      <a:prstDash val="solid"/>
-                      <a:round/>
-                      <a:headEnd type="none" w="med" len="med"/>
-                      <a:tailEnd type="none" w="med" len="med"/>
-                    </a:lnB>
-                    <a:lnTlToBr w="12700" cmpd="sng">
-                      <a:noFill/>
-                      <a:prstDash val="solid"/>
-                    </a:lnTlToBr>
-                    <a:lnBlToTr w="12700" cmpd="sng">
-                      <a:noFill/>
-                      <a:prstDash val="solid"/>
-                    </a:lnBlToTr>
-                    <a:solidFill>
-                      <a:schemeClr val="bg1"/>
-                    </a:solidFill>
-                  </a:tcPr>
-                </a:tc>
-                <a:tc>
-                  <a:txBody>
-                    <a:bodyPr/>
-                    <a:lstStyle/>
-                    <a:p>
-                      <a:pPr algn="ctr" rtl="0"/>
-                      <a:r>
-                        <a:rPr lang="en-GB" sz="1400" noProof="0">
-                          <a:solidFill>
-                            <a:schemeClr val="tx2">
-                              <a:lumMod val="75000"/>
-                            </a:schemeClr>
-                          </a:solidFill>
-                          <a:latin typeface="Tenorite" pitchFamily="2" charset="0"/>
-                        </a:rPr>
-                        <a:t>2.5</a:t>
-                      </a:r>
-                    </a:p>
-                  </a:txBody>
-                  <a:tcPr anchor="ctr">
-                    <a:lnL w="12700" cap="flat" cmpd="sng" algn="ctr">
-                      <a:solidFill>
-                        <a:schemeClr val="accent2"/>
-                      </a:solidFill>
-                      <a:prstDash val="solid"/>
-                      <a:round/>
-                      <a:headEnd type="none" w="med" len="med"/>
-                      <a:tailEnd type="none" w="med" len="med"/>
-                    </a:lnL>
-                    <a:lnR w="12700" cap="flat" cmpd="sng" algn="ctr">
-                      <a:solidFill>
-                        <a:schemeClr val="accent2"/>
-                      </a:solidFill>
-                      <a:prstDash val="solid"/>
-                      <a:round/>
-                      <a:headEnd type="none" w="med" len="med"/>
-                      <a:tailEnd type="none" w="med" len="med"/>
-                    </a:lnR>
-                    <a:lnT w="12700" cap="flat" cmpd="sng" algn="ctr">
-                      <a:solidFill>
-                        <a:schemeClr val="accent2"/>
-                      </a:solidFill>
-                      <a:prstDash val="solid"/>
-                      <a:round/>
-                      <a:headEnd type="none" w="med" len="med"/>
-                      <a:tailEnd type="none" w="med" len="med"/>
-                    </a:lnT>
-                    <a:lnB w="12700" cap="flat" cmpd="sng" algn="ctr">
-                      <a:solidFill>
-                        <a:schemeClr val="accent2"/>
-                      </a:solidFill>
-                      <a:prstDash val="solid"/>
-                      <a:round/>
-                      <a:headEnd type="none" w="med" len="med"/>
-                      <a:tailEnd type="none" w="med" len="med"/>
-                    </a:lnB>
-                    <a:lnTlToBr w="12700" cmpd="sng">
-                      <a:noFill/>
-                      <a:prstDash val="solid"/>
-                    </a:lnTlToBr>
-                    <a:lnBlToTr w="12700" cmpd="sng">
-                      <a:noFill/>
-                      <a:prstDash val="solid"/>
-                    </a:lnBlToTr>
-                    <a:solidFill>
-                      <a:schemeClr val="bg1"/>
-                    </a:solidFill>
-                  </a:tcPr>
-                </a:tc>
-                <a:tc>
-                  <a:txBody>
-                    <a:bodyPr/>
-                    <a:lstStyle/>
-                    <a:p>
-                      <a:pPr algn="ctr" rtl="0"/>
-                      <a:r>
-                        <a:rPr lang="en-GB" sz="1400" noProof="0">
-                          <a:solidFill>
-                            <a:schemeClr val="tx2">
-                              <a:lumMod val="75000"/>
-                            </a:schemeClr>
-                          </a:solidFill>
-                          <a:latin typeface="Tenorite" pitchFamily="2" charset="0"/>
-                        </a:rPr>
-                        <a:t>2.8</a:t>
-                      </a:r>
-                    </a:p>
-                  </a:txBody>
-                  <a:tcPr anchor="ctr">
-                    <a:lnL w="12700" cap="flat" cmpd="sng" algn="ctr">
-                      <a:solidFill>
-                        <a:schemeClr val="accent2"/>
-                      </a:solidFill>
-                      <a:prstDash val="solid"/>
-                      <a:round/>
-                      <a:headEnd type="none" w="med" len="med"/>
-                      <a:tailEnd type="none" w="med" len="med"/>
-                    </a:lnL>
-                    <a:lnR w="12700" cap="flat" cmpd="sng" algn="ctr">
-                      <a:solidFill>
-                        <a:schemeClr val="accent2"/>
-                      </a:solidFill>
-                      <a:prstDash val="solid"/>
-                      <a:round/>
-                      <a:headEnd type="none" w="med" len="med"/>
-                      <a:tailEnd type="none" w="med" len="med"/>
-                    </a:lnR>
-                    <a:lnT w="12700" cap="flat" cmpd="sng" algn="ctr">
-                      <a:solidFill>
-                        <a:schemeClr val="accent2"/>
-                      </a:solidFill>
-                      <a:prstDash val="solid"/>
-                      <a:round/>
-                      <a:headEnd type="none" w="med" len="med"/>
-                      <a:tailEnd type="none" w="med" len="med"/>
-                    </a:lnT>
-                    <a:lnB w="12700" cap="flat" cmpd="sng" algn="ctr">
-                      <a:solidFill>
-                        <a:schemeClr val="accent2"/>
-                      </a:solidFill>
-                      <a:prstDash val="solid"/>
-                      <a:round/>
-                      <a:headEnd type="none" w="med" len="med"/>
-                      <a:tailEnd type="none" w="med" len="med"/>
-                    </a:lnB>
-                    <a:lnTlToBr w="12700" cmpd="sng">
-                      <a:noFill/>
-                      <a:prstDash val="solid"/>
-                    </a:lnTlToBr>
-                    <a:lnBlToTr w="12700" cmpd="sng">
-                      <a:noFill/>
-                      <a:prstDash val="solid"/>
-                    </a:lnBlToTr>
-                    <a:solidFill>
-                      <a:schemeClr val="bg1"/>
-                    </a:solidFill>
-                  </a:tcPr>
-                </a:tc>
-                <a:extLst>
-                  <a:ext uri="{0D108BD9-81ED-4DB2-BD59-A6C34878D82A}">
-                    <a16:rowId xmlns:a16="http://schemas.microsoft.com/office/drawing/2014/main" val="415808797"/>
-                  </a:ext>
-                </a:extLst>
-              </a:tr>
-              <a:tr h="370840">
-                <a:tc>
-                  <a:txBody>
-                    <a:bodyPr/>
-                    <a:lstStyle/>
-                    <a:p>
-                      <a:pPr algn="ctr" rtl="0"/>
-                      <a:r>
-                        <a:rPr lang="en-GB" sz="1400" noProof="0">
-                          <a:solidFill>
-                            <a:schemeClr val="tx2">
-                              <a:lumMod val="75000"/>
-                            </a:schemeClr>
-                          </a:solidFill>
-                          <a:latin typeface="Tenorite" pitchFamily="2" charset="0"/>
-                        </a:rPr>
-                        <a:t>Q4</a:t>
-                      </a:r>
-                    </a:p>
-                  </a:txBody>
-                  <a:tcPr anchor="ctr">
-                    <a:lnL w="12700" cap="flat" cmpd="sng" algn="ctr">
-                      <a:solidFill>
-                        <a:schemeClr val="accent2"/>
-                      </a:solidFill>
-                      <a:prstDash val="solid"/>
-                      <a:round/>
-                      <a:headEnd type="none" w="med" len="med"/>
-                      <a:tailEnd type="none" w="med" len="med"/>
-                    </a:lnL>
-                    <a:lnR w="12700" cap="flat" cmpd="sng" algn="ctr">
-                      <a:solidFill>
-                        <a:schemeClr val="accent2"/>
-                      </a:solidFill>
-                      <a:prstDash val="solid"/>
-                      <a:round/>
-                      <a:headEnd type="none" w="med" len="med"/>
-                      <a:tailEnd type="none" w="med" len="med"/>
-                    </a:lnR>
-                    <a:lnT w="12700" cap="flat" cmpd="sng" algn="ctr">
-                      <a:solidFill>
-                        <a:schemeClr val="accent2"/>
-                      </a:solidFill>
-                      <a:prstDash val="solid"/>
-                      <a:round/>
-                      <a:headEnd type="none" w="med" len="med"/>
-                      <a:tailEnd type="none" w="med" len="med"/>
-                    </a:lnT>
-                    <a:lnB w="12700" cap="flat" cmpd="sng" algn="ctr">
-                      <a:solidFill>
-                        <a:schemeClr val="accent2"/>
-                      </a:solidFill>
-                      <a:prstDash val="solid"/>
-                      <a:round/>
-                      <a:headEnd type="none" w="med" len="med"/>
-                      <a:tailEnd type="none" w="med" len="med"/>
-                    </a:lnB>
-                    <a:lnTlToBr w="12700" cmpd="sng">
-                      <a:noFill/>
-                      <a:prstDash val="solid"/>
-                    </a:lnTlToBr>
-                    <a:lnBlToTr w="12700" cmpd="sng">
-                      <a:noFill/>
-                      <a:prstDash val="solid"/>
-                    </a:lnBlToTr>
-                    <a:solidFill>
-                      <a:schemeClr val="bg1"/>
-                    </a:solidFill>
-                  </a:tcPr>
-                </a:tc>
-                <a:tc>
-                  <a:txBody>
-                    <a:bodyPr/>
-                    <a:lstStyle/>
-                    <a:p>
-                      <a:pPr algn="ctr" rtl="0"/>
-                      <a:r>
-                        <a:rPr lang="en-GB" sz="1400" noProof="0">
-                          <a:solidFill>
-                            <a:schemeClr val="tx2">
-                              <a:lumMod val="75000"/>
-                            </a:schemeClr>
-                          </a:solidFill>
-                          <a:latin typeface="Tenorite" pitchFamily="2" charset="0"/>
-                        </a:rPr>
-                        <a:t>4.5</a:t>
-                      </a:r>
-                    </a:p>
-                  </a:txBody>
-                  <a:tcPr anchor="ctr">
-                    <a:lnL w="12700" cap="flat" cmpd="sng" algn="ctr">
-                      <a:solidFill>
-                        <a:schemeClr val="accent2"/>
-                      </a:solidFill>
-                      <a:prstDash val="solid"/>
-                      <a:round/>
-                      <a:headEnd type="none" w="med" len="med"/>
-                      <a:tailEnd type="none" w="med" len="med"/>
-                    </a:lnL>
-                    <a:lnR w="12700" cap="flat" cmpd="sng" algn="ctr">
-                      <a:solidFill>
-                        <a:schemeClr val="accent2"/>
-                      </a:solidFill>
-                      <a:prstDash val="solid"/>
-                      <a:round/>
-                      <a:headEnd type="none" w="med" len="med"/>
-                      <a:tailEnd type="none" w="med" len="med"/>
-                    </a:lnR>
-                    <a:lnT w="12700" cap="flat" cmpd="sng" algn="ctr">
-                      <a:solidFill>
-                        <a:schemeClr val="accent2"/>
-                      </a:solidFill>
-                      <a:prstDash val="solid"/>
-                      <a:round/>
-                      <a:headEnd type="none" w="med" len="med"/>
-                      <a:tailEnd type="none" w="med" len="med"/>
-                    </a:lnT>
-                    <a:lnB w="12700" cap="flat" cmpd="sng" algn="ctr">
-                      <a:solidFill>
-                        <a:schemeClr val="accent2"/>
-                      </a:solidFill>
-                      <a:prstDash val="solid"/>
-                      <a:round/>
-                      <a:headEnd type="none" w="med" len="med"/>
-                      <a:tailEnd type="none" w="med" len="med"/>
-                    </a:lnB>
-                    <a:lnTlToBr w="12700" cmpd="sng">
-                      <a:noFill/>
-                      <a:prstDash val="solid"/>
-                    </a:lnTlToBr>
-                    <a:lnBlToTr w="12700" cmpd="sng">
-                      <a:noFill/>
-                      <a:prstDash val="solid"/>
-                    </a:lnBlToTr>
-                    <a:solidFill>
-                      <a:schemeClr val="bg1"/>
-                    </a:solidFill>
-                  </a:tcPr>
-                </a:tc>
-                <a:tc>
-                  <a:txBody>
-                    <a:bodyPr/>
-                    <a:lstStyle/>
-                    <a:p>
-                      <a:pPr algn="ctr" rtl="0"/>
-                      <a:r>
-                        <a:rPr lang="en-GB" sz="1400" noProof="0">
-                          <a:solidFill>
-                            <a:schemeClr val="tx2">
-                              <a:lumMod val="75000"/>
-                            </a:schemeClr>
-                          </a:solidFill>
-                          <a:latin typeface="Tenorite" pitchFamily="2" charset="0"/>
-                        </a:rPr>
-                        <a:t>2.2</a:t>
-                      </a:r>
-                    </a:p>
-                  </a:txBody>
-                  <a:tcPr anchor="ctr">
-                    <a:lnL w="12700" cap="flat" cmpd="sng" algn="ctr">
-                      <a:solidFill>
-                        <a:schemeClr val="accent2"/>
-                      </a:solidFill>
-                      <a:prstDash val="solid"/>
-                      <a:round/>
-                      <a:headEnd type="none" w="med" len="med"/>
-                      <a:tailEnd type="none" w="med" len="med"/>
-                    </a:lnL>
-                    <a:lnR w="12700" cap="flat" cmpd="sng" algn="ctr">
-                      <a:solidFill>
-                        <a:schemeClr val="accent2"/>
-                      </a:solidFill>
-                      <a:prstDash val="solid"/>
-                      <a:round/>
-                      <a:headEnd type="none" w="med" len="med"/>
-                      <a:tailEnd type="none" w="med" len="med"/>
-                    </a:lnR>
-                    <a:lnT w="12700" cap="flat" cmpd="sng" algn="ctr">
-                      <a:solidFill>
-                        <a:schemeClr val="accent2"/>
-                      </a:solidFill>
-                      <a:prstDash val="solid"/>
-                      <a:round/>
-                      <a:headEnd type="none" w="med" len="med"/>
-                      <a:tailEnd type="none" w="med" len="med"/>
-                    </a:lnT>
-                    <a:lnB w="12700" cap="flat" cmpd="sng" algn="ctr">
-                      <a:solidFill>
-                        <a:schemeClr val="accent2"/>
-                      </a:solidFill>
-                      <a:prstDash val="solid"/>
-                      <a:round/>
-                      <a:headEnd type="none" w="med" len="med"/>
-                      <a:tailEnd type="none" w="med" len="med"/>
-                    </a:lnB>
-                    <a:lnTlToBr w="12700" cmpd="sng">
-                      <a:noFill/>
-                      <a:prstDash val="solid"/>
-                    </a:lnTlToBr>
-                    <a:lnBlToTr w="12700" cmpd="sng">
-                      <a:noFill/>
-                      <a:prstDash val="solid"/>
-                    </a:lnBlToTr>
-                    <a:solidFill>
-                      <a:schemeClr val="bg1"/>
-                    </a:solidFill>
-                  </a:tcPr>
-                </a:tc>
-                <a:tc>
-                  <a:txBody>
-                    <a:bodyPr/>
-                    <a:lstStyle/>
-                    <a:p>
-                      <a:pPr algn="ctr" rtl="0"/>
-                      <a:r>
-                        <a:rPr lang="en-GB" sz="1400" noProof="0">
-                          <a:solidFill>
-                            <a:schemeClr val="tx2">
-                              <a:lumMod val="75000"/>
-                            </a:schemeClr>
-                          </a:solidFill>
-                          <a:latin typeface="Tenorite" pitchFamily="2" charset="0"/>
-                        </a:rPr>
-                        <a:t>1.7</a:t>
-                      </a:r>
-                    </a:p>
-                  </a:txBody>
-                  <a:tcPr anchor="ctr">
-                    <a:lnL w="12700" cap="flat" cmpd="sng" algn="ctr">
-                      <a:solidFill>
-                        <a:schemeClr val="accent2"/>
-                      </a:solidFill>
-                      <a:prstDash val="solid"/>
-                      <a:round/>
-                      <a:headEnd type="none" w="med" len="med"/>
-                      <a:tailEnd type="none" w="med" len="med"/>
-                    </a:lnL>
-                    <a:lnR w="12700" cap="flat" cmpd="sng" algn="ctr">
-                      <a:solidFill>
-                        <a:schemeClr val="accent2"/>
-                      </a:solidFill>
-                      <a:prstDash val="solid"/>
-                      <a:round/>
-                      <a:headEnd type="none" w="med" len="med"/>
-                      <a:tailEnd type="none" w="med" len="med"/>
-                    </a:lnR>
-                    <a:lnT w="12700" cap="flat" cmpd="sng" algn="ctr">
-                      <a:solidFill>
-                        <a:schemeClr val="accent2"/>
-                      </a:solidFill>
-                      <a:prstDash val="solid"/>
-                      <a:round/>
-                      <a:headEnd type="none" w="med" len="med"/>
-                      <a:tailEnd type="none" w="med" len="med"/>
-                    </a:lnT>
-                    <a:lnB w="12700" cap="flat" cmpd="sng" algn="ctr">
-                      <a:solidFill>
-                        <a:schemeClr val="accent2"/>
-                      </a:solidFill>
-                      <a:prstDash val="solid"/>
-                      <a:round/>
-                      <a:headEnd type="none" w="med" len="med"/>
-                      <a:tailEnd type="none" w="med" len="med"/>
-                    </a:lnB>
-                    <a:lnTlToBr w="12700" cmpd="sng">
-                      <a:noFill/>
-                      <a:prstDash val="solid"/>
-                    </a:lnTlToBr>
-                    <a:lnBlToTr w="12700" cmpd="sng">
-                      <a:noFill/>
-                      <a:prstDash val="solid"/>
-                    </a:lnBlToTr>
-                    <a:solidFill>
-                      <a:schemeClr val="bg1"/>
-                    </a:solidFill>
-                  </a:tcPr>
-                </a:tc>
-                <a:tc>
-                  <a:txBody>
-                    <a:bodyPr/>
-                    <a:lstStyle/>
-                    <a:p>
-                      <a:pPr algn="ctr" rtl="0"/>
-                      <a:r>
-                        <a:rPr lang="en-GB" sz="1400" noProof="0" dirty="0">
-                          <a:solidFill>
-                            <a:schemeClr val="tx2">
-                              <a:lumMod val="75000"/>
-                            </a:schemeClr>
-                          </a:solidFill>
-                          <a:latin typeface="Tenorite" pitchFamily="2" charset="0"/>
-                        </a:rPr>
-                        <a:t>7.0</a:t>
-                      </a:r>
-                    </a:p>
-                  </a:txBody>
-                  <a:tcPr anchor="ctr">
-                    <a:lnL w="12700" cap="flat" cmpd="sng" algn="ctr">
-                      <a:solidFill>
-                        <a:schemeClr val="accent2"/>
-                      </a:solidFill>
-                      <a:prstDash val="solid"/>
-                      <a:round/>
-                      <a:headEnd type="none" w="med" len="med"/>
-                      <a:tailEnd type="none" w="med" len="med"/>
-                    </a:lnL>
-                    <a:lnR w="12700" cap="flat" cmpd="sng" algn="ctr">
-                      <a:solidFill>
-                        <a:schemeClr val="accent2"/>
-                      </a:solidFill>
-                      <a:prstDash val="solid"/>
-                      <a:round/>
-                      <a:headEnd type="none" w="med" len="med"/>
-                      <a:tailEnd type="none" w="med" len="med"/>
-                    </a:lnR>
-                    <a:lnT w="12700" cap="flat" cmpd="sng" algn="ctr">
-                      <a:solidFill>
-                        <a:schemeClr val="accent2"/>
-                      </a:solidFill>
-                      <a:prstDash val="solid"/>
-                      <a:round/>
-                      <a:headEnd type="none" w="med" len="med"/>
-                      <a:tailEnd type="none" w="med" len="med"/>
-                    </a:lnT>
-                    <a:lnB w="12700" cap="flat" cmpd="sng" algn="ctr">
-                      <a:solidFill>
-                        <a:schemeClr val="accent2"/>
-                      </a:solidFill>
-                      <a:prstDash val="solid"/>
-                      <a:round/>
-                      <a:headEnd type="none" w="med" len="med"/>
-                      <a:tailEnd type="none" w="med" len="med"/>
-                    </a:lnB>
-                    <a:lnTlToBr w="12700" cmpd="sng">
-                      <a:noFill/>
-                      <a:prstDash val="solid"/>
-                    </a:lnTlToBr>
-                    <a:lnBlToTr w="12700" cmpd="sng">
-                      <a:noFill/>
-                      <a:prstDash val="solid"/>
-                    </a:lnBlToTr>
-                    <a:solidFill>
-                      <a:schemeClr val="bg1"/>
-                    </a:solidFill>
-                  </a:tcPr>
-                </a:tc>
-                <a:extLst>
-                  <a:ext uri="{0D108BD9-81ED-4DB2-BD59-A6C34878D82A}">
-                    <a16:rowId xmlns:a16="http://schemas.microsoft.com/office/drawing/2014/main" val="380950325"/>
-                  </a:ext>
-                </a:extLst>
-              </a:tr>
-            </a:tbl>
-          </a:graphicData>
-        </a:graphic>
-      </p:graphicFrame>
-      <p:sp>
-        <p:nvSpPr>
-          <p:cNvPr id="3" name="Date Placeholder 2">
-            <a:extLst>
-              <a:ext uri="{FF2B5EF4-FFF2-40B4-BE49-F238E27FC236}">
-                <a16:creationId xmlns:a16="http://schemas.microsoft.com/office/drawing/2014/main" id="{4E809DF5-56B4-304A-8777-BB8576005AF2}"/>
-              </a:ext>
-            </a:extLst>
-          </p:cNvPr>
-          <p:cNvSpPr>
-            <a:spLocks noGrp="1"/>
-          </p:cNvSpPr>
-          <p:nvPr>
-            <p:ph type="dt" sz="half" idx="2"/>
-          </p:nvPr>
-        </p:nvSpPr>
-        <p:spPr/>
-        <p:txBody>
-          <a:bodyPr rtlCol="0"/>
-          <a:lstStyle/>
-          <a:p>
-            <a:pPr rtl="0"/>
-            <a:fld id="{C863B20E-F32D-4424-8B08-D76D12909586}" type="datetime1">
-              <a:rPr lang="en-US" smtClean="0"/>
-              <a:t>4/12/2024</a:t>
-            </a:fld>
-            <a:endParaRPr lang="en-GB"/>
-          </a:p>
-        </p:txBody>
-      </p:sp>
-      <p:sp>
-        <p:nvSpPr>
-          <p:cNvPr id="5" name="Footer Placeholder 4">
-            <a:extLst>
-              <a:ext uri="{FF2B5EF4-FFF2-40B4-BE49-F238E27FC236}">
-                <a16:creationId xmlns:a16="http://schemas.microsoft.com/office/drawing/2014/main" id="{0A79A912-225F-BE40-9F3E-0255524448CD}"/>
-              </a:ext>
-            </a:extLst>
-          </p:cNvPr>
-          <p:cNvSpPr>
-            <a:spLocks noGrp="1"/>
-          </p:cNvSpPr>
-          <p:nvPr>
-            <p:ph type="ftr" sz="quarter" idx="3"/>
-          </p:nvPr>
-        </p:nvSpPr>
-        <p:spPr/>
-        <p:txBody>
-          <a:bodyPr rtlCol="0"/>
-          <a:lstStyle/>
-          <a:p>
-            <a:pPr rtl="0"/>
-            <a:r>
-              <a:rPr lang="en-GB"/>
-              <a:t>Fault-tolerant dataflow platform</a:t>
-            </a:r>
-          </a:p>
-        </p:txBody>
-      </p:sp>
-      <p:sp>
-        <p:nvSpPr>
-          <p:cNvPr id="6" name="Slide Number Placeholder 5">
-            <a:extLst>
-              <a:ext uri="{FF2B5EF4-FFF2-40B4-BE49-F238E27FC236}">
-                <a16:creationId xmlns:a16="http://schemas.microsoft.com/office/drawing/2014/main" id="{50B6C709-8794-DF4E-A15C-6E648F09DD12}"/>
-              </a:ext>
-            </a:extLst>
-          </p:cNvPr>
-          <p:cNvSpPr>
-            <a:spLocks noGrp="1"/>
-          </p:cNvSpPr>
-          <p:nvPr>
-            <p:ph type="sldNum" sz="quarter" idx="4"/>
-          </p:nvPr>
-        </p:nvSpPr>
-        <p:spPr/>
-        <p:txBody>
-          <a:bodyPr rtlCol="0"/>
-          <a:lstStyle/>
-          <a:p>
-            <a:pPr rtl="0"/>
-            <a:fld id="{294A09A9-5501-47C1-A89A-A340965A2BE2}" type="slidenum">
-              <a:rPr lang="en-GB" smtClean="0"/>
-              <a:pPr rtl="0"/>
-              <a:t>19</a:t>
-            </a:fld>
-            <a:endParaRPr lang="en-GB"/>
-          </a:p>
-        </p:txBody>
-      </p:sp>
-    </p:spTree>
-    <p:extLst>
-      <p:ext uri="{BB962C8B-B14F-4D97-AF65-F5344CB8AC3E}">
-        <p14:creationId xmlns:p14="http://schemas.microsoft.com/office/powerpoint/2010/main" val="4212917468"/>
-      </p:ext>
-    </p:extLst>
-  </p:cSld>
-  <p:clrMapOvr>
-    <a:masterClrMapping/>
-  </p:clrMapOvr>
-</p:sld>
-</file>
-
 <file path=ppt/slides/slide2.xml><?xml version="1.0" encoding="utf-8"?>
 <p:sld xmlns:a="http://schemas.openxmlformats.org/drawingml/2006/main" xmlns:r="http://schemas.openxmlformats.org/officeDocument/2006/relationships" xmlns:p="http://schemas.openxmlformats.org/presentationml/2006/main">
   <p:cSld>
@@ -27270,7 +21039,7 @@
             <a:pPr rtl="0"/>
             <a:r>
               <a:rPr lang="en-GB" dirty="0"/>
-              <a:t>Agenda</a:t>
+              <a:t>Summary</a:t>
             </a:r>
           </a:p>
         </p:txBody>
@@ -27401,7 +21170,7 @@
             <a:pPr rtl="0"/>
             <a:fld id="{788E6BBF-F598-4D88-860C-C28E28D4EA60}" type="datetime1">
               <a:rPr lang="en-US" smtClean="0"/>
-              <a:t>4/12/2024</a:t>
+              <a:t>4/19/2024</a:t>
             </a:fld>
             <a:endParaRPr lang="en-GB" dirty="0"/>
           </a:p>
@@ -27481,2237 +21250,6 @@
     <p:extLst>
       <p:ext uri="{BB962C8B-B14F-4D97-AF65-F5344CB8AC3E}">
         <p14:creationId xmlns:p14="http://schemas.microsoft.com/office/powerpoint/2010/main" val="1325608595"/>
-      </p:ext>
-    </p:extLst>
-  </p:cSld>
-  <p:clrMapOvr>
-    <a:masterClrMapping/>
-  </p:clrMapOvr>
-</p:sld>
-</file>
-
-<file path=ppt/slides/slide20.xml><?xml version="1.0" encoding="utf-8"?>
-<p:sld xmlns:a="http://schemas.openxmlformats.org/drawingml/2006/main" xmlns:r="http://schemas.openxmlformats.org/officeDocument/2006/relationships" xmlns:p="http://schemas.openxmlformats.org/presentationml/2006/main">
-  <p:cSld>
-    <p:spTree>
-      <p:nvGrpSpPr>
-        <p:cNvPr id="1" name=""/>
-        <p:cNvGrpSpPr/>
-        <p:nvPr/>
-      </p:nvGrpSpPr>
-      <p:grpSpPr>
-        <a:xfrm>
-          <a:off x="0" y="0"/>
-          <a:ext cx="0" cy="0"/>
-          <a:chOff x="0" y="0"/>
-          <a:chExt cx="0" cy="0"/>
-        </a:xfrm>
-      </p:grpSpPr>
-      <p:sp>
-        <p:nvSpPr>
-          <p:cNvPr id="2" name="Title 1">
-            <a:extLst>
-              <a:ext uri="{FF2B5EF4-FFF2-40B4-BE49-F238E27FC236}">
-                <a16:creationId xmlns:a16="http://schemas.microsoft.com/office/drawing/2014/main" id="{33AF65A7-995A-9F45-891C-82D9B9D40801}"/>
-              </a:ext>
-            </a:extLst>
-          </p:cNvPr>
-          <p:cNvSpPr>
-            <a:spLocks noGrp="1"/>
-          </p:cNvSpPr>
-          <p:nvPr>
-            <p:ph type="title"/>
-          </p:nvPr>
-        </p:nvSpPr>
-        <p:spPr>
-          <a:xfrm>
-            <a:off x="1889961" y="1791018"/>
-            <a:ext cx="8412079" cy="2810460"/>
-          </a:xfrm>
-        </p:spPr>
-        <p:txBody>
-          <a:bodyPr rtlCol="0">
-            <a:normAutofit/>
-          </a:bodyPr>
-          <a:lstStyle/>
-          <a:p>
-            <a:pPr rtl="0"/>
-            <a:r>
-              <a:rPr lang="en-GB" sz="4400"/>
-              <a:t>Business opportunities are like buses. There's always another one coming.</a:t>
-            </a:r>
-          </a:p>
-        </p:txBody>
-      </p:sp>
-      <p:sp>
-        <p:nvSpPr>
-          <p:cNvPr id="13" name="Text Placeholder 5">
-            <a:extLst>
-              <a:ext uri="{FF2B5EF4-FFF2-40B4-BE49-F238E27FC236}">
-                <a16:creationId xmlns:a16="http://schemas.microsoft.com/office/drawing/2014/main" id="{6118A1B7-08BA-6B43-BBA8-952377DF944D}"/>
-              </a:ext>
-            </a:extLst>
-          </p:cNvPr>
-          <p:cNvSpPr>
-            <a:spLocks noGrp="1"/>
-          </p:cNvSpPr>
-          <p:nvPr>
-            <p:ph type="body" sz="quarter" idx="13"/>
-          </p:nvPr>
-        </p:nvSpPr>
-        <p:spPr>
-          <a:xfrm>
-            <a:off x="1502619" y="543354"/>
-            <a:ext cx="1364297" cy="1094521"/>
-          </a:xfrm>
-        </p:spPr>
-        <p:txBody>
-          <a:bodyPr rtlCol="0"/>
-          <a:lstStyle/>
-          <a:p>
-            <a:pPr rtl="0"/>
-            <a:r>
-              <a:rPr lang="en-GB"/>
-              <a:t>“</a:t>
-            </a:r>
-          </a:p>
-        </p:txBody>
-      </p:sp>
-      <p:sp>
-        <p:nvSpPr>
-          <p:cNvPr id="7" name="Text Placeholder 6">
-            <a:extLst>
-              <a:ext uri="{FF2B5EF4-FFF2-40B4-BE49-F238E27FC236}">
-                <a16:creationId xmlns:a16="http://schemas.microsoft.com/office/drawing/2014/main" id="{E178654B-08C9-4C41-8BEC-DFB720245862}"/>
-              </a:ext>
-            </a:extLst>
-          </p:cNvPr>
-          <p:cNvSpPr>
-            <a:spLocks noGrp="1"/>
-          </p:cNvSpPr>
-          <p:nvPr>
-            <p:ph type="body" sz="quarter" idx="14"/>
-          </p:nvPr>
-        </p:nvSpPr>
-        <p:spPr>
-          <a:xfrm>
-            <a:off x="5556250" y="4574039"/>
-            <a:ext cx="3511550" cy="679450"/>
-          </a:xfrm>
-        </p:spPr>
-        <p:txBody>
-          <a:bodyPr rtlCol="0"/>
-          <a:lstStyle/>
-          <a:p>
-            <a:pPr rtl="0"/>
-            <a:r>
-              <a:rPr lang="en-GB"/>
-              <a:t>Richard Branson</a:t>
-            </a:r>
-          </a:p>
-          <a:p>
-            <a:pPr rtl="0"/>
-            <a:endParaRPr lang="en-GB"/>
-          </a:p>
-        </p:txBody>
-      </p:sp>
-      <p:sp>
-        <p:nvSpPr>
-          <p:cNvPr id="14" name="Text Placeholder 7">
-            <a:extLst>
-              <a:ext uri="{FF2B5EF4-FFF2-40B4-BE49-F238E27FC236}">
-                <a16:creationId xmlns:a16="http://schemas.microsoft.com/office/drawing/2014/main" id="{A1F17760-D90A-AB46-A4E0-31B2684E3F5E}"/>
-              </a:ext>
-            </a:extLst>
-          </p:cNvPr>
-          <p:cNvSpPr>
-            <a:spLocks noGrp="1"/>
-          </p:cNvSpPr>
-          <p:nvPr>
-            <p:ph type="body" sz="quarter" idx="15"/>
-          </p:nvPr>
-        </p:nvSpPr>
-        <p:spPr>
-          <a:xfrm>
-            <a:off x="9420876" y="3426615"/>
-            <a:ext cx="1364297" cy="1094521"/>
-          </a:xfrm>
-        </p:spPr>
-        <p:txBody>
-          <a:bodyPr rtlCol="0"/>
-          <a:lstStyle/>
-          <a:p>
-            <a:pPr rtl="0"/>
-            <a:r>
-              <a:rPr lang="en-GB"/>
-              <a:t>”</a:t>
-            </a:r>
-          </a:p>
-        </p:txBody>
-      </p:sp>
-      <p:sp>
-        <p:nvSpPr>
-          <p:cNvPr id="3" name="Date Placeholder 2">
-            <a:extLst>
-              <a:ext uri="{FF2B5EF4-FFF2-40B4-BE49-F238E27FC236}">
-                <a16:creationId xmlns:a16="http://schemas.microsoft.com/office/drawing/2014/main" id="{8D3F7063-A64B-CB42-8BBF-BF52424269A8}"/>
-              </a:ext>
-            </a:extLst>
-          </p:cNvPr>
-          <p:cNvSpPr>
-            <a:spLocks noGrp="1"/>
-          </p:cNvSpPr>
-          <p:nvPr>
-            <p:ph type="dt" sz="half" idx="10"/>
-          </p:nvPr>
-        </p:nvSpPr>
-        <p:spPr/>
-        <p:txBody>
-          <a:bodyPr rtlCol="0"/>
-          <a:lstStyle/>
-          <a:p>
-            <a:pPr rtl="0"/>
-            <a:fld id="{7289C563-F743-4F24-B99A-EC8502AB587E}" type="datetime1">
-              <a:rPr lang="en-US" smtClean="0"/>
-              <a:t>4/12/2024</a:t>
-            </a:fld>
-            <a:endParaRPr lang="en-GB"/>
-          </a:p>
-        </p:txBody>
-      </p:sp>
-      <p:sp>
-        <p:nvSpPr>
-          <p:cNvPr id="4" name="Footer Placeholder 3">
-            <a:extLst>
-              <a:ext uri="{FF2B5EF4-FFF2-40B4-BE49-F238E27FC236}">
-                <a16:creationId xmlns:a16="http://schemas.microsoft.com/office/drawing/2014/main" id="{6E4EA976-8646-0143-BA18-8675E6FA5EB7}"/>
-              </a:ext>
-            </a:extLst>
-          </p:cNvPr>
-          <p:cNvSpPr>
-            <a:spLocks noGrp="1"/>
-          </p:cNvSpPr>
-          <p:nvPr>
-            <p:ph type="ftr" sz="quarter" idx="11"/>
-          </p:nvPr>
-        </p:nvSpPr>
-        <p:spPr/>
-        <p:txBody>
-          <a:bodyPr rtlCol="0"/>
-          <a:lstStyle/>
-          <a:p>
-            <a:pPr rtl="0"/>
-            <a:r>
-              <a:rPr lang="en-GB"/>
-              <a:t>Fault-tolerant dataflow platform</a:t>
-            </a:r>
-          </a:p>
-        </p:txBody>
-      </p:sp>
-      <p:sp>
-        <p:nvSpPr>
-          <p:cNvPr id="5" name="Slide Number Placeholder 4">
-            <a:extLst>
-              <a:ext uri="{FF2B5EF4-FFF2-40B4-BE49-F238E27FC236}">
-                <a16:creationId xmlns:a16="http://schemas.microsoft.com/office/drawing/2014/main" id="{7003A5E2-8F37-D546-BCD9-24A2037BB54D}"/>
-              </a:ext>
-            </a:extLst>
-          </p:cNvPr>
-          <p:cNvSpPr>
-            <a:spLocks noGrp="1"/>
-          </p:cNvSpPr>
-          <p:nvPr>
-            <p:ph type="sldNum" sz="quarter" idx="12"/>
-          </p:nvPr>
-        </p:nvSpPr>
-        <p:spPr/>
-        <p:txBody>
-          <a:bodyPr rtlCol="0"/>
-          <a:lstStyle/>
-          <a:p>
-            <a:pPr rtl="0"/>
-            <a:fld id="{294A09A9-5501-47C1-A89A-A340965A2BE2}" type="slidenum">
-              <a:rPr lang="en-GB" smtClean="0"/>
-              <a:pPr rtl="0"/>
-              <a:t>20</a:t>
-            </a:fld>
-            <a:endParaRPr lang="en-GB"/>
-          </a:p>
-        </p:txBody>
-      </p:sp>
-    </p:spTree>
-    <p:extLst>
-      <p:ext uri="{BB962C8B-B14F-4D97-AF65-F5344CB8AC3E}">
-        <p14:creationId xmlns:p14="http://schemas.microsoft.com/office/powerpoint/2010/main" val="2639983765"/>
-      </p:ext>
-    </p:extLst>
-  </p:cSld>
-  <p:clrMapOvr>
-    <a:masterClrMapping/>
-  </p:clrMapOvr>
-</p:sld>
-</file>
-
-<file path=ppt/slides/slide21.xml><?xml version="1.0" encoding="utf-8"?>
-<p:sld xmlns:a="http://schemas.openxmlformats.org/drawingml/2006/main" xmlns:r="http://schemas.openxmlformats.org/officeDocument/2006/relationships" xmlns:p="http://schemas.openxmlformats.org/presentationml/2006/main">
-  <p:cSld>
-    <p:spTree>
-      <p:nvGrpSpPr>
-        <p:cNvPr id="1" name=""/>
-        <p:cNvGrpSpPr/>
-        <p:nvPr/>
-      </p:nvGrpSpPr>
-      <p:grpSpPr>
-        <a:xfrm>
-          <a:off x="0" y="0"/>
-          <a:ext cx="0" cy="0"/>
-          <a:chOff x="0" y="0"/>
-          <a:chExt cx="0" cy="0"/>
-        </a:xfrm>
-      </p:grpSpPr>
-      <p:sp>
-        <p:nvSpPr>
-          <p:cNvPr id="2" name="Title 1">
-            <a:extLst>
-              <a:ext uri="{FF2B5EF4-FFF2-40B4-BE49-F238E27FC236}">
-                <a16:creationId xmlns:a16="http://schemas.microsoft.com/office/drawing/2014/main" id="{27A6F7BB-30A8-4980-AD4A-2FB0B53FA6C9}"/>
-              </a:ext>
-            </a:extLst>
-          </p:cNvPr>
-          <p:cNvSpPr>
-            <a:spLocks noGrp="1"/>
-          </p:cNvSpPr>
-          <p:nvPr>
-            <p:ph type="title"/>
-          </p:nvPr>
-        </p:nvSpPr>
-        <p:spPr>
-          <a:xfrm>
-            <a:off x="750430" y="381000"/>
-            <a:ext cx="8401624" cy="1325563"/>
-          </a:xfrm>
-        </p:spPr>
-        <p:txBody>
-          <a:bodyPr rtlCol="0"/>
-          <a:lstStyle/>
-          <a:p>
-            <a:pPr rtl="0"/>
-            <a:r>
-              <a:rPr lang="en-GB"/>
-              <a:t>Meet our team</a:t>
-            </a:r>
-          </a:p>
-        </p:txBody>
-      </p:sp>
-      <p:pic>
-        <p:nvPicPr>
-          <p:cNvPr id="42" name="Picture Placeholder 15" descr="Team member headshot">
-            <a:extLst>
-              <a:ext uri="{FF2B5EF4-FFF2-40B4-BE49-F238E27FC236}">
-                <a16:creationId xmlns:a16="http://schemas.microsoft.com/office/drawing/2014/main" id="{8BDB1906-FF07-4447-9C68-585F54C5EED2}"/>
-              </a:ext>
-            </a:extLst>
-          </p:cNvPr>
-          <p:cNvPicPr>
-            <a:picLocks noGrp="1" noChangeAspect="1"/>
-          </p:cNvPicPr>
-          <p:nvPr>
-            <p:ph type="pic" sz="quarter" idx="13"/>
-          </p:nvPr>
-        </p:nvPicPr>
-        <p:blipFill rotWithShape="1">
-          <a:blip r:embed="rId3">
-            <a:extLst>
-              <a:ext uri="{28A0092B-C50C-407E-A947-70E740481C1C}">
-                <a14:useLocalDpi xmlns:a14="http://schemas.microsoft.com/office/drawing/2010/main" val="0"/>
-              </a:ext>
-            </a:extLst>
-          </a:blip>
-          <a:srcRect/>
-          <a:stretch/>
-        </p:blipFill>
-        <p:spPr>
-          <a:xfrm>
-            <a:off x="750429" y="2227758"/>
-            <a:ext cx="1200374" cy="1201242"/>
-          </a:xfrm>
-        </p:spPr>
-      </p:pic>
-      <p:sp>
-        <p:nvSpPr>
-          <p:cNvPr id="34" name="Text Placeholder 33">
-            <a:extLst>
-              <a:ext uri="{FF2B5EF4-FFF2-40B4-BE49-F238E27FC236}">
-                <a16:creationId xmlns:a16="http://schemas.microsoft.com/office/drawing/2014/main" id="{C1C92E27-D550-F44E-8491-927F819E72B8}"/>
-              </a:ext>
-            </a:extLst>
-          </p:cNvPr>
-          <p:cNvSpPr>
-            <a:spLocks noGrp="1"/>
-          </p:cNvSpPr>
-          <p:nvPr>
-            <p:ph type="body" sz="quarter" idx="17"/>
-          </p:nvPr>
-        </p:nvSpPr>
-        <p:spPr>
-          <a:xfrm>
-            <a:off x="2123351" y="2426400"/>
-            <a:ext cx="2281237" cy="347662"/>
-          </a:xfrm>
-        </p:spPr>
-        <p:txBody>
-          <a:bodyPr rtlCol="0"/>
-          <a:lstStyle/>
-          <a:p>
-            <a:pPr rtl="0"/>
-            <a:r>
-              <a:rPr lang="en-GB"/>
-              <a:t>Takuma Hayashi</a:t>
-            </a:r>
-          </a:p>
-        </p:txBody>
-      </p:sp>
-      <p:sp>
-        <p:nvSpPr>
-          <p:cNvPr id="35" name="Text Placeholder 34">
-            <a:extLst>
-              <a:ext uri="{FF2B5EF4-FFF2-40B4-BE49-F238E27FC236}">
-                <a16:creationId xmlns:a16="http://schemas.microsoft.com/office/drawing/2014/main" id="{7D722C50-45F7-D84B-B216-568F72D66349}"/>
-              </a:ext>
-            </a:extLst>
-          </p:cNvPr>
-          <p:cNvSpPr>
-            <a:spLocks noGrp="1"/>
-          </p:cNvSpPr>
-          <p:nvPr>
-            <p:ph type="body" sz="quarter" idx="18"/>
-          </p:nvPr>
-        </p:nvSpPr>
-        <p:spPr>
-          <a:xfrm>
-            <a:off x="2123350" y="2811646"/>
-            <a:ext cx="2281237" cy="347662"/>
-          </a:xfrm>
-        </p:spPr>
-        <p:txBody>
-          <a:bodyPr rtlCol="0"/>
-          <a:lstStyle/>
-          <a:p>
-            <a:pPr rtl="0"/>
-            <a:r>
-              <a:rPr lang="en-GB"/>
-              <a:t>President</a:t>
-            </a:r>
-          </a:p>
-        </p:txBody>
-      </p:sp>
-      <p:pic>
-        <p:nvPicPr>
-          <p:cNvPr id="43" name="Picture Placeholder 17" descr="Team member headshot">
-            <a:extLst>
-              <a:ext uri="{FF2B5EF4-FFF2-40B4-BE49-F238E27FC236}">
-                <a16:creationId xmlns:a16="http://schemas.microsoft.com/office/drawing/2014/main" id="{A82F6AEE-FCBF-0245-BB71-E76973B3A97D}"/>
-              </a:ext>
-            </a:extLst>
-          </p:cNvPr>
-          <p:cNvPicPr>
-            <a:picLocks noGrp="1" noChangeAspect="1"/>
-          </p:cNvPicPr>
-          <p:nvPr>
-            <p:ph type="pic" sz="quarter" idx="14"/>
-          </p:nvPr>
-        </p:nvPicPr>
-        <p:blipFill rotWithShape="1">
-          <a:blip r:embed="rId4">
-            <a:extLst>
-              <a:ext uri="{28A0092B-C50C-407E-A947-70E740481C1C}">
-                <a14:useLocalDpi xmlns:a14="http://schemas.microsoft.com/office/drawing/2010/main" val="0"/>
-              </a:ext>
-            </a:extLst>
-          </a:blip>
-          <a:srcRect/>
-          <a:stretch/>
-        </p:blipFill>
-        <p:spPr>
-          <a:xfrm>
-            <a:off x="5495813" y="2227758"/>
-            <a:ext cx="1200374" cy="1201242"/>
-          </a:xfrm>
-        </p:spPr>
-      </p:pic>
-      <p:sp>
-        <p:nvSpPr>
-          <p:cNvPr id="36" name="Text Placeholder 35">
-            <a:extLst>
-              <a:ext uri="{FF2B5EF4-FFF2-40B4-BE49-F238E27FC236}">
-                <a16:creationId xmlns:a16="http://schemas.microsoft.com/office/drawing/2014/main" id="{176187A9-3EBE-F64D-AE99-021BB3767F90}"/>
-              </a:ext>
-            </a:extLst>
-          </p:cNvPr>
-          <p:cNvSpPr>
-            <a:spLocks noGrp="1"/>
-          </p:cNvSpPr>
-          <p:nvPr>
-            <p:ph type="body" sz="quarter" idx="19"/>
-          </p:nvPr>
-        </p:nvSpPr>
-        <p:spPr>
-          <a:xfrm>
-            <a:off x="6870817" y="2422565"/>
-            <a:ext cx="2281237" cy="347662"/>
-          </a:xfrm>
-        </p:spPr>
-        <p:txBody>
-          <a:bodyPr rtlCol="0"/>
-          <a:lstStyle/>
-          <a:p>
-            <a:pPr rtl="0"/>
-            <a:r>
-              <a:rPr lang="en-GB"/>
-              <a:t>Mirjam Nilsson</a:t>
-            </a:r>
-          </a:p>
-        </p:txBody>
-      </p:sp>
-      <p:sp>
-        <p:nvSpPr>
-          <p:cNvPr id="37" name="Text Placeholder 36">
-            <a:extLst>
-              <a:ext uri="{FF2B5EF4-FFF2-40B4-BE49-F238E27FC236}">
-                <a16:creationId xmlns:a16="http://schemas.microsoft.com/office/drawing/2014/main" id="{7990731F-95DE-4F44-8EA0-E275CEAFD8A2}"/>
-              </a:ext>
-            </a:extLst>
-          </p:cNvPr>
-          <p:cNvSpPr>
-            <a:spLocks noGrp="1"/>
-          </p:cNvSpPr>
-          <p:nvPr>
-            <p:ph type="body" sz="quarter" idx="20"/>
-          </p:nvPr>
-        </p:nvSpPr>
-        <p:spPr>
-          <a:xfrm>
-            <a:off x="6870816" y="2807811"/>
-            <a:ext cx="2281237" cy="347662"/>
-          </a:xfrm>
-        </p:spPr>
-        <p:txBody>
-          <a:bodyPr rtlCol="0"/>
-          <a:lstStyle/>
-          <a:p>
-            <a:pPr rtl="0"/>
-            <a:r>
-              <a:rPr lang="en-GB"/>
-              <a:t>Chief Executive Officer</a:t>
-            </a:r>
-          </a:p>
-        </p:txBody>
-      </p:sp>
-      <p:pic>
-        <p:nvPicPr>
-          <p:cNvPr id="44" name="Picture Placeholder 19" descr="Team member headshot">
-            <a:extLst>
-              <a:ext uri="{FF2B5EF4-FFF2-40B4-BE49-F238E27FC236}">
-                <a16:creationId xmlns:a16="http://schemas.microsoft.com/office/drawing/2014/main" id="{C99B7845-619A-9F40-A5C3-4C122626044D}"/>
-              </a:ext>
-            </a:extLst>
-          </p:cNvPr>
-          <p:cNvPicPr>
-            <a:picLocks noGrp="1" noChangeAspect="1"/>
-          </p:cNvPicPr>
-          <p:nvPr>
-            <p:ph type="pic" sz="quarter" idx="15"/>
-          </p:nvPr>
-        </p:nvPicPr>
-        <p:blipFill rotWithShape="1">
-          <a:blip r:embed="rId5">
-            <a:extLst>
-              <a:ext uri="{28A0092B-C50C-407E-A947-70E740481C1C}">
-                <a14:useLocalDpi xmlns:a14="http://schemas.microsoft.com/office/drawing/2010/main" val="0"/>
-              </a:ext>
-            </a:extLst>
-          </a:blip>
-          <a:srcRect/>
-          <a:stretch/>
-        </p:blipFill>
-        <p:spPr>
-          <a:xfrm>
-            <a:off x="750429" y="4254273"/>
-            <a:ext cx="1200374" cy="1201242"/>
-          </a:xfrm>
-        </p:spPr>
-      </p:pic>
-      <p:sp>
-        <p:nvSpPr>
-          <p:cNvPr id="38" name="Text Placeholder 37">
-            <a:extLst>
-              <a:ext uri="{FF2B5EF4-FFF2-40B4-BE49-F238E27FC236}">
-                <a16:creationId xmlns:a16="http://schemas.microsoft.com/office/drawing/2014/main" id="{5B19EE51-628F-CA4E-94B0-57E9ACA1446A}"/>
-              </a:ext>
-            </a:extLst>
-          </p:cNvPr>
-          <p:cNvSpPr>
-            <a:spLocks noGrp="1"/>
-          </p:cNvSpPr>
-          <p:nvPr>
-            <p:ph type="body" sz="quarter" idx="21"/>
-          </p:nvPr>
-        </p:nvSpPr>
-        <p:spPr>
-          <a:xfrm>
-            <a:off x="2123351" y="4498793"/>
-            <a:ext cx="2281237" cy="347662"/>
-          </a:xfrm>
-        </p:spPr>
-        <p:txBody>
-          <a:bodyPr rtlCol="0"/>
-          <a:lstStyle/>
-          <a:p>
-            <a:pPr rtl="0"/>
-            <a:r>
-              <a:rPr lang="en-GB"/>
-              <a:t>Flora Berggren</a:t>
-            </a:r>
-          </a:p>
-        </p:txBody>
-      </p:sp>
-      <p:sp>
-        <p:nvSpPr>
-          <p:cNvPr id="39" name="Text Placeholder 38">
-            <a:extLst>
-              <a:ext uri="{FF2B5EF4-FFF2-40B4-BE49-F238E27FC236}">
-                <a16:creationId xmlns:a16="http://schemas.microsoft.com/office/drawing/2014/main" id="{2A6ACC78-74DF-604E-BD14-4BBE7B4EEF5B}"/>
-              </a:ext>
-            </a:extLst>
-          </p:cNvPr>
-          <p:cNvSpPr>
-            <a:spLocks noGrp="1"/>
-          </p:cNvSpPr>
-          <p:nvPr>
-            <p:ph type="body" sz="quarter" idx="22"/>
-          </p:nvPr>
-        </p:nvSpPr>
-        <p:spPr>
-          <a:xfrm>
-            <a:off x="2123350" y="4884039"/>
-            <a:ext cx="2281237" cy="347662"/>
-          </a:xfrm>
-        </p:spPr>
-        <p:txBody>
-          <a:bodyPr rtlCol="0"/>
-          <a:lstStyle/>
-          <a:p>
-            <a:pPr rtl="0"/>
-            <a:r>
-              <a:rPr lang="en-GB"/>
-              <a:t>Chief Operation Officer</a:t>
-            </a:r>
-          </a:p>
-        </p:txBody>
-      </p:sp>
-      <p:pic>
-        <p:nvPicPr>
-          <p:cNvPr id="45" name="Picture Placeholder 21" descr="Team member headshot">
-            <a:extLst>
-              <a:ext uri="{FF2B5EF4-FFF2-40B4-BE49-F238E27FC236}">
-                <a16:creationId xmlns:a16="http://schemas.microsoft.com/office/drawing/2014/main" id="{647F7FB2-8714-6449-A700-2E1B81F9DFB7}"/>
-              </a:ext>
-            </a:extLst>
-          </p:cNvPr>
-          <p:cNvPicPr>
-            <a:picLocks noGrp="1" noChangeAspect="1"/>
-          </p:cNvPicPr>
-          <p:nvPr>
-            <p:ph type="pic" sz="quarter" idx="16"/>
-          </p:nvPr>
-        </p:nvPicPr>
-        <p:blipFill rotWithShape="1">
-          <a:blip r:embed="rId6">
-            <a:extLst>
-              <a:ext uri="{28A0092B-C50C-407E-A947-70E740481C1C}">
-                <a14:useLocalDpi xmlns:a14="http://schemas.microsoft.com/office/drawing/2010/main" val="0"/>
-              </a:ext>
-            </a:extLst>
-          </a:blip>
-          <a:srcRect/>
-          <a:stretch/>
-        </p:blipFill>
-        <p:spPr>
-          <a:xfrm>
-            <a:off x="5495813" y="4254273"/>
-            <a:ext cx="1200374" cy="1201242"/>
-          </a:xfrm>
-        </p:spPr>
-      </p:pic>
-      <p:sp>
-        <p:nvSpPr>
-          <p:cNvPr id="40" name="Text Placeholder 39">
-            <a:extLst>
-              <a:ext uri="{FF2B5EF4-FFF2-40B4-BE49-F238E27FC236}">
-                <a16:creationId xmlns:a16="http://schemas.microsoft.com/office/drawing/2014/main" id="{9DC429C0-1DEB-1F4F-AE66-C503B31B7B48}"/>
-              </a:ext>
-            </a:extLst>
-          </p:cNvPr>
-          <p:cNvSpPr>
-            <a:spLocks noGrp="1"/>
-          </p:cNvSpPr>
-          <p:nvPr>
-            <p:ph type="body" sz="quarter" idx="23"/>
-          </p:nvPr>
-        </p:nvSpPr>
-        <p:spPr>
-          <a:xfrm>
-            <a:off x="6870817" y="4498793"/>
-            <a:ext cx="2281237" cy="347662"/>
-          </a:xfrm>
-        </p:spPr>
-        <p:txBody>
-          <a:bodyPr rtlCol="0"/>
-          <a:lstStyle/>
-          <a:p>
-            <a:pPr rtl="0"/>
-            <a:r>
-              <a:rPr lang="en-GB"/>
-              <a:t>Rajesh Santoshi</a:t>
-            </a:r>
-          </a:p>
-        </p:txBody>
-      </p:sp>
-      <p:sp>
-        <p:nvSpPr>
-          <p:cNvPr id="41" name="Text Placeholder 40">
-            <a:extLst>
-              <a:ext uri="{FF2B5EF4-FFF2-40B4-BE49-F238E27FC236}">
-                <a16:creationId xmlns:a16="http://schemas.microsoft.com/office/drawing/2014/main" id="{31C0CCD4-2502-A14F-B520-7B57524EDF8E}"/>
-              </a:ext>
-            </a:extLst>
-          </p:cNvPr>
-          <p:cNvSpPr>
-            <a:spLocks noGrp="1"/>
-          </p:cNvSpPr>
-          <p:nvPr>
-            <p:ph type="body" sz="quarter" idx="24"/>
-          </p:nvPr>
-        </p:nvSpPr>
-        <p:spPr>
-          <a:xfrm>
-            <a:off x="6870816" y="4884039"/>
-            <a:ext cx="2281237" cy="347662"/>
-          </a:xfrm>
-        </p:spPr>
-        <p:txBody>
-          <a:bodyPr rtlCol="0"/>
-          <a:lstStyle/>
-          <a:p>
-            <a:pPr rtl="0"/>
-            <a:r>
-              <a:rPr lang="en-GB"/>
-              <a:t>VP Marketing</a:t>
-            </a:r>
-          </a:p>
-        </p:txBody>
-      </p:sp>
-      <p:sp>
-        <p:nvSpPr>
-          <p:cNvPr id="3" name="Date Placeholder 2">
-            <a:extLst>
-              <a:ext uri="{FF2B5EF4-FFF2-40B4-BE49-F238E27FC236}">
-                <a16:creationId xmlns:a16="http://schemas.microsoft.com/office/drawing/2014/main" id="{7517F12A-7304-B447-BEB8-A99EA8009F15}"/>
-              </a:ext>
-            </a:extLst>
-          </p:cNvPr>
-          <p:cNvSpPr>
-            <a:spLocks noGrp="1"/>
-          </p:cNvSpPr>
-          <p:nvPr>
-            <p:ph type="dt" sz="half" idx="10"/>
-          </p:nvPr>
-        </p:nvSpPr>
-        <p:spPr>
-          <a:xfrm>
-            <a:off x="381000" y="6356350"/>
-            <a:ext cx="1569803" cy="365125"/>
-          </a:xfrm>
-        </p:spPr>
-        <p:txBody>
-          <a:bodyPr rtlCol="0"/>
-          <a:lstStyle/>
-          <a:p>
-            <a:pPr rtl="0"/>
-            <a:fld id="{C79CA303-3B93-4FF6-A073-DB2E8CFB9DE6}" type="datetime1">
-              <a:rPr lang="en-US" smtClean="0"/>
-              <a:t>4/12/2024</a:t>
-            </a:fld>
-            <a:endParaRPr lang="en-GB"/>
-          </a:p>
-        </p:txBody>
-      </p:sp>
-      <p:sp>
-        <p:nvSpPr>
-          <p:cNvPr id="4" name="Footer Placeholder 3">
-            <a:extLst>
-              <a:ext uri="{FF2B5EF4-FFF2-40B4-BE49-F238E27FC236}">
-                <a16:creationId xmlns:a16="http://schemas.microsoft.com/office/drawing/2014/main" id="{BCF90246-DFB2-A340-AADC-E85D28C31B3E}"/>
-              </a:ext>
-            </a:extLst>
-          </p:cNvPr>
-          <p:cNvSpPr>
-            <a:spLocks noGrp="1"/>
-          </p:cNvSpPr>
-          <p:nvPr>
-            <p:ph type="ftr" sz="quarter" idx="11"/>
-          </p:nvPr>
-        </p:nvSpPr>
-        <p:spPr>
-          <a:xfrm>
-            <a:off x="2871106" y="6356350"/>
-            <a:ext cx="4114800" cy="365125"/>
-          </a:xfrm>
-        </p:spPr>
-        <p:txBody>
-          <a:bodyPr rtlCol="0"/>
-          <a:lstStyle/>
-          <a:p>
-            <a:pPr rtl="0"/>
-            <a:r>
-              <a:rPr lang="en-GB"/>
-              <a:t>Fault-tolerant dataflow platform</a:t>
-            </a:r>
-          </a:p>
-        </p:txBody>
-      </p:sp>
-      <p:sp>
-        <p:nvSpPr>
-          <p:cNvPr id="5" name="Slide Number Placeholder 4">
-            <a:extLst>
-              <a:ext uri="{FF2B5EF4-FFF2-40B4-BE49-F238E27FC236}">
-                <a16:creationId xmlns:a16="http://schemas.microsoft.com/office/drawing/2014/main" id="{987CCF58-9B83-4A4F-8CA9-3D9C9BB7A287}"/>
-              </a:ext>
-            </a:extLst>
-          </p:cNvPr>
-          <p:cNvSpPr>
-            <a:spLocks noGrp="1"/>
-          </p:cNvSpPr>
-          <p:nvPr>
-            <p:ph type="sldNum" sz="quarter" idx="12"/>
-          </p:nvPr>
-        </p:nvSpPr>
-        <p:spPr>
-          <a:xfrm>
-            <a:off x="8332334" y="6356350"/>
-            <a:ext cx="1167495" cy="365125"/>
-          </a:xfrm>
-        </p:spPr>
-        <p:txBody>
-          <a:bodyPr rtlCol="0"/>
-          <a:lstStyle/>
-          <a:p>
-            <a:pPr rtl="0"/>
-            <a:fld id="{294A09A9-5501-47C1-A89A-A340965A2BE2}" type="slidenum">
-              <a:rPr lang="en-GB" smtClean="0"/>
-              <a:pPr rtl="0"/>
-              <a:t>21</a:t>
-            </a:fld>
-            <a:endParaRPr lang="en-GB"/>
-          </a:p>
-        </p:txBody>
-      </p:sp>
-    </p:spTree>
-    <p:extLst>
-      <p:ext uri="{BB962C8B-B14F-4D97-AF65-F5344CB8AC3E}">
-        <p14:creationId xmlns:p14="http://schemas.microsoft.com/office/powerpoint/2010/main" val="3335690284"/>
-      </p:ext>
-    </p:extLst>
-  </p:cSld>
-  <p:clrMapOvr>
-    <a:masterClrMapping/>
-  </p:clrMapOvr>
-</p:sld>
-</file>
-
-<file path=ppt/slides/slide22.xml><?xml version="1.0" encoding="utf-8"?>
-<p:sld xmlns:a="http://schemas.openxmlformats.org/drawingml/2006/main" xmlns:r="http://schemas.openxmlformats.org/officeDocument/2006/relationships" xmlns:p="http://schemas.openxmlformats.org/presentationml/2006/main">
-  <p:cSld>
-    <p:spTree>
-      <p:nvGrpSpPr>
-        <p:cNvPr id="1" name=""/>
-        <p:cNvGrpSpPr/>
-        <p:nvPr/>
-      </p:nvGrpSpPr>
-      <p:grpSpPr>
-        <a:xfrm>
-          <a:off x="0" y="0"/>
-          <a:ext cx="0" cy="0"/>
-          <a:chOff x="0" y="0"/>
-          <a:chExt cx="0" cy="0"/>
-        </a:xfrm>
-      </p:grpSpPr>
-      <p:sp>
-        <p:nvSpPr>
-          <p:cNvPr id="2" name="Title 1">
-            <a:extLst>
-              <a:ext uri="{FF2B5EF4-FFF2-40B4-BE49-F238E27FC236}">
-                <a16:creationId xmlns:a16="http://schemas.microsoft.com/office/drawing/2014/main" id="{27A6F7BB-30A8-4980-AD4A-2FB0B53FA6C9}"/>
-              </a:ext>
-            </a:extLst>
-          </p:cNvPr>
-          <p:cNvSpPr>
-            <a:spLocks noGrp="1"/>
-          </p:cNvSpPr>
-          <p:nvPr>
-            <p:ph type="title"/>
-          </p:nvPr>
-        </p:nvSpPr>
-        <p:spPr>
-          <a:xfrm>
-            <a:off x="750430" y="381000"/>
-            <a:ext cx="10678142" cy="1325563"/>
-          </a:xfrm>
-        </p:spPr>
-        <p:txBody>
-          <a:bodyPr rtlCol="0"/>
-          <a:lstStyle/>
-          <a:p>
-            <a:pPr rtl="0"/>
-            <a:r>
-              <a:rPr lang="en-GB"/>
-              <a:t>The full team</a:t>
-            </a:r>
-          </a:p>
-        </p:txBody>
-      </p:sp>
-      <p:pic>
-        <p:nvPicPr>
-          <p:cNvPr id="61" name="Picture Placeholder 21" descr="Team member headshot">
-            <a:extLst>
-              <a:ext uri="{FF2B5EF4-FFF2-40B4-BE49-F238E27FC236}">
-                <a16:creationId xmlns:a16="http://schemas.microsoft.com/office/drawing/2014/main" id="{E64AEA23-99EE-8546-A59A-590923ADA6CA}"/>
-              </a:ext>
-            </a:extLst>
-          </p:cNvPr>
-          <p:cNvPicPr>
-            <a:picLocks noGrp="1" noChangeAspect="1"/>
-          </p:cNvPicPr>
-          <p:nvPr>
-            <p:ph type="pic" sz="quarter" idx="13"/>
-          </p:nvPr>
-        </p:nvPicPr>
-        <p:blipFill rotWithShape="1">
-          <a:blip r:embed="rId3">
-            <a:extLst>
-              <a:ext uri="{28A0092B-C50C-407E-A947-70E740481C1C}">
-                <a14:useLocalDpi xmlns:a14="http://schemas.microsoft.com/office/drawing/2010/main" val="0"/>
-              </a:ext>
-            </a:extLst>
-          </a:blip>
-          <a:srcRect/>
-          <a:stretch/>
-        </p:blipFill>
-        <p:spPr>
-          <a:xfrm>
-            <a:off x="750429" y="2068734"/>
-            <a:ext cx="904987" cy="905641"/>
-          </a:xfrm>
-        </p:spPr>
-      </p:pic>
-      <p:sp>
-        <p:nvSpPr>
-          <p:cNvPr id="7" name="Text Placeholder 6">
-            <a:extLst>
-              <a:ext uri="{FF2B5EF4-FFF2-40B4-BE49-F238E27FC236}">
-                <a16:creationId xmlns:a16="http://schemas.microsoft.com/office/drawing/2014/main" id="{ACC180CB-0C9D-0441-A2D3-F4EDC5DB9741}"/>
-              </a:ext>
-            </a:extLst>
-          </p:cNvPr>
-          <p:cNvSpPr>
-            <a:spLocks noGrp="1"/>
-          </p:cNvSpPr>
-          <p:nvPr>
-            <p:ph type="body" sz="quarter" idx="17"/>
-          </p:nvPr>
-        </p:nvSpPr>
-        <p:spPr>
-          <a:xfrm>
-            <a:off x="750430" y="2994545"/>
-            <a:ext cx="2281237" cy="347662"/>
-          </a:xfrm>
-        </p:spPr>
-        <p:txBody>
-          <a:bodyPr rtlCol="0"/>
-          <a:lstStyle/>
-          <a:p>
-            <a:pPr rtl="0"/>
-            <a:r>
-              <a:rPr lang="en-GB"/>
-              <a:t>Takuma Hayashi</a:t>
-            </a:r>
-          </a:p>
-        </p:txBody>
-      </p:sp>
-      <p:sp>
-        <p:nvSpPr>
-          <p:cNvPr id="8" name="Text Placeholder 7">
-            <a:extLst>
-              <a:ext uri="{FF2B5EF4-FFF2-40B4-BE49-F238E27FC236}">
-                <a16:creationId xmlns:a16="http://schemas.microsoft.com/office/drawing/2014/main" id="{44627161-B78C-7646-8E85-99BD47FE64E0}"/>
-              </a:ext>
-            </a:extLst>
-          </p:cNvPr>
-          <p:cNvSpPr>
-            <a:spLocks noGrp="1"/>
-          </p:cNvSpPr>
-          <p:nvPr>
-            <p:ph type="body" sz="quarter" idx="18"/>
-          </p:nvPr>
-        </p:nvSpPr>
-        <p:spPr>
-          <a:xfrm>
-            <a:off x="750429" y="3379791"/>
-            <a:ext cx="2281237" cy="347662"/>
-          </a:xfrm>
-        </p:spPr>
-        <p:txBody>
-          <a:bodyPr rtlCol="0"/>
-          <a:lstStyle/>
-          <a:p>
-            <a:pPr rtl="0"/>
-            <a:r>
-              <a:rPr lang="en-GB"/>
-              <a:t>President</a:t>
-            </a:r>
-          </a:p>
-        </p:txBody>
-      </p:sp>
-      <p:pic>
-        <p:nvPicPr>
-          <p:cNvPr id="62" name="Picture Placeholder 50" descr="Team member headshot">
-            <a:extLst>
-              <a:ext uri="{FF2B5EF4-FFF2-40B4-BE49-F238E27FC236}">
-                <a16:creationId xmlns:a16="http://schemas.microsoft.com/office/drawing/2014/main" id="{C17F05A5-CE13-1545-943B-E3644258662F}"/>
-              </a:ext>
-            </a:extLst>
-          </p:cNvPr>
-          <p:cNvPicPr>
-            <a:picLocks noGrp="1" noChangeAspect="1"/>
-          </p:cNvPicPr>
-          <p:nvPr>
-            <p:ph type="pic" sz="quarter" idx="28"/>
-          </p:nvPr>
-        </p:nvPicPr>
-        <p:blipFill rotWithShape="1">
-          <a:blip r:embed="rId4">
-            <a:extLst>
-              <a:ext uri="{28A0092B-C50C-407E-A947-70E740481C1C}">
-                <a14:useLocalDpi xmlns:a14="http://schemas.microsoft.com/office/drawing/2010/main" val="0"/>
-              </a:ext>
-            </a:extLst>
-          </a:blip>
-          <a:srcRect/>
-          <a:stretch/>
-        </p:blipFill>
-        <p:spPr>
-          <a:xfrm>
-            <a:off x="3549397" y="2068734"/>
-            <a:ext cx="904987" cy="905641"/>
-          </a:xfrm>
-        </p:spPr>
-      </p:pic>
-      <p:sp>
-        <p:nvSpPr>
-          <p:cNvPr id="12" name="Text Placeholder 11">
-            <a:extLst>
-              <a:ext uri="{FF2B5EF4-FFF2-40B4-BE49-F238E27FC236}">
-                <a16:creationId xmlns:a16="http://schemas.microsoft.com/office/drawing/2014/main" id="{E88BDBE3-DBB3-9040-95AC-86789B700450}"/>
-              </a:ext>
-            </a:extLst>
-          </p:cNvPr>
-          <p:cNvSpPr>
-            <a:spLocks noGrp="1"/>
-          </p:cNvSpPr>
-          <p:nvPr>
-            <p:ph type="body" sz="quarter" idx="29"/>
-          </p:nvPr>
-        </p:nvSpPr>
-        <p:spPr>
-          <a:xfrm>
-            <a:off x="3549398" y="2994545"/>
-            <a:ext cx="2281237" cy="347662"/>
-          </a:xfrm>
-        </p:spPr>
-        <p:txBody>
-          <a:bodyPr rtlCol="0"/>
-          <a:lstStyle/>
-          <a:p>
-            <a:pPr rtl="0"/>
-            <a:r>
-              <a:rPr lang="en-GB"/>
-              <a:t>Mirjam Nilsson</a:t>
-            </a:r>
-          </a:p>
-        </p:txBody>
-      </p:sp>
-      <p:sp>
-        <p:nvSpPr>
-          <p:cNvPr id="13" name="Text Placeholder 12">
-            <a:extLst>
-              <a:ext uri="{FF2B5EF4-FFF2-40B4-BE49-F238E27FC236}">
-                <a16:creationId xmlns:a16="http://schemas.microsoft.com/office/drawing/2014/main" id="{D0969AD2-8004-9B40-90B0-0EBD95268B5A}"/>
-              </a:ext>
-            </a:extLst>
-          </p:cNvPr>
-          <p:cNvSpPr>
-            <a:spLocks noGrp="1"/>
-          </p:cNvSpPr>
-          <p:nvPr>
-            <p:ph type="body" sz="quarter" idx="30"/>
-          </p:nvPr>
-        </p:nvSpPr>
-        <p:spPr>
-          <a:xfrm>
-            <a:off x="3549397" y="3379791"/>
-            <a:ext cx="2281237" cy="347662"/>
-          </a:xfrm>
-        </p:spPr>
-        <p:txBody>
-          <a:bodyPr rtlCol="0"/>
-          <a:lstStyle/>
-          <a:p>
-            <a:pPr rtl="0"/>
-            <a:r>
-              <a:rPr lang="en-GB"/>
-              <a:t>Chief Executive Officer</a:t>
-            </a:r>
-          </a:p>
-        </p:txBody>
-      </p:sp>
-      <p:pic>
-        <p:nvPicPr>
-          <p:cNvPr id="63" name="Picture Placeholder 17" descr="Team member headshot">
-            <a:extLst>
-              <a:ext uri="{FF2B5EF4-FFF2-40B4-BE49-F238E27FC236}">
-                <a16:creationId xmlns:a16="http://schemas.microsoft.com/office/drawing/2014/main" id="{F3C0B2AF-2268-AE4E-BACC-9FF64E86564C}"/>
-              </a:ext>
-            </a:extLst>
-          </p:cNvPr>
-          <p:cNvPicPr>
-            <a:picLocks noGrp="1" noChangeAspect="1"/>
-          </p:cNvPicPr>
-          <p:nvPr>
-            <p:ph type="pic" sz="quarter" idx="31"/>
-          </p:nvPr>
-        </p:nvPicPr>
-        <p:blipFill rotWithShape="1">
-          <a:blip r:embed="rId5">
-            <a:extLst>
-              <a:ext uri="{28A0092B-C50C-407E-A947-70E740481C1C}">
-                <a14:useLocalDpi xmlns:a14="http://schemas.microsoft.com/office/drawing/2010/main" val="0"/>
-              </a:ext>
-            </a:extLst>
-          </a:blip>
-          <a:srcRect/>
-          <a:stretch/>
-        </p:blipFill>
-        <p:spPr>
-          <a:xfrm>
-            <a:off x="6348367" y="2068734"/>
-            <a:ext cx="904987" cy="905641"/>
-          </a:xfrm>
-        </p:spPr>
-      </p:pic>
-      <p:sp>
-        <p:nvSpPr>
-          <p:cNvPr id="15" name="Text Placeholder 14">
-            <a:extLst>
-              <a:ext uri="{FF2B5EF4-FFF2-40B4-BE49-F238E27FC236}">
-                <a16:creationId xmlns:a16="http://schemas.microsoft.com/office/drawing/2014/main" id="{02C30DA5-B4D3-C343-8FEC-D62948BDA920}"/>
-              </a:ext>
-            </a:extLst>
-          </p:cNvPr>
-          <p:cNvSpPr>
-            <a:spLocks noGrp="1"/>
-          </p:cNvSpPr>
-          <p:nvPr>
-            <p:ph type="body" sz="quarter" idx="32"/>
-          </p:nvPr>
-        </p:nvSpPr>
-        <p:spPr>
-          <a:xfrm>
-            <a:off x="6348368" y="2994545"/>
-            <a:ext cx="2281237" cy="347662"/>
-          </a:xfrm>
-        </p:spPr>
-        <p:txBody>
-          <a:bodyPr rtlCol="0"/>
-          <a:lstStyle/>
-          <a:p>
-            <a:pPr rtl="0"/>
-            <a:r>
-              <a:rPr lang="en-GB"/>
-              <a:t>Flora Berggren</a:t>
-            </a:r>
-          </a:p>
-        </p:txBody>
-      </p:sp>
-      <p:sp>
-        <p:nvSpPr>
-          <p:cNvPr id="16" name="Text Placeholder 15">
-            <a:extLst>
-              <a:ext uri="{FF2B5EF4-FFF2-40B4-BE49-F238E27FC236}">
-                <a16:creationId xmlns:a16="http://schemas.microsoft.com/office/drawing/2014/main" id="{CD202676-78EE-3240-950B-84A1520E27EE}"/>
-              </a:ext>
-            </a:extLst>
-          </p:cNvPr>
-          <p:cNvSpPr>
-            <a:spLocks noGrp="1"/>
-          </p:cNvSpPr>
-          <p:nvPr>
-            <p:ph type="body" sz="quarter" idx="33"/>
-          </p:nvPr>
-        </p:nvSpPr>
-        <p:spPr>
-          <a:xfrm>
-            <a:off x="6348367" y="3379791"/>
-            <a:ext cx="2281237" cy="347662"/>
-          </a:xfrm>
-        </p:spPr>
-        <p:txBody>
-          <a:bodyPr rtlCol="0"/>
-          <a:lstStyle/>
-          <a:p>
-            <a:pPr rtl="0"/>
-            <a:r>
-              <a:rPr lang="en-GB"/>
-              <a:t>Chief Operations Manager</a:t>
-            </a:r>
-          </a:p>
-        </p:txBody>
-      </p:sp>
-      <p:pic>
-        <p:nvPicPr>
-          <p:cNvPr id="64" name="Picture Placeholder 19" descr="Team member headshot">
-            <a:extLst>
-              <a:ext uri="{FF2B5EF4-FFF2-40B4-BE49-F238E27FC236}">
-                <a16:creationId xmlns:a16="http://schemas.microsoft.com/office/drawing/2014/main" id="{F2FCDCCE-6383-4047-9485-41AA1E24E8E2}"/>
-              </a:ext>
-            </a:extLst>
-          </p:cNvPr>
-          <p:cNvPicPr>
-            <a:picLocks noGrp="1" noChangeAspect="1"/>
-          </p:cNvPicPr>
-          <p:nvPr>
-            <p:ph type="pic" sz="quarter" idx="34"/>
-          </p:nvPr>
-        </p:nvPicPr>
-        <p:blipFill rotWithShape="1">
-          <a:blip r:embed="rId6">
-            <a:extLst>
-              <a:ext uri="{28A0092B-C50C-407E-A947-70E740481C1C}">
-                <a14:useLocalDpi xmlns:a14="http://schemas.microsoft.com/office/drawing/2010/main" val="0"/>
-              </a:ext>
-            </a:extLst>
-          </a:blip>
-          <a:srcRect/>
-          <a:stretch/>
-        </p:blipFill>
-        <p:spPr>
-          <a:xfrm>
-            <a:off x="9147335" y="2068734"/>
-            <a:ext cx="904987" cy="905641"/>
-          </a:xfrm>
-        </p:spPr>
-      </p:pic>
-      <p:sp>
-        <p:nvSpPr>
-          <p:cNvPr id="18" name="Text Placeholder 17">
-            <a:extLst>
-              <a:ext uri="{FF2B5EF4-FFF2-40B4-BE49-F238E27FC236}">
-                <a16:creationId xmlns:a16="http://schemas.microsoft.com/office/drawing/2014/main" id="{7C503641-A7D5-AD48-A486-CD57C1620326}"/>
-              </a:ext>
-            </a:extLst>
-          </p:cNvPr>
-          <p:cNvSpPr>
-            <a:spLocks noGrp="1"/>
-          </p:cNvSpPr>
-          <p:nvPr>
-            <p:ph type="body" sz="quarter" idx="35"/>
-          </p:nvPr>
-        </p:nvSpPr>
-        <p:spPr>
-          <a:xfrm>
-            <a:off x="9147336" y="2994545"/>
-            <a:ext cx="2281237" cy="347662"/>
-          </a:xfrm>
-        </p:spPr>
-        <p:txBody>
-          <a:bodyPr rtlCol="0"/>
-          <a:lstStyle/>
-          <a:p>
-            <a:pPr rtl="0"/>
-            <a:r>
-              <a:rPr lang="en-GB"/>
-              <a:t>Rajesh Santoshi</a:t>
-            </a:r>
-          </a:p>
-        </p:txBody>
-      </p:sp>
-      <p:sp>
-        <p:nvSpPr>
-          <p:cNvPr id="19" name="Text Placeholder 18">
-            <a:extLst>
-              <a:ext uri="{FF2B5EF4-FFF2-40B4-BE49-F238E27FC236}">
-                <a16:creationId xmlns:a16="http://schemas.microsoft.com/office/drawing/2014/main" id="{BBEE7C7B-4D43-1342-88B5-B6F833D51AE8}"/>
-              </a:ext>
-            </a:extLst>
-          </p:cNvPr>
-          <p:cNvSpPr>
-            <a:spLocks noGrp="1"/>
-          </p:cNvSpPr>
-          <p:nvPr>
-            <p:ph type="body" sz="quarter" idx="36"/>
-          </p:nvPr>
-        </p:nvSpPr>
-        <p:spPr>
-          <a:xfrm>
-            <a:off x="9147335" y="3379791"/>
-            <a:ext cx="2281237" cy="347662"/>
-          </a:xfrm>
-        </p:spPr>
-        <p:txBody>
-          <a:bodyPr rtlCol="0"/>
-          <a:lstStyle/>
-          <a:p>
-            <a:pPr rtl="0"/>
-            <a:r>
-              <a:rPr lang="en-GB"/>
-              <a:t>VP Marketing</a:t>
-            </a:r>
-          </a:p>
-        </p:txBody>
-      </p:sp>
-      <p:pic>
-        <p:nvPicPr>
-          <p:cNvPr id="65" name="Picture Placeholder 15" descr="Team member headshot">
-            <a:extLst>
-              <a:ext uri="{FF2B5EF4-FFF2-40B4-BE49-F238E27FC236}">
-                <a16:creationId xmlns:a16="http://schemas.microsoft.com/office/drawing/2014/main" id="{1A89579F-2EA4-E049-9B78-D2237993CDAB}"/>
-              </a:ext>
-            </a:extLst>
-          </p:cNvPr>
-          <p:cNvPicPr>
-            <a:picLocks noGrp="1" noChangeAspect="1"/>
-          </p:cNvPicPr>
-          <p:nvPr>
-            <p:ph type="pic" sz="quarter" idx="37"/>
-          </p:nvPr>
-        </p:nvPicPr>
-        <p:blipFill rotWithShape="1">
-          <a:blip r:embed="rId7">
-            <a:extLst>
-              <a:ext uri="{28A0092B-C50C-407E-A947-70E740481C1C}">
-                <a14:useLocalDpi xmlns:a14="http://schemas.microsoft.com/office/drawing/2010/main" val="0"/>
-              </a:ext>
-            </a:extLst>
-          </a:blip>
-          <a:srcRect/>
-          <a:stretch/>
-        </p:blipFill>
-        <p:spPr>
-          <a:xfrm>
-            <a:off x="750429" y="4118551"/>
-            <a:ext cx="904987" cy="905641"/>
-          </a:xfrm>
-        </p:spPr>
-      </p:pic>
-      <p:sp>
-        <p:nvSpPr>
-          <p:cNvPr id="21" name="Text Placeholder 20">
-            <a:extLst>
-              <a:ext uri="{FF2B5EF4-FFF2-40B4-BE49-F238E27FC236}">
-                <a16:creationId xmlns:a16="http://schemas.microsoft.com/office/drawing/2014/main" id="{F8C89E42-8364-1040-9DF6-7305561F98D7}"/>
-              </a:ext>
-            </a:extLst>
-          </p:cNvPr>
-          <p:cNvSpPr>
-            <a:spLocks noGrp="1"/>
-          </p:cNvSpPr>
-          <p:nvPr>
-            <p:ph type="body" sz="quarter" idx="38"/>
-          </p:nvPr>
-        </p:nvSpPr>
-        <p:spPr>
-          <a:xfrm>
-            <a:off x="750430" y="5044362"/>
-            <a:ext cx="2281237" cy="347662"/>
-          </a:xfrm>
-        </p:spPr>
-        <p:txBody>
-          <a:bodyPr rtlCol="0"/>
-          <a:lstStyle/>
-          <a:p>
-            <a:pPr rtl="0"/>
-            <a:r>
-              <a:rPr lang="en-GB"/>
-              <a:t>Graham Barnes</a:t>
-            </a:r>
-          </a:p>
-        </p:txBody>
-      </p:sp>
-      <p:sp>
-        <p:nvSpPr>
-          <p:cNvPr id="22" name="Text Placeholder 21">
-            <a:extLst>
-              <a:ext uri="{FF2B5EF4-FFF2-40B4-BE49-F238E27FC236}">
-                <a16:creationId xmlns:a16="http://schemas.microsoft.com/office/drawing/2014/main" id="{B05EDAD8-33DD-0B49-9FA0-360E67ED9B6A}"/>
-              </a:ext>
-            </a:extLst>
-          </p:cNvPr>
-          <p:cNvSpPr>
-            <a:spLocks noGrp="1"/>
-          </p:cNvSpPr>
-          <p:nvPr>
-            <p:ph type="body" sz="quarter" idx="39"/>
-          </p:nvPr>
-        </p:nvSpPr>
-        <p:spPr>
-          <a:xfrm>
-            <a:off x="750429" y="5429608"/>
-            <a:ext cx="2281237" cy="347662"/>
-          </a:xfrm>
-        </p:spPr>
-        <p:txBody>
-          <a:bodyPr rtlCol="0"/>
-          <a:lstStyle/>
-          <a:p>
-            <a:pPr rtl="0"/>
-            <a:r>
-              <a:rPr lang="en-GB"/>
-              <a:t>VP Product</a:t>
-            </a:r>
-          </a:p>
-        </p:txBody>
-      </p:sp>
-      <p:pic>
-        <p:nvPicPr>
-          <p:cNvPr id="66" name="Picture Placeholder 48" descr="Team member headshot">
-            <a:extLst>
-              <a:ext uri="{FF2B5EF4-FFF2-40B4-BE49-F238E27FC236}">
-                <a16:creationId xmlns:a16="http://schemas.microsoft.com/office/drawing/2014/main" id="{4E145096-B7BF-9C4C-97FA-308F61FE406A}"/>
-              </a:ext>
-            </a:extLst>
-          </p:cNvPr>
-          <p:cNvPicPr>
-            <a:picLocks noGrp="1" noChangeAspect="1"/>
-          </p:cNvPicPr>
-          <p:nvPr>
-            <p:ph type="pic" sz="quarter" idx="40"/>
-          </p:nvPr>
-        </p:nvPicPr>
-        <p:blipFill rotWithShape="1">
-          <a:blip r:embed="rId8">
-            <a:extLst>
-              <a:ext uri="{28A0092B-C50C-407E-A947-70E740481C1C}">
-                <a14:useLocalDpi xmlns:a14="http://schemas.microsoft.com/office/drawing/2010/main" val="0"/>
-              </a:ext>
-            </a:extLst>
-          </a:blip>
-          <a:srcRect/>
-          <a:stretch/>
-        </p:blipFill>
-        <p:spPr>
-          <a:xfrm>
-            <a:off x="3549397" y="4118551"/>
-            <a:ext cx="904987" cy="905641"/>
-          </a:xfrm>
-        </p:spPr>
-      </p:pic>
-      <p:sp>
-        <p:nvSpPr>
-          <p:cNvPr id="24" name="Text Placeholder 23">
-            <a:extLst>
-              <a:ext uri="{FF2B5EF4-FFF2-40B4-BE49-F238E27FC236}">
-                <a16:creationId xmlns:a16="http://schemas.microsoft.com/office/drawing/2014/main" id="{9B1711A4-C7D5-8D4D-82CD-4FBE8CC7FFE7}"/>
-              </a:ext>
-            </a:extLst>
-          </p:cNvPr>
-          <p:cNvSpPr>
-            <a:spLocks noGrp="1"/>
-          </p:cNvSpPr>
-          <p:nvPr>
-            <p:ph type="body" sz="quarter" idx="41"/>
-          </p:nvPr>
-        </p:nvSpPr>
-        <p:spPr>
-          <a:xfrm>
-            <a:off x="3549398" y="5044362"/>
-            <a:ext cx="2281237" cy="347662"/>
-          </a:xfrm>
-        </p:spPr>
-        <p:txBody>
-          <a:bodyPr rtlCol="0"/>
-          <a:lstStyle/>
-          <a:p>
-            <a:pPr rtl="0"/>
-            <a:r>
-              <a:rPr lang="en-GB"/>
-              <a:t>Rowan Murphy</a:t>
-            </a:r>
-          </a:p>
-        </p:txBody>
-      </p:sp>
-      <p:sp>
-        <p:nvSpPr>
-          <p:cNvPr id="25" name="Text Placeholder 24">
-            <a:extLst>
-              <a:ext uri="{FF2B5EF4-FFF2-40B4-BE49-F238E27FC236}">
-                <a16:creationId xmlns:a16="http://schemas.microsoft.com/office/drawing/2014/main" id="{1D585144-668F-6141-B4A4-98C6E14ACA71}"/>
-              </a:ext>
-            </a:extLst>
-          </p:cNvPr>
-          <p:cNvSpPr>
-            <a:spLocks noGrp="1"/>
-          </p:cNvSpPr>
-          <p:nvPr>
-            <p:ph type="body" sz="quarter" idx="42"/>
-          </p:nvPr>
-        </p:nvSpPr>
-        <p:spPr>
-          <a:xfrm>
-            <a:off x="3549397" y="5429608"/>
-            <a:ext cx="2281237" cy="347662"/>
-          </a:xfrm>
-        </p:spPr>
-        <p:txBody>
-          <a:bodyPr rtlCol="0"/>
-          <a:lstStyle/>
-          <a:p>
-            <a:pPr rtl="0"/>
-            <a:r>
-              <a:rPr lang="en-GB"/>
-              <a:t>SEO Strategist</a:t>
-            </a:r>
-          </a:p>
-        </p:txBody>
-      </p:sp>
-      <p:pic>
-        <p:nvPicPr>
-          <p:cNvPr id="67" name="Picture Placeholder 52" descr="Team member headshot">
-            <a:extLst>
-              <a:ext uri="{FF2B5EF4-FFF2-40B4-BE49-F238E27FC236}">
-                <a16:creationId xmlns:a16="http://schemas.microsoft.com/office/drawing/2014/main" id="{25B94F1A-D947-AF4E-BC9D-9B02C4E4EB30}"/>
-              </a:ext>
-            </a:extLst>
-          </p:cNvPr>
-          <p:cNvPicPr>
-            <a:picLocks noGrp="1" noChangeAspect="1"/>
-          </p:cNvPicPr>
-          <p:nvPr>
-            <p:ph type="pic" sz="quarter" idx="43"/>
-          </p:nvPr>
-        </p:nvPicPr>
-        <p:blipFill rotWithShape="1">
-          <a:blip r:embed="rId9">
-            <a:extLst>
-              <a:ext uri="{28A0092B-C50C-407E-A947-70E740481C1C}">
-                <a14:useLocalDpi xmlns:a14="http://schemas.microsoft.com/office/drawing/2010/main" val="0"/>
-              </a:ext>
-            </a:extLst>
-          </a:blip>
-          <a:srcRect/>
-          <a:stretch/>
-        </p:blipFill>
-        <p:spPr>
-          <a:xfrm>
-            <a:off x="6348367" y="4118551"/>
-            <a:ext cx="904987" cy="905641"/>
-          </a:xfrm>
-        </p:spPr>
-      </p:pic>
-      <p:sp>
-        <p:nvSpPr>
-          <p:cNvPr id="27" name="Text Placeholder 26">
-            <a:extLst>
-              <a:ext uri="{FF2B5EF4-FFF2-40B4-BE49-F238E27FC236}">
-                <a16:creationId xmlns:a16="http://schemas.microsoft.com/office/drawing/2014/main" id="{C63E461E-3AFB-0843-B481-D906526D48B2}"/>
-              </a:ext>
-            </a:extLst>
-          </p:cNvPr>
-          <p:cNvSpPr>
-            <a:spLocks noGrp="1"/>
-          </p:cNvSpPr>
-          <p:nvPr>
-            <p:ph type="body" sz="quarter" idx="44"/>
-          </p:nvPr>
-        </p:nvSpPr>
-        <p:spPr>
-          <a:xfrm>
-            <a:off x="6348368" y="5044362"/>
-            <a:ext cx="2281237" cy="347662"/>
-          </a:xfrm>
-        </p:spPr>
-        <p:txBody>
-          <a:bodyPr rtlCol="0"/>
-          <a:lstStyle/>
-          <a:p>
-            <a:pPr rtl="0"/>
-            <a:r>
-              <a:rPr lang="en-GB"/>
-              <a:t>Elizabeth Moore</a:t>
-            </a:r>
-          </a:p>
-        </p:txBody>
-      </p:sp>
-      <p:sp>
-        <p:nvSpPr>
-          <p:cNvPr id="28" name="Text Placeholder 27">
-            <a:extLst>
-              <a:ext uri="{FF2B5EF4-FFF2-40B4-BE49-F238E27FC236}">
-                <a16:creationId xmlns:a16="http://schemas.microsoft.com/office/drawing/2014/main" id="{83F586E4-67FA-B94C-AF67-F2E5E6E54157}"/>
-              </a:ext>
-            </a:extLst>
-          </p:cNvPr>
-          <p:cNvSpPr>
-            <a:spLocks noGrp="1"/>
-          </p:cNvSpPr>
-          <p:nvPr>
-            <p:ph type="body" sz="quarter" idx="45"/>
-          </p:nvPr>
-        </p:nvSpPr>
-        <p:spPr>
-          <a:xfrm>
-            <a:off x="6348367" y="5429608"/>
-            <a:ext cx="2281237" cy="347662"/>
-          </a:xfrm>
-        </p:spPr>
-        <p:txBody>
-          <a:bodyPr rtlCol="0"/>
-          <a:lstStyle/>
-          <a:p>
-            <a:pPr rtl="0"/>
-            <a:r>
-              <a:rPr lang="en-GB"/>
-              <a:t>Product Designer</a:t>
-            </a:r>
-          </a:p>
-        </p:txBody>
-      </p:sp>
-      <p:pic>
-        <p:nvPicPr>
-          <p:cNvPr id="68" name="Picture Placeholder 54" descr="Team member headshot">
-            <a:extLst>
-              <a:ext uri="{FF2B5EF4-FFF2-40B4-BE49-F238E27FC236}">
-                <a16:creationId xmlns:a16="http://schemas.microsoft.com/office/drawing/2014/main" id="{7E3F00C5-0B4F-FE4F-9561-1EB505B31873}"/>
-              </a:ext>
-            </a:extLst>
-          </p:cNvPr>
-          <p:cNvPicPr>
-            <a:picLocks noGrp="1" noChangeAspect="1"/>
-          </p:cNvPicPr>
-          <p:nvPr>
-            <p:ph type="pic" sz="quarter" idx="46"/>
-          </p:nvPr>
-        </p:nvPicPr>
-        <p:blipFill rotWithShape="1">
-          <a:blip r:embed="rId10">
-            <a:extLst>
-              <a:ext uri="{28A0092B-C50C-407E-A947-70E740481C1C}">
-                <a14:useLocalDpi xmlns:a14="http://schemas.microsoft.com/office/drawing/2010/main" val="0"/>
-              </a:ext>
-            </a:extLst>
-          </a:blip>
-          <a:srcRect/>
-          <a:stretch/>
-        </p:blipFill>
-        <p:spPr>
-          <a:xfrm>
-            <a:off x="9147335" y="4118551"/>
-            <a:ext cx="904987" cy="905641"/>
-          </a:xfrm>
-        </p:spPr>
-      </p:pic>
-      <p:sp>
-        <p:nvSpPr>
-          <p:cNvPr id="36" name="Text Placeholder 35">
-            <a:extLst>
-              <a:ext uri="{FF2B5EF4-FFF2-40B4-BE49-F238E27FC236}">
-                <a16:creationId xmlns:a16="http://schemas.microsoft.com/office/drawing/2014/main" id="{875B85E2-950C-CB45-A7F7-DE257EA20BB3}"/>
-              </a:ext>
-            </a:extLst>
-          </p:cNvPr>
-          <p:cNvSpPr>
-            <a:spLocks noGrp="1"/>
-          </p:cNvSpPr>
-          <p:nvPr>
-            <p:ph type="body" sz="quarter" idx="47"/>
-          </p:nvPr>
-        </p:nvSpPr>
-        <p:spPr>
-          <a:xfrm>
-            <a:off x="9147336" y="5044362"/>
-            <a:ext cx="2281237" cy="347662"/>
-          </a:xfrm>
-        </p:spPr>
-        <p:txBody>
-          <a:bodyPr rtlCol="0"/>
-          <a:lstStyle/>
-          <a:p>
-            <a:pPr rtl="0"/>
-            <a:r>
-              <a:rPr lang="en-GB"/>
-              <a:t>Robin Kline</a:t>
-            </a:r>
-          </a:p>
-        </p:txBody>
-      </p:sp>
-      <p:sp>
-        <p:nvSpPr>
-          <p:cNvPr id="37" name="Text Placeholder 36">
-            <a:extLst>
-              <a:ext uri="{FF2B5EF4-FFF2-40B4-BE49-F238E27FC236}">
-                <a16:creationId xmlns:a16="http://schemas.microsoft.com/office/drawing/2014/main" id="{FC8EFF8B-CC40-9646-AAFC-092814DA02AD}"/>
-              </a:ext>
-            </a:extLst>
-          </p:cNvPr>
-          <p:cNvSpPr>
-            <a:spLocks noGrp="1"/>
-          </p:cNvSpPr>
-          <p:nvPr>
-            <p:ph type="body" sz="quarter" idx="48"/>
-          </p:nvPr>
-        </p:nvSpPr>
-        <p:spPr>
-          <a:xfrm>
-            <a:off x="9147335" y="5429608"/>
-            <a:ext cx="2281237" cy="347662"/>
-          </a:xfrm>
-        </p:spPr>
-        <p:txBody>
-          <a:bodyPr rtlCol="0"/>
-          <a:lstStyle/>
-          <a:p>
-            <a:pPr rtl="0"/>
-            <a:r>
-              <a:rPr lang="en-GB"/>
-              <a:t>Content Developer</a:t>
-            </a:r>
-          </a:p>
-        </p:txBody>
-      </p:sp>
-      <p:sp>
-        <p:nvSpPr>
-          <p:cNvPr id="3" name="Date Placeholder 2">
-            <a:extLst>
-              <a:ext uri="{FF2B5EF4-FFF2-40B4-BE49-F238E27FC236}">
-                <a16:creationId xmlns:a16="http://schemas.microsoft.com/office/drawing/2014/main" id="{DF3B501F-5E7A-5D46-8856-A27912A21D96}"/>
-              </a:ext>
-            </a:extLst>
-          </p:cNvPr>
-          <p:cNvSpPr>
-            <a:spLocks noGrp="1"/>
-          </p:cNvSpPr>
-          <p:nvPr>
-            <p:ph type="dt" sz="half" idx="25"/>
-          </p:nvPr>
-        </p:nvSpPr>
-        <p:spPr>
-          <a:xfrm>
-            <a:off x="381000" y="6356350"/>
-            <a:ext cx="2743200" cy="365125"/>
-          </a:xfrm>
-        </p:spPr>
-        <p:txBody>
-          <a:bodyPr rtlCol="0"/>
-          <a:lstStyle/>
-          <a:p>
-            <a:pPr rtl="0"/>
-            <a:fld id="{D4A595CC-1ED5-49B3-A9F3-A4CF07B90F0B}" type="datetime1">
-              <a:rPr lang="en-US" smtClean="0"/>
-              <a:t>4/12/2024</a:t>
-            </a:fld>
-            <a:endParaRPr lang="en-GB"/>
-          </a:p>
-        </p:txBody>
-      </p:sp>
-      <p:sp>
-        <p:nvSpPr>
-          <p:cNvPr id="4" name="Footer Placeholder 3">
-            <a:extLst>
-              <a:ext uri="{FF2B5EF4-FFF2-40B4-BE49-F238E27FC236}">
-                <a16:creationId xmlns:a16="http://schemas.microsoft.com/office/drawing/2014/main" id="{E9CE3E8F-3700-FE42-BA65-89071D20A786}"/>
-              </a:ext>
-            </a:extLst>
-          </p:cNvPr>
-          <p:cNvSpPr>
-            <a:spLocks noGrp="1"/>
-          </p:cNvSpPr>
-          <p:nvPr>
-            <p:ph type="ftr" sz="quarter" idx="26"/>
-          </p:nvPr>
-        </p:nvSpPr>
-        <p:spPr>
-          <a:xfrm>
-            <a:off x="4038600" y="6356350"/>
-            <a:ext cx="4114800" cy="365125"/>
-          </a:xfrm>
-        </p:spPr>
-        <p:txBody>
-          <a:bodyPr rtlCol="0"/>
-          <a:lstStyle/>
-          <a:p>
-            <a:pPr rtl="0"/>
-            <a:r>
-              <a:rPr lang="en-GB"/>
-              <a:t>Fault-tolerant dataflow platform</a:t>
-            </a:r>
-          </a:p>
-        </p:txBody>
-      </p:sp>
-      <p:sp>
-        <p:nvSpPr>
-          <p:cNvPr id="5" name="Slide Number Placeholder 4">
-            <a:extLst>
-              <a:ext uri="{FF2B5EF4-FFF2-40B4-BE49-F238E27FC236}">
-                <a16:creationId xmlns:a16="http://schemas.microsoft.com/office/drawing/2014/main" id="{352A2850-23AF-A249-8907-5DAF2E2D2269}"/>
-              </a:ext>
-            </a:extLst>
-          </p:cNvPr>
-          <p:cNvSpPr>
-            <a:spLocks noGrp="1"/>
-          </p:cNvSpPr>
-          <p:nvPr>
-            <p:ph type="sldNum" sz="quarter" idx="27"/>
-          </p:nvPr>
-        </p:nvSpPr>
-        <p:spPr>
-          <a:xfrm>
-            <a:off x="9067800" y="6356350"/>
-            <a:ext cx="2743200" cy="365125"/>
-          </a:xfrm>
-        </p:spPr>
-        <p:txBody>
-          <a:bodyPr rtlCol="0"/>
-          <a:lstStyle/>
-          <a:p>
-            <a:pPr rtl="0"/>
-            <a:fld id="{294A09A9-5501-47C1-A89A-A340965A2BE2}" type="slidenum">
-              <a:rPr lang="en-GB" smtClean="0"/>
-              <a:pPr rtl="0"/>
-              <a:t>22</a:t>
-            </a:fld>
-            <a:endParaRPr lang="en-GB"/>
-          </a:p>
-        </p:txBody>
-      </p:sp>
-    </p:spTree>
-    <p:extLst>
-      <p:ext uri="{BB962C8B-B14F-4D97-AF65-F5344CB8AC3E}">
-        <p14:creationId xmlns:p14="http://schemas.microsoft.com/office/powerpoint/2010/main" val="3396266754"/>
-      </p:ext>
-    </p:extLst>
-  </p:cSld>
-  <p:clrMapOvr>
-    <a:masterClrMapping/>
-  </p:clrMapOvr>
-</p:sld>
-</file>
-
-<file path=ppt/slides/slide23.xml><?xml version="1.0" encoding="utf-8"?>
-<p:sld xmlns:a="http://schemas.openxmlformats.org/drawingml/2006/main" xmlns:r="http://schemas.openxmlformats.org/officeDocument/2006/relationships" xmlns:p="http://schemas.openxmlformats.org/presentationml/2006/main">
-  <p:cSld>
-    <p:spTree>
-      <p:nvGrpSpPr>
-        <p:cNvPr id="1" name=""/>
-        <p:cNvGrpSpPr/>
-        <p:nvPr/>
-      </p:nvGrpSpPr>
-      <p:grpSpPr>
-        <a:xfrm>
-          <a:off x="0" y="0"/>
-          <a:ext cx="0" cy="0"/>
-          <a:chOff x="0" y="0"/>
-          <a:chExt cx="0" cy="0"/>
-        </a:xfrm>
-      </p:grpSpPr>
-      <p:sp>
-        <p:nvSpPr>
-          <p:cNvPr id="2" name="Title 1">
-            <a:extLst>
-              <a:ext uri="{FF2B5EF4-FFF2-40B4-BE49-F238E27FC236}">
-                <a16:creationId xmlns:a16="http://schemas.microsoft.com/office/drawing/2014/main" id="{DD0B6389-2374-4677-B8BB-59410CCC32FD}"/>
-              </a:ext>
-            </a:extLst>
-          </p:cNvPr>
-          <p:cNvSpPr>
-            <a:spLocks noGrp="1"/>
-          </p:cNvSpPr>
-          <p:nvPr>
-            <p:ph type="title"/>
-          </p:nvPr>
-        </p:nvSpPr>
-        <p:spPr>
-          <a:xfrm>
-            <a:off x="1167492" y="381000"/>
-            <a:ext cx="9779183" cy="1325563"/>
-          </a:xfrm>
-        </p:spPr>
-        <p:txBody>
-          <a:bodyPr rtlCol="0">
-            <a:normAutofit/>
-          </a:bodyPr>
-          <a:lstStyle/>
-          <a:p>
-            <a:pPr rtl="0"/>
-            <a:r>
-              <a:rPr lang="en-GB" dirty="0"/>
-              <a:t>Plan for product launch </a:t>
-            </a:r>
-          </a:p>
-        </p:txBody>
-      </p:sp>
-      <p:graphicFrame>
-        <p:nvGraphicFramePr>
-          <p:cNvPr id="6" name="Content Placeholder 3" descr="Timeline Placeholder ">
-            <a:extLst>
-              <a:ext uri="{FF2B5EF4-FFF2-40B4-BE49-F238E27FC236}">
-                <a16:creationId xmlns:a16="http://schemas.microsoft.com/office/drawing/2014/main" id="{85168BDF-A0D9-4916-A9F9-41D8175A703C}"/>
-              </a:ext>
-            </a:extLst>
-          </p:cNvPr>
-          <p:cNvGraphicFramePr>
-            <a:graphicFrameLocks noGrp="1" noChangeAspect="1"/>
-          </p:cNvGraphicFramePr>
-          <p:nvPr>
-            <p:extLst>
-              <p:ext uri="{D42A27DB-BD31-4B8C-83A1-F6EECF244321}">
-                <p14:modId xmlns:p14="http://schemas.microsoft.com/office/powerpoint/2010/main" val="3487926621"/>
-              </p:ext>
-            </p:extLst>
-          </p:nvPr>
-        </p:nvGraphicFramePr>
-        <p:xfrm>
-          <a:off x="1251312" y="2082555"/>
-          <a:ext cx="9689375" cy="3940870"/>
-        </p:xfrm>
-        <a:graphic>
-          <a:graphicData uri="http://schemas.openxmlformats.org/drawingml/2006/diagram">
-            <dgm:relIds xmlns:dgm="http://schemas.openxmlformats.org/drawingml/2006/diagram" xmlns:r="http://schemas.openxmlformats.org/officeDocument/2006/relationships" r:dm="rId3" r:lo="rId4" r:qs="rId5" r:cs="rId6"/>
-          </a:graphicData>
-        </a:graphic>
-      </p:graphicFrame>
-      <p:sp>
-        <p:nvSpPr>
-          <p:cNvPr id="4" name="TextBox 3">
-            <a:extLst>
-              <a:ext uri="{FF2B5EF4-FFF2-40B4-BE49-F238E27FC236}">
-                <a16:creationId xmlns:a16="http://schemas.microsoft.com/office/drawing/2014/main" id="{9C0179B5-0800-154F-80F6-614473C055BD}"/>
-              </a:ext>
-            </a:extLst>
-          </p:cNvPr>
-          <p:cNvSpPr txBox="1"/>
-          <p:nvPr/>
-        </p:nvSpPr>
-        <p:spPr>
-          <a:xfrm>
-            <a:off x="2042809" y="2674641"/>
-            <a:ext cx="350196" cy="646331"/>
-          </a:xfrm>
-          <a:prstGeom prst="rect">
-            <a:avLst/>
-          </a:prstGeom>
-          <a:noFill/>
-        </p:spPr>
-        <p:txBody>
-          <a:bodyPr wrap="square" rtlCol="0">
-            <a:spAutoFit/>
-          </a:bodyPr>
-          <a:lstStyle/>
-          <a:p>
-            <a:pPr algn="ctr" rtl="0"/>
-            <a:r>
-              <a:rPr lang="en-GB" sz="3600" b="1" dirty="0">
-                <a:solidFill>
-                  <a:schemeClr val="bg1"/>
-                </a:solidFill>
-                <a:latin typeface="Tenorite" pitchFamily="2" charset="0"/>
-              </a:rPr>
-              <a:t>1</a:t>
-            </a:r>
-          </a:p>
-        </p:txBody>
-      </p:sp>
-      <p:sp>
-        <p:nvSpPr>
-          <p:cNvPr id="7" name="TextBox 6">
-            <a:extLst>
-              <a:ext uri="{FF2B5EF4-FFF2-40B4-BE49-F238E27FC236}">
-                <a16:creationId xmlns:a16="http://schemas.microsoft.com/office/drawing/2014/main" id="{B468C313-80C0-8840-8702-F1084174C592}"/>
-              </a:ext>
-            </a:extLst>
-          </p:cNvPr>
-          <p:cNvSpPr txBox="1"/>
-          <p:nvPr/>
-        </p:nvSpPr>
-        <p:spPr>
-          <a:xfrm>
-            <a:off x="4002238" y="2674641"/>
-            <a:ext cx="350196" cy="646331"/>
-          </a:xfrm>
-          <a:prstGeom prst="rect">
-            <a:avLst/>
-          </a:prstGeom>
-          <a:noFill/>
-        </p:spPr>
-        <p:txBody>
-          <a:bodyPr wrap="square" rtlCol="0">
-            <a:spAutoFit/>
-          </a:bodyPr>
-          <a:lstStyle/>
-          <a:p>
-            <a:pPr algn="ctr" rtl="0"/>
-            <a:r>
-              <a:rPr lang="en-GB" sz="3600" b="1" dirty="0">
-                <a:solidFill>
-                  <a:schemeClr val="bg1"/>
-                </a:solidFill>
-                <a:latin typeface="Tenorite" pitchFamily="2" charset="0"/>
-              </a:rPr>
-              <a:t>2</a:t>
-            </a:r>
-          </a:p>
-        </p:txBody>
-      </p:sp>
-      <p:sp>
-        <p:nvSpPr>
-          <p:cNvPr id="8" name="TextBox 7">
-            <a:extLst>
-              <a:ext uri="{FF2B5EF4-FFF2-40B4-BE49-F238E27FC236}">
-                <a16:creationId xmlns:a16="http://schemas.microsoft.com/office/drawing/2014/main" id="{4E863C6B-1856-BC43-A090-B182EAB34EB8}"/>
-              </a:ext>
-            </a:extLst>
-          </p:cNvPr>
-          <p:cNvSpPr txBox="1"/>
-          <p:nvPr/>
-        </p:nvSpPr>
-        <p:spPr>
-          <a:xfrm>
-            <a:off x="5932638" y="2674641"/>
-            <a:ext cx="350196" cy="646331"/>
-          </a:xfrm>
-          <a:prstGeom prst="rect">
-            <a:avLst/>
-          </a:prstGeom>
-          <a:noFill/>
-        </p:spPr>
-        <p:txBody>
-          <a:bodyPr wrap="square" rtlCol="0">
-            <a:spAutoFit/>
-          </a:bodyPr>
-          <a:lstStyle/>
-          <a:p>
-            <a:pPr algn="ctr" rtl="0"/>
-            <a:r>
-              <a:rPr lang="en-GB" sz="3600" b="1" dirty="0">
-                <a:solidFill>
-                  <a:schemeClr val="bg1"/>
-                </a:solidFill>
-                <a:latin typeface="Tenorite" pitchFamily="2" charset="0"/>
-              </a:rPr>
-              <a:t>3</a:t>
-            </a:r>
-          </a:p>
-        </p:txBody>
-      </p:sp>
-      <p:sp>
-        <p:nvSpPr>
-          <p:cNvPr id="9" name="TextBox 8">
-            <a:extLst>
-              <a:ext uri="{FF2B5EF4-FFF2-40B4-BE49-F238E27FC236}">
-                <a16:creationId xmlns:a16="http://schemas.microsoft.com/office/drawing/2014/main" id="{3AE770E3-D227-CD4E-83C4-44744E774884}"/>
-              </a:ext>
-            </a:extLst>
-          </p:cNvPr>
-          <p:cNvSpPr txBox="1"/>
-          <p:nvPr/>
-        </p:nvSpPr>
-        <p:spPr>
-          <a:xfrm>
-            <a:off x="7863038" y="2674641"/>
-            <a:ext cx="350196" cy="646331"/>
-          </a:xfrm>
-          <a:prstGeom prst="rect">
-            <a:avLst/>
-          </a:prstGeom>
-          <a:noFill/>
-        </p:spPr>
-        <p:txBody>
-          <a:bodyPr wrap="square" rtlCol="0">
-            <a:spAutoFit/>
-          </a:bodyPr>
-          <a:lstStyle/>
-          <a:p>
-            <a:pPr algn="ctr" rtl="0"/>
-            <a:r>
-              <a:rPr lang="en-GB" sz="3600" b="1" dirty="0">
-                <a:solidFill>
-                  <a:schemeClr val="bg1"/>
-                </a:solidFill>
-                <a:latin typeface="Tenorite" pitchFamily="2" charset="0"/>
-              </a:rPr>
-              <a:t>4</a:t>
-            </a:r>
-          </a:p>
-        </p:txBody>
-      </p:sp>
-      <p:sp>
-        <p:nvSpPr>
-          <p:cNvPr id="10" name="TextBox 9">
-            <a:extLst>
-              <a:ext uri="{FF2B5EF4-FFF2-40B4-BE49-F238E27FC236}">
-                <a16:creationId xmlns:a16="http://schemas.microsoft.com/office/drawing/2014/main" id="{10C47546-62E7-304A-8631-60D9B8E543BE}"/>
-              </a:ext>
-            </a:extLst>
-          </p:cNvPr>
-          <p:cNvSpPr txBox="1"/>
-          <p:nvPr/>
-        </p:nvSpPr>
-        <p:spPr>
-          <a:xfrm>
-            <a:off x="9807953" y="2674641"/>
-            <a:ext cx="350196" cy="646331"/>
-          </a:xfrm>
-          <a:prstGeom prst="rect">
-            <a:avLst/>
-          </a:prstGeom>
-          <a:noFill/>
-        </p:spPr>
-        <p:txBody>
-          <a:bodyPr wrap="square" rtlCol="0">
-            <a:spAutoFit/>
-          </a:bodyPr>
-          <a:lstStyle/>
-          <a:p>
-            <a:pPr algn="ctr" rtl="0"/>
-            <a:r>
-              <a:rPr lang="en-GB" sz="3600" b="1" dirty="0">
-                <a:solidFill>
-                  <a:schemeClr val="bg1"/>
-                </a:solidFill>
-                <a:latin typeface="Tenorite" pitchFamily="2" charset="0"/>
-              </a:rPr>
-              <a:t>5</a:t>
-            </a:r>
-          </a:p>
-        </p:txBody>
-      </p:sp>
-      <p:sp>
-        <p:nvSpPr>
-          <p:cNvPr id="3" name="Date Placeholder 2">
-            <a:extLst>
-              <a:ext uri="{FF2B5EF4-FFF2-40B4-BE49-F238E27FC236}">
-                <a16:creationId xmlns:a16="http://schemas.microsoft.com/office/drawing/2014/main" id="{3FE88D32-0135-7B4F-AD5F-EA1673D46765}"/>
-              </a:ext>
-            </a:extLst>
-          </p:cNvPr>
-          <p:cNvSpPr>
-            <a:spLocks noGrp="1"/>
-          </p:cNvSpPr>
-          <p:nvPr>
-            <p:ph type="dt" sz="half" idx="2"/>
-          </p:nvPr>
-        </p:nvSpPr>
-        <p:spPr>
-          <a:xfrm>
-            <a:off x="381000" y="6356350"/>
-            <a:ext cx="1701018" cy="365125"/>
-          </a:xfrm>
-        </p:spPr>
-        <p:txBody>
-          <a:bodyPr rtlCol="0"/>
-          <a:lstStyle/>
-          <a:p>
-            <a:pPr rtl="0"/>
-            <a:fld id="{06708245-2472-4CD3-881A-81E3EDF61748}" type="datetime1">
-              <a:rPr lang="en-US" smtClean="0"/>
-              <a:t>4/12/2024</a:t>
-            </a:fld>
-            <a:endParaRPr lang="en-GB" dirty="0"/>
-          </a:p>
-        </p:txBody>
-      </p:sp>
-      <p:sp>
-        <p:nvSpPr>
-          <p:cNvPr id="11" name="Footer Placeholder 10">
-            <a:extLst>
-              <a:ext uri="{FF2B5EF4-FFF2-40B4-BE49-F238E27FC236}">
-                <a16:creationId xmlns:a16="http://schemas.microsoft.com/office/drawing/2014/main" id="{EBF4ECF3-F211-3447-AF95-22487182EEF2}"/>
-              </a:ext>
-            </a:extLst>
-          </p:cNvPr>
-          <p:cNvSpPr>
-            <a:spLocks noGrp="1"/>
-          </p:cNvSpPr>
-          <p:nvPr>
-            <p:ph type="ftr" sz="quarter" idx="3"/>
-          </p:nvPr>
-        </p:nvSpPr>
-        <p:spPr>
-          <a:xfrm>
-            <a:off x="4038600" y="6356350"/>
-            <a:ext cx="4114800" cy="365125"/>
-          </a:xfrm>
-        </p:spPr>
-        <p:txBody>
-          <a:bodyPr rtlCol="0"/>
-          <a:lstStyle/>
-          <a:p>
-            <a:pPr rtl="0"/>
-            <a:r>
-              <a:rPr lang="en-GB"/>
-              <a:t>Fault-tolerant dataflow platform</a:t>
-            </a:r>
-            <a:endParaRPr lang="en-GB" dirty="0"/>
-          </a:p>
-        </p:txBody>
-      </p:sp>
-      <p:sp>
-        <p:nvSpPr>
-          <p:cNvPr id="12" name="Slide Number Placeholder 11">
-            <a:extLst>
-              <a:ext uri="{FF2B5EF4-FFF2-40B4-BE49-F238E27FC236}">
-                <a16:creationId xmlns:a16="http://schemas.microsoft.com/office/drawing/2014/main" id="{6308D1AB-33EC-174A-AFF4-6B9718A863B4}"/>
-              </a:ext>
-            </a:extLst>
-          </p:cNvPr>
-          <p:cNvSpPr>
-            <a:spLocks noGrp="1"/>
-          </p:cNvSpPr>
-          <p:nvPr>
-            <p:ph type="sldNum" sz="quarter" idx="4"/>
-          </p:nvPr>
-        </p:nvSpPr>
-        <p:spPr>
-          <a:xfrm>
-            <a:off x="10153276" y="6356350"/>
-            <a:ext cx="1657723" cy="365125"/>
-          </a:xfrm>
-        </p:spPr>
-        <p:txBody>
-          <a:bodyPr rtlCol="0"/>
-          <a:lstStyle/>
-          <a:p>
-            <a:pPr rtl="0"/>
-            <a:fld id="{294A09A9-5501-47C1-A89A-A340965A2BE2}" type="slidenum">
-              <a:rPr lang="en-GB" smtClean="0"/>
-              <a:pPr rtl="0"/>
-              <a:t>23</a:t>
-            </a:fld>
-            <a:endParaRPr lang="en-GB" dirty="0"/>
-          </a:p>
-        </p:txBody>
-      </p:sp>
-    </p:spTree>
-    <p:extLst>
-      <p:ext uri="{BB962C8B-B14F-4D97-AF65-F5344CB8AC3E}">
-        <p14:creationId xmlns:p14="http://schemas.microsoft.com/office/powerpoint/2010/main" val="700209266"/>
       </p:ext>
     </p:extLst>
   </p:cSld>
@@ -29844,7 +21382,7 @@
             <a:pPr rtl="0"/>
             <a:fld id="{08DEBEC4-5FA1-4102-90D8-7B8F10C6FFD8}" type="datetime1">
               <a:rPr lang="en-US" smtClean="0"/>
-              <a:t>4/12/2024</a:t>
+              <a:t>4/19/2024</a:t>
             </a:fld>
             <a:endParaRPr lang="en-GB"/>
           </a:p>
@@ -30101,7 +21639,7 @@
             <a:pPr rtl="0"/>
             <a:fld id="{08DEBEC4-5FA1-4102-90D8-7B8F10C6FFD8}" type="datetime1">
               <a:rPr lang="en-US" smtClean="0"/>
-              <a:t>4/12/2024</a:t>
+              <a:t>4/19/2024</a:t>
             </a:fld>
             <a:endParaRPr lang="en-GB"/>
           </a:p>
@@ -30306,7 +21844,7 @@
             <a:pPr rtl="0"/>
             <a:fld id="{08DEBEC4-5FA1-4102-90D8-7B8F10C6FFD8}" type="datetime1">
               <a:rPr lang="en-US" smtClean="0"/>
-              <a:t>4/12/2024</a:t>
+              <a:t>4/19/2024</a:t>
             </a:fld>
             <a:endParaRPr lang="en-GB"/>
           </a:p>
@@ -30551,7 +22089,7 @@
             <a:pPr rtl="0"/>
             <a:fld id="{08DEBEC4-5FA1-4102-90D8-7B8F10C6FFD8}" type="datetime1">
               <a:rPr lang="en-US" smtClean="0"/>
-              <a:t>4/12/2024</a:t>
+              <a:t>4/19/2024</a:t>
             </a:fld>
             <a:endParaRPr lang="en-GB"/>
           </a:p>
@@ -30720,7 +22258,7 @@
             <a:pPr rtl="0"/>
             <a:fld id="{C4A895BC-2672-4A03-9AB8-87EB05DAF81C}" type="datetime1">
               <a:rPr lang="en-US" smtClean="0"/>
-              <a:t>4/12/2024</a:t>
+              <a:t>4/19/2024</a:t>
             </a:fld>
             <a:endParaRPr lang="en-GB"/>
           </a:p>
@@ -30992,7 +22530,7 @@
             <a:pPr rtl="0"/>
             <a:fld id="{C4A895BC-2672-4A03-9AB8-87EB05DAF81C}" type="datetime1">
               <a:rPr lang="en-US" smtClean="0"/>
-              <a:t>4/12/2024</a:t>
+              <a:t>4/19/2024</a:t>
             </a:fld>
             <a:endParaRPr lang="en-GB"/>
           </a:p>
@@ -31250,7 +22788,7 @@
             <a:pPr rtl="0"/>
             <a:fld id="{C4A895BC-2672-4A03-9AB8-87EB05DAF81C}" type="datetime1">
               <a:rPr lang="en-US" smtClean="0"/>
-              <a:t>4/12/2024</a:t>
+              <a:t>4/19/2024</a:t>
             </a:fld>
             <a:endParaRPr lang="en-GB"/>
           </a:p>
@@ -31387,7 +22925,7 @@
               <a:t>If they do not respond within a time window, the leader sends a “</a:t>
             </a:r>
             <a:r>
-              <a:rPr lang="en-GB" dirty="0" err="1"/>
+              <a:rPr lang="en-GB" i="1" dirty="0" err="1"/>
               <a:t>restartMessage</a:t>
             </a:r>
             <a:r>
@@ -32202,6 +23740,15 @@
 </file>
 
 <file path=customXml/item1.xml><?xml version="1.0" encoding="utf-8"?>
+<?mso-contentType ?>
+<FormTemplates xmlns="http://schemas.microsoft.com/sharepoint/v3/contenttype/forms">
+  <Display>DocumentLibraryForm</Display>
+  <Edit>DocumentLibraryForm</Edit>
+  <New>DocumentLibraryForm</New>
+</FormTemplates>
+</file>
+
+<file path=customXml/item2.xml><?xml version="1.0" encoding="utf-8"?>
 <ct:contentTypeSchema xmlns:ct="http://schemas.microsoft.com/office/2006/metadata/contentType" xmlns:ma="http://schemas.microsoft.com/office/2006/metadata/properties/metaAttributes" ct:_="" ma:_="" ma:contentTypeName="Document" ma:contentTypeID="0x01010079F111ED35F8CC479449609E8A0923A6" ma:contentTypeVersion="21" ma:contentTypeDescription="Create a new document." ma:contentTypeScope="" ma:versionID="64dfb1555687e0874b4304b796b5b0c7">
   <xsd:schema xmlns:xsd="http://www.w3.org/2001/XMLSchema" xmlns:xs="http://www.w3.org/2001/XMLSchema" xmlns:p="http://schemas.microsoft.com/office/2006/metadata/properties" xmlns:ns1="http://schemas.microsoft.com/sharepoint/v3" xmlns:ns2="71af3243-3dd4-4a8d-8c0d-dd76da1f02a5" xmlns:ns3="16c05727-aa75-4e4a-9b5f-8a80a1165891" xmlns:ns4="230e9df3-be65-4c73-a93b-d1236ebd677e" targetNamespace="http://schemas.microsoft.com/office/2006/metadata/properties" ma:root="true" ma:fieldsID="e6e4c555b5e194d05b7203de9c4567b3" ns1:_="" ns2:_="" ns3:_="" ns4:_="">
     <xsd:import namespace="http://schemas.microsoft.com/sharepoint/v3"/>
@@ -32483,15 +24030,6 @@
 </ct:contentTypeSchema>
 </file>
 
-<file path=customXml/item2.xml><?xml version="1.0" encoding="utf-8"?>
-<?mso-contentType ?>
-<FormTemplates xmlns="http://schemas.microsoft.com/sharepoint/v3/contenttype/forms">
-  <Display>DocumentLibraryForm</Display>
-  <Edit>DocumentLibraryForm</Edit>
-  <New>DocumentLibraryForm</New>
-</FormTemplates>
-</file>
-
 <file path=customXml/item3.xml><?xml version="1.0" encoding="utf-8"?>
 <p:properties xmlns:p="http://schemas.microsoft.com/office/2006/metadata/properties" xmlns:xsi="http://www.w3.org/2001/XMLSchema-instance" xmlns:pc="http://schemas.microsoft.com/office/infopath/2007/PartnerControls">
   <documentManagement>
@@ -32512,6 +24050,14 @@
 </file>
 
 <file path=customXml/itemProps1.xml><?xml version="1.0" encoding="utf-8"?>
+<ds:datastoreItem xmlns:ds="http://schemas.openxmlformats.org/officeDocument/2006/customXml" ds:itemID="{85334180-0405-413B-834A-44FA9E05ADB7}">
+  <ds:schemaRefs>
+    <ds:schemaRef ds:uri="http://schemas.microsoft.com/sharepoint/v3/contenttype/forms"/>
+  </ds:schemaRefs>
+</ds:datastoreItem>
+</file>
+
+<file path=customXml/itemProps2.xml><?xml version="1.0" encoding="utf-8"?>
 <ds:datastoreItem xmlns:ds="http://schemas.openxmlformats.org/officeDocument/2006/customXml" ds:itemID="{4A615295-94F6-4CE2-A1B1-6B7E1DAA5AD6}">
   <ds:schemaRefs>
     <ds:schemaRef ds:uri="http://schemas.microsoft.com/office/2006/metadata/contentType"/>
@@ -32528,14 +24074,6 @@
     <ds:schemaRef ds:uri="http://purl.org/dc/elements/1.1/"/>
     <ds:schemaRef ds:uri="http://purl.org/dc/terms/"/>
     <ds:schemaRef ds:uri="http://schemas.microsoft.com/internal/obd"/>
-  </ds:schemaRefs>
-</ds:datastoreItem>
-</file>
-
-<file path=customXml/itemProps2.xml><?xml version="1.0" encoding="utf-8"?>
-<ds:datastoreItem xmlns:ds="http://schemas.openxmlformats.org/officeDocument/2006/customXml" ds:itemID="{85334180-0405-413B-834A-44FA9E05ADB7}">
-  <ds:schemaRefs>
-    <ds:schemaRef ds:uri="http://schemas.microsoft.com/sharepoint/v3/contenttype/forms"/>
   </ds:schemaRefs>
 </ds:datastoreItem>
 </file>

--- a/Presentazione_Progetto_TGG.pptx
+++ b/Presentazione_Progetto_TGG.pptx
@@ -4604,7 +4604,7 @@
             <a:pPr rtl="0"/>
             <a:fld id="{AB1389FC-84BB-41A0-BC92-057C08DC342F}" type="datetime1">
               <a:rPr lang="en-GB" smtClean="0"/>
-              <a:t>19/04/2024</a:t>
+              <a:t>22/04/2024</a:t>
             </a:fld>
             <a:endParaRPr lang="en-GB" dirty="0"/>
           </a:p>
@@ -4786,7 +4786,7 @@
             <a:fld id="{4909B039-1C6C-4DB3-861A-76F1FF2AC578}" type="datetime1">
               <a:rPr lang="en-GB" noProof="0" smtClean="0"/>
               <a:pPr/>
-              <a:t>19/04/2024</a:t>
+              <a:t>22/04/2024</a:t>
             </a:fld>
             <a:endParaRPr lang="en-GB" noProof="0"/>
           </a:p>
@@ -7892,7 +7892,7 @@
             <a:pPr rtl="0"/>
             <a:fld id="{16A828CD-3E50-40B7-96D0-7B54AC9F93F5}" type="datetime1">
               <a:rPr lang="en-US" noProof="0" smtClean="0"/>
-              <a:t>4/19/2024</a:t>
+              <a:t>4/22/2024</a:t>
             </a:fld>
             <a:endParaRPr lang="en-GB" noProof="0"/>
           </a:p>
@@ -8778,7 +8778,7 @@
             <a:pPr rtl="0"/>
             <a:fld id="{56488193-7E62-45D5-AB0B-B981142D6E84}" type="datetime1">
               <a:rPr lang="en-US" noProof="0" smtClean="0"/>
-              <a:t>4/19/2024</a:t>
+              <a:t>4/22/2024</a:t>
             </a:fld>
             <a:endParaRPr lang="en-GB" noProof="0"/>
           </a:p>
@@ -9953,7 +9953,7 @@
             <a:pPr rtl="0"/>
             <a:fld id="{C106D469-C582-44C0-910D-078ADB2B5FF1}" type="datetime1">
               <a:rPr lang="en-US" noProof="0" smtClean="0"/>
-              <a:t>4/19/2024</a:t>
+              <a:t>4/22/2024</a:t>
             </a:fld>
             <a:endParaRPr lang="en-GB" noProof="0"/>
           </a:p>
@@ -12029,7 +12029,7 @@
             <a:pPr rtl="0"/>
             <a:fld id="{DDEA086C-D20A-48D6-B15A-E87F629939F3}" type="datetime1">
               <a:rPr lang="en-US" noProof="0" smtClean="0"/>
-              <a:t>4/19/2024</a:t>
+              <a:t>4/22/2024</a:t>
             </a:fld>
             <a:endParaRPr lang="en-GB" noProof="0"/>
           </a:p>
@@ -12749,7 +12749,7 @@
             <a:pPr rtl="0"/>
             <a:fld id="{DE78DE43-0B95-4D67-8DFE-88909014F874}" type="datetime1">
               <a:rPr lang="en-US" noProof="0" smtClean="0"/>
-              <a:t>4/19/2024</a:t>
+              <a:t>4/22/2024</a:t>
             </a:fld>
             <a:endParaRPr lang="en-GB" noProof="0"/>
           </a:p>
@@ -13978,7 +13978,7 @@
             <a:pPr rtl="0"/>
             <a:fld id="{2D32E396-BFB5-4A9D-8851-4DABA6D8B13F}" type="datetime1">
               <a:rPr lang="en-US" noProof="0" smtClean="0"/>
-              <a:t>4/19/2024</a:t>
+              <a:t>4/22/2024</a:t>
             </a:fld>
             <a:endParaRPr lang="en-GB" noProof="0"/>
           </a:p>
@@ -14571,7 +14571,7 @@
             <a:pPr rtl="0"/>
             <a:fld id="{E054FE2F-3CA1-4FA0-B304-5EC9A0839C70}" type="datetime1">
               <a:rPr lang="en-US" noProof="0" smtClean="0"/>
-              <a:t>4/19/2024</a:t>
+              <a:t>4/22/2024</a:t>
             </a:fld>
             <a:endParaRPr lang="en-GB" noProof="0"/>
           </a:p>
@@ -15046,7 +15046,7 @@
             <a:pPr rtl="0"/>
             <a:fld id="{4A7CC8F7-ADC6-414D-9D94-BE715B8A7F16}" type="datetime1">
               <a:rPr lang="en-US" noProof="0" smtClean="0"/>
-              <a:t>4/19/2024</a:t>
+              <a:t>4/22/2024</a:t>
             </a:fld>
             <a:endParaRPr lang="en-GB" noProof="0"/>
           </a:p>
@@ -15898,7 +15898,7 @@
             <a:pPr rtl="0"/>
             <a:fld id="{4E8B771E-A1FC-460D-BCE6-094C49CC8916}" type="datetime1">
               <a:rPr lang="en-US" noProof="0" smtClean="0"/>
-              <a:t>4/19/2024</a:t>
+              <a:t>4/22/2024</a:t>
             </a:fld>
             <a:endParaRPr lang="en-GB" noProof="0"/>
           </a:p>
@@ -18125,7 +18125,7 @@
             <a:pPr rtl="0"/>
             <a:fld id="{264795B9-8913-4E00-972B-0018D8D7C09F}" type="datetime1">
               <a:rPr lang="en-US" noProof="0" smtClean="0"/>
-              <a:t>4/19/2024</a:t>
+              <a:t>4/22/2024</a:t>
             </a:fld>
             <a:endParaRPr lang="en-GB" noProof="0"/>
           </a:p>
@@ -18397,7 +18397,7 @@
             <a:pPr rtl="0"/>
             <a:fld id="{D0DA00EB-ED6E-4D93-8BF7-DA1A6606C418}" type="datetime1">
               <a:rPr lang="en-US" noProof="0" smtClean="0"/>
-              <a:t>4/19/2024</a:t>
+              <a:t>4/22/2024</a:t>
             </a:fld>
             <a:endParaRPr lang="en-GB" noProof="0"/>
           </a:p>
@@ -19090,7 +19090,7 @@
             <a:pPr rtl="0"/>
             <a:fld id="{C4A895BC-2672-4A03-9AB8-87EB05DAF81C}" type="datetime1">
               <a:rPr lang="en-US" smtClean="0"/>
-              <a:t>4/19/2024</a:t>
+              <a:t>4/22/2024</a:t>
             </a:fld>
             <a:endParaRPr lang="en-GB"/>
           </a:p>
@@ -19364,7 +19364,7 @@
             <a:pPr rtl="0"/>
             <a:fld id="{C4A895BC-2672-4A03-9AB8-87EB05DAF81C}" type="datetime1">
               <a:rPr lang="en-US" smtClean="0"/>
-              <a:t>4/19/2024</a:t>
+              <a:t>4/22/2024</a:t>
             </a:fld>
             <a:endParaRPr lang="en-GB"/>
           </a:p>
@@ -19697,7 +19697,7 @@
             <a:pPr rtl="0"/>
             <a:fld id="{C4A895BC-2672-4A03-9AB8-87EB05DAF81C}" type="datetime1">
               <a:rPr lang="en-US" smtClean="0"/>
-              <a:t>4/19/2024</a:t>
+              <a:t>4/22/2024</a:t>
             </a:fld>
             <a:endParaRPr lang="en-GB" dirty="0"/>
           </a:p>
@@ -19949,7 +19949,7 @@
             <a:pPr rtl="0"/>
             <a:fld id="{C4A895BC-2672-4A03-9AB8-87EB05DAF81C}" type="datetime1">
               <a:rPr lang="en-US" smtClean="0"/>
-              <a:t>4/19/2024</a:t>
+              <a:t>4/22/2024</a:t>
             </a:fld>
             <a:endParaRPr lang="en-GB"/>
           </a:p>
@@ -20025,8 +20025,8 @@
           </a:p>
         </p:txBody>
       </p:sp>
-      <mc:AlternateContent xmlns:mc="http://schemas.openxmlformats.org/markup-compatibility/2006" xmlns:a14="http://schemas.microsoft.com/office/drawing/2010/main">
-        <mc:Choice Requires="a14">
+      <mc:AlternateContent xmlns:mc="http://schemas.openxmlformats.org/markup-compatibility/2006">
+        <mc:Choice xmlns:a14="http://schemas.microsoft.com/office/drawing/2010/main" Requires="a14">
           <p:sp>
             <p:nvSpPr>
               <p:cNvPr id="21" name="Content Placeholder 20">
@@ -20087,7 +20087,11 @@
                 </a:pPr>
                 <a:r>
                   <a:rPr lang="en-GB" dirty="0"/>
-                  <a:t>Leader waits for all “</a:t>
+                  <a:t>Leader waits </a:t>
+                </a:r>
+                <a:r>
+                  <a:rPr lang="en-GB"/>
+                  <a:t>for all “</a:t>
                 </a:r>
                 <a:r>
                   <a:rPr lang="en-GB" i="1" dirty="0" err="1"/>
@@ -20095,7 +20099,7 @@
                 </a:r>
                 <a:r>
                   <a:rPr lang="en-GB" dirty="0"/>
-                  <a:t>” to all workers</a:t>
+                  <a:t>” from all workers</a:t>
                 </a:r>
               </a:p>
               <a:p>
@@ -20206,11 +20210,7 @@
                 </a:pPr>
                 <a:r>
                   <a:rPr lang="en-GB" dirty="0"/>
-                  <a:t>Leader waits </a:t>
-                </a:r>
-                <a:r>
-                  <a:rPr lang="en-GB"/>
-                  <a:t>for a “</a:t>
+                  <a:t>Leader waits for a “</a:t>
                 </a:r>
                 <a:r>
                   <a:rPr lang="en-GB" i="1" dirty="0" err="1"/>
@@ -20248,7 +20248,7 @@
             </p:txBody>
           </p:sp>
         </mc:Choice>
-        <mc:Fallback xmlns="">
+        <mc:Fallback>
           <p:sp>
             <p:nvSpPr>
               <p:cNvPr id="21" name="Content Placeholder 20">
@@ -20375,7 +20375,7 @@
             <a:pPr rtl="0"/>
             <a:fld id="{D113A968-7746-4A9A-8F94-4D73A74D330B}" type="datetime1">
               <a:rPr lang="en-US" smtClean="0"/>
-              <a:t>4/19/2024</a:t>
+              <a:t>4/22/2024</a:t>
             </a:fld>
             <a:endParaRPr lang="en-GB" dirty="0"/>
           </a:p>
@@ -20590,7 +20590,7 @@
             <a:pPr rtl="0"/>
             <a:fld id="{3BAA7767-E6CB-4E40-B12C-A6EA98D9FCA8}" type="datetime1">
               <a:rPr lang="en-US" smtClean="0"/>
-              <a:t>4/19/2024</a:t>
+              <a:t>4/22/2024</a:t>
             </a:fld>
             <a:endParaRPr lang="en-GB" dirty="0"/>
           </a:p>
@@ -20785,7 +20785,7 @@
             <a:pPr rtl="0"/>
             <a:fld id="{B427B743-DD03-4464-BA42-4A7140295372}" type="datetime1">
               <a:rPr lang="en-US" smtClean="0"/>
-              <a:t>4/19/2024</a:t>
+              <a:t>4/22/2024</a:t>
             </a:fld>
             <a:endParaRPr lang="en-GB"/>
           </a:p>
@@ -21170,7 +21170,7 @@
             <a:pPr rtl="0"/>
             <a:fld id="{788E6BBF-F598-4D88-860C-C28E28D4EA60}" type="datetime1">
               <a:rPr lang="en-US" smtClean="0"/>
-              <a:t>4/19/2024</a:t>
+              <a:t>4/22/2024</a:t>
             </a:fld>
             <a:endParaRPr lang="en-GB" dirty="0"/>
           </a:p>
@@ -21382,7 +21382,7 @@
             <a:pPr rtl="0"/>
             <a:fld id="{08DEBEC4-5FA1-4102-90D8-7B8F10C6FFD8}" type="datetime1">
               <a:rPr lang="en-US" smtClean="0"/>
-              <a:t>4/19/2024</a:t>
+              <a:t>4/22/2024</a:t>
             </a:fld>
             <a:endParaRPr lang="en-GB"/>
           </a:p>
@@ -21639,7 +21639,7 @@
             <a:pPr rtl="0"/>
             <a:fld id="{08DEBEC4-5FA1-4102-90D8-7B8F10C6FFD8}" type="datetime1">
               <a:rPr lang="en-US" smtClean="0"/>
-              <a:t>4/19/2024</a:t>
+              <a:t>4/22/2024</a:t>
             </a:fld>
             <a:endParaRPr lang="en-GB"/>
           </a:p>
@@ -21844,7 +21844,7 @@
             <a:pPr rtl="0"/>
             <a:fld id="{08DEBEC4-5FA1-4102-90D8-7B8F10C6FFD8}" type="datetime1">
               <a:rPr lang="en-US" smtClean="0"/>
-              <a:t>4/19/2024</a:t>
+              <a:t>4/22/2024</a:t>
             </a:fld>
             <a:endParaRPr lang="en-GB"/>
           </a:p>
@@ -22089,7 +22089,7 @@
             <a:pPr rtl="0"/>
             <a:fld id="{08DEBEC4-5FA1-4102-90D8-7B8F10C6FFD8}" type="datetime1">
               <a:rPr lang="en-US" smtClean="0"/>
-              <a:t>4/19/2024</a:t>
+              <a:t>4/22/2024</a:t>
             </a:fld>
             <a:endParaRPr lang="en-GB"/>
           </a:p>
@@ -22258,7 +22258,7 @@
             <a:pPr rtl="0"/>
             <a:fld id="{C4A895BC-2672-4A03-9AB8-87EB05DAF81C}" type="datetime1">
               <a:rPr lang="en-US" smtClean="0"/>
-              <a:t>4/19/2024</a:t>
+              <a:t>4/22/2024</a:t>
             </a:fld>
             <a:endParaRPr lang="en-GB"/>
           </a:p>
@@ -22530,7 +22530,7 @@
             <a:pPr rtl="0"/>
             <a:fld id="{C4A895BC-2672-4A03-9AB8-87EB05DAF81C}" type="datetime1">
               <a:rPr lang="en-US" smtClean="0"/>
-              <a:t>4/19/2024</a:t>
+              <a:t>4/22/2024</a:t>
             </a:fld>
             <a:endParaRPr lang="en-GB"/>
           </a:p>
@@ -22788,7 +22788,7 @@
             <a:pPr rtl="0"/>
             <a:fld id="{C4A895BC-2672-4A03-9AB8-87EB05DAF81C}" type="datetime1">
               <a:rPr lang="en-US" smtClean="0"/>
-              <a:t>4/19/2024</a:t>
+              <a:t>4/22/2024</a:t>
             </a:fld>
             <a:endParaRPr lang="en-GB"/>
           </a:p>
@@ -23740,15 +23740,6 @@
 </file>
 
 <file path=customXml/item1.xml><?xml version="1.0" encoding="utf-8"?>
-<?mso-contentType ?>
-<FormTemplates xmlns="http://schemas.microsoft.com/sharepoint/v3/contenttype/forms">
-  <Display>DocumentLibraryForm</Display>
-  <Edit>DocumentLibraryForm</Edit>
-  <New>DocumentLibraryForm</New>
-</FormTemplates>
-</file>
-
-<file path=customXml/item2.xml><?xml version="1.0" encoding="utf-8"?>
 <ct:contentTypeSchema xmlns:ct="http://schemas.microsoft.com/office/2006/metadata/contentType" xmlns:ma="http://schemas.microsoft.com/office/2006/metadata/properties/metaAttributes" ct:_="" ma:_="" ma:contentTypeName="Document" ma:contentTypeID="0x01010079F111ED35F8CC479449609E8A0923A6" ma:contentTypeVersion="21" ma:contentTypeDescription="Create a new document." ma:contentTypeScope="" ma:versionID="64dfb1555687e0874b4304b796b5b0c7">
   <xsd:schema xmlns:xsd="http://www.w3.org/2001/XMLSchema" xmlns:xs="http://www.w3.org/2001/XMLSchema" xmlns:p="http://schemas.microsoft.com/office/2006/metadata/properties" xmlns:ns1="http://schemas.microsoft.com/sharepoint/v3" xmlns:ns2="71af3243-3dd4-4a8d-8c0d-dd76da1f02a5" xmlns:ns3="16c05727-aa75-4e4a-9b5f-8a80a1165891" xmlns:ns4="230e9df3-be65-4c73-a93b-d1236ebd677e" targetNamespace="http://schemas.microsoft.com/office/2006/metadata/properties" ma:root="true" ma:fieldsID="e6e4c555b5e194d05b7203de9c4567b3" ns1:_="" ns2:_="" ns3:_="" ns4:_="">
     <xsd:import namespace="http://schemas.microsoft.com/sharepoint/v3"/>
@@ -24030,6 +24021,15 @@
 </ct:contentTypeSchema>
 </file>
 
+<file path=customXml/item2.xml><?xml version="1.0" encoding="utf-8"?>
+<?mso-contentType ?>
+<FormTemplates xmlns="http://schemas.microsoft.com/sharepoint/v3/contenttype/forms">
+  <Display>DocumentLibraryForm</Display>
+  <Edit>DocumentLibraryForm</Edit>
+  <New>DocumentLibraryForm</New>
+</FormTemplates>
+</file>
+
 <file path=customXml/item3.xml><?xml version="1.0" encoding="utf-8"?>
 <p:properties xmlns:p="http://schemas.microsoft.com/office/2006/metadata/properties" xmlns:xsi="http://www.w3.org/2001/XMLSchema-instance" xmlns:pc="http://schemas.microsoft.com/office/infopath/2007/PartnerControls">
   <documentManagement>
@@ -24050,14 +24050,6 @@
 </file>
 
 <file path=customXml/itemProps1.xml><?xml version="1.0" encoding="utf-8"?>
-<ds:datastoreItem xmlns:ds="http://schemas.openxmlformats.org/officeDocument/2006/customXml" ds:itemID="{85334180-0405-413B-834A-44FA9E05ADB7}">
-  <ds:schemaRefs>
-    <ds:schemaRef ds:uri="http://schemas.microsoft.com/sharepoint/v3/contenttype/forms"/>
-  </ds:schemaRefs>
-</ds:datastoreItem>
-</file>
-
-<file path=customXml/itemProps2.xml><?xml version="1.0" encoding="utf-8"?>
 <ds:datastoreItem xmlns:ds="http://schemas.openxmlformats.org/officeDocument/2006/customXml" ds:itemID="{4A615295-94F6-4CE2-A1B1-6B7E1DAA5AD6}">
   <ds:schemaRefs>
     <ds:schemaRef ds:uri="http://schemas.microsoft.com/office/2006/metadata/contentType"/>
@@ -24074,6 +24066,14 @@
     <ds:schemaRef ds:uri="http://purl.org/dc/elements/1.1/"/>
     <ds:schemaRef ds:uri="http://purl.org/dc/terms/"/>
     <ds:schemaRef ds:uri="http://schemas.microsoft.com/internal/obd"/>
+  </ds:schemaRefs>
+</ds:datastoreItem>
+</file>
+
+<file path=customXml/itemProps2.xml><?xml version="1.0" encoding="utf-8"?>
+<ds:datastoreItem xmlns:ds="http://schemas.openxmlformats.org/officeDocument/2006/customXml" ds:itemID="{85334180-0405-413B-834A-44FA9E05ADB7}">
+  <ds:schemaRefs>
+    <ds:schemaRef ds:uri="http://schemas.microsoft.com/sharepoint/v3/contenttype/forms"/>
   </ds:schemaRefs>
 </ds:datastoreItem>
 </file>
